--- a/Kansas City Crime Analysis.pptx
+++ b/Kansas City Crime Analysis.pptx
@@ -1,39 +1,39 @@
 
 <file path=ppt/presentation.xml><?xml version="1.0" encoding="utf-8"?>
-<p:presentation xmlns:a="http://schemas.openxmlformats.org/drawingml/2006/main" xmlns:r="http://schemas.openxmlformats.org/officeDocument/2006/relationships" xmlns:mc="http://schemas.openxmlformats.org/markup-compatibility/2006" xmlns:mv="urn:schemas-microsoft-com:mac:vml" xmlns:p="http://schemas.openxmlformats.org/presentationml/2006/main" xmlns:c="http://schemas.openxmlformats.org/drawingml/2006/chart" xmlns:dgm="http://schemas.openxmlformats.org/drawingml/2006/diagram" xmlns:o="urn:schemas-microsoft-com:office:office" xmlns:v="urn:schemas-microsoft-com:vml" xmlns:pvml="urn:schemas-microsoft-com:office:powerpoint" xmlns:com="http://schemas.openxmlformats.org/drawingml/2006/compatibility" xmlns:p14="http://schemas.microsoft.com/office/powerpoint/2010/main" xmlns:p15="http://schemas.microsoft.com/office/powerpoint/2012/main" autoCompressPictures="0" embedTrueTypeFonts="1" strictFirstAndLastChars="0" saveSubsetFonts="1">
+<p:presentation xmlns:a="http://schemas.openxmlformats.org/drawingml/2006/main" xmlns:r="http://schemas.openxmlformats.org/officeDocument/2006/relationships" xmlns:p="http://schemas.openxmlformats.org/presentationml/2006/main" strictFirstAndLastChars="0" embedTrueTypeFonts="1" saveSubsetFonts="1" autoCompressPictures="0">
   <p:sldMasterIdLst>
-    <p:sldMasterId id="2147483660" r:id="rId4"/>
+    <p:sldMasterId id="2147483660" r:id="rId1"/>
   </p:sldMasterIdLst>
   <p:notesMasterIdLst>
-    <p:notesMasterId r:id="rId5"/>
+    <p:notesMasterId r:id="rId14"/>
   </p:notesMasterIdLst>
   <p:sldIdLst>
-    <p:sldId id="256" r:id="rId6"/>
-    <p:sldId id="257" r:id="rId7"/>
-    <p:sldId id="258" r:id="rId8"/>
-    <p:sldId id="259" r:id="rId9"/>
-    <p:sldId id="260" r:id="rId10"/>
-    <p:sldId id="261" r:id="rId11"/>
-    <p:sldId id="262" r:id="rId12"/>
-    <p:sldId id="263" r:id="rId13"/>
-    <p:sldId id="264" r:id="rId14"/>
-    <p:sldId id="265" r:id="rId15"/>
-    <p:sldId id="266" r:id="rId16"/>
-    <p:sldId id="267" r:id="rId17"/>
+    <p:sldId id="256" r:id="rId2"/>
+    <p:sldId id="257" r:id="rId3"/>
+    <p:sldId id="258" r:id="rId4"/>
+    <p:sldId id="259" r:id="rId5"/>
+    <p:sldId id="260" r:id="rId6"/>
+    <p:sldId id="261" r:id="rId7"/>
+    <p:sldId id="262" r:id="rId8"/>
+    <p:sldId id="263" r:id="rId9"/>
+    <p:sldId id="264" r:id="rId10"/>
+    <p:sldId id="265" r:id="rId11"/>
+    <p:sldId id="266" r:id="rId12"/>
+    <p:sldId id="267" r:id="rId13"/>
   </p:sldIdLst>
-  <p:sldSz cy="5143500" cx="9144000"/>
+  <p:sldSz cx="9144000" cy="5143500" type="screen16x9"/>
   <p:notesSz cx="6858000" cy="9144000"/>
   <p:embeddedFontLst>
     <p:embeddedFont>
-      <p:font typeface="Century Gothic"/>
-      <p:regular r:id="rId18"/>
-      <p:bold r:id="rId19"/>
-      <p:italic r:id="rId20"/>
-      <p:boldItalic r:id="rId21"/>
+      <p:font typeface="Century Gothic" panose="020B0502020202020204" pitchFamily="34" charset="0"/>
+      <p:regular r:id="rId15"/>
+      <p:bold r:id="rId16"/>
+      <p:italic r:id="rId17"/>
+      <p:boldItalic r:id="rId18"/>
     </p:embeddedFont>
   </p:embeddedFontLst>
   <p:defaultTextStyle>
-    <a:defPPr lvl="0" marR="0" rtl="0" algn="l">
+    <a:defPPr marR="0" lvl="0" algn="l" rtl="0">
       <a:lnSpc>
         <a:spcPct val="100000"/>
       </a:lnSpc>
@@ -44,7 +44,7 @@
         <a:spcPts val="0"/>
       </a:spcAft>
     </a:defPPr>
-    <a:lvl1pPr lvl="0" marR="0" rtl="0" algn="l">
+    <a:lvl1pPr marR="0" lvl="0" algn="l" rtl="0">
       <a:lnSpc>
         <a:spcPct val="100000"/>
       </a:lnSpc>
@@ -58,7 +58,7 @@
         <a:srgbClr val="000000"/>
       </a:buClr>
       <a:buFont typeface="Arial"/>
-      <a:defRPr b="0" i="0" sz="1400" u="none" cap="none" strike="noStrike">
+      <a:defRPr sz="1400" b="0" i="0" u="none" strike="noStrike" cap="none">
         <a:solidFill>
           <a:srgbClr val="000000"/>
         </a:solidFill>
@@ -68,7 +68,7 @@
         <a:sym typeface="Arial"/>
       </a:defRPr>
     </a:lvl1pPr>
-    <a:lvl2pPr lvl="1" marR="0" rtl="0" algn="l">
+    <a:lvl2pPr marR="0" lvl="1" algn="l" rtl="0">
       <a:lnSpc>
         <a:spcPct val="100000"/>
       </a:lnSpc>
@@ -82,7 +82,7 @@
         <a:srgbClr val="000000"/>
       </a:buClr>
       <a:buFont typeface="Arial"/>
-      <a:defRPr b="0" i="0" sz="1400" u="none" cap="none" strike="noStrike">
+      <a:defRPr sz="1400" b="0" i="0" u="none" strike="noStrike" cap="none">
         <a:solidFill>
           <a:srgbClr val="000000"/>
         </a:solidFill>
@@ -92,7 +92,7 @@
         <a:sym typeface="Arial"/>
       </a:defRPr>
     </a:lvl2pPr>
-    <a:lvl3pPr lvl="2" marR="0" rtl="0" algn="l">
+    <a:lvl3pPr marR="0" lvl="2" algn="l" rtl="0">
       <a:lnSpc>
         <a:spcPct val="100000"/>
       </a:lnSpc>
@@ -106,7 +106,7 @@
         <a:srgbClr val="000000"/>
       </a:buClr>
       <a:buFont typeface="Arial"/>
-      <a:defRPr b="0" i="0" sz="1400" u="none" cap="none" strike="noStrike">
+      <a:defRPr sz="1400" b="0" i="0" u="none" strike="noStrike" cap="none">
         <a:solidFill>
           <a:srgbClr val="000000"/>
         </a:solidFill>
@@ -116,7 +116,7 @@
         <a:sym typeface="Arial"/>
       </a:defRPr>
     </a:lvl3pPr>
-    <a:lvl4pPr lvl="3" marR="0" rtl="0" algn="l">
+    <a:lvl4pPr marR="0" lvl="3" algn="l" rtl="0">
       <a:lnSpc>
         <a:spcPct val="100000"/>
       </a:lnSpc>
@@ -130,7 +130,7 @@
         <a:srgbClr val="000000"/>
       </a:buClr>
       <a:buFont typeface="Arial"/>
-      <a:defRPr b="0" i="0" sz="1400" u="none" cap="none" strike="noStrike">
+      <a:defRPr sz="1400" b="0" i="0" u="none" strike="noStrike" cap="none">
         <a:solidFill>
           <a:srgbClr val="000000"/>
         </a:solidFill>
@@ -140,7 +140,7 @@
         <a:sym typeface="Arial"/>
       </a:defRPr>
     </a:lvl4pPr>
-    <a:lvl5pPr lvl="4" marR="0" rtl="0" algn="l">
+    <a:lvl5pPr marR="0" lvl="4" algn="l" rtl="0">
       <a:lnSpc>
         <a:spcPct val="100000"/>
       </a:lnSpc>
@@ -154,7 +154,7 @@
         <a:srgbClr val="000000"/>
       </a:buClr>
       <a:buFont typeface="Arial"/>
-      <a:defRPr b="0" i="0" sz="1400" u="none" cap="none" strike="noStrike">
+      <a:defRPr sz="1400" b="0" i="0" u="none" strike="noStrike" cap="none">
         <a:solidFill>
           <a:srgbClr val="000000"/>
         </a:solidFill>
@@ -164,7 +164,7 @@
         <a:sym typeface="Arial"/>
       </a:defRPr>
     </a:lvl5pPr>
-    <a:lvl6pPr lvl="5" marR="0" rtl="0" algn="l">
+    <a:lvl6pPr marR="0" lvl="5" algn="l" rtl="0">
       <a:lnSpc>
         <a:spcPct val="100000"/>
       </a:lnSpc>
@@ -178,7 +178,7 @@
         <a:srgbClr val="000000"/>
       </a:buClr>
       <a:buFont typeface="Arial"/>
-      <a:defRPr b="0" i="0" sz="1400" u="none" cap="none" strike="noStrike">
+      <a:defRPr sz="1400" b="0" i="0" u="none" strike="noStrike" cap="none">
         <a:solidFill>
           <a:srgbClr val="000000"/>
         </a:solidFill>
@@ -188,7 +188,7 @@
         <a:sym typeface="Arial"/>
       </a:defRPr>
     </a:lvl6pPr>
-    <a:lvl7pPr lvl="6" marR="0" rtl="0" algn="l">
+    <a:lvl7pPr marR="0" lvl="6" algn="l" rtl="0">
       <a:lnSpc>
         <a:spcPct val="100000"/>
       </a:lnSpc>
@@ -202,7 +202,7 @@
         <a:srgbClr val="000000"/>
       </a:buClr>
       <a:buFont typeface="Arial"/>
-      <a:defRPr b="0" i="0" sz="1400" u="none" cap="none" strike="noStrike">
+      <a:defRPr sz="1400" b="0" i="0" u="none" strike="noStrike" cap="none">
         <a:solidFill>
           <a:srgbClr val="000000"/>
         </a:solidFill>
@@ -212,7 +212,7 @@
         <a:sym typeface="Arial"/>
       </a:defRPr>
     </a:lvl7pPr>
-    <a:lvl8pPr lvl="7" marR="0" rtl="0" algn="l">
+    <a:lvl8pPr marR="0" lvl="7" algn="l" rtl="0">
       <a:lnSpc>
         <a:spcPct val="100000"/>
       </a:lnSpc>
@@ -226,7 +226,7 @@
         <a:srgbClr val="000000"/>
       </a:buClr>
       <a:buFont typeface="Arial"/>
-      <a:defRPr b="0" i="0" sz="1400" u="none" cap="none" strike="noStrike">
+      <a:defRPr sz="1400" b="0" i="0" u="none" strike="noStrike" cap="none">
         <a:solidFill>
           <a:srgbClr val="000000"/>
         </a:solidFill>
@@ -236,7 +236,7 @@
         <a:sym typeface="Arial"/>
       </a:defRPr>
     </a:lvl8pPr>
-    <a:lvl9pPr lvl="8" marR="0" rtl="0" algn="l">
+    <a:lvl9pPr marR="0" lvl="8" algn="l" rtl="0">
       <a:lnSpc>
         <a:spcPct val="100000"/>
       </a:lnSpc>
@@ -250,7 +250,7 @@
         <a:srgbClr val="000000"/>
       </a:buClr>
       <a:buFont typeface="Arial"/>
-      <a:defRPr b="0" i="0" sz="1400" u="none" cap="none" strike="noStrike">
+      <a:defRPr sz="1400" b="0" i="0" u="none" strike="noStrike" cap="none">
         <a:solidFill>
           <a:srgbClr val="000000"/>
         </a:solidFill>
@@ -263,7 +263,7 @@
   </p:defaultTextStyle>
   <p:extLst>
     <p:ext uri="{EFAFB233-063F-42B5-8137-9DF3F51BA10A}">
-      <p15:sldGuideLst>
+      <p15:sldGuideLst xmlns:p15="http://schemas.microsoft.com/office/powerpoint/2012/main">
         <p15:guide id="1" orient="horz" pos="1620">
           <p15:clr>
             <a:srgbClr val="A4A3A4"/>
@@ -281,11 +281,16 @@
 </file>
 
 <file path=ppt/notesMasters/notesMaster1.xml><?xml version="1.0" encoding="utf-8"?>
-<p:notesMaster xmlns:a="http://schemas.openxmlformats.org/drawingml/2006/main" xmlns:r="http://schemas.openxmlformats.org/officeDocument/2006/relationships" xmlns:mc="http://schemas.openxmlformats.org/markup-compatibility/2006" xmlns:mv="urn:schemas-microsoft-com:mac:vml" xmlns:p="http://schemas.openxmlformats.org/presentationml/2006/main" xmlns:c="http://schemas.openxmlformats.org/drawingml/2006/chart" xmlns:dgm="http://schemas.openxmlformats.org/drawingml/2006/diagram" xmlns:o="urn:schemas-microsoft-com:office:office" xmlns:v="urn:schemas-microsoft-com:vml" xmlns:pvml="urn:schemas-microsoft-com:office:powerpoint" xmlns:com="http://schemas.openxmlformats.org/drawingml/2006/compatibility" xmlns:p14="http://schemas.microsoft.com/office/powerpoint/2010/main" xmlns:p15="http://schemas.microsoft.com/office/powerpoint/2012/main">
+<p:notesMaster xmlns:a="http://schemas.openxmlformats.org/drawingml/2006/main" xmlns:r="http://schemas.openxmlformats.org/officeDocument/2006/relationships" xmlns:p="http://schemas.openxmlformats.org/presentationml/2006/main">
   <p:cSld>
+    <p:bg>
+      <p:bgRef idx="1001">
+        <a:schemeClr val="bg1"/>
+      </p:bgRef>
+    </p:bg>
     <p:spTree>
       <p:nvGrpSpPr>
-        <p:cNvPr id="2" name="Shape 2"/>
+        <p:cNvPr id="1" name="Shape 2"/>
         <p:cNvGrpSpPr/>
         <p:nvPr/>
       </p:nvGrpSpPr>
@@ -300,9 +305,11 @@
       <p:sp>
         <p:nvSpPr>
           <p:cNvPr id="3" name="Google Shape;3;n"/>
-          <p:cNvSpPr/>
+          <p:cNvSpPr>
+            <a:spLocks noGrp="1" noRot="1" noChangeAspect="1"/>
+          </p:cNvSpPr>
           <p:nvPr>
-            <p:ph idx="2" type="sldImg"/>
+            <p:ph type="sldImg" idx="2"/>
           </p:nvPr>
         </p:nvSpPr>
         <p:spPr>
@@ -311,9 +318,13 @@
             <a:ext cx="6096075" cy="3429000"/>
           </a:xfrm>
           <a:custGeom>
-            <a:rect b="b" l="l" r="r" t="t"/>
+            <a:avLst/>
+            <a:gdLst/>
+            <a:ahLst/>
+            <a:cxnLst/>
+            <a:rect l="l" t="t" r="r" b="b"/>
             <a:pathLst>
-              <a:path extrusionOk="0" h="120000" w="120000">
+              <a:path w="120000" h="120000" extrusionOk="0">
                 <a:moveTo>
                   <a:pt x="0" y="0"/>
                 </a:moveTo>
@@ -331,23 +342,25 @@
             </a:pathLst>
           </a:custGeom>
           <a:noFill/>
-          <a:ln cap="flat" cmpd="sng" w="9525">
+          <a:ln w="9525" cap="flat" cmpd="sng">
             <a:solidFill>
               <a:srgbClr val="000000"/>
             </a:solidFill>
             <a:prstDash val="solid"/>
             <a:round/>
-            <a:headEnd len="sm" w="sm" type="none"/>
-            <a:tailEnd len="sm" w="sm" type="none"/>
+            <a:headEnd type="none" w="sm" len="sm"/>
+            <a:tailEnd type="none" w="sm" len="sm"/>
           </a:ln>
         </p:spPr>
       </p:sp>
       <p:sp>
         <p:nvSpPr>
           <p:cNvPr id="4" name="Google Shape;4;n"/>
-          <p:cNvSpPr txBox="1"/>
+          <p:cNvSpPr txBox="1">
+            <a:spLocks noGrp="1"/>
+          </p:cNvSpPr>
           <p:nvPr>
-            <p:ph idx="1" type="body"/>
+            <p:ph type="body" idx="1"/>
           </p:nvPr>
         </p:nvSpPr>
         <p:spPr>
@@ -364,11 +377,11 @@
           </a:ln>
         </p:spPr>
         <p:txBody>
-          <a:bodyPr anchorCtr="0" anchor="t" bIns="91425" lIns="91425" spcFirstLastPara="1" rIns="91425" wrap="square" tIns="91425">
+          <a:bodyPr spcFirstLastPara="1" wrap="square" lIns="91425" tIns="91425" rIns="91425" bIns="91425" anchor="t" anchorCtr="0">
             <a:noAutofit/>
           </a:bodyPr>
           <a:lstStyle>
-            <a:lvl1pPr indent="-298450" lvl="0" marL="457200">
+            <a:lvl1pPr marL="457200" lvl="0" indent="-298450">
               <a:spcBef>
                 <a:spcPts val="0"/>
               </a:spcBef>
@@ -379,7 +392,7 @@
               <a:buChar char="●"/>
               <a:defRPr sz="1100"/>
             </a:lvl1pPr>
-            <a:lvl2pPr indent="-298450" lvl="1" marL="914400">
+            <a:lvl2pPr marL="914400" lvl="1" indent="-298450">
               <a:spcBef>
                 <a:spcPts val="0"/>
               </a:spcBef>
@@ -390,7 +403,7 @@
               <a:buChar char="○"/>
               <a:defRPr sz="1100"/>
             </a:lvl2pPr>
-            <a:lvl3pPr indent="-298450" lvl="2" marL="1371600">
+            <a:lvl3pPr marL="1371600" lvl="2" indent="-298450">
               <a:spcBef>
                 <a:spcPts val="0"/>
               </a:spcBef>
@@ -401,7 +414,7 @@
               <a:buChar char="■"/>
               <a:defRPr sz="1100"/>
             </a:lvl3pPr>
-            <a:lvl4pPr indent="-298450" lvl="3" marL="1828800">
+            <a:lvl4pPr marL="1828800" lvl="3" indent="-298450">
               <a:spcBef>
                 <a:spcPts val="0"/>
               </a:spcBef>
@@ -412,7 +425,7 @@
               <a:buChar char="●"/>
               <a:defRPr sz="1100"/>
             </a:lvl4pPr>
-            <a:lvl5pPr indent="-298450" lvl="4" marL="2286000">
+            <a:lvl5pPr marL="2286000" lvl="4" indent="-298450">
               <a:spcBef>
                 <a:spcPts val="0"/>
               </a:spcBef>
@@ -423,7 +436,7 @@
               <a:buChar char="○"/>
               <a:defRPr sz="1100"/>
             </a:lvl5pPr>
-            <a:lvl6pPr indent="-298450" lvl="5" marL="2743200">
+            <a:lvl6pPr marL="2743200" lvl="5" indent="-298450">
               <a:spcBef>
                 <a:spcPts val="0"/>
               </a:spcBef>
@@ -434,7 +447,7 @@
               <a:buChar char="■"/>
               <a:defRPr sz="1100"/>
             </a:lvl6pPr>
-            <a:lvl7pPr indent="-298450" lvl="6" marL="3200400">
+            <a:lvl7pPr marL="3200400" lvl="6" indent="-298450">
               <a:spcBef>
                 <a:spcPts val="0"/>
               </a:spcBef>
@@ -445,7 +458,7 @@
               <a:buChar char="●"/>
               <a:defRPr sz="1100"/>
             </a:lvl7pPr>
-            <a:lvl8pPr indent="-298450" lvl="7" marL="3657600">
+            <a:lvl8pPr marL="3657600" lvl="7" indent="-298450">
               <a:spcBef>
                 <a:spcPts val="0"/>
               </a:spcBef>
@@ -456,7 +469,7 @@
               <a:buChar char="○"/>
               <a:defRPr sz="1100"/>
             </a:lvl8pPr>
-            <a:lvl9pPr indent="-298450" lvl="8" marL="4114800">
+            <a:lvl9pPr marL="4114800" lvl="8" indent="-298450">
               <a:spcBef>
                 <a:spcPts val="0"/>
               </a:spcBef>
@@ -468,14 +481,16 @@
               <a:defRPr sz="1100"/>
             </a:lvl9pPr>
           </a:lstStyle>
-          <a:p/>
+          <a:p>
+            <a:endParaRPr/>
+          </a:p>
         </p:txBody>
       </p:sp>
     </p:spTree>
   </p:cSld>
-  <p:clrMap accent1="accent1" accent2="accent2" accent3="accent3" accent4="accent4" accent5="accent5" accent6="accent6" bg1="lt1" bg2="dk2" tx1="dk1" tx2="lt2" folHlink="folHlink" hlink="hlink"/>
+  <p:clrMap bg1="lt1" tx1="dk1" bg2="dk2" tx2="lt2" accent1="accent1" accent2="accent2" accent3="accent3" accent4="accent4" accent5="accent5" accent6="accent6" hlink="hlink" folHlink="folHlink"/>
   <p:notesStyle>
-    <a:defPPr lvl="0" marR="0" rtl="0" algn="l">
+    <a:defPPr marR="0" lvl="0" algn="l" rtl="0">
       <a:lnSpc>
         <a:spcPct val="100000"/>
       </a:lnSpc>
@@ -486,7 +501,7 @@
         <a:spcPts val="0"/>
       </a:spcAft>
     </a:defPPr>
-    <a:lvl1pPr lvl="0" marR="0" rtl="0" algn="l">
+    <a:lvl1pPr marR="0" lvl="0" algn="l" rtl="0">
       <a:lnSpc>
         <a:spcPct val="100000"/>
       </a:lnSpc>
@@ -500,7 +515,7 @@
         <a:srgbClr val="000000"/>
       </a:buClr>
       <a:buFont typeface="Arial"/>
-      <a:defRPr b="0" i="0" sz="1400" u="none" cap="none" strike="noStrike">
+      <a:defRPr sz="1400" b="0" i="0" u="none" strike="noStrike" cap="none">
         <a:solidFill>
           <a:srgbClr val="000000"/>
         </a:solidFill>
@@ -510,7 +525,7 @@
         <a:sym typeface="Arial"/>
       </a:defRPr>
     </a:lvl1pPr>
-    <a:lvl2pPr lvl="1" marR="0" rtl="0" algn="l">
+    <a:lvl2pPr marR="0" lvl="1" algn="l" rtl="0">
       <a:lnSpc>
         <a:spcPct val="100000"/>
       </a:lnSpc>
@@ -524,7 +539,7 @@
         <a:srgbClr val="000000"/>
       </a:buClr>
       <a:buFont typeface="Arial"/>
-      <a:defRPr b="0" i="0" sz="1400" u="none" cap="none" strike="noStrike">
+      <a:defRPr sz="1400" b="0" i="0" u="none" strike="noStrike" cap="none">
         <a:solidFill>
           <a:srgbClr val="000000"/>
         </a:solidFill>
@@ -534,7 +549,7 @@
         <a:sym typeface="Arial"/>
       </a:defRPr>
     </a:lvl2pPr>
-    <a:lvl3pPr lvl="2" marR="0" rtl="0" algn="l">
+    <a:lvl3pPr marR="0" lvl="2" algn="l" rtl="0">
       <a:lnSpc>
         <a:spcPct val="100000"/>
       </a:lnSpc>
@@ -548,7 +563,7 @@
         <a:srgbClr val="000000"/>
       </a:buClr>
       <a:buFont typeface="Arial"/>
-      <a:defRPr b="0" i="0" sz="1400" u="none" cap="none" strike="noStrike">
+      <a:defRPr sz="1400" b="0" i="0" u="none" strike="noStrike" cap="none">
         <a:solidFill>
           <a:srgbClr val="000000"/>
         </a:solidFill>
@@ -558,7 +573,7 @@
         <a:sym typeface="Arial"/>
       </a:defRPr>
     </a:lvl3pPr>
-    <a:lvl4pPr lvl="3" marR="0" rtl="0" algn="l">
+    <a:lvl4pPr marR="0" lvl="3" algn="l" rtl="0">
       <a:lnSpc>
         <a:spcPct val="100000"/>
       </a:lnSpc>
@@ -572,7 +587,7 @@
         <a:srgbClr val="000000"/>
       </a:buClr>
       <a:buFont typeface="Arial"/>
-      <a:defRPr b="0" i="0" sz="1400" u="none" cap="none" strike="noStrike">
+      <a:defRPr sz="1400" b="0" i="0" u="none" strike="noStrike" cap="none">
         <a:solidFill>
           <a:srgbClr val="000000"/>
         </a:solidFill>
@@ -582,7 +597,7 @@
         <a:sym typeface="Arial"/>
       </a:defRPr>
     </a:lvl4pPr>
-    <a:lvl5pPr lvl="4" marR="0" rtl="0" algn="l">
+    <a:lvl5pPr marR="0" lvl="4" algn="l" rtl="0">
       <a:lnSpc>
         <a:spcPct val="100000"/>
       </a:lnSpc>
@@ -596,7 +611,7 @@
         <a:srgbClr val="000000"/>
       </a:buClr>
       <a:buFont typeface="Arial"/>
-      <a:defRPr b="0" i="0" sz="1400" u="none" cap="none" strike="noStrike">
+      <a:defRPr sz="1400" b="0" i="0" u="none" strike="noStrike" cap="none">
         <a:solidFill>
           <a:srgbClr val="000000"/>
         </a:solidFill>
@@ -606,7 +621,7 @@
         <a:sym typeface="Arial"/>
       </a:defRPr>
     </a:lvl5pPr>
-    <a:lvl6pPr lvl="5" marR="0" rtl="0" algn="l">
+    <a:lvl6pPr marR="0" lvl="5" algn="l" rtl="0">
       <a:lnSpc>
         <a:spcPct val="100000"/>
       </a:lnSpc>
@@ -620,7 +635,7 @@
         <a:srgbClr val="000000"/>
       </a:buClr>
       <a:buFont typeface="Arial"/>
-      <a:defRPr b="0" i="0" sz="1400" u="none" cap="none" strike="noStrike">
+      <a:defRPr sz="1400" b="0" i="0" u="none" strike="noStrike" cap="none">
         <a:solidFill>
           <a:srgbClr val="000000"/>
         </a:solidFill>
@@ -630,7 +645,7 @@
         <a:sym typeface="Arial"/>
       </a:defRPr>
     </a:lvl6pPr>
-    <a:lvl7pPr lvl="6" marR="0" rtl="0" algn="l">
+    <a:lvl7pPr marR="0" lvl="6" algn="l" rtl="0">
       <a:lnSpc>
         <a:spcPct val="100000"/>
       </a:lnSpc>
@@ -644,7 +659,7 @@
         <a:srgbClr val="000000"/>
       </a:buClr>
       <a:buFont typeface="Arial"/>
-      <a:defRPr b="0" i="0" sz="1400" u="none" cap="none" strike="noStrike">
+      <a:defRPr sz="1400" b="0" i="0" u="none" strike="noStrike" cap="none">
         <a:solidFill>
           <a:srgbClr val="000000"/>
         </a:solidFill>
@@ -654,7 +669,7 @@
         <a:sym typeface="Arial"/>
       </a:defRPr>
     </a:lvl7pPr>
-    <a:lvl8pPr lvl="7" marR="0" rtl="0" algn="l">
+    <a:lvl8pPr marR="0" lvl="7" algn="l" rtl="0">
       <a:lnSpc>
         <a:spcPct val="100000"/>
       </a:lnSpc>
@@ -668,7 +683,7 @@
         <a:srgbClr val="000000"/>
       </a:buClr>
       <a:buFont typeface="Arial"/>
-      <a:defRPr b="0" i="0" sz="1400" u="none" cap="none" strike="noStrike">
+      <a:defRPr sz="1400" b="0" i="0" u="none" strike="noStrike" cap="none">
         <a:solidFill>
           <a:srgbClr val="000000"/>
         </a:solidFill>
@@ -678,7 +693,7 @@
         <a:sym typeface="Arial"/>
       </a:defRPr>
     </a:lvl8pPr>
-    <a:lvl9pPr lvl="8" marR="0" rtl="0" algn="l">
+    <a:lvl9pPr marR="0" lvl="8" algn="l" rtl="0">
       <a:lnSpc>
         <a:spcPct val="100000"/>
       </a:lnSpc>
@@ -692,7 +707,7 @@
         <a:srgbClr val="000000"/>
       </a:buClr>
       <a:buFont typeface="Arial"/>
-      <a:defRPr b="0" i="0" sz="1400" u="none" cap="none" strike="noStrike">
+      <a:defRPr sz="1400" b="0" i="0" u="none" strike="noStrike" cap="none">
         <a:solidFill>
           <a:srgbClr val="000000"/>
         </a:solidFill>
@@ -707,11 +722,11 @@
 </file>
 
 <file path=ppt/notesSlides/notesSlide1.xml><?xml version="1.0" encoding="utf-8"?>
-<p:notes xmlns:a="http://schemas.openxmlformats.org/drawingml/2006/main" xmlns:r="http://schemas.openxmlformats.org/officeDocument/2006/relationships" xmlns:mc="http://schemas.openxmlformats.org/markup-compatibility/2006" xmlns:mv="urn:schemas-microsoft-com:mac:vml" xmlns:p="http://schemas.openxmlformats.org/presentationml/2006/main" xmlns:c="http://schemas.openxmlformats.org/drawingml/2006/chart" xmlns:dgm="http://schemas.openxmlformats.org/drawingml/2006/diagram" xmlns:o="urn:schemas-microsoft-com:office:office" xmlns:v="urn:schemas-microsoft-com:vml" xmlns:pvml="urn:schemas-microsoft-com:office:powerpoint" xmlns:com="http://schemas.openxmlformats.org/drawingml/2006/compatibility" xmlns:p14="http://schemas.microsoft.com/office/powerpoint/2010/main" xmlns:p15="http://schemas.microsoft.com/office/powerpoint/2012/main" showMasterPhAnim="0" showMasterSp="0">
+<p:notes xmlns:a="http://schemas.openxmlformats.org/drawingml/2006/main" xmlns:r="http://schemas.openxmlformats.org/officeDocument/2006/relationships" xmlns:p="http://schemas.openxmlformats.org/presentationml/2006/main" showMasterSp="0" showMasterPhAnim="0">
   <p:cSld>
     <p:spTree>
       <p:nvGrpSpPr>
-        <p:cNvPr id="100" name="Shape 100"/>
+        <p:cNvPr id="1" name="Shape 100"/>
         <p:cNvGrpSpPr/>
         <p:nvPr/>
       </p:nvGrpSpPr>
@@ -726,9 +741,11 @@
       <p:sp>
         <p:nvSpPr>
           <p:cNvPr id="101" name="Google Shape;101;p:notes"/>
-          <p:cNvSpPr/>
+          <p:cNvSpPr>
+            <a:spLocks noGrp="1" noRot="1" noChangeAspect="1"/>
+          </p:cNvSpPr>
           <p:nvPr>
-            <p:ph idx="2" type="sldImg"/>
+            <p:ph type="sldImg" idx="2"/>
           </p:nvPr>
         </p:nvSpPr>
         <p:spPr>
@@ -737,9 +754,13 @@
             <a:ext cx="6096075" cy="3429000"/>
           </a:xfrm>
           <a:custGeom>
-            <a:rect b="b" l="l" r="r" t="t"/>
+            <a:avLst/>
+            <a:gdLst/>
+            <a:ahLst/>
+            <a:cxnLst/>
+            <a:rect l="l" t="t" r="r" b="b"/>
             <a:pathLst>
-              <a:path extrusionOk="0" h="120000" w="120000">
+              <a:path w="120000" h="120000" extrusionOk="0">
                 <a:moveTo>
                   <a:pt x="0" y="0"/>
                 </a:moveTo>
@@ -761,9 +782,11 @@
       <p:sp>
         <p:nvSpPr>
           <p:cNvPr id="102" name="Google Shape;102;p:notes"/>
-          <p:cNvSpPr txBox="1"/>
+          <p:cNvSpPr txBox="1">
+            <a:spLocks noGrp="1"/>
+          </p:cNvSpPr>
           <p:nvPr>
-            <p:ph idx="1" type="body"/>
+            <p:ph type="body" idx="1"/>
           </p:nvPr>
         </p:nvSpPr>
         <p:spPr>
@@ -776,12 +799,12 @@
           </a:prstGeom>
         </p:spPr>
         <p:txBody>
-          <a:bodyPr anchorCtr="0" anchor="t" bIns="91425" lIns="91425" spcFirstLastPara="1" rIns="91425" wrap="square" tIns="91425">
+          <a:bodyPr spcFirstLastPara="1" wrap="square" lIns="91425" tIns="91425" rIns="91425" bIns="91425" anchor="t" anchorCtr="0">
             <a:noAutofit/>
           </a:bodyPr>
           <a:lstStyle/>
           <a:p>
-            <a:pPr indent="0" lvl="0" marL="0" rtl="0" algn="l">
+            <a:pPr marL="0" lvl="0" indent="0" algn="l" rtl="0">
               <a:spcBef>
                 <a:spcPts val="0"/>
               </a:spcBef>
@@ -790,9 +813,6 @@
               </a:spcAft>
               <a:buNone/>
             </a:pPr>
-            <a:r>
-              <a:t/>
-            </a:r>
             <a:endParaRPr/>
           </a:p>
         </p:txBody>
@@ -806,11 +826,11 @@
 </file>
 
 <file path=ppt/notesSlides/notesSlide10.xml><?xml version="1.0" encoding="utf-8"?>
-<p:notes xmlns:a="http://schemas.openxmlformats.org/drawingml/2006/main" xmlns:r="http://schemas.openxmlformats.org/officeDocument/2006/relationships" xmlns:mc="http://schemas.openxmlformats.org/markup-compatibility/2006" xmlns:mv="urn:schemas-microsoft-com:mac:vml" xmlns:p="http://schemas.openxmlformats.org/presentationml/2006/main" xmlns:c="http://schemas.openxmlformats.org/drawingml/2006/chart" xmlns:dgm="http://schemas.openxmlformats.org/drawingml/2006/diagram" xmlns:o="urn:schemas-microsoft-com:office:office" xmlns:v="urn:schemas-microsoft-com:vml" xmlns:pvml="urn:schemas-microsoft-com:office:powerpoint" xmlns:com="http://schemas.openxmlformats.org/drawingml/2006/compatibility" xmlns:p14="http://schemas.microsoft.com/office/powerpoint/2010/main" xmlns:p15="http://schemas.microsoft.com/office/powerpoint/2012/main" showMasterPhAnim="0" showMasterSp="0">
+<p:notes xmlns:a="http://schemas.openxmlformats.org/drawingml/2006/main" xmlns:r="http://schemas.openxmlformats.org/officeDocument/2006/relationships" xmlns:p="http://schemas.openxmlformats.org/presentationml/2006/main" showMasterSp="0" showMasterPhAnim="0">
   <p:cSld>
     <p:spTree>
       <p:nvGrpSpPr>
-        <p:cNvPr id="166" name="Shape 166"/>
+        <p:cNvPr id="1" name="Shape 166"/>
         <p:cNvGrpSpPr/>
         <p:nvPr/>
       </p:nvGrpSpPr>
@@ -825,9 +845,11 @@
       <p:sp>
         <p:nvSpPr>
           <p:cNvPr id="167" name="Google Shape;167;g6be55cabda_0_50:notes"/>
-          <p:cNvSpPr/>
+          <p:cNvSpPr>
+            <a:spLocks noGrp="1" noRot="1" noChangeAspect="1"/>
+          </p:cNvSpPr>
           <p:nvPr>
-            <p:ph idx="2" type="sldImg"/>
+            <p:ph type="sldImg" idx="2"/>
           </p:nvPr>
         </p:nvSpPr>
         <p:spPr>
@@ -836,9 +858,13 @@
             <a:ext cx="6096000" cy="3429000"/>
           </a:xfrm>
           <a:custGeom>
-            <a:rect b="b" l="l" r="r" t="t"/>
+            <a:avLst/>
+            <a:gdLst/>
+            <a:ahLst/>
+            <a:cxnLst/>
+            <a:rect l="l" t="t" r="r" b="b"/>
             <a:pathLst>
-              <a:path extrusionOk="0" h="120000" w="120000">
+              <a:path w="120000" h="120000" extrusionOk="0">
                 <a:moveTo>
                   <a:pt x="0" y="0"/>
                 </a:moveTo>
@@ -860,9 +886,11 @@
       <p:sp>
         <p:nvSpPr>
           <p:cNvPr id="168" name="Google Shape;168;g6be55cabda_0_50:notes"/>
-          <p:cNvSpPr txBox="1"/>
+          <p:cNvSpPr txBox="1">
+            <a:spLocks noGrp="1"/>
+          </p:cNvSpPr>
           <p:nvPr>
-            <p:ph idx="1" type="body"/>
+            <p:ph type="body" idx="1"/>
           </p:nvPr>
         </p:nvSpPr>
         <p:spPr>
@@ -875,12 +903,12 @@
           </a:prstGeom>
         </p:spPr>
         <p:txBody>
-          <a:bodyPr anchorCtr="0" anchor="t" bIns="91425" lIns="91425" spcFirstLastPara="1" rIns="91425" wrap="square" tIns="91425">
+          <a:bodyPr spcFirstLastPara="1" wrap="square" lIns="91425" tIns="91425" rIns="91425" bIns="91425" anchor="t" anchorCtr="0">
             <a:noAutofit/>
           </a:bodyPr>
           <a:lstStyle/>
           <a:p>
-            <a:pPr indent="0" lvl="0" marL="0" rtl="0" algn="l">
+            <a:pPr marL="0" lvl="0" indent="0" algn="l" rtl="0">
               <a:spcBef>
                 <a:spcPts val="0"/>
               </a:spcBef>
@@ -889,9 +917,6 @@
               </a:spcAft>
               <a:buNone/>
             </a:pPr>
-            <a:r>
-              <a:t/>
-            </a:r>
             <a:endParaRPr/>
           </a:p>
         </p:txBody>
@@ -905,11 +930,11 @@
 </file>
 
 <file path=ppt/notesSlides/notesSlide11.xml><?xml version="1.0" encoding="utf-8"?>
-<p:notes xmlns:a="http://schemas.openxmlformats.org/drawingml/2006/main" xmlns:r="http://schemas.openxmlformats.org/officeDocument/2006/relationships" xmlns:mc="http://schemas.openxmlformats.org/markup-compatibility/2006" xmlns:mv="urn:schemas-microsoft-com:mac:vml" xmlns:p="http://schemas.openxmlformats.org/presentationml/2006/main" xmlns:c="http://schemas.openxmlformats.org/drawingml/2006/chart" xmlns:dgm="http://schemas.openxmlformats.org/drawingml/2006/diagram" xmlns:o="urn:schemas-microsoft-com:office:office" xmlns:v="urn:schemas-microsoft-com:vml" xmlns:pvml="urn:schemas-microsoft-com:office:powerpoint" xmlns:com="http://schemas.openxmlformats.org/drawingml/2006/compatibility" xmlns:p14="http://schemas.microsoft.com/office/powerpoint/2010/main" xmlns:p15="http://schemas.microsoft.com/office/powerpoint/2012/main" showMasterPhAnim="0" showMasterSp="0">
+<p:notes xmlns:a="http://schemas.openxmlformats.org/drawingml/2006/main" xmlns:r="http://schemas.openxmlformats.org/officeDocument/2006/relationships" xmlns:p="http://schemas.openxmlformats.org/presentationml/2006/main" showMasterSp="0" showMasterPhAnim="0">
   <p:cSld>
     <p:spTree>
       <p:nvGrpSpPr>
-        <p:cNvPr id="175" name="Shape 175"/>
+        <p:cNvPr id="1" name="Shape 175"/>
         <p:cNvGrpSpPr/>
         <p:nvPr/>
       </p:nvGrpSpPr>
@@ -924,20 +949,26 @@
       <p:sp>
         <p:nvSpPr>
           <p:cNvPr id="176" name="Google Shape;176;g6be55cabda_0_40:notes"/>
-          <p:cNvSpPr/>
+          <p:cNvSpPr>
+            <a:spLocks noGrp="1" noRot="1" noChangeAspect="1"/>
+          </p:cNvSpPr>
           <p:nvPr>
-            <p:ph idx="2" type="sldImg"/>
+            <p:ph type="sldImg" idx="2"/>
           </p:nvPr>
         </p:nvSpPr>
         <p:spPr>
           <a:xfrm>
-            <a:off x="381300" y="685800"/>
+            <a:off x="381000" y="685800"/>
             <a:ext cx="6096000" cy="3429000"/>
           </a:xfrm>
           <a:custGeom>
-            <a:rect b="b" l="l" r="r" t="t"/>
+            <a:avLst/>
+            <a:gdLst/>
+            <a:ahLst/>
+            <a:cxnLst/>
+            <a:rect l="l" t="t" r="r" b="b"/>
             <a:pathLst>
-              <a:path extrusionOk="0" h="120000" w="120000">
+              <a:path w="120000" h="120000" extrusionOk="0">
                 <a:moveTo>
                   <a:pt x="0" y="0"/>
                 </a:moveTo>
@@ -959,9 +990,11 @@
       <p:sp>
         <p:nvSpPr>
           <p:cNvPr id="177" name="Google Shape;177;g6be55cabda_0_40:notes"/>
-          <p:cNvSpPr txBox="1"/>
+          <p:cNvSpPr txBox="1">
+            <a:spLocks noGrp="1"/>
+          </p:cNvSpPr>
           <p:nvPr>
-            <p:ph idx="1" type="body"/>
+            <p:ph type="body" idx="1"/>
           </p:nvPr>
         </p:nvSpPr>
         <p:spPr>
@@ -974,12 +1007,12 @@
           </a:prstGeom>
         </p:spPr>
         <p:txBody>
-          <a:bodyPr anchorCtr="0" anchor="t" bIns="91425" lIns="91425" spcFirstLastPara="1" rIns="91425" wrap="square" tIns="91425">
+          <a:bodyPr spcFirstLastPara="1" wrap="square" lIns="91425" tIns="91425" rIns="91425" bIns="91425" anchor="t" anchorCtr="0">
             <a:noAutofit/>
           </a:bodyPr>
           <a:lstStyle/>
           <a:p>
-            <a:pPr indent="0" lvl="0" marL="0" rtl="0" algn="l">
+            <a:pPr marL="0" lvl="0" indent="0" algn="l" rtl="0">
               <a:spcBef>
                 <a:spcPts val="0"/>
               </a:spcBef>
@@ -988,9 +1021,6 @@
               </a:spcAft>
               <a:buNone/>
             </a:pPr>
-            <a:r>
-              <a:t/>
-            </a:r>
             <a:endParaRPr/>
           </a:p>
         </p:txBody>
@@ -1004,11 +1034,11 @@
 </file>
 
 <file path=ppt/notesSlides/notesSlide12.xml><?xml version="1.0" encoding="utf-8"?>
-<p:notes xmlns:a="http://schemas.openxmlformats.org/drawingml/2006/main" xmlns:r="http://schemas.openxmlformats.org/officeDocument/2006/relationships" xmlns:mc="http://schemas.openxmlformats.org/markup-compatibility/2006" xmlns:mv="urn:schemas-microsoft-com:mac:vml" xmlns:p="http://schemas.openxmlformats.org/presentationml/2006/main" xmlns:c="http://schemas.openxmlformats.org/drawingml/2006/chart" xmlns:dgm="http://schemas.openxmlformats.org/drawingml/2006/diagram" xmlns:o="urn:schemas-microsoft-com:office:office" xmlns:v="urn:schemas-microsoft-com:vml" xmlns:pvml="urn:schemas-microsoft-com:office:powerpoint" xmlns:com="http://schemas.openxmlformats.org/drawingml/2006/compatibility" xmlns:p14="http://schemas.microsoft.com/office/powerpoint/2010/main" xmlns:p15="http://schemas.microsoft.com/office/powerpoint/2012/main" showMasterPhAnim="0" showMasterSp="0">
+<p:notes xmlns:a="http://schemas.openxmlformats.org/drawingml/2006/main" xmlns:r="http://schemas.openxmlformats.org/officeDocument/2006/relationships" xmlns:p="http://schemas.openxmlformats.org/presentationml/2006/main" showMasterSp="0" showMasterPhAnim="0">
   <p:cSld>
     <p:spTree>
       <p:nvGrpSpPr>
-        <p:cNvPr id="181" name="Shape 181"/>
+        <p:cNvPr id="1" name="Shape 181"/>
         <p:cNvGrpSpPr/>
         <p:nvPr/>
       </p:nvGrpSpPr>
@@ -1023,9 +1053,11 @@
       <p:sp>
         <p:nvSpPr>
           <p:cNvPr id="182" name="Google Shape;182;g6be55cabda_0_45:notes"/>
-          <p:cNvSpPr/>
+          <p:cNvSpPr>
+            <a:spLocks noGrp="1" noRot="1" noChangeAspect="1"/>
+          </p:cNvSpPr>
           <p:nvPr>
-            <p:ph idx="2" type="sldImg"/>
+            <p:ph type="sldImg" idx="2"/>
           </p:nvPr>
         </p:nvSpPr>
         <p:spPr>
@@ -1034,9 +1066,13 @@
             <a:ext cx="6096000" cy="3429000"/>
           </a:xfrm>
           <a:custGeom>
-            <a:rect b="b" l="l" r="r" t="t"/>
+            <a:avLst/>
+            <a:gdLst/>
+            <a:ahLst/>
+            <a:cxnLst/>
+            <a:rect l="l" t="t" r="r" b="b"/>
             <a:pathLst>
-              <a:path extrusionOk="0" h="120000" w="120000">
+              <a:path w="120000" h="120000" extrusionOk="0">
                 <a:moveTo>
                   <a:pt x="0" y="0"/>
                 </a:moveTo>
@@ -1058,9 +1094,11 @@
       <p:sp>
         <p:nvSpPr>
           <p:cNvPr id="183" name="Google Shape;183;g6be55cabda_0_45:notes"/>
-          <p:cNvSpPr txBox="1"/>
+          <p:cNvSpPr txBox="1">
+            <a:spLocks noGrp="1"/>
+          </p:cNvSpPr>
           <p:nvPr>
-            <p:ph idx="1" type="body"/>
+            <p:ph type="body" idx="1"/>
           </p:nvPr>
         </p:nvSpPr>
         <p:spPr>
@@ -1073,12 +1111,12 @@
           </a:prstGeom>
         </p:spPr>
         <p:txBody>
-          <a:bodyPr anchorCtr="0" anchor="t" bIns="91425" lIns="91425" spcFirstLastPara="1" rIns="91425" wrap="square" tIns="91425">
+          <a:bodyPr spcFirstLastPara="1" wrap="square" lIns="91425" tIns="91425" rIns="91425" bIns="91425" anchor="t" anchorCtr="0">
             <a:noAutofit/>
           </a:bodyPr>
           <a:lstStyle/>
           <a:p>
-            <a:pPr indent="0" lvl="0" marL="0" rtl="0" algn="l">
+            <a:pPr marL="0" lvl="0" indent="0" algn="l" rtl="0">
               <a:spcBef>
                 <a:spcPts val="0"/>
               </a:spcBef>
@@ -1087,9 +1125,6 @@
               </a:spcAft>
               <a:buNone/>
             </a:pPr>
-            <a:r>
-              <a:t/>
-            </a:r>
             <a:endParaRPr/>
           </a:p>
         </p:txBody>
@@ -1103,11 +1138,11 @@
 </file>
 
 <file path=ppt/notesSlides/notesSlide2.xml><?xml version="1.0" encoding="utf-8"?>
-<p:notes xmlns:a="http://schemas.openxmlformats.org/drawingml/2006/main" xmlns:r="http://schemas.openxmlformats.org/officeDocument/2006/relationships" xmlns:mc="http://schemas.openxmlformats.org/markup-compatibility/2006" xmlns:mv="urn:schemas-microsoft-com:mac:vml" xmlns:p="http://schemas.openxmlformats.org/presentationml/2006/main" xmlns:c="http://schemas.openxmlformats.org/drawingml/2006/chart" xmlns:dgm="http://schemas.openxmlformats.org/drawingml/2006/diagram" xmlns:o="urn:schemas-microsoft-com:office:office" xmlns:v="urn:schemas-microsoft-com:vml" xmlns:pvml="urn:schemas-microsoft-com:office:powerpoint" xmlns:com="http://schemas.openxmlformats.org/drawingml/2006/compatibility" xmlns:p14="http://schemas.microsoft.com/office/powerpoint/2010/main" xmlns:p15="http://schemas.microsoft.com/office/powerpoint/2012/main" showMasterPhAnim="0" showMasterSp="0">
+<p:notes xmlns:a="http://schemas.openxmlformats.org/drawingml/2006/main" xmlns:r="http://schemas.openxmlformats.org/officeDocument/2006/relationships" xmlns:p="http://schemas.openxmlformats.org/presentationml/2006/main" showMasterSp="0" showMasterPhAnim="0">
   <p:cSld>
     <p:spTree>
       <p:nvGrpSpPr>
-        <p:cNvPr id="106" name="Shape 106"/>
+        <p:cNvPr id="1" name="Shape 106"/>
         <p:cNvGrpSpPr/>
         <p:nvPr/>
       </p:nvGrpSpPr>
@@ -1122,9 +1157,11 @@
       <p:sp>
         <p:nvSpPr>
           <p:cNvPr id="107" name="Google Shape;107;g7a85f0e3aa_1_108:notes"/>
-          <p:cNvSpPr/>
+          <p:cNvSpPr>
+            <a:spLocks noGrp="1" noRot="1" noChangeAspect="1"/>
+          </p:cNvSpPr>
           <p:nvPr>
-            <p:ph idx="2" type="sldImg"/>
+            <p:ph type="sldImg" idx="2"/>
           </p:nvPr>
         </p:nvSpPr>
         <p:spPr>
@@ -1133,9 +1170,13 @@
             <a:ext cx="6096000" cy="3429000"/>
           </a:xfrm>
           <a:custGeom>
-            <a:rect b="b" l="l" r="r" t="t"/>
+            <a:avLst/>
+            <a:gdLst/>
+            <a:ahLst/>
+            <a:cxnLst/>
+            <a:rect l="l" t="t" r="r" b="b"/>
             <a:pathLst>
-              <a:path extrusionOk="0" h="120000" w="120000">
+              <a:path w="120000" h="120000" extrusionOk="0">
                 <a:moveTo>
                   <a:pt x="0" y="0"/>
                 </a:moveTo>
@@ -1157,9 +1198,11 @@
       <p:sp>
         <p:nvSpPr>
           <p:cNvPr id="108" name="Google Shape;108;g7a85f0e3aa_1_108:notes"/>
-          <p:cNvSpPr txBox="1"/>
+          <p:cNvSpPr txBox="1">
+            <a:spLocks noGrp="1"/>
+          </p:cNvSpPr>
           <p:nvPr>
-            <p:ph idx="1" type="body"/>
+            <p:ph type="body" idx="1"/>
           </p:nvPr>
         </p:nvSpPr>
         <p:spPr>
@@ -1172,12 +1215,12 @@
           </a:prstGeom>
         </p:spPr>
         <p:txBody>
-          <a:bodyPr anchorCtr="0" anchor="t" bIns="91425" lIns="91425" spcFirstLastPara="1" rIns="91425" wrap="square" tIns="91425">
+          <a:bodyPr spcFirstLastPara="1" wrap="square" lIns="91425" tIns="91425" rIns="91425" bIns="91425" anchor="t" anchorCtr="0">
             <a:noAutofit/>
           </a:bodyPr>
           <a:lstStyle/>
           <a:p>
-            <a:pPr indent="0" lvl="0" marL="0" rtl="0" algn="l">
+            <a:pPr marL="0" lvl="0" indent="0" algn="l" rtl="0">
               <a:spcBef>
                 <a:spcPts val="0"/>
               </a:spcBef>
@@ -1186,9 +1229,6 @@
               </a:spcAft>
               <a:buNone/>
             </a:pPr>
-            <a:r>
-              <a:t/>
-            </a:r>
             <a:endParaRPr/>
           </a:p>
         </p:txBody>
@@ -1202,11 +1242,11 @@
 </file>
 
 <file path=ppt/notesSlides/notesSlide3.xml><?xml version="1.0" encoding="utf-8"?>
-<p:notes xmlns:a="http://schemas.openxmlformats.org/drawingml/2006/main" xmlns:r="http://schemas.openxmlformats.org/officeDocument/2006/relationships" xmlns:mc="http://schemas.openxmlformats.org/markup-compatibility/2006" xmlns:mv="urn:schemas-microsoft-com:mac:vml" xmlns:p="http://schemas.openxmlformats.org/presentationml/2006/main" xmlns:c="http://schemas.openxmlformats.org/drawingml/2006/chart" xmlns:dgm="http://schemas.openxmlformats.org/drawingml/2006/diagram" xmlns:o="urn:schemas-microsoft-com:office:office" xmlns:v="urn:schemas-microsoft-com:vml" xmlns:pvml="urn:schemas-microsoft-com:office:powerpoint" xmlns:com="http://schemas.openxmlformats.org/drawingml/2006/compatibility" xmlns:p14="http://schemas.microsoft.com/office/powerpoint/2010/main" xmlns:p15="http://schemas.microsoft.com/office/powerpoint/2012/main" showMasterPhAnim="0" showMasterSp="0">
+<p:notes xmlns:a="http://schemas.openxmlformats.org/drawingml/2006/main" xmlns:r="http://schemas.openxmlformats.org/officeDocument/2006/relationships" xmlns:p="http://schemas.openxmlformats.org/presentationml/2006/main" showMasterSp="0" showMasterPhAnim="0">
   <p:cSld>
     <p:spTree>
       <p:nvGrpSpPr>
-        <p:cNvPr id="112" name="Shape 112"/>
+        <p:cNvPr id="1" name="Shape 112"/>
         <p:cNvGrpSpPr/>
         <p:nvPr/>
       </p:nvGrpSpPr>
@@ -1221,9 +1261,11 @@
       <p:sp>
         <p:nvSpPr>
           <p:cNvPr id="113" name="Google Shape;113;g6be55cabda_0_11:notes"/>
-          <p:cNvSpPr/>
+          <p:cNvSpPr>
+            <a:spLocks noGrp="1" noRot="1" noChangeAspect="1"/>
+          </p:cNvSpPr>
           <p:nvPr>
-            <p:ph idx="2" type="sldImg"/>
+            <p:ph type="sldImg" idx="2"/>
           </p:nvPr>
         </p:nvSpPr>
         <p:spPr>
@@ -1232,9 +1274,13 @@
             <a:ext cx="6096000" cy="3429000"/>
           </a:xfrm>
           <a:custGeom>
-            <a:rect b="b" l="l" r="r" t="t"/>
+            <a:avLst/>
+            <a:gdLst/>
+            <a:ahLst/>
+            <a:cxnLst/>
+            <a:rect l="l" t="t" r="r" b="b"/>
             <a:pathLst>
-              <a:path extrusionOk="0" h="120000" w="120000">
+              <a:path w="120000" h="120000" extrusionOk="0">
                 <a:moveTo>
                   <a:pt x="0" y="0"/>
                 </a:moveTo>
@@ -1256,9 +1302,11 @@
       <p:sp>
         <p:nvSpPr>
           <p:cNvPr id="114" name="Google Shape;114;g6be55cabda_0_11:notes"/>
-          <p:cNvSpPr txBox="1"/>
+          <p:cNvSpPr txBox="1">
+            <a:spLocks noGrp="1"/>
+          </p:cNvSpPr>
           <p:nvPr>
-            <p:ph idx="1" type="body"/>
+            <p:ph type="body" idx="1"/>
           </p:nvPr>
         </p:nvSpPr>
         <p:spPr>
@@ -1271,12 +1319,12 @@
           </a:prstGeom>
         </p:spPr>
         <p:txBody>
-          <a:bodyPr anchorCtr="0" anchor="t" bIns="91425" lIns="91425" spcFirstLastPara="1" rIns="91425" wrap="square" tIns="91425">
+          <a:bodyPr spcFirstLastPara="1" wrap="square" lIns="91425" tIns="91425" rIns="91425" bIns="91425" anchor="t" anchorCtr="0">
             <a:noAutofit/>
           </a:bodyPr>
           <a:lstStyle/>
           <a:p>
-            <a:pPr indent="0" lvl="0" marL="0" rtl="0" algn="l">
+            <a:pPr marL="0" lvl="0" indent="0" algn="l" rtl="0">
               <a:spcBef>
                 <a:spcPts val="0"/>
               </a:spcBef>
@@ -1285,9 +1333,6 @@
               </a:spcAft>
               <a:buNone/>
             </a:pPr>
-            <a:r>
-              <a:t/>
-            </a:r>
             <a:endParaRPr/>
           </a:p>
         </p:txBody>
@@ -1301,11 +1346,11 @@
 </file>
 
 <file path=ppt/notesSlides/notesSlide4.xml><?xml version="1.0" encoding="utf-8"?>
-<p:notes xmlns:a="http://schemas.openxmlformats.org/drawingml/2006/main" xmlns:r="http://schemas.openxmlformats.org/officeDocument/2006/relationships" xmlns:mc="http://schemas.openxmlformats.org/markup-compatibility/2006" xmlns:mv="urn:schemas-microsoft-com:mac:vml" xmlns:p="http://schemas.openxmlformats.org/presentationml/2006/main" xmlns:c="http://schemas.openxmlformats.org/drawingml/2006/chart" xmlns:dgm="http://schemas.openxmlformats.org/drawingml/2006/diagram" xmlns:o="urn:schemas-microsoft-com:office:office" xmlns:v="urn:schemas-microsoft-com:vml" xmlns:pvml="urn:schemas-microsoft-com:office:powerpoint" xmlns:com="http://schemas.openxmlformats.org/drawingml/2006/compatibility" xmlns:p14="http://schemas.microsoft.com/office/powerpoint/2010/main" xmlns:p15="http://schemas.microsoft.com/office/powerpoint/2012/main" showMasterPhAnim="0" showMasterSp="0">
+<p:notes xmlns:a="http://schemas.openxmlformats.org/drawingml/2006/main" xmlns:r="http://schemas.openxmlformats.org/officeDocument/2006/relationships" xmlns:p="http://schemas.openxmlformats.org/presentationml/2006/main" showMasterSp="0" showMasterPhAnim="0">
   <p:cSld>
     <p:spTree>
       <p:nvGrpSpPr>
-        <p:cNvPr id="118" name="Shape 118"/>
+        <p:cNvPr id="1" name="Shape 118"/>
         <p:cNvGrpSpPr/>
         <p:nvPr/>
       </p:nvGrpSpPr>
@@ -1320,9 +1365,11 @@
       <p:sp>
         <p:nvSpPr>
           <p:cNvPr id="119" name="Google Shape;119;g7a85f0e3aa_1_115:notes"/>
-          <p:cNvSpPr/>
+          <p:cNvSpPr>
+            <a:spLocks noGrp="1" noRot="1" noChangeAspect="1"/>
+          </p:cNvSpPr>
           <p:nvPr>
-            <p:ph idx="2" type="sldImg"/>
+            <p:ph type="sldImg" idx="2"/>
           </p:nvPr>
         </p:nvSpPr>
         <p:spPr>
@@ -1331,9 +1378,13 @@
             <a:ext cx="6096000" cy="3429000"/>
           </a:xfrm>
           <a:custGeom>
-            <a:rect b="b" l="l" r="r" t="t"/>
+            <a:avLst/>
+            <a:gdLst/>
+            <a:ahLst/>
+            <a:cxnLst/>
+            <a:rect l="l" t="t" r="r" b="b"/>
             <a:pathLst>
-              <a:path extrusionOk="0" h="120000" w="120000">
+              <a:path w="120000" h="120000" extrusionOk="0">
                 <a:moveTo>
                   <a:pt x="0" y="0"/>
                 </a:moveTo>
@@ -1355,9 +1406,11 @@
       <p:sp>
         <p:nvSpPr>
           <p:cNvPr id="120" name="Google Shape;120;g7a85f0e3aa_1_115:notes"/>
-          <p:cNvSpPr txBox="1"/>
+          <p:cNvSpPr txBox="1">
+            <a:spLocks noGrp="1"/>
+          </p:cNvSpPr>
           <p:nvPr>
-            <p:ph idx="1" type="body"/>
+            <p:ph type="body" idx="1"/>
           </p:nvPr>
         </p:nvSpPr>
         <p:spPr>
@@ -1370,12 +1423,12 @@
           </a:prstGeom>
         </p:spPr>
         <p:txBody>
-          <a:bodyPr anchorCtr="0" anchor="t" bIns="91425" lIns="91425" spcFirstLastPara="1" rIns="91425" wrap="square" tIns="91425">
+          <a:bodyPr spcFirstLastPara="1" wrap="square" lIns="91425" tIns="91425" rIns="91425" bIns="91425" anchor="t" anchorCtr="0">
             <a:noAutofit/>
           </a:bodyPr>
           <a:lstStyle/>
           <a:p>
-            <a:pPr indent="0" lvl="0" marL="0" rtl="0" algn="l">
+            <a:pPr marL="0" lvl="0" indent="0" algn="l" rtl="0">
               <a:spcBef>
                 <a:spcPts val="0"/>
               </a:spcBef>
@@ -1384,9 +1437,6 @@
               </a:spcAft>
               <a:buNone/>
             </a:pPr>
-            <a:r>
-              <a:t/>
-            </a:r>
             <a:endParaRPr/>
           </a:p>
         </p:txBody>
@@ -1400,11 +1450,11 @@
 </file>
 
 <file path=ppt/notesSlides/notesSlide5.xml><?xml version="1.0" encoding="utf-8"?>
-<p:notes xmlns:a="http://schemas.openxmlformats.org/drawingml/2006/main" xmlns:r="http://schemas.openxmlformats.org/officeDocument/2006/relationships" xmlns:mc="http://schemas.openxmlformats.org/markup-compatibility/2006" xmlns:mv="urn:schemas-microsoft-com:mac:vml" xmlns:p="http://schemas.openxmlformats.org/presentationml/2006/main" xmlns:c="http://schemas.openxmlformats.org/drawingml/2006/chart" xmlns:dgm="http://schemas.openxmlformats.org/drawingml/2006/diagram" xmlns:o="urn:schemas-microsoft-com:office:office" xmlns:v="urn:schemas-microsoft-com:vml" xmlns:pvml="urn:schemas-microsoft-com:office:powerpoint" xmlns:com="http://schemas.openxmlformats.org/drawingml/2006/compatibility" xmlns:p14="http://schemas.microsoft.com/office/powerpoint/2010/main" xmlns:p15="http://schemas.microsoft.com/office/powerpoint/2012/main" showMasterPhAnim="0" showMasterSp="0">
+<p:notes xmlns:a="http://schemas.openxmlformats.org/drawingml/2006/main" xmlns:r="http://schemas.openxmlformats.org/officeDocument/2006/relationships" xmlns:p="http://schemas.openxmlformats.org/presentationml/2006/main" showMasterSp="0" showMasterPhAnim="0">
   <p:cSld>
     <p:spTree>
       <p:nvGrpSpPr>
-        <p:cNvPr id="124" name="Shape 124"/>
+        <p:cNvPr id="1" name="Shape 124"/>
         <p:cNvGrpSpPr/>
         <p:nvPr/>
       </p:nvGrpSpPr>
@@ -1419,9 +1469,11 @@
       <p:sp>
         <p:nvSpPr>
           <p:cNvPr id="125" name="Google Shape;125;g7a85f0e3aa_1_120:notes"/>
-          <p:cNvSpPr/>
+          <p:cNvSpPr>
+            <a:spLocks noGrp="1" noRot="1" noChangeAspect="1"/>
+          </p:cNvSpPr>
           <p:nvPr>
-            <p:ph idx="2" type="sldImg"/>
+            <p:ph type="sldImg" idx="2"/>
           </p:nvPr>
         </p:nvSpPr>
         <p:spPr>
@@ -1430,9 +1482,13 @@
             <a:ext cx="6096000" cy="3429000"/>
           </a:xfrm>
           <a:custGeom>
-            <a:rect b="b" l="l" r="r" t="t"/>
+            <a:avLst/>
+            <a:gdLst/>
+            <a:ahLst/>
+            <a:cxnLst/>
+            <a:rect l="l" t="t" r="r" b="b"/>
             <a:pathLst>
-              <a:path extrusionOk="0" h="120000" w="120000">
+              <a:path w="120000" h="120000" extrusionOk="0">
                 <a:moveTo>
                   <a:pt x="0" y="0"/>
                 </a:moveTo>
@@ -1454,9 +1510,11 @@
       <p:sp>
         <p:nvSpPr>
           <p:cNvPr id="126" name="Google Shape;126;g7a85f0e3aa_1_120:notes"/>
-          <p:cNvSpPr txBox="1"/>
+          <p:cNvSpPr txBox="1">
+            <a:spLocks noGrp="1"/>
+          </p:cNvSpPr>
           <p:nvPr>
-            <p:ph idx="1" type="body"/>
+            <p:ph type="body" idx="1"/>
           </p:nvPr>
         </p:nvSpPr>
         <p:spPr>
@@ -1469,12 +1527,12 @@
           </a:prstGeom>
         </p:spPr>
         <p:txBody>
-          <a:bodyPr anchorCtr="0" anchor="t" bIns="91425" lIns="91425" spcFirstLastPara="1" rIns="91425" wrap="square" tIns="91425">
+          <a:bodyPr spcFirstLastPara="1" wrap="square" lIns="91425" tIns="91425" rIns="91425" bIns="91425" anchor="t" anchorCtr="0">
             <a:noAutofit/>
           </a:bodyPr>
           <a:lstStyle/>
           <a:p>
-            <a:pPr indent="0" lvl="0" marL="0" rtl="0" algn="l">
+            <a:pPr marL="0" lvl="0" indent="0" algn="l" rtl="0">
               <a:spcBef>
                 <a:spcPts val="0"/>
               </a:spcBef>
@@ -1483,9 +1541,6 @@
               </a:spcAft>
               <a:buNone/>
             </a:pPr>
-            <a:r>
-              <a:t/>
-            </a:r>
             <a:endParaRPr/>
           </a:p>
         </p:txBody>
@@ -1499,11 +1554,11 @@
 </file>
 
 <file path=ppt/notesSlides/notesSlide6.xml><?xml version="1.0" encoding="utf-8"?>
-<p:notes xmlns:a="http://schemas.openxmlformats.org/drawingml/2006/main" xmlns:r="http://schemas.openxmlformats.org/officeDocument/2006/relationships" xmlns:mc="http://schemas.openxmlformats.org/markup-compatibility/2006" xmlns:mv="urn:schemas-microsoft-com:mac:vml" xmlns:p="http://schemas.openxmlformats.org/presentationml/2006/main" xmlns:c="http://schemas.openxmlformats.org/drawingml/2006/chart" xmlns:dgm="http://schemas.openxmlformats.org/drawingml/2006/diagram" xmlns:o="urn:schemas-microsoft-com:office:office" xmlns:v="urn:schemas-microsoft-com:vml" xmlns:pvml="urn:schemas-microsoft-com:office:powerpoint" xmlns:com="http://schemas.openxmlformats.org/drawingml/2006/compatibility" xmlns:p14="http://schemas.microsoft.com/office/powerpoint/2010/main" xmlns:p15="http://schemas.microsoft.com/office/powerpoint/2012/main" showMasterPhAnim="0" showMasterSp="0">
+<p:notes xmlns:a="http://schemas.openxmlformats.org/drawingml/2006/main" xmlns:r="http://schemas.openxmlformats.org/officeDocument/2006/relationships" xmlns:p="http://schemas.openxmlformats.org/presentationml/2006/main" showMasterSp="0" showMasterPhAnim="0">
   <p:cSld>
     <p:spTree>
       <p:nvGrpSpPr>
-        <p:cNvPr id="130" name="Shape 130"/>
+        <p:cNvPr id="1" name="Shape 130"/>
         <p:cNvGrpSpPr/>
         <p:nvPr/>
       </p:nvGrpSpPr>
@@ -1518,9 +1573,11 @@
       <p:sp>
         <p:nvSpPr>
           <p:cNvPr id="131" name="Google Shape;131;g6be55cabda_0_25:notes"/>
-          <p:cNvSpPr/>
+          <p:cNvSpPr>
+            <a:spLocks noGrp="1" noRot="1" noChangeAspect="1"/>
+          </p:cNvSpPr>
           <p:nvPr>
-            <p:ph idx="2" type="sldImg"/>
+            <p:ph type="sldImg" idx="2"/>
           </p:nvPr>
         </p:nvSpPr>
         <p:spPr>
@@ -1529,9 +1586,13 @@
             <a:ext cx="6096000" cy="3429000"/>
           </a:xfrm>
           <a:custGeom>
-            <a:rect b="b" l="l" r="r" t="t"/>
+            <a:avLst/>
+            <a:gdLst/>
+            <a:ahLst/>
+            <a:cxnLst/>
+            <a:rect l="l" t="t" r="r" b="b"/>
             <a:pathLst>
-              <a:path extrusionOk="0" h="120000" w="120000">
+              <a:path w="120000" h="120000" extrusionOk="0">
                 <a:moveTo>
                   <a:pt x="0" y="0"/>
                 </a:moveTo>
@@ -1553,9 +1614,11 @@
       <p:sp>
         <p:nvSpPr>
           <p:cNvPr id="132" name="Google Shape;132;g6be55cabda_0_25:notes"/>
-          <p:cNvSpPr txBox="1"/>
+          <p:cNvSpPr txBox="1">
+            <a:spLocks noGrp="1"/>
+          </p:cNvSpPr>
           <p:nvPr>
-            <p:ph idx="1" type="body"/>
+            <p:ph type="body" idx="1"/>
           </p:nvPr>
         </p:nvSpPr>
         <p:spPr>
@@ -1568,12 +1631,12 @@
           </a:prstGeom>
         </p:spPr>
         <p:txBody>
-          <a:bodyPr anchorCtr="0" anchor="t" bIns="91425" lIns="91425" spcFirstLastPara="1" rIns="91425" wrap="square" tIns="91425">
+          <a:bodyPr spcFirstLastPara="1" wrap="square" lIns="91425" tIns="91425" rIns="91425" bIns="91425" anchor="t" anchorCtr="0">
             <a:noAutofit/>
           </a:bodyPr>
           <a:lstStyle/>
           <a:p>
-            <a:pPr indent="0" lvl="0" marL="0" rtl="0" algn="l">
+            <a:pPr marL="0" lvl="0" indent="0" algn="l" rtl="0">
               <a:spcBef>
                 <a:spcPts val="0"/>
               </a:spcBef>
@@ -1582,9 +1645,6 @@
               </a:spcAft>
               <a:buNone/>
             </a:pPr>
-            <a:r>
-              <a:t/>
-            </a:r>
             <a:endParaRPr/>
           </a:p>
         </p:txBody>
@@ -1598,11 +1658,11 @@
 </file>
 
 <file path=ppt/notesSlides/notesSlide7.xml><?xml version="1.0" encoding="utf-8"?>
-<p:notes xmlns:a="http://schemas.openxmlformats.org/drawingml/2006/main" xmlns:r="http://schemas.openxmlformats.org/officeDocument/2006/relationships" xmlns:mc="http://schemas.openxmlformats.org/markup-compatibility/2006" xmlns:mv="urn:schemas-microsoft-com:mac:vml" xmlns:p="http://schemas.openxmlformats.org/presentationml/2006/main" xmlns:c="http://schemas.openxmlformats.org/drawingml/2006/chart" xmlns:dgm="http://schemas.openxmlformats.org/drawingml/2006/diagram" xmlns:o="urn:schemas-microsoft-com:office:office" xmlns:v="urn:schemas-microsoft-com:vml" xmlns:pvml="urn:schemas-microsoft-com:office:powerpoint" xmlns:com="http://schemas.openxmlformats.org/drawingml/2006/compatibility" xmlns:p14="http://schemas.microsoft.com/office/powerpoint/2010/main" xmlns:p15="http://schemas.microsoft.com/office/powerpoint/2012/main" showMasterPhAnim="0" showMasterSp="0">
+<p:notes xmlns:a="http://schemas.openxmlformats.org/drawingml/2006/main" xmlns:r="http://schemas.openxmlformats.org/officeDocument/2006/relationships" xmlns:p="http://schemas.openxmlformats.org/presentationml/2006/main" showMasterSp="0" showMasterPhAnim="0">
   <p:cSld>
     <p:spTree>
       <p:nvGrpSpPr>
-        <p:cNvPr id="137" name="Shape 137"/>
+        <p:cNvPr id="1" name="Shape 137"/>
         <p:cNvGrpSpPr/>
         <p:nvPr/>
       </p:nvGrpSpPr>
@@ -1617,9 +1677,11 @@
       <p:sp>
         <p:nvSpPr>
           <p:cNvPr id="138" name="Google Shape;138;g6be55cabda_0_30:notes"/>
-          <p:cNvSpPr/>
+          <p:cNvSpPr>
+            <a:spLocks noGrp="1" noRot="1" noChangeAspect="1"/>
+          </p:cNvSpPr>
           <p:nvPr>
-            <p:ph idx="2" type="sldImg"/>
+            <p:ph type="sldImg" idx="2"/>
           </p:nvPr>
         </p:nvSpPr>
         <p:spPr>
@@ -1628,9 +1690,13 @@
             <a:ext cx="6096000" cy="3429000"/>
           </a:xfrm>
           <a:custGeom>
-            <a:rect b="b" l="l" r="r" t="t"/>
+            <a:avLst/>
+            <a:gdLst/>
+            <a:ahLst/>
+            <a:cxnLst/>
+            <a:rect l="l" t="t" r="r" b="b"/>
             <a:pathLst>
-              <a:path extrusionOk="0" h="120000" w="120000">
+              <a:path w="120000" h="120000" extrusionOk="0">
                 <a:moveTo>
                   <a:pt x="0" y="0"/>
                 </a:moveTo>
@@ -1652,9 +1718,11 @@
       <p:sp>
         <p:nvSpPr>
           <p:cNvPr id="139" name="Google Shape;139;g6be55cabda_0_30:notes"/>
-          <p:cNvSpPr txBox="1"/>
+          <p:cNvSpPr txBox="1">
+            <a:spLocks noGrp="1"/>
+          </p:cNvSpPr>
           <p:nvPr>
-            <p:ph idx="1" type="body"/>
+            <p:ph type="body" idx="1"/>
           </p:nvPr>
         </p:nvSpPr>
         <p:spPr>
@@ -1667,12 +1735,12 @@
           </a:prstGeom>
         </p:spPr>
         <p:txBody>
-          <a:bodyPr anchorCtr="0" anchor="t" bIns="91425" lIns="91425" spcFirstLastPara="1" rIns="91425" wrap="square" tIns="91425">
+          <a:bodyPr spcFirstLastPara="1" wrap="square" lIns="91425" tIns="91425" rIns="91425" bIns="91425" anchor="t" anchorCtr="0">
             <a:noAutofit/>
           </a:bodyPr>
           <a:lstStyle/>
           <a:p>
-            <a:pPr indent="0" lvl="0" marL="0" rtl="0" algn="l">
+            <a:pPr marL="0" lvl="0" indent="0" algn="l" rtl="0">
               <a:spcBef>
                 <a:spcPts val="0"/>
               </a:spcBef>
@@ -1681,9 +1749,6 @@
               </a:spcAft>
               <a:buNone/>
             </a:pPr>
-            <a:r>
-              <a:t/>
-            </a:r>
             <a:endParaRPr/>
           </a:p>
         </p:txBody>
@@ -1697,11 +1762,11 @@
 </file>
 
 <file path=ppt/notesSlides/notesSlide8.xml><?xml version="1.0" encoding="utf-8"?>
-<p:notes xmlns:a="http://schemas.openxmlformats.org/drawingml/2006/main" xmlns:r="http://schemas.openxmlformats.org/officeDocument/2006/relationships" xmlns:mc="http://schemas.openxmlformats.org/markup-compatibility/2006" xmlns:mv="urn:schemas-microsoft-com:mac:vml" xmlns:p="http://schemas.openxmlformats.org/presentationml/2006/main" xmlns:c="http://schemas.openxmlformats.org/drawingml/2006/chart" xmlns:dgm="http://schemas.openxmlformats.org/drawingml/2006/diagram" xmlns:o="urn:schemas-microsoft-com:office:office" xmlns:v="urn:schemas-microsoft-com:vml" xmlns:pvml="urn:schemas-microsoft-com:office:powerpoint" xmlns:com="http://schemas.openxmlformats.org/drawingml/2006/compatibility" xmlns:p14="http://schemas.microsoft.com/office/powerpoint/2010/main" xmlns:p15="http://schemas.microsoft.com/office/powerpoint/2012/main" showMasterPhAnim="0" showMasterSp="0">
+<p:notes xmlns:a="http://schemas.openxmlformats.org/drawingml/2006/main" xmlns:r="http://schemas.openxmlformats.org/officeDocument/2006/relationships" xmlns:p="http://schemas.openxmlformats.org/presentationml/2006/main" showMasterSp="0" showMasterPhAnim="0">
   <p:cSld>
     <p:spTree>
       <p:nvGrpSpPr>
-        <p:cNvPr id="145" name="Shape 145"/>
+        <p:cNvPr id="1" name="Shape 145"/>
         <p:cNvGrpSpPr/>
         <p:nvPr/>
       </p:nvGrpSpPr>
@@ -1716,9 +1781,11 @@
       <p:sp>
         <p:nvSpPr>
           <p:cNvPr id="146" name="Google Shape;146;g7a85f0e3aa_0_14:notes"/>
-          <p:cNvSpPr/>
+          <p:cNvSpPr>
+            <a:spLocks noGrp="1" noRot="1" noChangeAspect="1"/>
+          </p:cNvSpPr>
           <p:nvPr>
-            <p:ph idx="2" type="sldImg"/>
+            <p:ph type="sldImg" idx="2"/>
           </p:nvPr>
         </p:nvSpPr>
         <p:spPr>
@@ -1727,9 +1794,13 @@
             <a:ext cx="6096000" cy="3429000"/>
           </a:xfrm>
           <a:custGeom>
-            <a:rect b="b" l="l" r="r" t="t"/>
+            <a:avLst/>
+            <a:gdLst/>
+            <a:ahLst/>
+            <a:cxnLst/>
+            <a:rect l="l" t="t" r="r" b="b"/>
             <a:pathLst>
-              <a:path extrusionOk="0" h="120000" w="120000">
+              <a:path w="120000" h="120000" extrusionOk="0">
                 <a:moveTo>
                   <a:pt x="0" y="0"/>
                 </a:moveTo>
@@ -1751,9 +1822,11 @@
       <p:sp>
         <p:nvSpPr>
           <p:cNvPr id="147" name="Google Shape;147;g7a85f0e3aa_0_14:notes"/>
-          <p:cNvSpPr txBox="1"/>
+          <p:cNvSpPr txBox="1">
+            <a:spLocks noGrp="1"/>
+          </p:cNvSpPr>
           <p:nvPr>
-            <p:ph idx="1" type="body"/>
+            <p:ph type="body" idx="1"/>
           </p:nvPr>
         </p:nvSpPr>
         <p:spPr>
@@ -1766,12 +1839,12 @@
           </a:prstGeom>
         </p:spPr>
         <p:txBody>
-          <a:bodyPr anchorCtr="0" anchor="t" bIns="91425" lIns="91425" spcFirstLastPara="1" rIns="91425" wrap="square" tIns="91425">
+          <a:bodyPr spcFirstLastPara="1" wrap="square" lIns="91425" tIns="91425" rIns="91425" bIns="91425" anchor="t" anchorCtr="0">
             <a:noAutofit/>
           </a:bodyPr>
           <a:lstStyle/>
           <a:p>
-            <a:pPr indent="0" lvl="0" marL="0" rtl="0" algn="l">
+            <a:pPr marL="0" lvl="0" indent="0" algn="l" rtl="0">
               <a:spcBef>
                 <a:spcPts val="0"/>
               </a:spcBef>
@@ -1780,9 +1853,6 @@
               </a:spcAft>
               <a:buNone/>
             </a:pPr>
-            <a:r>
-              <a:t/>
-            </a:r>
             <a:endParaRPr/>
           </a:p>
         </p:txBody>
@@ -1796,11 +1866,11 @@
 </file>
 
 <file path=ppt/notesSlides/notesSlide9.xml><?xml version="1.0" encoding="utf-8"?>
-<p:notes xmlns:a="http://schemas.openxmlformats.org/drawingml/2006/main" xmlns:r="http://schemas.openxmlformats.org/officeDocument/2006/relationships" xmlns:mc="http://schemas.openxmlformats.org/markup-compatibility/2006" xmlns:mv="urn:schemas-microsoft-com:mac:vml" xmlns:p="http://schemas.openxmlformats.org/presentationml/2006/main" xmlns:c="http://schemas.openxmlformats.org/drawingml/2006/chart" xmlns:dgm="http://schemas.openxmlformats.org/drawingml/2006/diagram" xmlns:o="urn:schemas-microsoft-com:office:office" xmlns:v="urn:schemas-microsoft-com:vml" xmlns:pvml="urn:schemas-microsoft-com:office:powerpoint" xmlns:com="http://schemas.openxmlformats.org/drawingml/2006/compatibility" xmlns:p14="http://schemas.microsoft.com/office/powerpoint/2010/main" xmlns:p15="http://schemas.microsoft.com/office/powerpoint/2012/main" showMasterPhAnim="0" showMasterSp="0">
+<p:notes xmlns:a="http://schemas.openxmlformats.org/drawingml/2006/main" xmlns:r="http://schemas.openxmlformats.org/officeDocument/2006/relationships" xmlns:p="http://schemas.openxmlformats.org/presentationml/2006/main" showMasterSp="0" showMasterPhAnim="0">
   <p:cSld>
     <p:spTree>
       <p:nvGrpSpPr>
-        <p:cNvPr id="157" name="Shape 157"/>
+        <p:cNvPr id="1" name="Shape 157"/>
         <p:cNvGrpSpPr/>
         <p:nvPr/>
       </p:nvGrpSpPr>
@@ -1815,9 +1885,11 @@
       <p:sp>
         <p:nvSpPr>
           <p:cNvPr id="158" name="Google Shape;158;g6be55cabda_0_16:notes"/>
-          <p:cNvSpPr/>
+          <p:cNvSpPr>
+            <a:spLocks noGrp="1" noRot="1" noChangeAspect="1"/>
+          </p:cNvSpPr>
           <p:nvPr>
-            <p:ph idx="2" type="sldImg"/>
+            <p:ph type="sldImg" idx="2"/>
           </p:nvPr>
         </p:nvSpPr>
         <p:spPr>
@@ -1826,9 +1898,13 @@
             <a:ext cx="6096000" cy="3429000"/>
           </a:xfrm>
           <a:custGeom>
-            <a:rect b="b" l="l" r="r" t="t"/>
+            <a:avLst/>
+            <a:gdLst/>
+            <a:ahLst/>
+            <a:cxnLst/>
+            <a:rect l="l" t="t" r="r" b="b"/>
             <a:pathLst>
-              <a:path extrusionOk="0" h="120000" w="120000">
+              <a:path w="120000" h="120000" extrusionOk="0">
                 <a:moveTo>
                   <a:pt x="0" y="0"/>
                 </a:moveTo>
@@ -1850,9 +1926,11 @@
       <p:sp>
         <p:nvSpPr>
           <p:cNvPr id="159" name="Google Shape;159;g6be55cabda_0_16:notes"/>
-          <p:cNvSpPr txBox="1"/>
+          <p:cNvSpPr txBox="1">
+            <a:spLocks noGrp="1"/>
+          </p:cNvSpPr>
           <p:nvPr>
-            <p:ph idx="1" type="body"/>
+            <p:ph type="body" idx="1"/>
           </p:nvPr>
         </p:nvSpPr>
         <p:spPr>
@@ -1865,12 +1943,12 @@
           </a:prstGeom>
         </p:spPr>
         <p:txBody>
-          <a:bodyPr anchorCtr="0" anchor="t" bIns="91425" lIns="91425" spcFirstLastPara="1" rIns="91425" wrap="square" tIns="91425">
+          <a:bodyPr spcFirstLastPara="1" wrap="square" lIns="91425" tIns="91425" rIns="91425" bIns="91425" anchor="t" anchorCtr="0">
             <a:noAutofit/>
           </a:bodyPr>
           <a:lstStyle/>
           <a:p>
-            <a:pPr indent="0" lvl="0" marL="0" rtl="0" algn="l">
+            <a:pPr marL="0" lvl="0" indent="0" algn="l" rtl="0">
               <a:spcBef>
                 <a:spcPts val="0"/>
               </a:spcBef>
@@ -1879,9 +1957,6 @@
               </a:spcAft>
               <a:buNone/>
             </a:pPr>
-            <a:r>
-              <a:t/>
-            </a:r>
             <a:endParaRPr/>
           </a:p>
         </p:txBody>
@@ -1895,11 +1970,11 @@
 </file>
 
 <file path=ppt/slideLayouts/slideLayout1.xml><?xml version="1.0" encoding="utf-8"?>
-<p:sldLayout xmlns:a="http://schemas.openxmlformats.org/drawingml/2006/main" xmlns:r="http://schemas.openxmlformats.org/officeDocument/2006/relationships" xmlns:mc="http://schemas.openxmlformats.org/markup-compatibility/2006" xmlns:mv="urn:schemas-microsoft-com:mac:vml" xmlns:p="http://schemas.openxmlformats.org/presentationml/2006/main" xmlns:c="http://schemas.openxmlformats.org/drawingml/2006/chart" xmlns:dgm="http://schemas.openxmlformats.org/drawingml/2006/diagram" xmlns:o="urn:schemas-microsoft-com:office:office" xmlns:v="urn:schemas-microsoft-com:vml" xmlns:pvml="urn:schemas-microsoft-com:office:powerpoint" xmlns:com="http://schemas.openxmlformats.org/drawingml/2006/compatibility" xmlns:p14="http://schemas.microsoft.com/office/powerpoint/2010/main" xmlns:p15="http://schemas.microsoft.com/office/powerpoint/2012/main" matchingName="Title Slide" type="title">
+<p:sldLayout xmlns:a="http://schemas.openxmlformats.org/drawingml/2006/main" xmlns:r="http://schemas.openxmlformats.org/officeDocument/2006/relationships" xmlns:p="http://schemas.openxmlformats.org/presentationml/2006/main" matchingName="Title Slide" type="title">
   <p:cSld name="TITLE">
     <p:spTree>
       <p:nvGrpSpPr>
-        <p:cNvPr id="14" name="Shape 14"/>
+        <p:cNvPr id="1" name="Shape 14"/>
         <p:cNvGrpSpPr/>
         <p:nvPr/>
       </p:nvGrpSpPr>
@@ -1914,7 +1989,9 @@
       <p:sp>
         <p:nvSpPr>
           <p:cNvPr id="15" name="Google Shape;15;p2"/>
-          <p:cNvSpPr txBox="1"/>
+          <p:cNvSpPr txBox="1">
+            <a:spLocks noGrp="1"/>
+          </p:cNvSpPr>
           <p:nvPr>
             <p:ph type="ctrTitle"/>
           </p:nvPr>
@@ -1933,7 +2010,7 @@
           </a:ln>
         </p:spPr>
         <p:txBody>
-          <a:bodyPr anchorCtr="0" anchor="b" bIns="0" lIns="68575" spcFirstLastPara="1" rIns="68575" wrap="square" tIns="34275">
+          <a:bodyPr spcFirstLastPara="1" wrap="square" lIns="68575" tIns="34275" rIns="68575" bIns="0" anchor="b" anchorCtr="0">
             <a:noAutofit/>
           </a:bodyPr>
           <a:lstStyle>
@@ -2044,15 +2121,19 @@
               <a:defRPr/>
             </a:lvl9pPr>
           </a:lstStyle>
-          <a:p/>
+          <a:p>
+            <a:endParaRPr/>
+          </a:p>
         </p:txBody>
       </p:sp>
       <p:sp>
         <p:nvSpPr>
           <p:cNvPr id="16" name="Google Shape;16;p2"/>
-          <p:cNvSpPr txBox="1"/>
+          <p:cNvSpPr txBox="1">
+            <a:spLocks noGrp="1"/>
+          </p:cNvSpPr>
           <p:nvPr>
-            <p:ph idx="1" type="subTitle"/>
+            <p:ph type="subTitle" idx="1"/>
           </p:nvPr>
         </p:nvSpPr>
         <p:spPr>
@@ -2069,7 +2150,7 @@
           </a:ln>
         </p:spPr>
         <p:txBody>
-          <a:bodyPr anchorCtr="0" anchor="t" bIns="68575" lIns="68575" spcFirstLastPara="1" rIns="68575" wrap="square" tIns="68575">
+          <a:bodyPr spcFirstLastPara="1" wrap="square" lIns="68575" tIns="68575" rIns="68575" bIns="68575" anchor="t" anchorCtr="0">
             <a:noAutofit/>
           </a:bodyPr>
           <a:lstStyle>
@@ -2085,7 +2166,7 @@
               </a:spcAft>
               <a:buSzPts val="1400"/>
               <a:buNone/>
-              <a:defRPr b="0" sz="1400">
+              <a:defRPr sz="1400" b="0">
                 <a:solidFill>
                   <a:schemeClr val="dk1"/>
                 </a:solidFill>
@@ -2204,15 +2285,19 @@
               <a:defRPr sz="1200"/>
             </a:lvl9pPr>
           </a:lstStyle>
-          <a:p/>
+          <a:p>
+            <a:endParaRPr/>
+          </a:p>
         </p:txBody>
       </p:sp>
       <p:sp>
         <p:nvSpPr>
           <p:cNvPr id="17" name="Google Shape;17;p2"/>
-          <p:cNvSpPr txBox="1"/>
+          <p:cNvSpPr txBox="1">
+            <a:spLocks noGrp="1"/>
+          </p:cNvSpPr>
           <p:nvPr>
-            <p:ph idx="10" type="dt"/>
+            <p:ph type="dt" idx="10"/>
           </p:nvPr>
         </p:nvSpPr>
         <p:spPr>
@@ -2229,7 +2314,7 @@
           </a:ln>
         </p:spPr>
         <p:txBody>
-          <a:bodyPr anchorCtr="0" anchor="ctr" bIns="34275" lIns="68575" spcFirstLastPara="1" rIns="68575" wrap="square" tIns="34275">
+          <a:bodyPr spcFirstLastPara="1" wrap="square" lIns="68575" tIns="34275" rIns="68575" bIns="34275" anchor="ctr" anchorCtr="0">
             <a:noAutofit/>
           </a:bodyPr>
           <a:lstStyle>
@@ -2333,15 +2418,19 @@
               <a:defRPr/>
             </a:lvl9pPr>
           </a:lstStyle>
-          <a:p/>
+          <a:p>
+            <a:endParaRPr/>
+          </a:p>
         </p:txBody>
       </p:sp>
       <p:sp>
         <p:nvSpPr>
           <p:cNvPr id="18" name="Google Shape;18;p2"/>
-          <p:cNvSpPr txBox="1"/>
+          <p:cNvSpPr txBox="1">
+            <a:spLocks noGrp="1"/>
+          </p:cNvSpPr>
           <p:nvPr>
-            <p:ph idx="11" type="ftr"/>
+            <p:ph type="ftr" idx="11"/>
           </p:nvPr>
         </p:nvSpPr>
         <p:spPr>
@@ -2358,7 +2447,7 @@
           </a:ln>
         </p:spPr>
         <p:txBody>
-          <a:bodyPr anchorCtr="0" anchor="ctr" bIns="34275" lIns="68575" spcFirstLastPara="1" rIns="68575" wrap="square" tIns="34275">
+          <a:bodyPr spcFirstLastPara="1" wrap="square" lIns="68575" tIns="34275" rIns="68575" bIns="34275" anchor="ctr" anchorCtr="0">
             <a:noAutofit/>
           </a:bodyPr>
           <a:lstStyle>
@@ -2462,15 +2551,19 @@
               <a:defRPr/>
             </a:lvl9pPr>
           </a:lstStyle>
-          <a:p/>
+          <a:p>
+            <a:endParaRPr/>
+          </a:p>
         </p:txBody>
       </p:sp>
       <p:sp>
         <p:nvSpPr>
           <p:cNvPr id="19" name="Google Shape;19;p2"/>
-          <p:cNvSpPr txBox="1"/>
+          <p:cNvSpPr txBox="1">
+            <a:spLocks noGrp="1"/>
+          </p:cNvSpPr>
           <p:nvPr>
-            <p:ph idx="12" type="sldNum"/>
+            <p:ph type="sldNum" idx="12"/>
           </p:nvPr>
         </p:nvSpPr>
         <p:spPr>
@@ -2487,67 +2580,67 @@
           </a:ln>
         </p:spPr>
         <p:txBody>
-          <a:bodyPr anchorCtr="0" anchor="t" bIns="34275" lIns="68575" spcFirstLastPara="1" rIns="68575" wrap="square" tIns="34275">
+          <a:bodyPr spcFirstLastPara="1" wrap="square" lIns="68575" tIns="34275" rIns="68575" bIns="34275" anchor="t" anchorCtr="0">
             <a:noAutofit/>
           </a:bodyPr>
           <a:lstStyle>
-            <a:lvl1pPr indent="0" lvl="0" marL="0" algn="r">
+            <a:lvl1pPr marL="0" lvl="0" indent="0" algn="r">
               <a:spcBef>
                 <a:spcPts val="0"/>
               </a:spcBef>
               <a:buNone/>
               <a:defRPr/>
             </a:lvl1pPr>
-            <a:lvl2pPr indent="0" lvl="1" marL="0" algn="r">
+            <a:lvl2pPr marL="0" lvl="1" indent="0" algn="r">
               <a:spcBef>
                 <a:spcPts val="0"/>
               </a:spcBef>
               <a:buNone/>
               <a:defRPr/>
             </a:lvl2pPr>
-            <a:lvl3pPr indent="0" lvl="2" marL="0" algn="r">
+            <a:lvl3pPr marL="0" lvl="2" indent="0" algn="r">
               <a:spcBef>
                 <a:spcPts val="0"/>
               </a:spcBef>
               <a:buNone/>
               <a:defRPr/>
             </a:lvl3pPr>
-            <a:lvl4pPr indent="0" lvl="3" marL="0" algn="r">
+            <a:lvl4pPr marL="0" lvl="3" indent="0" algn="r">
               <a:spcBef>
                 <a:spcPts val="0"/>
               </a:spcBef>
               <a:buNone/>
               <a:defRPr/>
             </a:lvl4pPr>
-            <a:lvl5pPr indent="0" lvl="4" marL="0" algn="r">
+            <a:lvl5pPr marL="0" lvl="4" indent="0" algn="r">
               <a:spcBef>
                 <a:spcPts val="0"/>
               </a:spcBef>
               <a:buNone/>
               <a:defRPr/>
             </a:lvl5pPr>
-            <a:lvl6pPr indent="0" lvl="5" marL="0" algn="r">
+            <a:lvl6pPr marL="0" lvl="5" indent="0" algn="r">
               <a:spcBef>
                 <a:spcPts val="0"/>
               </a:spcBef>
               <a:buNone/>
               <a:defRPr/>
             </a:lvl6pPr>
-            <a:lvl7pPr indent="0" lvl="6" marL="0" algn="r">
+            <a:lvl7pPr marL="0" lvl="6" indent="0" algn="r">
               <a:spcBef>
                 <a:spcPts val="0"/>
               </a:spcBef>
               <a:buNone/>
               <a:defRPr/>
             </a:lvl7pPr>
-            <a:lvl8pPr indent="0" lvl="7" marL="0" algn="r">
+            <a:lvl8pPr marL="0" lvl="7" indent="0" algn="r">
               <a:spcBef>
                 <a:spcPts val="0"/>
               </a:spcBef>
               <a:buNone/>
               <a:defRPr/>
             </a:lvl8pPr>
-            <a:lvl9pPr indent="0" lvl="8" marL="0" algn="r">
+            <a:lvl9pPr marL="0" lvl="8" indent="0" algn="r">
               <a:spcBef>
                 <a:spcPts val="0"/>
               </a:spcBef>
@@ -2556,7 +2649,7 @@
             </a:lvl9pPr>
           </a:lstStyle>
           <a:p>
-            <a:pPr indent="0" lvl="0" marL="0" rtl="0" algn="r">
+            <a:pPr marL="0" lvl="0" indent="0" algn="r" rtl="0">
               <a:spcBef>
                 <a:spcPts val="0"/>
               </a:spcBef>
@@ -2575,7 +2668,7 @@
       </p:sp>
       <p:pic>
         <p:nvPicPr>
-          <p:cNvPr descr="RedHashing.emf" id="20" name="Google Shape;20;p2"/>
+          <p:cNvPr id="20" name="Google Shape;20;p2" descr="RedHashing.emf"/>
           <p:cNvPicPr preferRelativeResize="0"/>
           <p:nvPr/>
         </p:nvPicPr>
@@ -2583,7 +2676,7 @@
           <a:blip r:embed="rId2">
             <a:alphaModFix/>
           </a:blip>
-          <a:srcRect b="36435" l="-115" r="15827" t="0"/>
+          <a:srcRect l="-115" r="15827" b="36435"/>
           <a:stretch/>
         </p:blipFill>
         <p:spPr>
@@ -2609,11 +2702,11 @@
 </file>
 
 <file path=ppt/slideLayouts/slideLayout10.xml><?xml version="1.0" encoding="utf-8"?>
-<p:sldLayout xmlns:a="http://schemas.openxmlformats.org/drawingml/2006/main" xmlns:r="http://schemas.openxmlformats.org/officeDocument/2006/relationships" xmlns:mc="http://schemas.openxmlformats.org/markup-compatibility/2006" xmlns:mv="urn:schemas-microsoft-com:mac:vml" xmlns:p="http://schemas.openxmlformats.org/presentationml/2006/main" xmlns:c="http://schemas.openxmlformats.org/drawingml/2006/chart" xmlns:dgm="http://schemas.openxmlformats.org/drawingml/2006/diagram" xmlns:o="urn:schemas-microsoft-com:office:office" xmlns:v="urn:schemas-microsoft-com:vml" xmlns:pvml="urn:schemas-microsoft-com:office:powerpoint" xmlns:com="http://schemas.openxmlformats.org/drawingml/2006/compatibility" xmlns:p14="http://schemas.microsoft.com/office/powerpoint/2010/main" xmlns:p15="http://schemas.microsoft.com/office/powerpoint/2012/main" matchingName="Title and Vertical Text" type="vertTx">
+<p:sldLayout xmlns:a="http://schemas.openxmlformats.org/drawingml/2006/main" xmlns:r="http://schemas.openxmlformats.org/officeDocument/2006/relationships" xmlns:p="http://schemas.openxmlformats.org/presentationml/2006/main" matchingName="Title and Vertical Text" type="vertTx">
   <p:cSld name="VERTICAL_TEXT">
     <p:spTree>
       <p:nvGrpSpPr>
-        <p:cNvPr id="82" name="Shape 82"/>
+        <p:cNvPr id="1" name="Shape 82"/>
         <p:cNvGrpSpPr/>
         <p:nvPr/>
       </p:nvGrpSpPr>
@@ -2628,7 +2721,9 @@
       <p:sp>
         <p:nvSpPr>
           <p:cNvPr id="83" name="Google Shape;83;p11"/>
-          <p:cNvSpPr txBox="1"/>
+          <p:cNvSpPr txBox="1">
+            <a:spLocks noGrp="1"/>
+          </p:cNvSpPr>
           <p:nvPr>
             <p:ph type="title"/>
           </p:nvPr>
@@ -2647,7 +2742,7 @@
           </a:ln>
         </p:spPr>
         <p:txBody>
-          <a:bodyPr anchorCtr="0" anchor="t" bIns="34275" lIns="68575" spcFirstLastPara="1" rIns="68575" wrap="square" tIns="34275">
+          <a:bodyPr spcFirstLastPara="1" wrap="square" lIns="68575" tIns="34275" rIns="68575" bIns="34275" anchor="t" anchorCtr="0">
             <a:noAutofit/>
           </a:bodyPr>
           <a:lstStyle>
@@ -2757,15 +2852,19 @@
               <a:defRPr/>
             </a:lvl9pPr>
           </a:lstStyle>
-          <a:p/>
+          <a:p>
+            <a:endParaRPr/>
+          </a:p>
         </p:txBody>
       </p:sp>
       <p:sp>
         <p:nvSpPr>
           <p:cNvPr id="84" name="Google Shape;84;p11"/>
-          <p:cNvSpPr txBox="1"/>
+          <p:cNvSpPr txBox="1">
+            <a:spLocks noGrp="1"/>
+          </p:cNvSpPr>
           <p:nvPr>
-            <p:ph idx="1" type="body"/>
+            <p:ph type="body" idx="1"/>
           </p:nvPr>
         </p:nvSpPr>
         <p:spPr>
@@ -2782,11 +2881,11 @@
           </a:ln>
         </p:spPr>
         <p:txBody>
-          <a:bodyPr anchorCtr="0" anchor="t" bIns="34275" lIns="68575" spcFirstLastPara="1" rIns="68575" wrap="square" tIns="34275">
+          <a:bodyPr spcFirstLastPara="1" wrap="square" lIns="68575" tIns="34275" rIns="68575" bIns="34275" anchor="t" anchorCtr="0">
             <a:noAutofit/>
           </a:bodyPr>
           <a:lstStyle>
-            <a:lvl1pPr indent="-317500" lvl="0" marL="457200" algn="l">
+            <a:lvl1pPr marL="457200" lvl="0" indent="-317500" algn="l">
               <a:lnSpc>
                 <a:spcPct val="120000"/>
               </a:lnSpc>
@@ -2800,7 +2899,7 @@
               <a:buChar char="•"/>
               <a:defRPr/>
             </a:lvl1pPr>
-            <a:lvl2pPr indent="-317500" lvl="1" marL="914400" algn="l">
+            <a:lvl2pPr marL="914400" lvl="1" indent="-317500" algn="l">
               <a:lnSpc>
                 <a:spcPct val="120000"/>
               </a:lnSpc>
@@ -2814,7 +2913,7 @@
               <a:buChar char="•"/>
               <a:defRPr/>
             </a:lvl2pPr>
-            <a:lvl3pPr indent="-317500" lvl="2" marL="1371600" algn="l">
+            <a:lvl3pPr marL="1371600" lvl="2" indent="-317500" algn="l">
               <a:lnSpc>
                 <a:spcPct val="120000"/>
               </a:lnSpc>
@@ -2828,7 +2927,7 @@
               <a:buChar char="•"/>
               <a:defRPr/>
             </a:lvl3pPr>
-            <a:lvl4pPr indent="-317500" lvl="3" marL="1828800" algn="l">
+            <a:lvl4pPr marL="1828800" lvl="3" indent="-317500" algn="l">
               <a:lnSpc>
                 <a:spcPct val="120000"/>
               </a:lnSpc>
@@ -2842,7 +2941,7 @@
               <a:buChar char="•"/>
               <a:defRPr/>
             </a:lvl4pPr>
-            <a:lvl5pPr indent="-317500" lvl="4" marL="2286000" algn="l">
+            <a:lvl5pPr marL="2286000" lvl="4" indent="-317500" algn="l">
               <a:lnSpc>
                 <a:spcPct val="120000"/>
               </a:lnSpc>
@@ -2856,7 +2955,7 @@
               <a:buChar char="•"/>
               <a:defRPr/>
             </a:lvl5pPr>
-            <a:lvl6pPr indent="-317500" lvl="5" marL="2743200" algn="l">
+            <a:lvl6pPr marL="2743200" lvl="5" indent="-317500" algn="l">
               <a:lnSpc>
                 <a:spcPct val="120000"/>
               </a:lnSpc>
@@ -2870,7 +2969,7 @@
               <a:buChar char="•"/>
               <a:defRPr/>
             </a:lvl6pPr>
-            <a:lvl7pPr indent="-317500" lvl="6" marL="3200400" algn="l">
+            <a:lvl7pPr marL="3200400" lvl="6" indent="-317500" algn="l">
               <a:lnSpc>
                 <a:spcPct val="120000"/>
               </a:lnSpc>
@@ -2884,7 +2983,7 @@
               <a:buChar char="•"/>
               <a:defRPr/>
             </a:lvl7pPr>
-            <a:lvl8pPr indent="-317500" lvl="7" marL="3657600" algn="l">
+            <a:lvl8pPr marL="3657600" lvl="7" indent="-317500" algn="l">
               <a:lnSpc>
                 <a:spcPct val="120000"/>
               </a:lnSpc>
@@ -2898,7 +2997,7 @@
               <a:buChar char="•"/>
               <a:defRPr/>
             </a:lvl8pPr>
-            <a:lvl9pPr indent="-317500" lvl="8" marL="4114800" algn="l">
+            <a:lvl9pPr marL="4114800" lvl="8" indent="-317500" algn="l">
               <a:lnSpc>
                 <a:spcPct val="120000"/>
               </a:lnSpc>
@@ -2913,15 +3012,19 @@
               <a:defRPr/>
             </a:lvl9pPr>
           </a:lstStyle>
-          <a:p/>
+          <a:p>
+            <a:endParaRPr/>
+          </a:p>
         </p:txBody>
       </p:sp>
       <p:sp>
         <p:nvSpPr>
           <p:cNvPr id="85" name="Google Shape;85;p11"/>
-          <p:cNvSpPr txBox="1"/>
+          <p:cNvSpPr txBox="1">
+            <a:spLocks noGrp="1"/>
+          </p:cNvSpPr>
           <p:nvPr>
-            <p:ph idx="10" type="dt"/>
+            <p:ph type="dt" idx="10"/>
           </p:nvPr>
         </p:nvSpPr>
         <p:spPr>
@@ -2938,7 +3041,7 @@
           </a:ln>
         </p:spPr>
         <p:txBody>
-          <a:bodyPr anchorCtr="0" anchor="ctr" bIns="34275" lIns="68575" spcFirstLastPara="1" rIns="68575" wrap="square" tIns="34275">
+          <a:bodyPr spcFirstLastPara="1" wrap="square" lIns="68575" tIns="34275" rIns="68575" bIns="34275" anchor="ctr" anchorCtr="0">
             <a:noAutofit/>
           </a:bodyPr>
           <a:lstStyle>
@@ -3042,15 +3145,19 @@
               <a:defRPr/>
             </a:lvl9pPr>
           </a:lstStyle>
-          <a:p/>
+          <a:p>
+            <a:endParaRPr/>
+          </a:p>
         </p:txBody>
       </p:sp>
       <p:sp>
         <p:nvSpPr>
           <p:cNvPr id="86" name="Google Shape;86;p11"/>
-          <p:cNvSpPr txBox="1"/>
+          <p:cNvSpPr txBox="1">
+            <a:spLocks noGrp="1"/>
+          </p:cNvSpPr>
           <p:nvPr>
-            <p:ph idx="11" type="ftr"/>
+            <p:ph type="ftr" idx="11"/>
           </p:nvPr>
         </p:nvSpPr>
         <p:spPr>
@@ -3067,7 +3174,7 @@
           </a:ln>
         </p:spPr>
         <p:txBody>
-          <a:bodyPr anchorCtr="0" anchor="ctr" bIns="34275" lIns="68575" spcFirstLastPara="1" rIns="68575" wrap="square" tIns="34275">
+          <a:bodyPr spcFirstLastPara="1" wrap="square" lIns="68575" tIns="34275" rIns="68575" bIns="34275" anchor="ctr" anchorCtr="0">
             <a:noAutofit/>
           </a:bodyPr>
           <a:lstStyle>
@@ -3171,15 +3278,19 @@
               <a:defRPr/>
             </a:lvl9pPr>
           </a:lstStyle>
-          <a:p/>
+          <a:p>
+            <a:endParaRPr/>
+          </a:p>
         </p:txBody>
       </p:sp>
       <p:sp>
         <p:nvSpPr>
           <p:cNvPr id="87" name="Google Shape;87;p11"/>
-          <p:cNvSpPr txBox="1"/>
+          <p:cNvSpPr txBox="1">
+            <a:spLocks noGrp="1"/>
+          </p:cNvSpPr>
           <p:nvPr>
-            <p:ph idx="12" type="sldNum"/>
+            <p:ph type="sldNum" idx="12"/>
           </p:nvPr>
         </p:nvSpPr>
         <p:spPr>
@@ -3196,67 +3307,67 @@
           </a:ln>
         </p:spPr>
         <p:txBody>
-          <a:bodyPr anchorCtr="0" anchor="t" bIns="34275" lIns="68575" spcFirstLastPara="1" rIns="68575" wrap="square" tIns="34275">
+          <a:bodyPr spcFirstLastPara="1" wrap="square" lIns="68575" tIns="34275" rIns="68575" bIns="34275" anchor="t" anchorCtr="0">
             <a:noAutofit/>
           </a:bodyPr>
           <a:lstStyle>
-            <a:lvl1pPr indent="0" lvl="0" marL="0" algn="r">
+            <a:lvl1pPr marL="0" lvl="0" indent="0" algn="r">
               <a:spcBef>
                 <a:spcPts val="0"/>
               </a:spcBef>
               <a:buNone/>
               <a:defRPr/>
             </a:lvl1pPr>
-            <a:lvl2pPr indent="0" lvl="1" marL="0" algn="r">
+            <a:lvl2pPr marL="0" lvl="1" indent="0" algn="r">
               <a:spcBef>
                 <a:spcPts val="0"/>
               </a:spcBef>
               <a:buNone/>
               <a:defRPr/>
             </a:lvl2pPr>
-            <a:lvl3pPr indent="0" lvl="2" marL="0" algn="r">
+            <a:lvl3pPr marL="0" lvl="2" indent="0" algn="r">
               <a:spcBef>
                 <a:spcPts val="0"/>
               </a:spcBef>
               <a:buNone/>
               <a:defRPr/>
             </a:lvl3pPr>
-            <a:lvl4pPr indent="0" lvl="3" marL="0" algn="r">
+            <a:lvl4pPr marL="0" lvl="3" indent="0" algn="r">
               <a:spcBef>
                 <a:spcPts val="0"/>
               </a:spcBef>
               <a:buNone/>
               <a:defRPr/>
             </a:lvl4pPr>
-            <a:lvl5pPr indent="0" lvl="4" marL="0" algn="r">
+            <a:lvl5pPr marL="0" lvl="4" indent="0" algn="r">
               <a:spcBef>
                 <a:spcPts val="0"/>
               </a:spcBef>
               <a:buNone/>
               <a:defRPr/>
             </a:lvl5pPr>
-            <a:lvl6pPr indent="0" lvl="5" marL="0" algn="r">
+            <a:lvl6pPr marL="0" lvl="5" indent="0" algn="r">
               <a:spcBef>
                 <a:spcPts val="0"/>
               </a:spcBef>
               <a:buNone/>
               <a:defRPr/>
             </a:lvl6pPr>
-            <a:lvl7pPr indent="0" lvl="6" marL="0" algn="r">
+            <a:lvl7pPr marL="0" lvl="6" indent="0" algn="r">
               <a:spcBef>
                 <a:spcPts val="0"/>
               </a:spcBef>
               <a:buNone/>
               <a:defRPr/>
             </a:lvl7pPr>
-            <a:lvl8pPr indent="0" lvl="7" marL="0" algn="r">
+            <a:lvl8pPr marL="0" lvl="7" indent="0" algn="r">
               <a:spcBef>
                 <a:spcPts val="0"/>
               </a:spcBef>
               <a:buNone/>
               <a:defRPr/>
             </a:lvl8pPr>
-            <a:lvl9pPr indent="0" lvl="8" marL="0" algn="r">
+            <a:lvl9pPr marL="0" lvl="8" indent="0" algn="r">
               <a:spcBef>
                 <a:spcPts val="0"/>
               </a:spcBef>
@@ -3265,7 +3376,7 @@
             </a:lvl9pPr>
           </a:lstStyle>
           <a:p>
-            <a:pPr indent="0" lvl="0" marL="0" rtl="0" algn="r">
+            <a:pPr marL="0" lvl="0" indent="0" algn="r" rtl="0">
               <a:spcBef>
                 <a:spcPts val="0"/>
               </a:spcBef>
@@ -3284,7 +3395,7 @@
       </p:sp>
       <p:pic>
         <p:nvPicPr>
-          <p:cNvPr descr="RedHashing.emf" id="88" name="Google Shape;88;p11"/>
+          <p:cNvPr id="88" name="Google Shape;88;p11" descr="RedHashing.emf"/>
           <p:cNvPicPr preferRelativeResize="0"/>
           <p:nvPr/>
         </p:nvPicPr>
@@ -3292,7 +3403,7 @@
           <a:blip r:embed="rId2">
             <a:alphaModFix/>
           </a:blip>
-          <a:srcRect b="36435" l="-115" r="15827" t="0"/>
+          <a:srcRect l="-115" r="15827" b="36435"/>
           <a:stretch/>
         </p:blipFill>
         <p:spPr>
@@ -3318,11 +3429,11 @@
 </file>
 
 <file path=ppt/slideLayouts/slideLayout11.xml><?xml version="1.0" encoding="utf-8"?>
-<p:sldLayout xmlns:a="http://schemas.openxmlformats.org/drawingml/2006/main" xmlns:r="http://schemas.openxmlformats.org/officeDocument/2006/relationships" xmlns:mc="http://schemas.openxmlformats.org/markup-compatibility/2006" xmlns:mv="urn:schemas-microsoft-com:mac:vml" xmlns:p="http://schemas.openxmlformats.org/presentationml/2006/main" xmlns:c="http://schemas.openxmlformats.org/drawingml/2006/chart" xmlns:dgm="http://schemas.openxmlformats.org/drawingml/2006/diagram" xmlns:o="urn:schemas-microsoft-com:office:office" xmlns:v="urn:schemas-microsoft-com:vml" xmlns:pvml="urn:schemas-microsoft-com:office:powerpoint" xmlns:com="http://schemas.openxmlformats.org/drawingml/2006/compatibility" xmlns:p14="http://schemas.microsoft.com/office/powerpoint/2010/main" xmlns:p15="http://schemas.microsoft.com/office/powerpoint/2012/main" matchingName="Vertical Title and Text" type="vertTitleAndTx">
+<p:sldLayout xmlns:a="http://schemas.openxmlformats.org/drawingml/2006/main" xmlns:r="http://schemas.openxmlformats.org/officeDocument/2006/relationships" xmlns:p="http://schemas.openxmlformats.org/presentationml/2006/main" matchingName="Vertical Title and Text" type="vertTitleAndTx">
   <p:cSld name="VERTICAL_TITLE_AND_VERTICAL_TEXT">
     <p:spTree>
       <p:nvGrpSpPr>
-        <p:cNvPr id="89" name="Shape 89"/>
+        <p:cNvPr id="1" name="Shape 89"/>
         <p:cNvGrpSpPr/>
         <p:nvPr/>
       </p:nvGrpSpPr>
@@ -3337,7 +3448,9 @@
       <p:sp>
         <p:nvSpPr>
           <p:cNvPr id="90" name="Google Shape;90;p12"/>
-          <p:cNvSpPr txBox="1"/>
+          <p:cNvSpPr txBox="1">
+            <a:spLocks noGrp="1"/>
+          </p:cNvSpPr>
           <p:nvPr>
             <p:ph type="title"/>
           </p:nvPr>
@@ -3356,7 +3469,7 @@
           </a:ln>
         </p:spPr>
         <p:txBody>
-          <a:bodyPr anchorCtr="0" anchor="t" bIns="34275" lIns="68575" spcFirstLastPara="1" rIns="68575" wrap="square" tIns="34275">
+          <a:bodyPr spcFirstLastPara="1" wrap="square" lIns="68575" tIns="34275" rIns="68575" bIns="34275" anchor="t" anchorCtr="0">
             <a:noAutofit/>
           </a:bodyPr>
           <a:lstStyle>
@@ -3467,15 +3580,19 @@
               <a:defRPr/>
             </a:lvl9pPr>
           </a:lstStyle>
-          <a:p/>
+          <a:p>
+            <a:endParaRPr/>
+          </a:p>
         </p:txBody>
       </p:sp>
       <p:sp>
         <p:nvSpPr>
           <p:cNvPr id="91" name="Google Shape;91;p12"/>
-          <p:cNvSpPr txBox="1"/>
+          <p:cNvSpPr txBox="1">
+            <a:spLocks noGrp="1"/>
+          </p:cNvSpPr>
           <p:nvPr>
-            <p:ph idx="1" type="body"/>
+            <p:ph type="body" idx="1"/>
           </p:nvPr>
         </p:nvSpPr>
         <p:spPr>
@@ -3492,11 +3609,11 @@
           </a:ln>
         </p:spPr>
         <p:txBody>
-          <a:bodyPr anchorCtr="0" anchor="t" bIns="34275" lIns="68575" spcFirstLastPara="1" rIns="68575" wrap="square" tIns="34275">
+          <a:bodyPr spcFirstLastPara="1" wrap="square" lIns="68575" tIns="34275" rIns="68575" bIns="34275" anchor="t" anchorCtr="0">
             <a:noAutofit/>
           </a:bodyPr>
           <a:lstStyle>
-            <a:lvl1pPr indent="-317500" lvl="0" marL="457200" algn="l">
+            <a:lvl1pPr marL="457200" lvl="0" indent="-317500" algn="l">
               <a:lnSpc>
                 <a:spcPct val="120000"/>
               </a:lnSpc>
@@ -3510,7 +3627,7 @@
               <a:buChar char="•"/>
               <a:defRPr/>
             </a:lvl1pPr>
-            <a:lvl2pPr indent="-317500" lvl="1" marL="914400" algn="l">
+            <a:lvl2pPr marL="914400" lvl="1" indent="-317500" algn="l">
               <a:lnSpc>
                 <a:spcPct val="120000"/>
               </a:lnSpc>
@@ -3524,7 +3641,7 @@
               <a:buChar char="•"/>
               <a:defRPr/>
             </a:lvl2pPr>
-            <a:lvl3pPr indent="-317500" lvl="2" marL="1371600" algn="l">
+            <a:lvl3pPr marL="1371600" lvl="2" indent="-317500" algn="l">
               <a:lnSpc>
                 <a:spcPct val="120000"/>
               </a:lnSpc>
@@ -3538,7 +3655,7 @@
               <a:buChar char="•"/>
               <a:defRPr/>
             </a:lvl3pPr>
-            <a:lvl4pPr indent="-317500" lvl="3" marL="1828800" algn="l">
+            <a:lvl4pPr marL="1828800" lvl="3" indent="-317500" algn="l">
               <a:lnSpc>
                 <a:spcPct val="120000"/>
               </a:lnSpc>
@@ -3552,7 +3669,7 @@
               <a:buChar char="•"/>
               <a:defRPr/>
             </a:lvl4pPr>
-            <a:lvl5pPr indent="-317500" lvl="4" marL="2286000" algn="l">
+            <a:lvl5pPr marL="2286000" lvl="4" indent="-317500" algn="l">
               <a:lnSpc>
                 <a:spcPct val="120000"/>
               </a:lnSpc>
@@ -3566,7 +3683,7 @@
               <a:buChar char="•"/>
               <a:defRPr/>
             </a:lvl5pPr>
-            <a:lvl6pPr indent="-317500" lvl="5" marL="2743200" algn="l">
+            <a:lvl6pPr marL="2743200" lvl="5" indent="-317500" algn="l">
               <a:lnSpc>
                 <a:spcPct val="120000"/>
               </a:lnSpc>
@@ -3580,7 +3697,7 @@
               <a:buChar char="•"/>
               <a:defRPr/>
             </a:lvl6pPr>
-            <a:lvl7pPr indent="-317500" lvl="6" marL="3200400" algn="l">
+            <a:lvl7pPr marL="3200400" lvl="6" indent="-317500" algn="l">
               <a:lnSpc>
                 <a:spcPct val="120000"/>
               </a:lnSpc>
@@ -3594,7 +3711,7 @@
               <a:buChar char="•"/>
               <a:defRPr/>
             </a:lvl7pPr>
-            <a:lvl8pPr indent="-317500" lvl="7" marL="3657600" algn="l">
+            <a:lvl8pPr marL="3657600" lvl="7" indent="-317500" algn="l">
               <a:lnSpc>
                 <a:spcPct val="120000"/>
               </a:lnSpc>
@@ -3608,7 +3725,7 @@
               <a:buChar char="•"/>
               <a:defRPr/>
             </a:lvl8pPr>
-            <a:lvl9pPr indent="-317500" lvl="8" marL="4114800" algn="l">
+            <a:lvl9pPr marL="4114800" lvl="8" indent="-317500" algn="l">
               <a:lnSpc>
                 <a:spcPct val="120000"/>
               </a:lnSpc>
@@ -3623,15 +3740,19 @@
               <a:defRPr/>
             </a:lvl9pPr>
           </a:lstStyle>
-          <a:p/>
+          <a:p>
+            <a:endParaRPr/>
+          </a:p>
         </p:txBody>
       </p:sp>
       <p:sp>
         <p:nvSpPr>
           <p:cNvPr id="92" name="Google Shape;92;p12"/>
-          <p:cNvSpPr txBox="1"/>
+          <p:cNvSpPr txBox="1">
+            <a:spLocks noGrp="1"/>
+          </p:cNvSpPr>
           <p:nvPr>
-            <p:ph idx="10" type="dt"/>
+            <p:ph type="dt" idx="10"/>
           </p:nvPr>
         </p:nvSpPr>
         <p:spPr>
@@ -3648,7 +3769,7 @@
           </a:ln>
         </p:spPr>
         <p:txBody>
-          <a:bodyPr anchorCtr="0" anchor="ctr" bIns="34275" lIns="68575" spcFirstLastPara="1" rIns="68575" wrap="square" tIns="34275">
+          <a:bodyPr spcFirstLastPara="1" wrap="square" lIns="68575" tIns="34275" rIns="68575" bIns="34275" anchor="ctr" anchorCtr="0">
             <a:noAutofit/>
           </a:bodyPr>
           <a:lstStyle>
@@ -3752,15 +3873,19 @@
               <a:defRPr/>
             </a:lvl9pPr>
           </a:lstStyle>
-          <a:p/>
+          <a:p>
+            <a:endParaRPr/>
+          </a:p>
         </p:txBody>
       </p:sp>
       <p:sp>
         <p:nvSpPr>
           <p:cNvPr id="93" name="Google Shape;93;p12"/>
-          <p:cNvSpPr txBox="1"/>
+          <p:cNvSpPr txBox="1">
+            <a:spLocks noGrp="1"/>
+          </p:cNvSpPr>
           <p:nvPr>
-            <p:ph idx="11" type="ftr"/>
+            <p:ph type="ftr" idx="11"/>
           </p:nvPr>
         </p:nvSpPr>
         <p:spPr>
@@ -3777,7 +3902,7 @@
           </a:ln>
         </p:spPr>
         <p:txBody>
-          <a:bodyPr anchorCtr="0" anchor="ctr" bIns="34275" lIns="68575" spcFirstLastPara="1" rIns="68575" wrap="square" tIns="34275">
+          <a:bodyPr spcFirstLastPara="1" wrap="square" lIns="68575" tIns="34275" rIns="68575" bIns="34275" anchor="ctr" anchorCtr="0">
             <a:noAutofit/>
           </a:bodyPr>
           <a:lstStyle>
@@ -3881,15 +4006,19 @@
               <a:defRPr/>
             </a:lvl9pPr>
           </a:lstStyle>
-          <a:p/>
+          <a:p>
+            <a:endParaRPr/>
+          </a:p>
         </p:txBody>
       </p:sp>
       <p:sp>
         <p:nvSpPr>
           <p:cNvPr id="94" name="Google Shape;94;p12"/>
-          <p:cNvSpPr txBox="1"/>
+          <p:cNvSpPr txBox="1">
+            <a:spLocks noGrp="1"/>
+          </p:cNvSpPr>
           <p:nvPr>
-            <p:ph idx="12" type="sldNum"/>
+            <p:ph type="sldNum" idx="12"/>
           </p:nvPr>
         </p:nvSpPr>
         <p:spPr>
@@ -3906,67 +4035,67 @@
           </a:ln>
         </p:spPr>
         <p:txBody>
-          <a:bodyPr anchorCtr="0" anchor="t" bIns="34275" lIns="68575" spcFirstLastPara="1" rIns="68575" wrap="square" tIns="34275">
+          <a:bodyPr spcFirstLastPara="1" wrap="square" lIns="68575" tIns="34275" rIns="68575" bIns="34275" anchor="t" anchorCtr="0">
             <a:noAutofit/>
           </a:bodyPr>
           <a:lstStyle>
-            <a:lvl1pPr indent="0" lvl="0" marL="0" algn="r">
+            <a:lvl1pPr marL="0" lvl="0" indent="0" algn="r">
               <a:spcBef>
                 <a:spcPts val="0"/>
               </a:spcBef>
               <a:buNone/>
               <a:defRPr/>
             </a:lvl1pPr>
-            <a:lvl2pPr indent="0" lvl="1" marL="0" algn="r">
+            <a:lvl2pPr marL="0" lvl="1" indent="0" algn="r">
               <a:spcBef>
                 <a:spcPts val="0"/>
               </a:spcBef>
               <a:buNone/>
               <a:defRPr/>
             </a:lvl2pPr>
-            <a:lvl3pPr indent="0" lvl="2" marL="0" algn="r">
+            <a:lvl3pPr marL="0" lvl="2" indent="0" algn="r">
               <a:spcBef>
                 <a:spcPts val="0"/>
               </a:spcBef>
               <a:buNone/>
               <a:defRPr/>
             </a:lvl3pPr>
-            <a:lvl4pPr indent="0" lvl="3" marL="0" algn="r">
+            <a:lvl4pPr marL="0" lvl="3" indent="0" algn="r">
               <a:spcBef>
                 <a:spcPts val="0"/>
               </a:spcBef>
               <a:buNone/>
               <a:defRPr/>
             </a:lvl4pPr>
-            <a:lvl5pPr indent="0" lvl="4" marL="0" algn="r">
+            <a:lvl5pPr marL="0" lvl="4" indent="0" algn="r">
               <a:spcBef>
                 <a:spcPts val="0"/>
               </a:spcBef>
               <a:buNone/>
               <a:defRPr/>
             </a:lvl5pPr>
-            <a:lvl6pPr indent="0" lvl="5" marL="0" algn="r">
+            <a:lvl6pPr marL="0" lvl="5" indent="0" algn="r">
               <a:spcBef>
                 <a:spcPts val="0"/>
               </a:spcBef>
               <a:buNone/>
               <a:defRPr/>
             </a:lvl6pPr>
-            <a:lvl7pPr indent="0" lvl="6" marL="0" algn="r">
+            <a:lvl7pPr marL="0" lvl="6" indent="0" algn="r">
               <a:spcBef>
                 <a:spcPts val="0"/>
               </a:spcBef>
               <a:buNone/>
               <a:defRPr/>
             </a:lvl7pPr>
-            <a:lvl8pPr indent="0" lvl="7" marL="0" algn="r">
+            <a:lvl8pPr marL="0" lvl="7" indent="0" algn="r">
               <a:spcBef>
                 <a:spcPts val="0"/>
               </a:spcBef>
               <a:buNone/>
               <a:defRPr/>
             </a:lvl8pPr>
-            <a:lvl9pPr indent="0" lvl="8" marL="0" algn="r">
+            <a:lvl9pPr marL="0" lvl="8" indent="0" algn="r">
               <a:spcBef>
                 <a:spcPts val="0"/>
               </a:spcBef>
@@ -3975,7 +4104,7 @@
             </a:lvl9pPr>
           </a:lstStyle>
           <a:p>
-            <a:pPr indent="0" lvl="0" marL="0" rtl="0" algn="r">
+            <a:pPr marL="0" lvl="0" indent="0" algn="r" rtl="0">
               <a:spcBef>
                 <a:spcPts val="0"/>
               </a:spcBef>
@@ -3994,7 +4123,7 @@
       </p:sp>
       <p:pic>
         <p:nvPicPr>
-          <p:cNvPr descr="RedHashing.emf" id="95" name="Google Shape;95;p12"/>
+          <p:cNvPr id="95" name="Google Shape;95;p12" descr="RedHashing.emf"/>
           <p:cNvPicPr preferRelativeResize="0"/>
           <p:nvPr/>
         </p:nvPicPr>
@@ -4002,7 +4131,7 @@
           <a:blip r:embed="rId2">
             <a:alphaModFix/>
           </a:blip>
-          <a:srcRect b="36435" l="-115" r="59214" t="0"/>
+          <a:srcRect l="-115" r="59214" b="36435"/>
           <a:stretch/>
         </p:blipFill>
         <p:spPr>
@@ -4028,11 +4157,11 @@
 </file>
 
 <file path=ppt/slideLayouts/slideLayout12.xml><?xml version="1.0" encoding="utf-8"?>
-<p:sldLayout xmlns:a="http://schemas.openxmlformats.org/drawingml/2006/main" xmlns:r="http://schemas.openxmlformats.org/officeDocument/2006/relationships" xmlns:mc="http://schemas.openxmlformats.org/markup-compatibility/2006" xmlns:mv="urn:schemas-microsoft-com:mac:vml" xmlns:p="http://schemas.openxmlformats.org/presentationml/2006/main" xmlns:c="http://schemas.openxmlformats.org/drawingml/2006/chart" xmlns:dgm="http://schemas.openxmlformats.org/drawingml/2006/diagram" xmlns:o="urn:schemas-microsoft-com:office:office" xmlns:v="urn:schemas-microsoft-com:vml" xmlns:pvml="urn:schemas-microsoft-com:office:powerpoint" xmlns:com="http://schemas.openxmlformats.org/drawingml/2006/compatibility" xmlns:p14="http://schemas.microsoft.com/office/powerpoint/2010/main" xmlns:p15="http://schemas.microsoft.com/office/powerpoint/2012/main" matchingName="Title and body" type="tx">
+<p:sldLayout xmlns:a="http://schemas.openxmlformats.org/drawingml/2006/main" xmlns:r="http://schemas.openxmlformats.org/officeDocument/2006/relationships" xmlns:p="http://schemas.openxmlformats.org/presentationml/2006/main" matchingName="Title and body" type="tx">
   <p:cSld name="TITLE_AND_BODY">
     <p:spTree>
       <p:nvGrpSpPr>
-        <p:cNvPr id="96" name="Shape 96"/>
+        <p:cNvPr id="1" name="Shape 96"/>
         <p:cNvGrpSpPr/>
         <p:nvPr/>
       </p:nvGrpSpPr>
@@ -4047,7 +4176,9 @@
       <p:sp>
         <p:nvSpPr>
           <p:cNvPr id="97" name="Google Shape;97;p13"/>
-          <p:cNvSpPr txBox="1"/>
+          <p:cNvSpPr txBox="1">
+            <a:spLocks noGrp="1"/>
+          </p:cNvSpPr>
           <p:nvPr>
             <p:ph type="title"/>
           </p:nvPr>
@@ -4062,7 +4193,7 @@
           </a:prstGeom>
         </p:spPr>
         <p:txBody>
-          <a:bodyPr anchorCtr="0" anchor="t" bIns="34275" lIns="68575" spcFirstLastPara="1" rIns="68575" wrap="square" tIns="34275">
+          <a:bodyPr spcFirstLastPara="1" wrap="square" lIns="68575" tIns="34275" rIns="68575" bIns="34275" anchor="t" anchorCtr="0">
             <a:noAutofit/>
           </a:bodyPr>
           <a:lstStyle>
@@ -4166,15 +4297,19 @@
               <a:defRPr/>
             </a:lvl9pPr>
           </a:lstStyle>
-          <a:p/>
+          <a:p>
+            <a:endParaRPr/>
+          </a:p>
         </p:txBody>
       </p:sp>
       <p:sp>
         <p:nvSpPr>
           <p:cNvPr id="98" name="Google Shape;98;p13"/>
-          <p:cNvSpPr txBox="1"/>
+          <p:cNvSpPr txBox="1">
+            <a:spLocks noGrp="1"/>
+          </p:cNvSpPr>
           <p:nvPr>
-            <p:ph idx="1" type="body"/>
+            <p:ph type="body" idx="1"/>
           </p:nvPr>
         </p:nvSpPr>
         <p:spPr>
@@ -4187,11 +4322,11 @@
           </a:prstGeom>
         </p:spPr>
         <p:txBody>
-          <a:bodyPr anchorCtr="0" anchor="t" bIns="34275" lIns="68575" spcFirstLastPara="1" rIns="68575" wrap="square" tIns="34275">
+          <a:bodyPr spcFirstLastPara="1" wrap="square" lIns="68575" tIns="34275" rIns="68575" bIns="34275" anchor="t" anchorCtr="0">
             <a:noAutofit/>
           </a:bodyPr>
           <a:lstStyle>
-            <a:lvl1pPr indent="-323850" lvl="0" marL="457200" rtl="0">
+            <a:lvl1pPr marL="457200" lvl="0" indent="-323850" rtl="0">
               <a:spcBef>
                 <a:spcPts val="800"/>
               </a:spcBef>
@@ -4202,7 +4337,7 @@
               <a:buChar char="•"/>
               <a:defRPr/>
             </a:lvl1pPr>
-            <a:lvl2pPr indent="-317500" lvl="1" marL="914400" rtl="0">
+            <a:lvl2pPr marL="914400" lvl="1" indent="-317500" rtl="0">
               <a:spcBef>
                 <a:spcPts val="400"/>
               </a:spcBef>
@@ -4213,7 +4348,7 @@
               <a:buChar char="•"/>
               <a:defRPr/>
             </a:lvl2pPr>
-            <a:lvl3pPr indent="-304800" lvl="2" marL="1371600" rtl="0">
+            <a:lvl3pPr marL="1371600" lvl="2" indent="-304800" rtl="0">
               <a:spcBef>
                 <a:spcPts val="400"/>
               </a:spcBef>
@@ -4224,7 +4359,7 @@
               <a:buChar char="•"/>
               <a:defRPr/>
             </a:lvl3pPr>
-            <a:lvl4pPr indent="-298450" lvl="3" marL="1828800" rtl="0">
+            <a:lvl4pPr marL="1828800" lvl="3" indent="-298450" rtl="0">
               <a:spcBef>
                 <a:spcPts val="400"/>
               </a:spcBef>
@@ -4235,7 +4370,7 @@
               <a:buChar char="•"/>
               <a:defRPr/>
             </a:lvl4pPr>
-            <a:lvl5pPr indent="-285750" lvl="4" marL="2286000" rtl="0">
+            <a:lvl5pPr marL="2286000" lvl="4" indent="-285750" rtl="0">
               <a:spcBef>
                 <a:spcPts val="400"/>
               </a:spcBef>
@@ -4246,7 +4381,7 @@
               <a:buChar char="•"/>
               <a:defRPr/>
             </a:lvl5pPr>
-            <a:lvl6pPr indent="-285750" lvl="5" marL="2743200" rtl="0">
+            <a:lvl6pPr marL="2743200" lvl="5" indent="-285750" rtl="0">
               <a:spcBef>
                 <a:spcPts val="400"/>
               </a:spcBef>
@@ -4257,7 +4392,7 @@
               <a:buChar char="•"/>
               <a:defRPr/>
             </a:lvl6pPr>
-            <a:lvl7pPr indent="-285750" lvl="6" marL="3200400" rtl="0">
+            <a:lvl7pPr marL="3200400" lvl="6" indent="-285750" rtl="0">
               <a:spcBef>
                 <a:spcPts val="400"/>
               </a:spcBef>
@@ -4268,7 +4403,7 @@
               <a:buChar char="•"/>
               <a:defRPr/>
             </a:lvl7pPr>
-            <a:lvl8pPr indent="-285750" lvl="7" marL="3657600" rtl="0">
+            <a:lvl8pPr marL="3657600" lvl="7" indent="-285750" rtl="0">
               <a:spcBef>
                 <a:spcPts val="400"/>
               </a:spcBef>
@@ -4279,7 +4414,7 @@
               <a:buChar char="•"/>
               <a:defRPr/>
             </a:lvl8pPr>
-            <a:lvl9pPr indent="-285750" lvl="8" marL="4114800" rtl="0">
+            <a:lvl9pPr marL="4114800" lvl="8" indent="-285750" rtl="0">
               <a:spcBef>
                 <a:spcPts val="400"/>
               </a:spcBef>
@@ -4291,15 +4426,19 @@
               <a:defRPr/>
             </a:lvl9pPr>
           </a:lstStyle>
-          <a:p/>
+          <a:p>
+            <a:endParaRPr/>
+          </a:p>
         </p:txBody>
       </p:sp>
       <p:sp>
         <p:nvSpPr>
           <p:cNvPr id="99" name="Google Shape;99;p13"/>
-          <p:cNvSpPr txBox="1"/>
+          <p:cNvSpPr txBox="1">
+            <a:spLocks noGrp="1"/>
+          </p:cNvSpPr>
           <p:nvPr>
-            <p:ph idx="12" type="sldNum"/>
+            <p:ph type="sldNum" idx="12"/>
           </p:nvPr>
         </p:nvSpPr>
         <p:spPr>
@@ -4312,7 +4451,7 @@
           </a:prstGeom>
         </p:spPr>
         <p:txBody>
-          <a:bodyPr anchorCtr="0" anchor="t" bIns="34275" lIns="68575" spcFirstLastPara="1" rIns="68575" wrap="square" tIns="34275">
+          <a:bodyPr spcFirstLastPara="1" wrap="square" lIns="68575" tIns="34275" rIns="68575" bIns="34275" anchor="t" anchorCtr="0">
             <a:noAutofit/>
           </a:bodyPr>
           <a:lstStyle>
@@ -4354,7 +4493,7 @@
             </a:lvl9pPr>
           </a:lstStyle>
           <a:p>
-            <a:pPr indent="0" lvl="0" marL="0" rtl="0" algn="r">
+            <a:pPr marL="0" lvl="0" indent="0" algn="r" rtl="0">
               <a:spcBef>
                 <a:spcPts val="0"/>
               </a:spcBef>
@@ -4380,11 +4519,11 @@
 </file>
 
 <file path=ppt/slideLayouts/slideLayout2.xml><?xml version="1.0" encoding="utf-8"?>
-<p:sldLayout xmlns:a="http://schemas.openxmlformats.org/drawingml/2006/main" xmlns:r="http://schemas.openxmlformats.org/officeDocument/2006/relationships" xmlns:mc="http://schemas.openxmlformats.org/markup-compatibility/2006" xmlns:mv="urn:schemas-microsoft-com:mac:vml" xmlns:p="http://schemas.openxmlformats.org/presentationml/2006/main" xmlns:c="http://schemas.openxmlformats.org/drawingml/2006/chart" xmlns:dgm="http://schemas.openxmlformats.org/drawingml/2006/diagram" xmlns:o="urn:schemas-microsoft-com:office:office" xmlns:v="urn:schemas-microsoft-com:vml" xmlns:pvml="urn:schemas-microsoft-com:office:powerpoint" xmlns:com="http://schemas.openxmlformats.org/drawingml/2006/compatibility" xmlns:p14="http://schemas.microsoft.com/office/powerpoint/2010/main" xmlns:p15="http://schemas.microsoft.com/office/powerpoint/2012/main" matchingName="Title and Content" type="obj">
+<p:sldLayout xmlns:a="http://schemas.openxmlformats.org/drawingml/2006/main" xmlns:r="http://schemas.openxmlformats.org/officeDocument/2006/relationships" xmlns:p="http://schemas.openxmlformats.org/presentationml/2006/main" matchingName="Title and Content" type="obj">
   <p:cSld name="OBJECT">
     <p:spTree>
       <p:nvGrpSpPr>
-        <p:cNvPr id="21" name="Shape 21"/>
+        <p:cNvPr id="1" name="Shape 21"/>
         <p:cNvGrpSpPr/>
         <p:nvPr/>
       </p:nvGrpSpPr>
@@ -4399,7 +4538,9 @@
       <p:sp>
         <p:nvSpPr>
           <p:cNvPr id="22" name="Google Shape;22;p3"/>
-          <p:cNvSpPr txBox="1"/>
+          <p:cNvSpPr txBox="1">
+            <a:spLocks noGrp="1"/>
+          </p:cNvSpPr>
           <p:nvPr>
             <p:ph type="title"/>
           </p:nvPr>
@@ -4418,7 +4559,7 @@
           </a:ln>
         </p:spPr>
         <p:txBody>
-          <a:bodyPr anchorCtr="0" anchor="t" bIns="34275" lIns="68575" spcFirstLastPara="1" rIns="68575" wrap="square" tIns="34275">
+          <a:bodyPr spcFirstLastPara="1" wrap="square" lIns="68575" tIns="34275" rIns="68575" bIns="34275" anchor="t" anchorCtr="0">
             <a:noAutofit/>
           </a:bodyPr>
           <a:lstStyle>
@@ -4528,15 +4669,19 @@
               <a:defRPr/>
             </a:lvl9pPr>
           </a:lstStyle>
-          <a:p/>
+          <a:p>
+            <a:endParaRPr/>
+          </a:p>
         </p:txBody>
       </p:sp>
       <p:sp>
         <p:nvSpPr>
           <p:cNvPr id="23" name="Google Shape;23;p3"/>
-          <p:cNvSpPr txBox="1"/>
+          <p:cNvSpPr txBox="1">
+            <a:spLocks noGrp="1"/>
+          </p:cNvSpPr>
           <p:nvPr>
-            <p:ph idx="1" type="body"/>
+            <p:ph type="body" idx="1"/>
           </p:nvPr>
         </p:nvSpPr>
         <p:spPr>
@@ -4553,11 +4698,11 @@
           </a:ln>
         </p:spPr>
         <p:txBody>
-          <a:bodyPr anchorCtr="0" anchor="t" bIns="34275" lIns="68575" spcFirstLastPara="1" rIns="68575" wrap="square" tIns="34275">
+          <a:bodyPr spcFirstLastPara="1" wrap="square" lIns="68575" tIns="34275" rIns="68575" bIns="34275" anchor="t" anchorCtr="0">
             <a:noAutofit/>
           </a:bodyPr>
           <a:lstStyle>
-            <a:lvl1pPr indent="-317500" lvl="0" marL="457200" algn="l">
+            <a:lvl1pPr marL="457200" lvl="0" indent="-317500" algn="l">
               <a:lnSpc>
                 <a:spcPct val="120000"/>
               </a:lnSpc>
@@ -4571,7 +4716,7 @@
               <a:buChar char="•"/>
               <a:defRPr/>
             </a:lvl1pPr>
-            <a:lvl2pPr indent="-317500" lvl="1" marL="914400" algn="l">
+            <a:lvl2pPr marL="914400" lvl="1" indent="-317500" algn="l">
               <a:lnSpc>
                 <a:spcPct val="120000"/>
               </a:lnSpc>
@@ -4585,7 +4730,7 @@
               <a:buChar char="•"/>
               <a:defRPr/>
             </a:lvl2pPr>
-            <a:lvl3pPr indent="-317500" lvl="2" marL="1371600" algn="l">
+            <a:lvl3pPr marL="1371600" lvl="2" indent="-317500" algn="l">
               <a:lnSpc>
                 <a:spcPct val="120000"/>
               </a:lnSpc>
@@ -4599,7 +4744,7 @@
               <a:buChar char="•"/>
               <a:defRPr/>
             </a:lvl3pPr>
-            <a:lvl4pPr indent="-317500" lvl="3" marL="1828800" algn="l">
+            <a:lvl4pPr marL="1828800" lvl="3" indent="-317500" algn="l">
               <a:lnSpc>
                 <a:spcPct val="120000"/>
               </a:lnSpc>
@@ -4613,7 +4758,7 @@
               <a:buChar char="•"/>
               <a:defRPr/>
             </a:lvl4pPr>
-            <a:lvl5pPr indent="-317500" lvl="4" marL="2286000" algn="l">
+            <a:lvl5pPr marL="2286000" lvl="4" indent="-317500" algn="l">
               <a:lnSpc>
                 <a:spcPct val="120000"/>
               </a:lnSpc>
@@ -4627,7 +4772,7 @@
               <a:buChar char="•"/>
               <a:defRPr/>
             </a:lvl5pPr>
-            <a:lvl6pPr indent="-317500" lvl="5" marL="2743200" algn="l">
+            <a:lvl6pPr marL="2743200" lvl="5" indent="-317500" algn="l">
               <a:lnSpc>
                 <a:spcPct val="120000"/>
               </a:lnSpc>
@@ -4641,7 +4786,7 @@
               <a:buChar char="•"/>
               <a:defRPr/>
             </a:lvl6pPr>
-            <a:lvl7pPr indent="-317500" lvl="6" marL="3200400" algn="l">
+            <a:lvl7pPr marL="3200400" lvl="6" indent="-317500" algn="l">
               <a:lnSpc>
                 <a:spcPct val="120000"/>
               </a:lnSpc>
@@ -4655,7 +4800,7 @@
               <a:buChar char="•"/>
               <a:defRPr/>
             </a:lvl7pPr>
-            <a:lvl8pPr indent="-317500" lvl="7" marL="3657600" algn="l">
+            <a:lvl8pPr marL="3657600" lvl="7" indent="-317500" algn="l">
               <a:lnSpc>
                 <a:spcPct val="120000"/>
               </a:lnSpc>
@@ -4669,7 +4814,7 @@
               <a:buChar char="•"/>
               <a:defRPr/>
             </a:lvl8pPr>
-            <a:lvl9pPr indent="-317500" lvl="8" marL="4114800" algn="l">
+            <a:lvl9pPr marL="4114800" lvl="8" indent="-317500" algn="l">
               <a:lnSpc>
                 <a:spcPct val="120000"/>
               </a:lnSpc>
@@ -4684,15 +4829,19 @@
               <a:defRPr/>
             </a:lvl9pPr>
           </a:lstStyle>
-          <a:p/>
+          <a:p>
+            <a:endParaRPr/>
+          </a:p>
         </p:txBody>
       </p:sp>
       <p:sp>
         <p:nvSpPr>
           <p:cNvPr id="24" name="Google Shape;24;p3"/>
-          <p:cNvSpPr txBox="1"/>
+          <p:cNvSpPr txBox="1">
+            <a:spLocks noGrp="1"/>
+          </p:cNvSpPr>
           <p:nvPr>
-            <p:ph idx="10" type="dt"/>
+            <p:ph type="dt" idx="10"/>
           </p:nvPr>
         </p:nvSpPr>
         <p:spPr>
@@ -4709,7 +4858,7 @@
           </a:ln>
         </p:spPr>
         <p:txBody>
-          <a:bodyPr anchorCtr="0" anchor="ctr" bIns="34275" lIns="68575" spcFirstLastPara="1" rIns="68575" wrap="square" tIns="34275">
+          <a:bodyPr spcFirstLastPara="1" wrap="square" lIns="68575" tIns="34275" rIns="68575" bIns="34275" anchor="ctr" anchorCtr="0">
             <a:noAutofit/>
           </a:bodyPr>
           <a:lstStyle>
@@ -4813,15 +4962,19 @@
               <a:defRPr/>
             </a:lvl9pPr>
           </a:lstStyle>
-          <a:p/>
+          <a:p>
+            <a:endParaRPr/>
+          </a:p>
         </p:txBody>
       </p:sp>
       <p:sp>
         <p:nvSpPr>
           <p:cNvPr id="25" name="Google Shape;25;p3"/>
-          <p:cNvSpPr txBox="1"/>
+          <p:cNvSpPr txBox="1">
+            <a:spLocks noGrp="1"/>
+          </p:cNvSpPr>
           <p:nvPr>
-            <p:ph idx="11" type="ftr"/>
+            <p:ph type="ftr" idx="11"/>
           </p:nvPr>
         </p:nvSpPr>
         <p:spPr>
@@ -4838,7 +4991,7 @@
           </a:ln>
         </p:spPr>
         <p:txBody>
-          <a:bodyPr anchorCtr="0" anchor="ctr" bIns="34275" lIns="68575" spcFirstLastPara="1" rIns="68575" wrap="square" tIns="34275">
+          <a:bodyPr spcFirstLastPara="1" wrap="square" lIns="68575" tIns="34275" rIns="68575" bIns="34275" anchor="ctr" anchorCtr="0">
             <a:noAutofit/>
           </a:bodyPr>
           <a:lstStyle>
@@ -4942,15 +5095,19 @@
               <a:defRPr/>
             </a:lvl9pPr>
           </a:lstStyle>
-          <a:p/>
+          <a:p>
+            <a:endParaRPr/>
+          </a:p>
         </p:txBody>
       </p:sp>
       <p:sp>
         <p:nvSpPr>
           <p:cNvPr id="26" name="Google Shape;26;p3"/>
-          <p:cNvSpPr txBox="1"/>
+          <p:cNvSpPr txBox="1">
+            <a:spLocks noGrp="1"/>
+          </p:cNvSpPr>
           <p:nvPr>
-            <p:ph idx="12" type="sldNum"/>
+            <p:ph type="sldNum" idx="12"/>
           </p:nvPr>
         </p:nvSpPr>
         <p:spPr>
@@ -4967,67 +5124,67 @@
           </a:ln>
         </p:spPr>
         <p:txBody>
-          <a:bodyPr anchorCtr="0" anchor="t" bIns="34275" lIns="68575" spcFirstLastPara="1" rIns="68575" wrap="square" tIns="34275">
+          <a:bodyPr spcFirstLastPara="1" wrap="square" lIns="68575" tIns="34275" rIns="68575" bIns="34275" anchor="t" anchorCtr="0">
             <a:noAutofit/>
           </a:bodyPr>
           <a:lstStyle>
-            <a:lvl1pPr indent="0" lvl="0" marL="0" algn="r">
+            <a:lvl1pPr marL="0" lvl="0" indent="0" algn="r">
               <a:spcBef>
                 <a:spcPts val="0"/>
               </a:spcBef>
               <a:buNone/>
               <a:defRPr/>
             </a:lvl1pPr>
-            <a:lvl2pPr indent="0" lvl="1" marL="0" algn="r">
+            <a:lvl2pPr marL="0" lvl="1" indent="0" algn="r">
               <a:spcBef>
                 <a:spcPts val="0"/>
               </a:spcBef>
               <a:buNone/>
               <a:defRPr/>
             </a:lvl2pPr>
-            <a:lvl3pPr indent="0" lvl="2" marL="0" algn="r">
+            <a:lvl3pPr marL="0" lvl="2" indent="0" algn="r">
               <a:spcBef>
                 <a:spcPts val="0"/>
               </a:spcBef>
               <a:buNone/>
               <a:defRPr/>
             </a:lvl3pPr>
-            <a:lvl4pPr indent="0" lvl="3" marL="0" algn="r">
+            <a:lvl4pPr marL="0" lvl="3" indent="0" algn="r">
               <a:spcBef>
                 <a:spcPts val="0"/>
               </a:spcBef>
               <a:buNone/>
               <a:defRPr/>
             </a:lvl4pPr>
-            <a:lvl5pPr indent="0" lvl="4" marL="0" algn="r">
+            <a:lvl5pPr marL="0" lvl="4" indent="0" algn="r">
               <a:spcBef>
                 <a:spcPts val="0"/>
               </a:spcBef>
               <a:buNone/>
               <a:defRPr/>
             </a:lvl5pPr>
-            <a:lvl6pPr indent="0" lvl="5" marL="0" algn="r">
+            <a:lvl6pPr marL="0" lvl="5" indent="0" algn="r">
               <a:spcBef>
                 <a:spcPts val="0"/>
               </a:spcBef>
               <a:buNone/>
               <a:defRPr/>
             </a:lvl6pPr>
-            <a:lvl7pPr indent="0" lvl="6" marL="0" algn="r">
+            <a:lvl7pPr marL="0" lvl="6" indent="0" algn="r">
               <a:spcBef>
                 <a:spcPts val="0"/>
               </a:spcBef>
               <a:buNone/>
               <a:defRPr/>
             </a:lvl7pPr>
-            <a:lvl8pPr indent="0" lvl="7" marL="0" algn="r">
+            <a:lvl8pPr marL="0" lvl="7" indent="0" algn="r">
               <a:spcBef>
                 <a:spcPts val="0"/>
               </a:spcBef>
               <a:buNone/>
               <a:defRPr/>
             </a:lvl8pPr>
-            <a:lvl9pPr indent="0" lvl="8" marL="0" algn="r">
+            <a:lvl9pPr marL="0" lvl="8" indent="0" algn="r">
               <a:spcBef>
                 <a:spcPts val="0"/>
               </a:spcBef>
@@ -5036,7 +5193,7 @@
             </a:lvl9pPr>
           </a:lstStyle>
           <a:p>
-            <a:pPr indent="0" lvl="0" marL="0" rtl="0" algn="r">
+            <a:pPr marL="0" lvl="0" indent="0" algn="r" rtl="0">
               <a:spcBef>
                 <a:spcPts val="0"/>
               </a:spcBef>
@@ -5055,7 +5212,7 @@
       </p:sp>
       <p:pic>
         <p:nvPicPr>
-          <p:cNvPr descr="RedHashing.emf" id="27" name="Google Shape;27;p3"/>
+          <p:cNvPr id="27" name="Google Shape;27;p3" descr="RedHashing.emf"/>
           <p:cNvPicPr preferRelativeResize="0"/>
           <p:nvPr/>
         </p:nvPicPr>
@@ -5063,7 +5220,7 @@
           <a:blip r:embed="rId2">
             <a:alphaModFix/>
           </a:blip>
-          <a:srcRect b="36435" l="-115" r="15827" t="0"/>
+          <a:srcRect l="-115" r="15827" b="36435"/>
           <a:stretch/>
         </p:blipFill>
         <p:spPr>
@@ -5089,11 +5246,11 @@
 </file>
 
 <file path=ppt/slideLayouts/slideLayout3.xml><?xml version="1.0" encoding="utf-8"?>
-<p:sldLayout xmlns:a="http://schemas.openxmlformats.org/drawingml/2006/main" xmlns:r="http://schemas.openxmlformats.org/officeDocument/2006/relationships" xmlns:mc="http://schemas.openxmlformats.org/markup-compatibility/2006" xmlns:mv="urn:schemas-microsoft-com:mac:vml" xmlns:p="http://schemas.openxmlformats.org/presentationml/2006/main" xmlns:c="http://schemas.openxmlformats.org/drawingml/2006/chart" xmlns:dgm="http://schemas.openxmlformats.org/drawingml/2006/diagram" xmlns:o="urn:schemas-microsoft-com:office:office" xmlns:v="urn:schemas-microsoft-com:vml" xmlns:pvml="urn:schemas-microsoft-com:office:powerpoint" xmlns:com="http://schemas.openxmlformats.org/drawingml/2006/compatibility" xmlns:p14="http://schemas.microsoft.com/office/powerpoint/2010/main" xmlns:p15="http://schemas.microsoft.com/office/powerpoint/2012/main" matchingName="Section Header" type="secHead">
+<p:sldLayout xmlns:a="http://schemas.openxmlformats.org/drawingml/2006/main" xmlns:r="http://schemas.openxmlformats.org/officeDocument/2006/relationships" xmlns:p="http://schemas.openxmlformats.org/presentationml/2006/main" matchingName="Section Header" type="secHead">
   <p:cSld name="SECTION_HEADER">
     <p:spTree>
       <p:nvGrpSpPr>
-        <p:cNvPr id="28" name="Shape 28"/>
+        <p:cNvPr id="1" name="Shape 28"/>
         <p:cNvGrpSpPr/>
         <p:nvPr/>
       </p:nvGrpSpPr>
@@ -5108,7 +5265,9 @@
       <p:sp>
         <p:nvSpPr>
           <p:cNvPr id="29" name="Google Shape;29;p4"/>
-          <p:cNvSpPr txBox="1"/>
+          <p:cNvSpPr txBox="1">
+            <a:spLocks noGrp="1"/>
+          </p:cNvSpPr>
           <p:nvPr>
             <p:ph type="title"/>
           </p:nvPr>
@@ -5127,7 +5286,7 @@
           </a:ln>
         </p:spPr>
         <p:txBody>
-          <a:bodyPr anchorCtr="0" anchor="b" bIns="34275" lIns="68575" spcFirstLastPara="1" rIns="68575" wrap="square" tIns="34275">
+          <a:bodyPr spcFirstLastPara="1" wrap="square" lIns="68575" tIns="34275" rIns="68575" bIns="34275" anchor="b" anchorCtr="0">
             <a:noAutofit/>
           </a:bodyPr>
           <a:lstStyle>
@@ -5238,15 +5397,19 @@
               <a:defRPr/>
             </a:lvl9pPr>
           </a:lstStyle>
-          <a:p/>
+          <a:p>
+            <a:endParaRPr/>
+          </a:p>
         </p:txBody>
       </p:sp>
       <p:sp>
         <p:nvSpPr>
           <p:cNvPr id="30" name="Google Shape;30;p4"/>
-          <p:cNvSpPr txBox="1"/>
+          <p:cNvSpPr txBox="1">
+            <a:spLocks noGrp="1"/>
+          </p:cNvSpPr>
           <p:nvPr>
-            <p:ph idx="1" type="body"/>
+            <p:ph type="body" idx="1"/>
           </p:nvPr>
         </p:nvSpPr>
         <p:spPr>
@@ -5263,11 +5426,11 @@
           </a:ln>
         </p:spPr>
         <p:txBody>
-          <a:bodyPr anchorCtr="0" anchor="t" bIns="34275" lIns="68575" spcFirstLastPara="1" rIns="68575" wrap="square" tIns="68575">
+          <a:bodyPr spcFirstLastPara="1" wrap="square" lIns="68575" tIns="68575" rIns="68575" bIns="34275" anchor="t" anchorCtr="0">
             <a:noAutofit/>
           </a:bodyPr>
           <a:lstStyle>
-            <a:lvl1pPr indent="-228600" lvl="0" marL="457200" algn="l">
+            <a:lvl1pPr marL="457200" lvl="0" indent="-228600" algn="l">
               <a:lnSpc>
                 <a:spcPct val="120000"/>
               </a:lnSpc>
@@ -5285,7 +5448,7 @@
                 </a:solidFill>
               </a:defRPr>
             </a:lvl1pPr>
-            <a:lvl2pPr indent="-228600" lvl="1" marL="914400" algn="l">
+            <a:lvl2pPr marL="914400" lvl="1" indent="-228600" algn="l">
               <a:lnSpc>
                 <a:spcPct val="120000"/>
               </a:lnSpc>
@@ -5303,7 +5466,7 @@
                 </a:solidFill>
               </a:defRPr>
             </a:lvl2pPr>
-            <a:lvl3pPr indent="-228600" lvl="2" marL="1371600" algn="l">
+            <a:lvl3pPr marL="1371600" lvl="2" indent="-228600" algn="l">
               <a:lnSpc>
                 <a:spcPct val="120000"/>
               </a:lnSpc>
@@ -5321,7 +5484,7 @@
                 </a:solidFill>
               </a:defRPr>
             </a:lvl3pPr>
-            <a:lvl4pPr indent="-228600" lvl="3" marL="1828800" algn="l">
+            <a:lvl4pPr marL="1828800" lvl="3" indent="-228600" algn="l">
               <a:lnSpc>
                 <a:spcPct val="120000"/>
               </a:lnSpc>
@@ -5339,7 +5502,7 @@
                 </a:solidFill>
               </a:defRPr>
             </a:lvl4pPr>
-            <a:lvl5pPr indent="-228600" lvl="4" marL="2286000" algn="l">
+            <a:lvl5pPr marL="2286000" lvl="4" indent="-228600" algn="l">
               <a:lnSpc>
                 <a:spcPct val="120000"/>
               </a:lnSpc>
@@ -5357,7 +5520,7 @@
                 </a:solidFill>
               </a:defRPr>
             </a:lvl5pPr>
-            <a:lvl6pPr indent="-228600" lvl="5" marL="2743200" algn="l">
+            <a:lvl6pPr marL="2743200" lvl="5" indent="-228600" algn="l">
               <a:lnSpc>
                 <a:spcPct val="120000"/>
               </a:lnSpc>
@@ -5375,7 +5538,7 @@
                 </a:solidFill>
               </a:defRPr>
             </a:lvl6pPr>
-            <a:lvl7pPr indent="-228600" lvl="6" marL="3200400" algn="l">
+            <a:lvl7pPr marL="3200400" lvl="6" indent="-228600" algn="l">
               <a:lnSpc>
                 <a:spcPct val="120000"/>
               </a:lnSpc>
@@ -5393,7 +5556,7 @@
                 </a:solidFill>
               </a:defRPr>
             </a:lvl7pPr>
-            <a:lvl8pPr indent="-228600" lvl="7" marL="3657600" algn="l">
+            <a:lvl8pPr marL="3657600" lvl="7" indent="-228600" algn="l">
               <a:lnSpc>
                 <a:spcPct val="120000"/>
               </a:lnSpc>
@@ -5411,7 +5574,7 @@
                 </a:solidFill>
               </a:defRPr>
             </a:lvl8pPr>
-            <a:lvl9pPr indent="-228600" lvl="8" marL="4114800" algn="l">
+            <a:lvl9pPr marL="4114800" lvl="8" indent="-228600" algn="l">
               <a:lnSpc>
                 <a:spcPct val="120000"/>
               </a:lnSpc>
@@ -5430,15 +5593,19 @@
               </a:defRPr>
             </a:lvl9pPr>
           </a:lstStyle>
-          <a:p/>
+          <a:p>
+            <a:endParaRPr/>
+          </a:p>
         </p:txBody>
       </p:sp>
       <p:sp>
         <p:nvSpPr>
           <p:cNvPr id="31" name="Google Shape;31;p4"/>
-          <p:cNvSpPr txBox="1"/>
+          <p:cNvSpPr txBox="1">
+            <a:spLocks noGrp="1"/>
+          </p:cNvSpPr>
           <p:nvPr>
-            <p:ph idx="10" type="dt"/>
+            <p:ph type="dt" idx="10"/>
           </p:nvPr>
         </p:nvSpPr>
         <p:spPr>
@@ -5455,7 +5622,7 @@
           </a:ln>
         </p:spPr>
         <p:txBody>
-          <a:bodyPr anchorCtr="0" anchor="ctr" bIns="34275" lIns="68575" spcFirstLastPara="1" rIns="68575" wrap="square" tIns="34275">
+          <a:bodyPr spcFirstLastPara="1" wrap="square" lIns="68575" tIns="34275" rIns="68575" bIns="34275" anchor="ctr" anchorCtr="0">
             <a:noAutofit/>
           </a:bodyPr>
           <a:lstStyle>
@@ -5559,15 +5726,19 @@
               <a:defRPr/>
             </a:lvl9pPr>
           </a:lstStyle>
-          <a:p/>
+          <a:p>
+            <a:endParaRPr/>
+          </a:p>
         </p:txBody>
       </p:sp>
       <p:sp>
         <p:nvSpPr>
           <p:cNvPr id="32" name="Google Shape;32;p4"/>
-          <p:cNvSpPr txBox="1"/>
+          <p:cNvSpPr txBox="1">
+            <a:spLocks noGrp="1"/>
+          </p:cNvSpPr>
           <p:nvPr>
-            <p:ph idx="11" type="ftr"/>
+            <p:ph type="ftr" idx="11"/>
           </p:nvPr>
         </p:nvSpPr>
         <p:spPr>
@@ -5584,7 +5755,7 @@
           </a:ln>
         </p:spPr>
         <p:txBody>
-          <a:bodyPr anchorCtr="0" anchor="ctr" bIns="34275" lIns="68575" spcFirstLastPara="1" rIns="68575" wrap="square" tIns="34275">
+          <a:bodyPr spcFirstLastPara="1" wrap="square" lIns="68575" tIns="34275" rIns="68575" bIns="34275" anchor="ctr" anchorCtr="0">
             <a:noAutofit/>
           </a:bodyPr>
           <a:lstStyle>
@@ -5688,15 +5859,19 @@
               <a:defRPr/>
             </a:lvl9pPr>
           </a:lstStyle>
-          <a:p/>
+          <a:p>
+            <a:endParaRPr/>
+          </a:p>
         </p:txBody>
       </p:sp>
       <p:sp>
         <p:nvSpPr>
           <p:cNvPr id="33" name="Google Shape;33;p4"/>
-          <p:cNvSpPr txBox="1"/>
+          <p:cNvSpPr txBox="1">
+            <a:spLocks noGrp="1"/>
+          </p:cNvSpPr>
           <p:nvPr>
-            <p:ph idx="12" type="sldNum"/>
+            <p:ph type="sldNum" idx="12"/>
           </p:nvPr>
         </p:nvSpPr>
         <p:spPr>
@@ -5713,67 +5888,67 @@
           </a:ln>
         </p:spPr>
         <p:txBody>
-          <a:bodyPr anchorCtr="0" anchor="t" bIns="34275" lIns="68575" spcFirstLastPara="1" rIns="68575" wrap="square" tIns="34275">
+          <a:bodyPr spcFirstLastPara="1" wrap="square" lIns="68575" tIns="34275" rIns="68575" bIns="34275" anchor="t" anchorCtr="0">
             <a:noAutofit/>
           </a:bodyPr>
           <a:lstStyle>
-            <a:lvl1pPr indent="0" lvl="0" marL="0" algn="r">
+            <a:lvl1pPr marL="0" lvl="0" indent="0" algn="r">
               <a:spcBef>
                 <a:spcPts val="0"/>
               </a:spcBef>
               <a:buNone/>
               <a:defRPr/>
             </a:lvl1pPr>
-            <a:lvl2pPr indent="0" lvl="1" marL="0" algn="r">
+            <a:lvl2pPr marL="0" lvl="1" indent="0" algn="r">
               <a:spcBef>
                 <a:spcPts val="0"/>
               </a:spcBef>
               <a:buNone/>
               <a:defRPr/>
             </a:lvl2pPr>
-            <a:lvl3pPr indent="0" lvl="2" marL="0" algn="r">
+            <a:lvl3pPr marL="0" lvl="2" indent="0" algn="r">
               <a:spcBef>
                 <a:spcPts val="0"/>
               </a:spcBef>
               <a:buNone/>
               <a:defRPr/>
             </a:lvl3pPr>
-            <a:lvl4pPr indent="0" lvl="3" marL="0" algn="r">
+            <a:lvl4pPr marL="0" lvl="3" indent="0" algn="r">
               <a:spcBef>
                 <a:spcPts val="0"/>
               </a:spcBef>
               <a:buNone/>
               <a:defRPr/>
             </a:lvl4pPr>
-            <a:lvl5pPr indent="0" lvl="4" marL="0" algn="r">
+            <a:lvl5pPr marL="0" lvl="4" indent="0" algn="r">
               <a:spcBef>
                 <a:spcPts val="0"/>
               </a:spcBef>
               <a:buNone/>
               <a:defRPr/>
             </a:lvl5pPr>
-            <a:lvl6pPr indent="0" lvl="5" marL="0" algn="r">
+            <a:lvl6pPr marL="0" lvl="5" indent="0" algn="r">
               <a:spcBef>
                 <a:spcPts val="0"/>
               </a:spcBef>
               <a:buNone/>
               <a:defRPr/>
             </a:lvl6pPr>
-            <a:lvl7pPr indent="0" lvl="6" marL="0" algn="r">
+            <a:lvl7pPr marL="0" lvl="6" indent="0" algn="r">
               <a:spcBef>
                 <a:spcPts val="0"/>
               </a:spcBef>
               <a:buNone/>
               <a:defRPr/>
             </a:lvl7pPr>
-            <a:lvl8pPr indent="0" lvl="7" marL="0" algn="r">
+            <a:lvl8pPr marL="0" lvl="7" indent="0" algn="r">
               <a:spcBef>
                 <a:spcPts val="0"/>
               </a:spcBef>
               <a:buNone/>
               <a:defRPr/>
             </a:lvl8pPr>
-            <a:lvl9pPr indent="0" lvl="8" marL="0" algn="r">
+            <a:lvl9pPr marL="0" lvl="8" indent="0" algn="r">
               <a:spcBef>
                 <a:spcPts val="0"/>
               </a:spcBef>
@@ -5782,7 +5957,7 @@
             </a:lvl9pPr>
           </a:lstStyle>
           <a:p>
-            <a:pPr indent="0" lvl="0" marL="0" rtl="0" algn="r">
+            <a:pPr marL="0" lvl="0" indent="0" algn="r" rtl="0">
               <a:spcBef>
                 <a:spcPts val="0"/>
               </a:spcBef>
@@ -5801,7 +5976,7 @@
       </p:sp>
       <p:pic>
         <p:nvPicPr>
-          <p:cNvPr descr="RedHashing.emf" id="34" name="Google Shape;34;p4"/>
+          <p:cNvPr id="34" name="Google Shape;34;p4" descr="RedHashing.emf"/>
           <p:cNvPicPr preferRelativeResize="0"/>
           <p:nvPr/>
         </p:nvPicPr>
@@ -5809,7 +5984,7 @@
           <a:blip r:embed="rId2">
             <a:alphaModFix/>
           </a:blip>
-          <a:srcRect b="36435" l="-115" r="15827" t="0"/>
+          <a:srcRect l="-115" r="15827" b="36435"/>
           <a:stretch/>
         </p:blipFill>
         <p:spPr>
@@ -5835,11 +6010,11 @@
 </file>
 
 <file path=ppt/slideLayouts/slideLayout4.xml><?xml version="1.0" encoding="utf-8"?>
-<p:sldLayout xmlns:a="http://schemas.openxmlformats.org/drawingml/2006/main" xmlns:r="http://schemas.openxmlformats.org/officeDocument/2006/relationships" xmlns:mc="http://schemas.openxmlformats.org/markup-compatibility/2006" xmlns:mv="urn:schemas-microsoft-com:mac:vml" xmlns:p="http://schemas.openxmlformats.org/presentationml/2006/main" xmlns:c="http://schemas.openxmlformats.org/drawingml/2006/chart" xmlns:dgm="http://schemas.openxmlformats.org/drawingml/2006/diagram" xmlns:o="urn:schemas-microsoft-com:office:office" xmlns:v="urn:schemas-microsoft-com:vml" xmlns:pvml="urn:schemas-microsoft-com:office:powerpoint" xmlns:com="http://schemas.openxmlformats.org/drawingml/2006/compatibility" xmlns:p14="http://schemas.microsoft.com/office/powerpoint/2010/main" xmlns:p15="http://schemas.microsoft.com/office/powerpoint/2012/main" matchingName="Two Content" type="twoObj">
+<p:sldLayout xmlns:a="http://schemas.openxmlformats.org/drawingml/2006/main" xmlns:r="http://schemas.openxmlformats.org/officeDocument/2006/relationships" xmlns:p="http://schemas.openxmlformats.org/presentationml/2006/main" matchingName="Two Content" type="twoObj">
   <p:cSld name="TWO_OBJECTS">
     <p:spTree>
       <p:nvGrpSpPr>
-        <p:cNvPr id="35" name="Shape 35"/>
+        <p:cNvPr id="1" name="Shape 35"/>
         <p:cNvGrpSpPr/>
         <p:nvPr/>
       </p:nvGrpSpPr>
@@ -5854,7 +6029,9 @@
       <p:sp>
         <p:nvSpPr>
           <p:cNvPr id="36" name="Google Shape;36;p5"/>
-          <p:cNvSpPr txBox="1"/>
+          <p:cNvSpPr txBox="1">
+            <a:spLocks noGrp="1"/>
+          </p:cNvSpPr>
           <p:nvPr>
             <p:ph type="title"/>
           </p:nvPr>
@@ -5873,7 +6050,7 @@
           </a:ln>
         </p:spPr>
         <p:txBody>
-          <a:bodyPr anchorCtr="0" anchor="t" bIns="34275" lIns="68575" spcFirstLastPara="1" rIns="68575" wrap="square" tIns="34275">
+          <a:bodyPr spcFirstLastPara="1" wrap="square" lIns="68575" tIns="34275" rIns="68575" bIns="34275" anchor="t" anchorCtr="0">
             <a:noAutofit/>
           </a:bodyPr>
           <a:lstStyle>
@@ -5983,15 +6160,19 @@
               <a:defRPr/>
             </a:lvl9pPr>
           </a:lstStyle>
-          <a:p/>
+          <a:p>
+            <a:endParaRPr/>
+          </a:p>
         </p:txBody>
       </p:sp>
       <p:sp>
         <p:nvSpPr>
           <p:cNvPr id="37" name="Google Shape;37;p5"/>
-          <p:cNvSpPr txBox="1"/>
+          <p:cNvSpPr txBox="1">
+            <a:spLocks noGrp="1"/>
+          </p:cNvSpPr>
           <p:nvPr>
-            <p:ph idx="1" type="body"/>
+            <p:ph type="body" idx="1"/>
           </p:nvPr>
         </p:nvSpPr>
         <p:spPr>
@@ -6008,11 +6189,11 @@
           </a:ln>
         </p:spPr>
         <p:txBody>
-          <a:bodyPr anchorCtr="0" anchor="t" bIns="34275" lIns="68575" spcFirstLastPara="1" rIns="68575" wrap="square" tIns="34275">
+          <a:bodyPr spcFirstLastPara="1" wrap="square" lIns="68575" tIns="34275" rIns="68575" bIns="34275" anchor="t" anchorCtr="0">
             <a:noAutofit/>
           </a:bodyPr>
           <a:lstStyle>
-            <a:lvl1pPr indent="-317500" lvl="0" marL="457200" algn="l">
+            <a:lvl1pPr marL="457200" lvl="0" indent="-317500" algn="l">
               <a:lnSpc>
                 <a:spcPct val="120000"/>
               </a:lnSpc>
@@ -6026,7 +6207,7 @@
               <a:buChar char="•"/>
               <a:defRPr/>
             </a:lvl1pPr>
-            <a:lvl2pPr indent="-317500" lvl="1" marL="914400" algn="l">
+            <a:lvl2pPr marL="914400" lvl="1" indent="-317500" algn="l">
               <a:lnSpc>
                 <a:spcPct val="120000"/>
               </a:lnSpc>
@@ -6040,7 +6221,7 @@
               <a:buChar char="•"/>
               <a:defRPr/>
             </a:lvl2pPr>
-            <a:lvl3pPr indent="-317500" lvl="2" marL="1371600" algn="l">
+            <a:lvl3pPr marL="1371600" lvl="2" indent="-317500" algn="l">
               <a:lnSpc>
                 <a:spcPct val="120000"/>
               </a:lnSpc>
@@ -6054,7 +6235,7 @@
               <a:buChar char="•"/>
               <a:defRPr/>
             </a:lvl3pPr>
-            <a:lvl4pPr indent="-317500" lvl="3" marL="1828800" algn="l">
+            <a:lvl4pPr marL="1828800" lvl="3" indent="-317500" algn="l">
               <a:lnSpc>
                 <a:spcPct val="120000"/>
               </a:lnSpc>
@@ -6068,7 +6249,7 @@
               <a:buChar char="•"/>
               <a:defRPr/>
             </a:lvl4pPr>
-            <a:lvl5pPr indent="-317500" lvl="4" marL="2286000" algn="l">
+            <a:lvl5pPr marL="2286000" lvl="4" indent="-317500" algn="l">
               <a:lnSpc>
                 <a:spcPct val="120000"/>
               </a:lnSpc>
@@ -6082,7 +6263,7 @@
               <a:buChar char="•"/>
               <a:defRPr/>
             </a:lvl5pPr>
-            <a:lvl6pPr indent="-317500" lvl="5" marL="2743200" algn="l">
+            <a:lvl6pPr marL="2743200" lvl="5" indent="-317500" algn="l">
               <a:lnSpc>
                 <a:spcPct val="120000"/>
               </a:lnSpc>
@@ -6096,7 +6277,7 @@
               <a:buChar char="•"/>
               <a:defRPr/>
             </a:lvl6pPr>
-            <a:lvl7pPr indent="-317500" lvl="6" marL="3200400" algn="l">
+            <a:lvl7pPr marL="3200400" lvl="6" indent="-317500" algn="l">
               <a:lnSpc>
                 <a:spcPct val="120000"/>
               </a:lnSpc>
@@ -6110,7 +6291,7 @@
               <a:buChar char="•"/>
               <a:defRPr/>
             </a:lvl7pPr>
-            <a:lvl8pPr indent="-317500" lvl="7" marL="3657600" algn="l">
+            <a:lvl8pPr marL="3657600" lvl="7" indent="-317500" algn="l">
               <a:lnSpc>
                 <a:spcPct val="120000"/>
               </a:lnSpc>
@@ -6124,7 +6305,7 @@
               <a:buChar char="•"/>
               <a:defRPr/>
             </a:lvl8pPr>
-            <a:lvl9pPr indent="-317500" lvl="8" marL="4114800" algn="l">
+            <a:lvl9pPr marL="4114800" lvl="8" indent="-317500" algn="l">
               <a:lnSpc>
                 <a:spcPct val="120000"/>
               </a:lnSpc>
@@ -6139,15 +6320,19 @@
               <a:defRPr/>
             </a:lvl9pPr>
           </a:lstStyle>
-          <a:p/>
+          <a:p>
+            <a:endParaRPr/>
+          </a:p>
         </p:txBody>
       </p:sp>
       <p:sp>
         <p:nvSpPr>
           <p:cNvPr id="38" name="Google Shape;38;p5"/>
-          <p:cNvSpPr txBox="1"/>
+          <p:cNvSpPr txBox="1">
+            <a:spLocks noGrp="1"/>
+          </p:cNvSpPr>
           <p:nvPr>
-            <p:ph idx="2" type="body"/>
+            <p:ph type="body" idx="2"/>
           </p:nvPr>
         </p:nvSpPr>
         <p:spPr>
@@ -6164,11 +6349,11 @@
           </a:ln>
         </p:spPr>
         <p:txBody>
-          <a:bodyPr anchorCtr="0" anchor="t" bIns="34275" lIns="68575" spcFirstLastPara="1" rIns="68575" wrap="square" tIns="34275">
+          <a:bodyPr spcFirstLastPara="1" wrap="square" lIns="68575" tIns="34275" rIns="68575" bIns="34275" anchor="t" anchorCtr="0">
             <a:noAutofit/>
           </a:bodyPr>
           <a:lstStyle>
-            <a:lvl1pPr indent="-317500" lvl="0" marL="457200" algn="l">
+            <a:lvl1pPr marL="457200" lvl="0" indent="-317500" algn="l">
               <a:lnSpc>
                 <a:spcPct val="120000"/>
               </a:lnSpc>
@@ -6182,7 +6367,7 @@
               <a:buChar char="•"/>
               <a:defRPr/>
             </a:lvl1pPr>
-            <a:lvl2pPr indent="-317500" lvl="1" marL="914400" algn="l">
+            <a:lvl2pPr marL="914400" lvl="1" indent="-317500" algn="l">
               <a:lnSpc>
                 <a:spcPct val="120000"/>
               </a:lnSpc>
@@ -6196,7 +6381,7 @@
               <a:buChar char="•"/>
               <a:defRPr/>
             </a:lvl2pPr>
-            <a:lvl3pPr indent="-317500" lvl="2" marL="1371600" algn="l">
+            <a:lvl3pPr marL="1371600" lvl="2" indent="-317500" algn="l">
               <a:lnSpc>
                 <a:spcPct val="120000"/>
               </a:lnSpc>
@@ -6210,7 +6395,7 @@
               <a:buChar char="•"/>
               <a:defRPr/>
             </a:lvl3pPr>
-            <a:lvl4pPr indent="-317500" lvl="3" marL="1828800" algn="l">
+            <a:lvl4pPr marL="1828800" lvl="3" indent="-317500" algn="l">
               <a:lnSpc>
                 <a:spcPct val="120000"/>
               </a:lnSpc>
@@ -6224,7 +6409,7 @@
               <a:buChar char="•"/>
               <a:defRPr/>
             </a:lvl4pPr>
-            <a:lvl5pPr indent="-317500" lvl="4" marL="2286000" algn="l">
+            <a:lvl5pPr marL="2286000" lvl="4" indent="-317500" algn="l">
               <a:lnSpc>
                 <a:spcPct val="120000"/>
               </a:lnSpc>
@@ -6238,7 +6423,7 @@
               <a:buChar char="•"/>
               <a:defRPr/>
             </a:lvl5pPr>
-            <a:lvl6pPr indent="-317500" lvl="5" marL="2743200" algn="l">
+            <a:lvl6pPr marL="2743200" lvl="5" indent="-317500" algn="l">
               <a:lnSpc>
                 <a:spcPct val="120000"/>
               </a:lnSpc>
@@ -6252,7 +6437,7 @@
               <a:buChar char="•"/>
               <a:defRPr/>
             </a:lvl6pPr>
-            <a:lvl7pPr indent="-317500" lvl="6" marL="3200400" algn="l">
+            <a:lvl7pPr marL="3200400" lvl="6" indent="-317500" algn="l">
               <a:lnSpc>
                 <a:spcPct val="120000"/>
               </a:lnSpc>
@@ -6266,7 +6451,7 @@
               <a:buChar char="•"/>
               <a:defRPr/>
             </a:lvl7pPr>
-            <a:lvl8pPr indent="-317500" lvl="7" marL="3657600" algn="l">
+            <a:lvl8pPr marL="3657600" lvl="7" indent="-317500" algn="l">
               <a:lnSpc>
                 <a:spcPct val="120000"/>
               </a:lnSpc>
@@ -6280,7 +6465,7 @@
               <a:buChar char="•"/>
               <a:defRPr/>
             </a:lvl8pPr>
-            <a:lvl9pPr indent="-317500" lvl="8" marL="4114800" algn="l">
+            <a:lvl9pPr marL="4114800" lvl="8" indent="-317500" algn="l">
               <a:lnSpc>
                 <a:spcPct val="120000"/>
               </a:lnSpc>
@@ -6295,15 +6480,19 @@
               <a:defRPr/>
             </a:lvl9pPr>
           </a:lstStyle>
-          <a:p/>
+          <a:p>
+            <a:endParaRPr/>
+          </a:p>
         </p:txBody>
       </p:sp>
       <p:sp>
         <p:nvSpPr>
           <p:cNvPr id="39" name="Google Shape;39;p5"/>
-          <p:cNvSpPr txBox="1"/>
+          <p:cNvSpPr txBox="1">
+            <a:spLocks noGrp="1"/>
+          </p:cNvSpPr>
           <p:nvPr>
-            <p:ph idx="10" type="dt"/>
+            <p:ph type="dt" idx="10"/>
           </p:nvPr>
         </p:nvSpPr>
         <p:spPr>
@@ -6320,7 +6509,7 @@
           </a:ln>
         </p:spPr>
         <p:txBody>
-          <a:bodyPr anchorCtr="0" anchor="ctr" bIns="34275" lIns="68575" spcFirstLastPara="1" rIns="68575" wrap="square" tIns="34275">
+          <a:bodyPr spcFirstLastPara="1" wrap="square" lIns="68575" tIns="34275" rIns="68575" bIns="34275" anchor="ctr" anchorCtr="0">
             <a:noAutofit/>
           </a:bodyPr>
           <a:lstStyle>
@@ -6424,15 +6613,19 @@
               <a:defRPr/>
             </a:lvl9pPr>
           </a:lstStyle>
-          <a:p/>
+          <a:p>
+            <a:endParaRPr/>
+          </a:p>
         </p:txBody>
       </p:sp>
       <p:sp>
         <p:nvSpPr>
           <p:cNvPr id="40" name="Google Shape;40;p5"/>
-          <p:cNvSpPr txBox="1"/>
+          <p:cNvSpPr txBox="1">
+            <a:spLocks noGrp="1"/>
+          </p:cNvSpPr>
           <p:nvPr>
-            <p:ph idx="11" type="ftr"/>
+            <p:ph type="ftr" idx="11"/>
           </p:nvPr>
         </p:nvSpPr>
         <p:spPr>
@@ -6449,7 +6642,7 @@
           </a:ln>
         </p:spPr>
         <p:txBody>
-          <a:bodyPr anchorCtr="0" anchor="ctr" bIns="34275" lIns="68575" spcFirstLastPara="1" rIns="68575" wrap="square" tIns="34275">
+          <a:bodyPr spcFirstLastPara="1" wrap="square" lIns="68575" tIns="34275" rIns="68575" bIns="34275" anchor="ctr" anchorCtr="0">
             <a:noAutofit/>
           </a:bodyPr>
           <a:lstStyle>
@@ -6553,15 +6746,19 @@
               <a:defRPr/>
             </a:lvl9pPr>
           </a:lstStyle>
-          <a:p/>
+          <a:p>
+            <a:endParaRPr/>
+          </a:p>
         </p:txBody>
       </p:sp>
       <p:sp>
         <p:nvSpPr>
           <p:cNvPr id="41" name="Google Shape;41;p5"/>
-          <p:cNvSpPr txBox="1"/>
+          <p:cNvSpPr txBox="1">
+            <a:spLocks noGrp="1"/>
+          </p:cNvSpPr>
           <p:nvPr>
-            <p:ph idx="12" type="sldNum"/>
+            <p:ph type="sldNum" idx="12"/>
           </p:nvPr>
         </p:nvSpPr>
         <p:spPr>
@@ -6578,67 +6775,67 @@
           </a:ln>
         </p:spPr>
         <p:txBody>
-          <a:bodyPr anchorCtr="0" anchor="t" bIns="34275" lIns="68575" spcFirstLastPara="1" rIns="68575" wrap="square" tIns="34275">
+          <a:bodyPr spcFirstLastPara="1" wrap="square" lIns="68575" tIns="34275" rIns="68575" bIns="34275" anchor="t" anchorCtr="0">
             <a:noAutofit/>
           </a:bodyPr>
           <a:lstStyle>
-            <a:lvl1pPr indent="0" lvl="0" marL="0" algn="r">
+            <a:lvl1pPr marL="0" lvl="0" indent="0" algn="r">
               <a:spcBef>
                 <a:spcPts val="0"/>
               </a:spcBef>
               <a:buNone/>
               <a:defRPr/>
             </a:lvl1pPr>
-            <a:lvl2pPr indent="0" lvl="1" marL="0" algn="r">
+            <a:lvl2pPr marL="0" lvl="1" indent="0" algn="r">
               <a:spcBef>
                 <a:spcPts val="0"/>
               </a:spcBef>
               <a:buNone/>
               <a:defRPr/>
             </a:lvl2pPr>
-            <a:lvl3pPr indent="0" lvl="2" marL="0" algn="r">
+            <a:lvl3pPr marL="0" lvl="2" indent="0" algn="r">
               <a:spcBef>
                 <a:spcPts val="0"/>
               </a:spcBef>
               <a:buNone/>
               <a:defRPr/>
             </a:lvl3pPr>
-            <a:lvl4pPr indent="0" lvl="3" marL="0" algn="r">
+            <a:lvl4pPr marL="0" lvl="3" indent="0" algn="r">
               <a:spcBef>
                 <a:spcPts val="0"/>
               </a:spcBef>
               <a:buNone/>
               <a:defRPr/>
             </a:lvl4pPr>
-            <a:lvl5pPr indent="0" lvl="4" marL="0" algn="r">
+            <a:lvl5pPr marL="0" lvl="4" indent="0" algn="r">
               <a:spcBef>
                 <a:spcPts val="0"/>
               </a:spcBef>
               <a:buNone/>
               <a:defRPr/>
             </a:lvl5pPr>
-            <a:lvl6pPr indent="0" lvl="5" marL="0" algn="r">
+            <a:lvl6pPr marL="0" lvl="5" indent="0" algn="r">
               <a:spcBef>
                 <a:spcPts val="0"/>
               </a:spcBef>
               <a:buNone/>
               <a:defRPr/>
             </a:lvl6pPr>
-            <a:lvl7pPr indent="0" lvl="6" marL="0" algn="r">
+            <a:lvl7pPr marL="0" lvl="6" indent="0" algn="r">
               <a:spcBef>
                 <a:spcPts val="0"/>
               </a:spcBef>
               <a:buNone/>
               <a:defRPr/>
             </a:lvl7pPr>
-            <a:lvl8pPr indent="0" lvl="7" marL="0" algn="r">
+            <a:lvl8pPr marL="0" lvl="7" indent="0" algn="r">
               <a:spcBef>
                 <a:spcPts val="0"/>
               </a:spcBef>
               <a:buNone/>
               <a:defRPr/>
             </a:lvl8pPr>
-            <a:lvl9pPr indent="0" lvl="8" marL="0" algn="r">
+            <a:lvl9pPr marL="0" lvl="8" indent="0" algn="r">
               <a:spcBef>
                 <a:spcPts val="0"/>
               </a:spcBef>
@@ -6647,7 +6844,7 @@
             </a:lvl9pPr>
           </a:lstStyle>
           <a:p>
-            <a:pPr indent="0" lvl="0" marL="0" rtl="0" algn="r">
+            <a:pPr marL="0" lvl="0" indent="0" algn="r" rtl="0">
               <a:spcBef>
                 <a:spcPts val="0"/>
               </a:spcBef>
@@ -6666,7 +6863,7 @@
       </p:sp>
       <p:pic>
         <p:nvPicPr>
-          <p:cNvPr descr="RedHashing.emf" id="42" name="Google Shape;42;p5"/>
+          <p:cNvPr id="42" name="Google Shape;42;p5" descr="RedHashing.emf"/>
           <p:cNvPicPr preferRelativeResize="0"/>
           <p:nvPr/>
         </p:nvPicPr>
@@ -6674,7 +6871,7 @@
           <a:blip r:embed="rId2">
             <a:alphaModFix/>
           </a:blip>
-          <a:srcRect b="36435" l="-115" r="15827" t="0"/>
+          <a:srcRect l="-115" r="15827" b="36435"/>
           <a:stretch/>
         </p:blipFill>
         <p:spPr>
@@ -6700,11 +6897,11 @@
 </file>
 
 <file path=ppt/slideLayouts/slideLayout5.xml><?xml version="1.0" encoding="utf-8"?>
-<p:sldLayout xmlns:a="http://schemas.openxmlformats.org/drawingml/2006/main" xmlns:r="http://schemas.openxmlformats.org/officeDocument/2006/relationships" xmlns:mc="http://schemas.openxmlformats.org/markup-compatibility/2006" xmlns:mv="urn:schemas-microsoft-com:mac:vml" xmlns:p="http://schemas.openxmlformats.org/presentationml/2006/main" xmlns:c="http://schemas.openxmlformats.org/drawingml/2006/chart" xmlns:dgm="http://schemas.openxmlformats.org/drawingml/2006/diagram" xmlns:o="urn:schemas-microsoft-com:office:office" xmlns:v="urn:schemas-microsoft-com:vml" xmlns:pvml="urn:schemas-microsoft-com:office:powerpoint" xmlns:com="http://schemas.openxmlformats.org/drawingml/2006/compatibility" xmlns:p14="http://schemas.microsoft.com/office/powerpoint/2010/main" xmlns:p15="http://schemas.microsoft.com/office/powerpoint/2012/main" matchingName="Comparison" type="twoTxTwoObj">
+<p:sldLayout xmlns:a="http://schemas.openxmlformats.org/drawingml/2006/main" xmlns:r="http://schemas.openxmlformats.org/officeDocument/2006/relationships" xmlns:p="http://schemas.openxmlformats.org/presentationml/2006/main" matchingName="Comparison" type="twoTxTwoObj">
   <p:cSld name="TWO_OBJECTS_WITH_TEXT">
     <p:spTree>
       <p:nvGrpSpPr>
-        <p:cNvPr id="43" name="Shape 43"/>
+        <p:cNvPr id="1" name="Shape 43"/>
         <p:cNvGrpSpPr/>
         <p:nvPr/>
       </p:nvGrpSpPr>
@@ -6719,7 +6916,9 @@
       <p:sp>
         <p:nvSpPr>
           <p:cNvPr id="44" name="Google Shape;44;p6"/>
-          <p:cNvSpPr txBox="1"/>
+          <p:cNvSpPr txBox="1">
+            <a:spLocks noGrp="1"/>
+          </p:cNvSpPr>
           <p:nvPr>
             <p:ph type="title"/>
           </p:nvPr>
@@ -6738,7 +6937,7 @@
           </a:ln>
         </p:spPr>
         <p:txBody>
-          <a:bodyPr anchorCtr="0" anchor="t" bIns="34275" lIns="68575" spcFirstLastPara="1" rIns="68575" wrap="square" tIns="34275">
+          <a:bodyPr spcFirstLastPara="1" wrap="square" lIns="68575" tIns="34275" rIns="68575" bIns="34275" anchor="t" anchorCtr="0">
             <a:noAutofit/>
           </a:bodyPr>
           <a:lstStyle>
@@ -6848,15 +7047,19 @@
               <a:defRPr/>
             </a:lvl9pPr>
           </a:lstStyle>
-          <a:p/>
+          <a:p>
+            <a:endParaRPr/>
+          </a:p>
         </p:txBody>
       </p:sp>
       <p:sp>
         <p:nvSpPr>
           <p:cNvPr id="45" name="Google Shape;45;p6"/>
-          <p:cNvSpPr txBox="1"/>
+          <p:cNvSpPr txBox="1">
+            <a:spLocks noGrp="1"/>
+          </p:cNvSpPr>
           <p:nvPr>
-            <p:ph idx="1" type="body"/>
+            <p:ph type="body" idx="1"/>
           </p:nvPr>
         </p:nvSpPr>
         <p:spPr>
@@ -6873,11 +7076,11 @@
           </a:ln>
         </p:spPr>
         <p:txBody>
-          <a:bodyPr anchorCtr="0" anchor="b" bIns="34275" lIns="68575" spcFirstLastPara="1" rIns="68575" wrap="square" tIns="34275">
+          <a:bodyPr spcFirstLastPara="1" wrap="square" lIns="68575" tIns="34275" rIns="68575" bIns="34275" anchor="b" anchorCtr="0">
             <a:noAutofit/>
           </a:bodyPr>
           <a:lstStyle>
-            <a:lvl1pPr indent="-228600" lvl="0" marL="457200" algn="l">
+            <a:lvl1pPr marL="457200" lvl="0" indent="-228600" algn="l">
               <a:lnSpc>
                 <a:spcPct val="100000"/>
               </a:lnSpc>
@@ -6889,13 +7092,13 @@
               </a:spcAft>
               <a:buSzPts val="2100"/>
               <a:buNone/>
-              <a:defRPr b="0" sz="2100" cap="none">
+              <a:defRPr sz="2100" b="0" cap="none">
                 <a:solidFill>
                   <a:schemeClr val="accent1"/>
                 </a:solidFill>
               </a:defRPr>
             </a:lvl1pPr>
-            <a:lvl2pPr indent="-228600" lvl="1" marL="914400" algn="l">
+            <a:lvl2pPr marL="914400" lvl="1" indent="-228600" algn="l">
               <a:lnSpc>
                 <a:spcPct val="120000"/>
               </a:lnSpc>
@@ -6907,9 +7110,9 @@
               </a:spcAft>
               <a:buSzPts val="1500"/>
               <a:buNone/>
-              <a:defRPr b="1" sz="1500"/>
+              <a:defRPr sz="1500" b="1"/>
             </a:lvl2pPr>
-            <a:lvl3pPr indent="-228600" lvl="2" marL="1371600" algn="l">
+            <a:lvl3pPr marL="1371600" lvl="2" indent="-228600" algn="l">
               <a:lnSpc>
                 <a:spcPct val="120000"/>
               </a:lnSpc>
@@ -6921,9 +7124,9 @@
               </a:spcAft>
               <a:buSzPts val="1400"/>
               <a:buNone/>
-              <a:defRPr b="1" sz="1400"/>
+              <a:defRPr sz="1400" b="1"/>
             </a:lvl3pPr>
-            <a:lvl4pPr indent="-228600" lvl="3" marL="1828800" algn="l">
+            <a:lvl4pPr marL="1828800" lvl="3" indent="-228600" algn="l">
               <a:lnSpc>
                 <a:spcPct val="120000"/>
               </a:lnSpc>
@@ -6935,9 +7138,9 @@
               </a:spcAft>
               <a:buSzPts val="1200"/>
               <a:buNone/>
-              <a:defRPr b="1" sz="1200"/>
+              <a:defRPr sz="1200" b="1"/>
             </a:lvl4pPr>
-            <a:lvl5pPr indent="-228600" lvl="4" marL="2286000" algn="l">
+            <a:lvl5pPr marL="2286000" lvl="4" indent="-228600" algn="l">
               <a:lnSpc>
                 <a:spcPct val="120000"/>
               </a:lnSpc>
@@ -6949,9 +7152,9 @@
               </a:spcAft>
               <a:buSzPts val="1200"/>
               <a:buNone/>
-              <a:defRPr b="1" sz="1200"/>
+              <a:defRPr sz="1200" b="1"/>
             </a:lvl5pPr>
-            <a:lvl6pPr indent="-228600" lvl="5" marL="2743200" algn="l">
+            <a:lvl6pPr marL="2743200" lvl="5" indent="-228600" algn="l">
               <a:lnSpc>
                 <a:spcPct val="120000"/>
               </a:lnSpc>
@@ -6963,9 +7166,9 @@
               </a:spcAft>
               <a:buSzPts val="1200"/>
               <a:buNone/>
-              <a:defRPr b="1" sz="1200"/>
+              <a:defRPr sz="1200" b="1"/>
             </a:lvl6pPr>
-            <a:lvl7pPr indent="-228600" lvl="6" marL="3200400" algn="l">
+            <a:lvl7pPr marL="3200400" lvl="6" indent="-228600" algn="l">
               <a:lnSpc>
                 <a:spcPct val="120000"/>
               </a:lnSpc>
@@ -6977,9 +7180,9 @@
               </a:spcAft>
               <a:buSzPts val="1200"/>
               <a:buNone/>
-              <a:defRPr b="1" sz="1200"/>
+              <a:defRPr sz="1200" b="1"/>
             </a:lvl7pPr>
-            <a:lvl8pPr indent="-228600" lvl="7" marL="3657600" algn="l">
+            <a:lvl8pPr marL="3657600" lvl="7" indent="-228600" algn="l">
               <a:lnSpc>
                 <a:spcPct val="120000"/>
               </a:lnSpc>
@@ -6991,9 +7194,9 @@
               </a:spcAft>
               <a:buSzPts val="1200"/>
               <a:buNone/>
-              <a:defRPr b="1" sz="1200"/>
+              <a:defRPr sz="1200" b="1"/>
             </a:lvl8pPr>
-            <a:lvl9pPr indent="-228600" lvl="8" marL="4114800" algn="l">
+            <a:lvl9pPr marL="4114800" lvl="8" indent="-228600" algn="l">
               <a:lnSpc>
                 <a:spcPct val="120000"/>
               </a:lnSpc>
@@ -7005,18 +7208,22 @@
               </a:spcAft>
               <a:buSzPts val="1200"/>
               <a:buNone/>
-              <a:defRPr b="1" sz="1200"/>
+              <a:defRPr sz="1200" b="1"/>
             </a:lvl9pPr>
           </a:lstStyle>
-          <a:p/>
+          <a:p>
+            <a:endParaRPr/>
+          </a:p>
         </p:txBody>
       </p:sp>
       <p:sp>
         <p:nvSpPr>
           <p:cNvPr id="46" name="Google Shape;46;p6"/>
-          <p:cNvSpPr txBox="1"/>
+          <p:cNvSpPr txBox="1">
+            <a:spLocks noGrp="1"/>
+          </p:cNvSpPr>
           <p:nvPr>
-            <p:ph idx="2" type="body"/>
+            <p:ph type="body" idx="2"/>
           </p:nvPr>
         </p:nvSpPr>
         <p:spPr>
@@ -7033,11 +7240,11 @@
           </a:ln>
         </p:spPr>
         <p:txBody>
-          <a:bodyPr anchorCtr="0" anchor="t" bIns="34275" lIns="68575" spcFirstLastPara="1" rIns="68575" wrap="square" tIns="34275">
+          <a:bodyPr spcFirstLastPara="1" wrap="square" lIns="68575" tIns="34275" rIns="68575" bIns="34275" anchor="t" anchorCtr="0">
             <a:noAutofit/>
           </a:bodyPr>
           <a:lstStyle>
-            <a:lvl1pPr indent="-317500" lvl="0" marL="457200" algn="l">
+            <a:lvl1pPr marL="457200" lvl="0" indent="-317500" algn="l">
               <a:lnSpc>
                 <a:spcPct val="120000"/>
               </a:lnSpc>
@@ -7051,7 +7258,7 @@
               <a:buChar char="•"/>
               <a:defRPr/>
             </a:lvl1pPr>
-            <a:lvl2pPr indent="-317500" lvl="1" marL="914400" algn="l">
+            <a:lvl2pPr marL="914400" lvl="1" indent="-317500" algn="l">
               <a:lnSpc>
                 <a:spcPct val="120000"/>
               </a:lnSpc>
@@ -7065,7 +7272,7 @@
               <a:buChar char="•"/>
               <a:defRPr/>
             </a:lvl2pPr>
-            <a:lvl3pPr indent="-317500" lvl="2" marL="1371600" algn="l">
+            <a:lvl3pPr marL="1371600" lvl="2" indent="-317500" algn="l">
               <a:lnSpc>
                 <a:spcPct val="120000"/>
               </a:lnSpc>
@@ -7079,7 +7286,7 @@
               <a:buChar char="•"/>
               <a:defRPr/>
             </a:lvl3pPr>
-            <a:lvl4pPr indent="-317500" lvl="3" marL="1828800" algn="l">
+            <a:lvl4pPr marL="1828800" lvl="3" indent="-317500" algn="l">
               <a:lnSpc>
                 <a:spcPct val="120000"/>
               </a:lnSpc>
@@ -7093,7 +7300,7 @@
               <a:buChar char="•"/>
               <a:defRPr/>
             </a:lvl4pPr>
-            <a:lvl5pPr indent="-317500" lvl="4" marL="2286000" algn="l">
+            <a:lvl5pPr marL="2286000" lvl="4" indent="-317500" algn="l">
               <a:lnSpc>
                 <a:spcPct val="120000"/>
               </a:lnSpc>
@@ -7107,7 +7314,7 @@
               <a:buChar char="•"/>
               <a:defRPr/>
             </a:lvl5pPr>
-            <a:lvl6pPr indent="-317500" lvl="5" marL="2743200" algn="l">
+            <a:lvl6pPr marL="2743200" lvl="5" indent="-317500" algn="l">
               <a:lnSpc>
                 <a:spcPct val="120000"/>
               </a:lnSpc>
@@ -7121,7 +7328,7 @@
               <a:buChar char="•"/>
               <a:defRPr/>
             </a:lvl6pPr>
-            <a:lvl7pPr indent="-317500" lvl="6" marL="3200400" algn="l">
+            <a:lvl7pPr marL="3200400" lvl="6" indent="-317500" algn="l">
               <a:lnSpc>
                 <a:spcPct val="120000"/>
               </a:lnSpc>
@@ -7135,7 +7342,7 @@
               <a:buChar char="•"/>
               <a:defRPr/>
             </a:lvl7pPr>
-            <a:lvl8pPr indent="-317500" lvl="7" marL="3657600" algn="l">
+            <a:lvl8pPr marL="3657600" lvl="7" indent="-317500" algn="l">
               <a:lnSpc>
                 <a:spcPct val="120000"/>
               </a:lnSpc>
@@ -7149,7 +7356,7 @@
               <a:buChar char="•"/>
               <a:defRPr/>
             </a:lvl8pPr>
-            <a:lvl9pPr indent="-317500" lvl="8" marL="4114800" algn="l">
+            <a:lvl9pPr marL="4114800" lvl="8" indent="-317500" algn="l">
               <a:lnSpc>
                 <a:spcPct val="120000"/>
               </a:lnSpc>
@@ -7164,15 +7371,19 @@
               <a:defRPr/>
             </a:lvl9pPr>
           </a:lstStyle>
-          <a:p/>
+          <a:p>
+            <a:endParaRPr/>
+          </a:p>
         </p:txBody>
       </p:sp>
       <p:sp>
         <p:nvSpPr>
           <p:cNvPr id="47" name="Google Shape;47;p6"/>
-          <p:cNvSpPr txBox="1"/>
+          <p:cNvSpPr txBox="1">
+            <a:spLocks noGrp="1"/>
+          </p:cNvSpPr>
           <p:nvPr>
-            <p:ph idx="3" type="body"/>
+            <p:ph type="body" idx="3"/>
           </p:nvPr>
         </p:nvSpPr>
         <p:spPr>
@@ -7189,11 +7400,11 @@
           </a:ln>
         </p:spPr>
         <p:txBody>
-          <a:bodyPr anchorCtr="0" anchor="b" bIns="34275" lIns="68575" spcFirstLastPara="1" rIns="68575" wrap="square" tIns="34275">
+          <a:bodyPr spcFirstLastPara="1" wrap="square" lIns="68575" tIns="34275" rIns="68575" bIns="34275" anchor="b" anchorCtr="0">
             <a:noAutofit/>
           </a:bodyPr>
           <a:lstStyle>
-            <a:lvl1pPr indent="-228600" lvl="0" marL="457200" algn="l">
+            <a:lvl1pPr marL="457200" lvl="0" indent="-228600" algn="l">
               <a:lnSpc>
                 <a:spcPct val="100000"/>
               </a:lnSpc>
@@ -7205,13 +7416,13 @@
               </a:spcAft>
               <a:buSzPts val="2100"/>
               <a:buNone/>
-              <a:defRPr b="0" sz="2100" cap="none">
+              <a:defRPr sz="2100" b="0" cap="none">
                 <a:solidFill>
                   <a:schemeClr val="accent1"/>
                 </a:solidFill>
               </a:defRPr>
             </a:lvl1pPr>
-            <a:lvl2pPr indent="-228600" lvl="1" marL="914400" algn="l">
+            <a:lvl2pPr marL="914400" lvl="1" indent="-228600" algn="l">
               <a:lnSpc>
                 <a:spcPct val="120000"/>
               </a:lnSpc>
@@ -7223,9 +7434,9 @@
               </a:spcAft>
               <a:buSzPts val="1500"/>
               <a:buNone/>
-              <a:defRPr b="1" sz="1500"/>
+              <a:defRPr sz="1500" b="1"/>
             </a:lvl2pPr>
-            <a:lvl3pPr indent="-228600" lvl="2" marL="1371600" algn="l">
+            <a:lvl3pPr marL="1371600" lvl="2" indent="-228600" algn="l">
               <a:lnSpc>
                 <a:spcPct val="120000"/>
               </a:lnSpc>
@@ -7237,9 +7448,9 @@
               </a:spcAft>
               <a:buSzPts val="1400"/>
               <a:buNone/>
-              <a:defRPr b="1" sz="1400"/>
+              <a:defRPr sz="1400" b="1"/>
             </a:lvl3pPr>
-            <a:lvl4pPr indent="-228600" lvl="3" marL="1828800" algn="l">
+            <a:lvl4pPr marL="1828800" lvl="3" indent="-228600" algn="l">
               <a:lnSpc>
                 <a:spcPct val="120000"/>
               </a:lnSpc>
@@ -7251,9 +7462,9 @@
               </a:spcAft>
               <a:buSzPts val="1200"/>
               <a:buNone/>
-              <a:defRPr b="1" sz="1200"/>
+              <a:defRPr sz="1200" b="1"/>
             </a:lvl4pPr>
-            <a:lvl5pPr indent="-228600" lvl="4" marL="2286000" algn="l">
+            <a:lvl5pPr marL="2286000" lvl="4" indent="-228600" algn="l">
               <a:lnSpc>
                 <a:spcPct val="120000"/>
               </a:lnSpc>
@@ -7265,9 +7476,9 @@
               </a:spcAft>
               <a:buSzPts val="1200"/>
               <a:buNone/>
-              <a:defRPr b="1" sz="1200"/>
+              <a:defRPr sz="1200" b="1"/>
             </a:lvl5pPr>
-            <a:lvl6pPr indent="-228600" lvl="5" marL="2743200" algn="l">
+            <a:lvl6pPr marL="2743200" lvl="5" indent="-228600" algn="l">
               <a:lnSpc>
                 <a:spcPct val="120000"/>
               </a:lnSpc>
@@ -7279,9 +7490,9 @@
               </a:spcAft>
               <a:buSzPts val="1200"/>
               <a:buNone/>
-              <a:defRPr b="1" sz="1200"/>
+              <a:defRPr sz="1200" b="1"/>
             </a:lvl6pPr>
-            <a:lvl7pPr indent="-228600" lvl="6" marL="3200400" algn="l">
+            <a:lvl7pPr marL="3200400" lvl="6" indent="-228600" algn="l">
               <a:lnSpc>
                 <a:spcPct val="120000"/>
               </a:lnSpc>
@@ -7293,9 +7504,9 @@
               </a:spcAft>
               <a:buSzPts val="1200"/>
               <a:buNone/>
-              <a:defRPr b="1" sz="1200"/>
+              <a:defRPr sz="1200" b="1"/>
             </a:lvl7pPr>
-            <a:lvl8pPr indent="-228600" lvl="7" marL="3657600" algn="l">
+            <a:lvl8pPr marL="3657600" lvl="7" indent="-228600" algn="l">
               <a:lnSpc>
                 <a:spcPct val="120000"/>
               </a:lnSpc>
@@ -7307,9 +7518,9 @@
               </a:spcAft>
               <a:buSzPts val="1200"/>
               <a:buNone/>
-              <a:defRPr b="1" sz="1200"/>
+              <a:defRPr sz="1200" b="1"/>
             </a:lvl8pPr>
-            <a:lvl9pPr indent="-228600" lvl="8" marL="4114800" algn="l">
+            <a:lvl9pPr marL="4114800" lvl="8" indent="-228600" algn="l">
               <a:lnSpc>
                 <a:spcPct val="120000"/>
               </a:lnSpc>
@@ -7321,18 +7532,22 @@
               </a:spcAft>
               <a:buSzPts val="1200"/>
               <a:buNone/>
-              <a:defRPr b="1" sz="1200"/>
+              <a:defRPr sz="1200" b="1"/>
             </a:lvl9pPr>
           </a:lstStyle>
-          <a:p/>
+          <a:p>
+            <a:endParaRPr/>
+          </a:p>
         </p:txBody>
       </p:sp>
       <p:sp>
         <p:nvSpPr>
           <p:cNvPr id="48" name="Google Shape;48;p6"/>
-          <p:cNvSpPr txBox="1"/>
+          <p:cNvSpPr txBox="1">
+            <a:spLocks noGrp="1"/>
+          </p:cNvSpPr>
           <p:nvPr>
-            <p:ph idx="4" type="body"/>
+            <p:ph type="body" idx="4"/>
           </p:nvPr>
         </p:nvSpPr>
         <p:spPr>
@@ -7349,11 +7564,11 @@
           </a:ln>
         </p:spPr>
         <p:txBody>
-          <a:bodyPr anchorCtr="0" anchor="t" bIns="34275" lIns="68575" spcFirstLastPara="1" rIns="68575" wrap="square" tIns="34275">
+          <a:bodyPr spcFirstLastPara="1" wrap="square" lIns="68575" tIns="34275" rIns="68575" bIns="34275" anchor="t" anchorCtr="0">
             <a:noAutofit/>
           </a:bodyPr>
           <a:lstStyle>
-            <a:lvl1pPr indent="-317500" lvl="0" marL="457200" algn="l">
+            <a:lvl1pPr marL="457200" lvl="0" indent="-317500" algn="l">
               <a:lnSpc>
                 <a:spcPct val="120000"/>
               </a:lnSpc>
@@ -7367,7 +7582,7 @@
               <a:buChar char="•"/>
               <a:defRPr/>
             </a:lvl1pPr>
-            <a:lvl2pPr indent="-317500" lvl="1" marL="914400" algn="l">
+            <a:lvl2pPr marL="914400" lvl="1" indent="-317500" algn="l">
               <a:lnSpc>
                 <a:spcPct val="120000"/>
               </a:lnSpc>
@@ -7381,7 +7596,7 @@
               <a:buChar char="•"/>
               <a:defRPr/>
             </a:lvl2pPr>
-            <a:lvl3pPr indent="-317500" lvl="2" marL="1371600" algn="l">
+            <a:lvl3pPr marL="1371600" lvl="2" indent="-317500" algn="l">
               <a:lnSpc>
                 <a:spcPct val="120000"/>
               </a:lnSpc>
@@ -7395,7 +7610,7 @@
               <a:buChar char="•"/>
               <a:defRPr/>
             </a:lvl3pPr>
-            <a:lvl4pPr indent="-317500" lvl="3" marL="1828800" algn="l">
+            <a:lvl4pPr marL="1828800" lvl="3" indent="-317500" algn="l">
               <a:lnSpc>
                 <a:spcPct val="120000"/>
               </a:lnSpc>
@@ -7409,7 +7624,7 @@
               <a:buChar char="•"/>
               <a:defRPr/>
             </a:lvl4pPr>
-            <a:lvl5pPr indent="-317500" lvl="4" marL="2286000" algn="l">
+            <a:lvl5pPr marL="2286000" lvl="4" indent="-317500" algn="l">
               <a:lnSpc>
                 <a:spcPct val="120000"/>
               </a:lnSpc>
@@ -7423,7 +7638,7 @@
               <a:buChar char="•"/>
               <a:defRPr/>
             </a:lvl5pPr>
-            <a:lvl6pPr indent="-317500" lvl="5" marL="2743200" algn="l">
+            <a:lvl6pPr marL="2743200" lvl="5" indent="-317500" algn="l">
               <a:lnSpc>
                 <a:spcPct val="120000"/>
               </a:lnSpc>
@@ -7437,7 +7652,7 @@
               <a:buChar char="•"/>
               <a:defRPr/>
             </a:lvl6pPr>
-            <a:lvl7pPr indent="-317500" lvl="6" marL="3200400" algn="l">
+            <a:lvl7pPr marL="3200400" lvl="6" indent="-317500" algn="l">
               <a:lnSpc>
                 <a:spcPct val="120000"/>
               </a:lnSpc>
@@ -7451,7 +7666,7 @@
               <a:buChar char="•"/>
               <a:defRPr/>
             </a:lvl7pPr>
-            <a:lvl8pPr indent="-317500" lvl="7" marL="3657600" algn="l">
+            <a:lvl8pPr marL="3657600" lvl="7" indent="-317500" algn="l">
               <a:lnSpc>
                 <a:spcPct val="120000"/>
               </a:lnSpc>
@@ -7465,7 +7680,7 @@
               <a:buChar char="•"/>
               <a:defRPr/>
             </a:lvl8pPr>
-            <a:lvl9pPr indent="-317500" lvl="8" marL="4114800" algn="l">
+            <a:lvl9pPr marL="4114800" lvl="8" indent="-317500" algn="l">
               <a:lnSpc>
                 <a:spcPct val="120000"/>
               </a:lnSpc>
@@ -7480,15 +7695,19 @@
               <a:defRPr/>
             </a:lvl9pPr>
           </a:lstStyle>
-          <a:p/>
+          <a:p>
+            <a:endParaRPr/>
+          </a:p>
         </p:txBody>
       </p:sp>
       <p:sp>
         <p:nvSpPr>
           <p:cNvPr id="49" name="Google Shape;49;p6"/>
-          <p:cNvSpPr txBox="1"/>
+          <p:cNvSpPr txBox="1">
+            <a:spLocks noGrp="1"/>
+          </p:cNvSpPr>
           <p:nvPr>
-            <p:ph idx="10" type="dt"/>
+            <p:ph type="dt" idx="10"/>
           </p:nvPr>
         </p:nvSpPr>
         <p:spPr>
@@ -7505,7 +7724,7 @@
           </a:ln>
         </p:spPr>
         <p:txBody>
-          <a:bodyPr anchorCtr="0" anchor="ctr" bIns="34275" lIns="68575" spcFirstLastPara="1" rIns="68575" wrap="square" tIns="34275">
+          <a:bodyPr spcFirstLastPara="1" wrap="square" lIns="68575" tIns="34275" rIns="68575" bIns="34275" anchor="ctr" anchorCtr="0">
             <a:noAutofit/>
           </a:bodyPr>
           <a:lstStyle>
@@ -7609,15 +7828,19 @@
               <a:defRPr/>
             </a:lvl9pPr>
           </a:lstStyle>
-          <a:p/>
+          <a:p>
+            <a:endParaRPr/>
+          </a:p>
         </p:txBody>
       </p:sp>
       <p:sp>
         <p:nvSpPr>
           <p:cNvPr id="50" name="Google Shape;50;p6"/>
-          <p:cNvSpPr txBox="1"/>
+          <p:cNvSpPr txBox="1">
+            <a:spLocks noGrp="1"/>
+          </p:cNvSpPr>
           <p:nvPr>
-            <p:ph idx="11" type="ftr"/>
+            <p:ph type="ftr" idx="11"/>
           </p:nvPr>
         </p:nvSpPr>
         <p:spPr>
@@ -7634,7 +7857,7 @@
           </a:ln>
         </p:spPr>
         <p:txBody>
-          <a:bodyPr anchorCtr="0" anchor="ctr" bIns="34275" lIns="68575" spcFirstLastPara="1" rIns="68575" wrap="square" tIns="34275">
+          <a:bodyPr spcFirstLastPara="1" wrap="square" lIns="68575" tIns="34275" rIns="68575" bIns="34275" anchor="ctr" anchorCtr="0">
             <a:noAutofit/>
           </a:bodyPr>
           <a:lstStyle>
@@ -7738,15 +7961,19 @@
               <a:defRPr/>
             </a:lvl9pPr>
           </a:lstStyle>
-          <a:p/>
+          <a:p>
+            <a:endParaRPr/>
+          </a:p>
         </p:txBody>
       </p:sp>
       <p:sp>
         <p:nvSpPr>
           <p:cNvPr id="51" name="Google Shape;51;p6"/>
-          <p:cNvSpPr txBox="1"/>
+          <p:cNvSpPr txBox="1">
+            <a:spLocks noGrp="1"/>
+          </p:cNvSpPr>
           <p:nvPr>
-            <p:ph idx="12" type="sldNum"/>
+            <p:ph type="sldNum" idx="12"/>
           </p:nvPr>
         </p:nvSpPr>
         <p:spPr>
@@ -7763,67 +7990,67 @@
           </a:ln>
         </p:spPr>
         <p:txBody>
-          <a:bodyPr anchorCtr="0" anchor="t" bIns="34275" lIns="68575" spcFirstLastPara="1" rIns="68575" wrap="square" tIns="34275">
+          <a:bodyPr spcFirstLastPara="1" wrap="square" lIns="68575" tIns="34275" rIns="68575" bIns="34275" anchor="t" anchorCtr="0">
             <a:noAutofit/>
           </a:bodyPr>
           <a:lstStyle>
-            <a:lvl1pPr indent="0" lvl="0" marL="0" algn="r">
+            <a:lvl1pPr marL="0" lvl="0" indent="0" algn="r">
               <a:spcBef>
                 <a:spcPts val="0"/>
               </a:spcBef>
               <a:buNone/>
               <a:defRPr/>
             </a:lvl1pPr>
-            <a:lvl2pPr indent="0" lvl="1" marL="0" algn="r">
+            <a:lvl2pPr marL="0" lvl="1" indent="0" algn="r">
               <a:spcBef>
                 <a:spcPts val="0"/>
               </a:spcBef>
               <a:buNone/>
               <a:defRPr/>
             </a:lvl2pPr>
-            <a:lvl3pPr indent="0" lvl="2" marL="0" algn="r">
+            <a:lvl3pPr marL="0" lvl="2" indent="0" algn="r">
               <a:spcBef>
                 <a:spcPts val="0"/>
               </a:spcBef>
               <a:buNone/>
               <a:defRPr/>
             </a:lvl3pPr>
-            <a:lvl4pPr indent="0" lvl="3" marL="0" algn="r">
+            <a:lvl4pPr marL="0" lvl="3" indent="0" algn="r">
               <a:spcBef>
                 <a:spcPts val="0"/>
               </a:spcBef>
               <a:buNone/>
               <a:defRPr/>
             </a:lvl4pPr>
-            <a:lvl5pPr indent="0" lvl="4" marL="0" algn="r">
+            <a:lvl5pPr marL="0" lvl="4" indent="0" algn="r">
               <a:spcBef>
                 <a:spcPts val="0"/>
               </a:spcBef>
               <a:buNone/>
               <a:defRPr/>
             </a:lvl5pPr>
-            <a:lvl6pPr indent="0" lvl="5" marL="0" algn="r">
+            <a:lvl6pPr marL="0" lvl="5" indent="0" algn="r">
               <a:spcBef>
                 <a:spcPts val="0"/>
               </a:spcBef>
               <a:buNone/>
               <a:defRPr/>
             </a:lvl6pPr>
-            <a:lvl7pPr indent="0" lvl="6" marL="0" algn="r">
+            <a:lvl7pPr marL="0" lvl="6" indent="0" algn="r">
               <a:spcBef>
                 <a:spcPts val="0"/>
               </a:spcBef>
               <a:buNone/>
               <a:defRPr/>
             </a:lvl7pPr>
-            <a:lvl8pPr indent="0" lvl="7" marL="0" algn="r">
+            <a:lvl8pPr marL="0" lvl="7" indent="0" algn="r">
               <a:spcBef>
                 <a:spcPts val="0"/>
               </a:spcBef>
               <a:buNone/>
               <a:defRPr/>
             </a:lvl8pPr>
-            <a:lvl9pPr indent="0" lvl="8" marL="0" algn="r">
+            <a:lvl9pPr marL="0" lvl="8" indent="0" algn="r">
               <a:spcBef>
                 <a:spcPts val="0"/>
               </a:spcBef>
@@ -7832,7 +8059,7 @@
             </a:lvl9pPr>
           </a:lstStyle>
           <a:p>
-            <a:pPr indent="0" lvl="0" marL="0" rtl="0" algn="r">
+            <a:pPr marL="0" lvl="0" indent="0" algn="r" rtl="0">
               <a:spcBef>
                 <a:spcPts val="0"/>
               </a:spcBef>
@@ -7851,7 +8078,7 @@
       </p:sp>
       <p:pic>
         <p:nvPicPr>
-          <p:cNvPr descr="RedHashing.emf" id="52" name="Google Shape;52;p6"/>
+          <p:cNvPr id="52" name="Google Shape;52;p6" descr="RedHashing.emf"/>
           <p:cNvPicPr preferRelativeResize="0"/>
           <p:nvPr/>
         </p:nvPicPr>
@@ -7859,7 +8086,7 @@
           <a:blip r:embed="rId2">
             <a:alphaModFix/>
           </a:blip>
-          <a:srcRect b="36435" l="-115" r="15827" t="0"/>
+          <a:srcRect l="-115" r="15827" b="36435"/>
           <a:stretch/>
         </p:blipFill>
         <p:spPr>
@@ -7885,11 +8112,11 @@
 </file>
 
 <file path=ppt/slideLayouts/slideLayout6.xml><?xml version="1.0" encoding="utf-8"?>
-<p:sldLayout xmlns:a="http://schemas.openxmlformats.org/drawingml/2006/main" xmlns:r="http://schemas.openxmlformats.org/officeDocument/2006/relationships" xmlns:mc="http://schemas.openxmlformats.org/markup-compatibility/2006" xmlns:mv="urn:schemas-microsoft-com:mac:vml" xmlns:p="http://schemas.openxmlformats.org/presentationml/2006/main" xmlns:c="http://schemas.openxmlformats.org/drawingml/2006/chart" xmlns:dgm="http://schemas.openxmlformats.org/drawingml/2006/diagram" xmlns:o="urn:schemas-microsoft-com:office:office" xmlns:v="urn:schemas-microsoft-com:vml" xmlns:pvml="urn:schemas-microsoft-com:office:powerpoint" xmlns:com="http://schemas.openxmlformats.org/drawingml/2006/compatibility" xmlns:p14="http://schemas.microsoft.com/office/powerpoint/2010/main" xmlns:p15="http://schemas.microsoft.com/office/powerpoint/2012/main" matchingName="Title Only" type="titleOnly">
+<p:sldLayout xmlns:a="http://schemas.openxmlformats.org/drawingml/2006/main" xmlns:r="http://schemas.openxmlformats.org/officeDocument/2006/relationships" xmlns:p="http://schemas.openxmlformats.org/presentationml/2006/main" matchingName="Title Only" type="titleOnly">
   <p:cSld name="TITLE_ONLY">
     <p:spTree>
       <p:nvGrpSpPr>
-        <p:cNvPr id="53" name="Shape 53"/>
+        <p:cNvPr id="1" name="Shape 53"/>
         <p:cNvGrpSpPr/>
         <p:nvPr/>
       </p:nvGrpSpPr>
@@ -7904,7 +8131,9 @@
       <p:sp>
         <p:nvSpPr>
           <p:cNvPr id="54" name="Google Shape;54;p7"/>
-          <p:cNvSpPr txBox="1"/>
+          <p:cNvSpPr txBox="1">
+            <a:spLocks noGrp="1"/>
+          </p:cNvSpPr>
           <p:nvPr>
             <p:ph type="title"/>
           </p:nvPr>
@@ -7923,7 +8152,7 @@
           </a:ln>
         </p:spPr>
         <p:txBody>
-          <a:bodyPr anchorCtr="0" anchor="t" bIns="34275" lIns="68575" spcFirstLastPara="1" rIns="68575" wrap="square" tIns="34275">
+          <a:bodyPr spcFirstLastPara="1" wrap="square" lIns="68575" tIns="34275" rIns="68575" bIns="34275" anchor="t" anchorCtr="0">
             <a:noAutofit/>
           </a:bodyPr>
           <a:lstStyle>
@@ -8033,15 +8262,19 @@
               <a:defRPr/>
             </a:lvl9pPr>
           </a:lstStyle>
-          <a:p/>
+          <a:p>
+            <a:endParaRPr/>
+          </a:p>
         </p:txBody>
       </p:sp>
       <p:sp>
         <p:nvSpPr>
           <p:cNvPr id="55" name="Google Shape;55;p7"/>
-          <p:cNvSpPr txBox="1"/>
+          <p:cNvSpPr txBox="1">
+            <a:spLocks noGrp="1"/>
+          </p:cNvSpPr>
           <p:nvPr>
-            <p:ph idx="10" type="dt"/>
+            <p:ph type="dt" idx="10"/>
           </p:nvPr>
         </p:nvSpPr>
         <p:spPr>
@@ -8058,7 +8291,7 @@
           </a:ln>
         </p:spPr>
         <p:txBody>
-          <a:bodyPr anchorCtr="0" anchor="ctr" bIns="34275" lIns="68575" spcFirstLastPara="1" rIns="68575" wrap="square" tIns="34275">
+          <a:bodyPr spcFirstLastPara="1" wrap="square" lIns="68575" tIns="34275" rIns="68575" bIns="34275" anchor="ctr" anchorCtr="0">
             <a:noAutofit/>
           </a:bodyPr>
           <a:lstStyle>
@@ -8162,15 +8395,19 @@
               <a:defRPr/>
             </a:lvl9pPr>
           </a:lstStyle>
-          <a:p/>
+          <a:p>
+            <a:endParaRPr/>
+          </a:p>
         </p:txBody>
       </p:sp>
       <p:sp>
         <p:nvSpPr>
           <p:cNvPr id="56" name="Google Shape;56;p7"/>
-          <p:cNvSpPr txBox="1"/>
+          <p:cNvSpPr txBox="1">
+            <a:spLocks noGrp="1"/>
+          </p:cNvSpPr>
           <p:nvPr>
-            <p:ph idx="11" type="ftr"/>
+            <p:ph type="ftr" idx="11"/>
           </p:nvPr>
         </p:nvSpPr>
         <p:spPr>
@@ -8187,7 +8424,7 @@
           </a:ln>
         </p:spPr>
         <p:txBody>
-          <a:bodyPr anchorCtr="0" anchor="ctr" bIns="34275" lIns="68575" spcFirstLastPara="1" rIns="68575" wrap="square" tIns="34275">
+          <a:bodyPr spcFirstLastPara="1" wrap="square" lIns="68575" tIns="34275" rIns="68575" bIns="34275" anchor="ctr" anchorCtr="0">
             <a:noAutofit/>
           </a:bodyPr>
           <a:lstStyle>
@@ -8291,15 +8528,19 @@
               <a:defRPr/>
             </a:lvl9pPr>
           </a:lstStyle>
-          <a:p/>
+          <a:p>
+            <a:endParaRPr/>
+          </a:p>
         </p:txBody>
       </p:sp>
       <p:sp>
         <p:nvSpPr>
           <p:cNvPr id="57" name="Google Shape;57;p7"/>
-          <p:cNvSpPr txBox="1"/>
+          <p:cNvSpPr txBox="1">
+            <a:spLocks noGrp="1"/>
+          </p:cNvSpPr>
           <p:nvPr>
-            <p:ph idx="12" type="sldNum"/>
+            <p:ph type="sldNum" idx="12"/>
           </p:nvPr>
         </p:nvSpPr>
         <p:spPr>
@@ -8316,67 +8557,67 @@
           </a:ln>
         </p:spPr>
         <p:txBody>
-          <a:bodyPr anchorCtr="0" anchor="t" bIns="34275" lIns="68575" spcFirstLastPara="1" rIns="68575" wrap="square" tIns="34275">
+          <a:bodyPr spcFirstLastPara="1" wrap="square" lIns="68575" tIns="34275" rIns="68575" bIns="34275" anchor="t" anchorCtr="0">
             <a:noAutofit/>
           </a:bodyPr>
           <a:lstStyle>
-            <a:lvl1pPr indent="0" lvl="0" marL="0" algn="r">
+            <a:lvl1pPr marL="0" lvl="0" indent="0" algn="r">
               <a:spcBef>
                 <a:spcPts val="0"/>
               </a:spcBef>
               <a:buNone/>
               <a:defRPr/>
             </a:lvl1pPr>
-            <a:lvl2pPr indent="0" lvl="1" marL="0" algn="r">
+            <a:lvl2pPr marL="0" lvl="1" indent="0" algn="r">
               <a:spcBef>
                 <a:spcPts val="0"/>
               </a:spcBef>
               <a:buNone/>
               <a:defRPr/>
             </a:lvl2pPr>
-            <a:lvl3pPr indent="0" lvl="2" marL="0" algn="r">
+            <a:lvl3pPr marL="0" lvl="2" indent="0" algn="r">
               <a:spcBef>
                 <a:spcPts val="0"/>
               </a:spcBef>
               <a:buNone/>
               <a:defRPr/>
             </a:lvl3pPr>
-            <a:lvl4pPr indent="0" lvl="3" marL="0" algn="r">
+            <a:lvl4pPr marL="0" lvl="3" indent="0" algn="r">
               <a:spcBef>
                 <a:spcPts val="0"/>
               </a:spcBef>
               <a:buNone/>
               <a:defRPr/>
             </a:lvl4pPr>
-            <a:lvl5pPr indent="0" lvl="4" marL="0" algn="r">
+            <a:lvl5pPr marL="0" lvl="4" indent="0" algn="r">
               <a:spcBef>
                 <a:spcPts val="0"/>
               </a:spcBef>
               <a:buNone/>
               <a:defRPr/>
             </a:lvl5pPr>
-            <a:lvl6pPr indent="0" lvl="5" marL="0" algn="r">
+            <a:lvl6pPr marL="0" lvl="5" indent="0" algn="r">
               <a:spcBef>
                 <a:spcPts val="0"/>
               </a:spcBef>
               <a:buNone/>
               <a:defRPr/>
             </a:lvl6pPr>
-            <a:lvl7pPr indent="0" lvl="6" marL="0" algn="r">
+            <a:lvl7pPr marL="0" lvl="6" indent="0" algn="r">
               <a:spcBef>
                 <a:spcPts val="0"/>
               </a:spcBef>
               <a:buNone/>
               <a:defRPr/>
             </a:lvl7pPr>
-            <a:lvl8pPr indent="0" lvl="7" marL="0" algn="r">
+            <a:lvl8pPr marL="0" lvl="7" indent="0" algn="r">
               <a:spcBef>
                 <a:spcPts val="0"/>
               </a:spcBef>
               <a:buNone/>
               <a:defRPr/>
             </a:lvl8pPr>
-            <a:lvl9pPr indent="0" lvl="8" marL="0" algn="r">
+            <a:lvl9pPr marL="0" lvl="8" indent="0" algn="r">
               <a:spcBef>
                 <a:spcPts val="0"/>
               </a:spcBef>
@@ -8385,7 +8626,7 @@
             </a:lvl9pPr>
           </a:lstStyle>
           <a:p>
-            <a:pPr indent="0" lvl="0" marL="0" rtl="0" algn="r">
+            <a:pPr marL="0" lvl="0" indent="0" algn="r" rtl="0">
               <a:spcBef>
                 <a:spcPts val="0"/>
               </a:spcBef>
@@ -8404,7 +8645,7 @@
       </p:sp>
       <p:pic>
         <p:nvPicPr>
-          <p:cNvPr descr="RedHashing.emf" id="58" name="Google Shape;58;p7"/>
+          <p:cNvPr id="58" name="Google Shape;58;p7" descr="RedHashing.emf"/>
           <p:cNvPicPr preferRelativeResize="0"/>
           <p:nvPr/>
         </p:nvPicPr>
@@ -8412,7 +8653,7 @@
           <a:blip r:embed="rId2">
             <a:alphaModFix/>
           </a:blip>
-          <a:srcRect b="36435" l="-115" r="15827" t="0"/>
+          <a:srcRect l="-115" r="15827" b="36435"/>
           <a:stretch/>
         </p:blipFill>
         <p:spPr>
@@ -8438,11 +8679,11 @@
 </file>
 
 <file path=ppt/slideLayouts/slideLayout7.xml><?xml version="1.0" encoding="utf-8"?>
-<p:sldLayout xmlns:a="http://schemas.openxmlformats.org/drawingml/2006/main" xmlns:r="http://schemas.openxmlformats.org/officeDocument/2006/relationships" xmlns:mc="http://schemas.openxmlformats.org/markup-compatibility/2006" xmlns:mv="urn:schemas-microsoft-com:mac:vml" xmlns:p="http://schemas.openxmlformats.org/presentationml/2006/main" xmlns:c="http://schemas.openxmlformats.org/drawingml/2006/chart" xmlns:dgm="http://schemas.openxmlformats.org/drawingml/2006/diagram" xmlns:o="urn:schemas-microsoft-com:office:office" xmlns:v="urn:schemas-microsoft-com:vml" xmlns:pvml="urn:schemas-microsoft-com:office:powerpoint" xmlns:com="http://schemas.openxmlformats.org/drawingml/2006/compatibility" xmlns:p14="http://schemas.microsoft.com/office/powerpoint/2010/main" xmlns:p15="http://schemas.microsoft.com/office/powerpoint/2012/main" matchingName="Blank" type="blank">
+<p:sldLayout xmlns:a="http://schemas.openxmlformats.org/drawingml/2006/main" xmlns:r="http://schemas.openxmlformats.org/officeDocument/2006/relationships" xmlns:p="http://schemas.openxmlformats.org/presentationml/2006/main" matchingName="Blank" type="blank">
   <p:cSld name="BLANK">
     <p:spTree>
       <p:nvGrpSpPr>
-        <p:cNvPr id="59" name="Shape 59"/>
+        <p:cNvPr id="1" name="Shape 59"/>
         <p:cNvGrpSpPr/>
         <p:nvPr/>
       </p:nvGrpSpPr>
@@ -8457,9 +8698,11 @@
       <p:sp>
         <p:nvSpPr>
           <p:cNvPr id="60" name="Google Shape;60;p8"/>
-          <p:cNvSpPr txBox="1"/>
+          <p:cNvSpPr txBox="1">
+            <a:spLocks noGrp="1"/>
+          </p:cNvSpPr>
           <p:nvPr>
-            <p:ph idx="10" type="dt"/>
+            <p:ph type="dt" idx="10"/>
           </p:nvPr>
         </p:nvSpPr>
         <p:spPr>
@@ -8476,7 +8719,7 @@
           </a:ln>
         </p:spPr>
         <p:txBody>
-          <a:bodyPr anchorCtr="0" anchor="ctr" bIns="34275" lIns="68575" spcFirstLastPara="1" rIns="68575" wrap="square" tIns="34275">
+          <a:bodyPr spcFirstLastPara="1" wrap="square" lIns="68575" tIns="34275" rIns="68575" bIns="34275" anchor="ctr" anchorCtr="0">
             <a:noAutofit/>
           </a:bodyPr>
           <a:lstStyle>
@@ -8580,15 +8823,19 @@
               <a:defRPr/>
             </a:lvl9pPr>
           </a:lstStyle>
-          <a:p/>
+          <a:p>
+            <a:endParaRPr/>
+          </a:p>
         </p:txBody>
       </p:sp>
       <p:sp>
         <p:nvSpPr>
           <p:cNvPr id="61" name="Google Shape;61;p8"/>
-          <p:cNvSpPr txBox="1"/>
+          <p:cNvSpPr txBox="1">
+            <a:spLocks noGrp="1"/>
+          </p:cNvSpPr>
           <p:nvPr>
-            <p:ph idx="11" type="ftr"/>
+            <p:ph type="ftr" idx="11"/>
           </p:nvPr>
         </p:nvSpPr>
         <p:spPr>
@@ -8605,7 +8852,7 @@
           </a:ln>
         </p:spPr>
         <p:txBody>
-          <a:bodyPr anchorCtr="0" anchor="ctr" bIns="34275" lIns="68575" spcFirstLastPara="1" rIns="68575" wrap="square" tIns="34275">
+          <a:bodyPr spcFirstLastPara="1" wrap="square" lIns="68575" tIns="34275" rIns="68575" bIns="34275" anchor="ctr" anchorCtr="0">
             <a:noAutofit/>
           </a:bodyPr>
           <a:lstStyle>
@@ -8709,15 +8956,19 @@
               <a:defRPr/>
             </a:lvl9pPr>
           </a:lstStyle>
-          <a:p/>
+          <a:p>
+            <a:endParaRPr/>
+          </a:p>
         </p:txBody>
       </p:sp>
       <p:sp>
         <p:nvSpPr>
           <p:cNvPr id="62" name="Google Shape;62;p8"/>
-          <p:cNvSpPr txBox="1"/>
+          <p:cNvSpPr txBox="1">
+            <a:spLocks noGrp="1"/>
+          </p:cNvSpPr>
           <p:nvPr>
-            <p:ph idx="12" type="sldNum"/>
+            <p:ph type="sldNum" idx="12"/>
           </p:nvPr>
         </p:nvSpPr>
         <p:spPr>
@@ -8734,67 +8985,67 @@
           </a:ln>
         </p:spPr>
         <p:txBody>
-          <a:bodyPr anchorCtr="0" anchor="t" bIns="34275" lIns="68575" spcFirstLastPara="1" rIns="68575" wrap="square" tIns="34275">
+          <a:bodyPr spcFirstLastPara="1" wrap="square" lIns="68575" tIns="34275" rIns="68575" bIns="34275" anchor="t" anchorCtr="0">
             <a:noAutofit/>
           </a:bodyPr>
           <a:lstStyle>
-            <a:lvl1pPr indent="0" lvl="0" marL="0" algn="r">
+            <a:lvl1pPr marL="0" lvl="0" indent="0" algn="r">
               <a:spcBef>
                 <a:spcPts val="0"/>
               </a:spcBef>
               <a:buNone/>
               <a:defRPr/>
             </a:lvl1pPr>
-            <a:lvl2pPr indent="0" lvl="1" marL="0" algn="r">
+            <a:lvl2pPr marL="0" lvl="1" indent="0" algn="r">
               <a:spcBef>
                 <a:spcPts val="0"/>
               </a:spcBef>
               <a:buNone/>
               <a:defRPr/>
             </a:lvl2pPr>
-            <a:lvl3pPr indent="0" lvl="2" marL="0" algn="r">
+            <a:lvl3pPr marL="0" lvl="2" indent="0" algn="r">
               <a:spcBef>
                 <a:spcPts val="0"/>
               </a:spcBef>
               <a:buNone/>
               <a:defRPr/>
             </a:lvl3pPr>
-            <a:lvl4pPr indent="0" lvl="3" marL="0" algn="r">
+            <a:lvl4pPr marL="0" lvl="3" indent="0" algn="r">
               <a:spcBef>
                 <a:spcPts val="0"/>
               </a:spcBef>
               <a:buNone/>
               <a:defRPr/>
             </a:lvl4pPr>
-            <a:lvl5pPr indent="0" lvl="4" marL="0" algn="r">
+            <a:lvl5pPr marL="0" lvl="4" indent="0" algn="r">
               <a:spcBef>
                 <a:spcPts val="0"/>
               </a:spcBef>
               <a:buNone/>
               <a:defRPr/>
             </a:lvl5pPr>
-            <a:lvl6pPr indent="0" lvl="5" marL="0" algn="r">
+            <a:lvl6pPr marL="0" lvl="5" indent="0" algn="r">
               <a:spcBef>
                 <a:spcPts val="0"/>
               </a:spcBef>
               <a:buNone/>
               <a:defRPr/>
             </a:lvl6pPr>
-            <a:lvl7pPr indent="0" lvl="6" marL="0" algn="r">
+            <a:lvl7pPr marL="0" lvl="6" indent="0" algn="r">
               <a:spcBef>
                 <a:spcPts val="0"/>
               </a:spcBef>
               <a:buNone/>
               <a:defRPr/>
             </a:lvl7pPr>
-            <a:lvl8pPr indent="0" lvl="7" marL="0" algn="r">
+            <a:lvl8pPr marL="0" lvl="7" indent="0" algn="r">
               <a:spcBef>
                 <a:spcPts val="0"/>
               </a:spcBef>
               <a:buNone/>
               <a:defRPr/>
             </a:lvl8pPr>
-            <a:lvl9pPr indent="0" lvl="8" marL="0" algn="r">
+            <a:lvl9pPr marL="0" lvl="8" indent="0" algn="r">
               <a:spcBef>
                 <a:spcPts val="0"/>
               </a:spcBef>
@@ -8803,7 +9054,7 @@
             </a:lvl9pPr>
           </a:lstStyle>
           <a:p>
-            <a:pPr indent="0" lvl="0" marL="0" rtl="0" algn="r">
+            <a:pPr marL="0" lvl="0" indent="0" algn="r" rtl="0">
               <a:spcBef>
                 <a:spcPts val="0"/>
               </a:spcBef>
@@ -8829,11 +9080,11 @@
 </file>
 
 <file path=ppt/slideLayouts/slideLayout8.xml><?xml version="1.0" encoding="utf-8"?>
-<p:sldLayout xmlns:a="http://schemas.openxmlformats.org/drawingml/2006/main" xmlns:r="http://schemas.openxmlformats.org/officeDocument/2006/relationships" xmlns:mc="http://schemas.openxmlformats.org/markup-compatibility/2006" xmlns:mv="urn:schemas-microsoft-com:mac:vml" xmlns:p="http://schemas.openxmlformats.org/presentationml/2006/main" xmlns:c="http://schemas.openxmlformats.org/drawingml/2006/chart" xmlns:dgm="http://schemas.openxmlformats.org/drawingml/2006/diagram" xmlns:o="urn:schemas-microsoft-com:office:office" xmlns:v="urn:schemas-microsoft-com:vml" xmlns:pvml="urn:schemas-microsoft-com:office:powerpoint" xmlns:com="http://schemas.openxmlformats.org/drawingml/2006/compatibility" xmlns:p14="http://schemas.microsoft.com/office/powerpoint/2010/main" xmlns:p15="http://schemas.microsoft.com/office/powerpoint/2012/main" matchingName="Content with Caption" type="objTx">
+<p:sldLayout xmlns:a="http://schemas.openxmlformats.org/drawingml/2006/main" xmlns:r="http://schemas.openxmlformats.org/officeDocument/2006/relationships" xmlns:p="http://schemas.openxmlformats.org/presentationml/2006/main" matchingName="Content with Caption" type="objTx">
   <p:cSld name="OBJECT_WITH_CAPTION_TEXT">
     <p:spTree>
       <p:nvGrpSpPr>
-        <p:cNvPr id="63" name="Shape 63"/>
+        <p:cNvPr id="1" name="Shape 63"/>
         <p:cNvGrpSpPr/>
         <p:nvPr/>
       </p:nvGrpSpPr>
@@ -8848,7 +9099,9 @@
       <p:sp>
         <p:nvSpPr>
           <p:cNvPr id="64" name="Google Shape;64;p9"/>
-          <p:cNvSpPr txBox="1"/>
+          <p:cNvSpPr txBox="1">
+            <a:spLocks noGrp="1"/>
+          </p:cNvSpPr>
           <p:nvPr>
             <p:ph type="title"/>
           </p:nvPr>
@@ -8867,7 +9120,7 @@
           </a:ln>
         </p:spPr>
         <p:txBody>
-          <a:bodyPr anchorCtr="0" anchor="b" bIns="34275" lIns="68575" spcFirstLastPara="1" rIns="68575" wrap="square" tIns="34275">
+          <a:bodyPr spcFirstLastPara="1" wrap="square" lIns="68575" tIns="34275" rIns="68575" bIns="34275" anchor="b" anchorCtr="0">
             <a:noAutofit/>
           </a:bodyPr>
           <a:lstStyle>
@@ -8978,15 +9231,19 @@
               <a:defRPr/>
             </a:lvl9pPr>
           </a:lstStyle>
-          <a:p/>
+          <a:p>
+            <a:endParaRPr/>
+          </a:p>
         </p:txBody>
       </p:sp>
       <p:sp>
         <p:nvSpPr>
           <p:cNvPr id="65" name="Google Shape;65;p9"/>
-          <p:cNvSpPr txBox="1"/>
+          <p:cNvSpPr txBox="1">
+            <a:spLocks noGrp="1"/>
+          </p:cNvSpPr>
           <p:nvPr>
-            <p:ph idx="1" type="body"/>
+            <p:ph type="body" idx="1"/>
           </p:nvPr>
         </p:nvSpPr>
         <p:spPr>
@@ -9003,11 +9260,11 @@
           </a:ln>
         </p:spPr>
         <p:txBody>
-          <a:bodyPr anchorCtr="0" anchor="ctr" bIns="34275" lIns="68575" spcFirstLastPara="1" rIns="68575" wrap="square" tIns="34275">
+          <a:bodyPr spcFirstLastPara="1" wrap="square" lIns="68575" tIns="34275" rIns="68575" bIns="34275" anchor="ctr" anchorCtr="0">
             <a:noAutofit/>
           </a:bodyPr>
           <a:lstStyle>
-            <a:lvl1pPr indent="-317500" lvl="0" marL="457200" algn="l">
+            <a:lvl1pPr marL="457200" lvl="0" indent="-317500" algn="l">
               <a:lnSpc>
                 <a:spcPct val="120000"/>
               </a:lnSpc>
@@ -9021,7 +9278,7 @@
               <a:buChar char="•"/>
               <a:defRPr/>
             </a:lvl1pPr>
-            <a:lvl2pPr indent="-317500" lvl="1" marL="914400" algn="l">
+            <a:lvl2pPr marL="914400" lvl="1" indent="-317500" algn="l">
               <a:lnSpc>
                 <a:spcPct val="120000"/>
               </a:lnSpc>
@@ -9035,7 +9292,7 @@
               <a:buChar char="•"/>
               <a:defRPr/>
             </a:lvl2pPr>
-            <a:lvl3pPr indent="-317500" lvl="2" marL="1371600" algn="l">
+            <a:lvl3pPr marL="1371600" lvl="2" indent="-317500" algn="l">
               <a:lnSpc>
                 <a:spcPct val="120000"/>
               </a:lnSpc>
@@ -9049,7 +9306,7 @@
               <a:buChar char="•"/>
               <a:defRPr/>
             </a:lvl3pPr>
-            <a:lvl4pPr indent="-317500" lvl="3" marL="1828800" algn="l">
+            <a:lvl4pPr marL="1828800" lvl="3" indent="-317500" algn="l">
               <a:lnSpc>
                 <a:spcPct val="120000"/>
               </a:lnSpc>
@@ -9063,7 +9320,7 @@
               <a:buChar char="•"/>
               <a:defRPr/>
             </a:lvl4pPr>
-            <a:lvl5pPr indent="-317500" lvl="4" marL="2286000" algn="l">
+            <a:lvl5pPr marL="2286000" lvl="4" indent="-317500" algn="l">
               <a:lnSpc>
                 <a:spcPct val="120000"/>
               </a:lnSpc>
@@ -9077,7 +9334,7 @@
               <a:buChar char="•"/>
               <a:defRPr/>
             </a:lvl5pPr>
-            <a:lvl6pPr indent="-317500" lvl="5" marL="2743200" algn="l">
+            <a:lvl6pPr marL="2743200" lvl="5" indent="-317500" algn="l">
               <a:lnSpc>
                 <a:spcPct val="120000"/>
               </a:lnSpc>
@@ -9091,7 +9348,7 @@
               <a:buChar char="•"/>
               <a:defRPr/>
             </a:lvl6pPr>
-            <a:lvl7pPr indent="-317500" lvl="6" marL="3200400" algn="l">
+            <a:lvl7pPr marL="3200400" lvl="6" indent="-317500" algn="l">
               <a:lnSpc>
                 <a:spcPct val="120000"/>
               </a:lnSpc>
@@ -9105,7 +9362,7 @@
               <a:buChar char="•"/>
               <a:defRPr/>
             </a:lvl7pPr>
-            <a:lvl8pPr indent="-317500" lvl="7" marL="3657600" algn="l">
+            <a:lvl8pPr marL="3657600" lvl="7" indent="-317500" algn="l">
               <a:lnSpc>
                 <a:spcPct val="120000"/>
               </a:lnSpc>
@@ -9119,7 +9376,7 @@
               <a:buChar char="•"/>
               <a:defRPr/>
             </a:lvl8pPr>
-            <a:lvl9pPr indent="-317500" lvl="8" marL="4114800" algn="l">
+            <a:lvl9pPr marL="4114800" lvl="8" indent="-317500" algn="l">
               <a:lnSpc>
                 <a:spcPct val="120000"/>
               </a:lnSpc>
@@ -9134,15 +9391,19 @@
               <a:defRPr/>
             </a:lvl9pPr>
           </a:lstStyle>
-          <a:p/>
+          <a:p>
+            <a:endParaRPr/>
+          </a:p>
         </p:txBody>
       </p:sp>
       <p:sp>
         <p:nvSpPr>
           <p:cNvPr id="66" name="Google Shape;66;p9"/>
-          <p:cNvSpPr txBox="1"/>
+          <p:cNvSpPr txBox="1">
+            <a:spLocks noGrp="1"/>
+          </p:cNvSpPr>
           <p:nvPr>
-            <p:ph idx="2" type="body"/>
+            <p:ph type="body" idx="2"/>
           </p:nvPr>
         </p:nvSpPr>
         <p:spPr>
@@ -9159,11 +9420,11 @@
           </a:ln>
         </p:spPr>
         <p:txBody>
-          <a:bodyPr anchorCtr="0" anchor="t" bIns="34275" lIns="68575" spcFirstLastPara="1" rIns="68575" wrap="square" tIns="34275">
+          <a:bodyPr spcFirstLastPara="1" wrap="square" lIns="68575" tIns="34275" rIns="68575" bIns="34275" anchor="t" anchorCtr="0">
             <a:noAutofit/>
           </a:bodyPr>
           <a:lstStyle>
-            <a:lvl1pPr indent="-228600" lvl="0" marL="457200" algn="l">
+            <a:lvl1pPr marL="457200" lvl="0" indent="-228600" algn="l">
               <a:lnSpc>
                 <a:spcPct val="120000"/>
               </a:lnSpc>
@@ -9177,7 +9438,7 @@
               <a:buNone/>
               <a:defRPr sz="1200"/>
             </a:lvl1pPr>
-            <a:lvl2pPr indent="-228600" lvl="1" marL="914400" algn="l">
+            <a:lvl2pPr marL="914400" lvl="1" indent="-228600" algn="l">
               <a:lnSpc>
                 <a:spcPct val="120000"/>
               </a:lnSpc>
@@ -9191,7 +9452,7 @@
               <a:buNone/>
               <a:defRPr sz="1100"/>
             </a:lvl2pPr>
-            <a:lvl3pPr indent="-228600" lvl="2" marL="1371600" algn="l">
+            <a:lvl3pPr marL="1371600" lvl="2" indent="-228600" algn="l">
               <a:lnSpc>
                 <a:spcPct val="120000"/>
               </a:lnSpc>
@@ -9205,7 +9466,7 @@
               <a:buNone/>
               <a:defRPr sz="900"/>
             </a:lvl3pPr>
-            <a:lvl4pPr indent="-228600" lvl="3" marL="1828800" algn="l">
+            <a:lvl4pPr marL="1828800" lvl="3" indent="-228600" algn="l">
               <a:lnSpc>
                 <a:spcPct val="120000"/>
               </a:lnSpc>
@@ -9219,7 +9480,7 @@
               <a:buNone/>
               <a:defRPr sz="800"/>
             </a:lvl4pPr>
-            <a:lvl5pPr indent="-228600" lvl="4" marL="2286000" algn="l">
+            <a:lvl5pPr marL="2286000" lvl="4" indent="-228600" algn="l">
               <a:lnSpc>
                 <a:spcPct val="120000"/>
               </a:lnSpc>
@@ -9233,7 +9494,7 @@
               <a:buNone/>
               <a:defRPr sz="800"/>
             </a:lvl5pPr>
-            <a:lvl6pPr indent="-228600" lvl="5" marL="2743200" algn="l">
+            <a:lvl6pPr marL="2743200" lvl="5" indent="-228600" algn="l">
               <a:lnSpc>
                 <a:spcPct val="120000"/>
               </a:lnSpc>
@@ -9247,7 +9508,7 @@
               <a:buNone/>
               <a:defRPr sz="800"/>
             </a:lvl6pPr>
-            <a:lvl7pPr indent="-228600" lvl="6" marL="3200400" algn="l">
+            <a:lvl7pPr marL="3200400" lvl="6" indent="-228600" algn="l">
               <a:lnSpc>
                 <a:spcPct val="120000"/>
               </a:lnSpc>
@@ -9261,7 +9522,7 @@
               <a:buNone/>
               <a:defRPr sz="800"/>
             </a:lvl7pPr>
-            <a:lvl8pPr indent="-228600" lvl="7" marL="3657600" algn="l">
+            <a:lvl8pPr marL="3657600" lvl="7" indent="-228600" algn="l">
               <a:lnSpc>
                 <a:spcPct val="120000"/>
               </a:lnSpc>
@@ -9275,7 +9536,7 @@
               <a:buNone/>
               <a:defRPr sz="800"/>
             </a:lvl8pPr>
-            <a:lvl9pPr indent="-228600" lvl="8" marL="4114800" algn="l">
+            <a:lvl9pPr marL="4114800" lvl="8" indent="-228600" algn="l">
               <a:lnSpc>
                 <a:spcPct val="120000"/>
               </a:lnSpc>
@@ -9290,15 +9551,19 @@
               <a:defRPr sz="800"/>
             </a:lvl9pPr>
           </a:lstStyle>
-          <a:p/>
+          <a:p>
+            <a:endParaRPr/>
+          </a:p>
         </p:txBody>
       </p:sp>
       <p:sp>
         <p:nvSpPr>
           <p:cNvPr id="67" name="Google Shape;67;p9"/>
-          <p:cNvSpPr txBox="1"/>
+          <p:cNvSpPr txBox="1">
+            <a:spLocks noGrp="1"/>
+          </p:cNvSpPr>
           <p:nvPr>
-            <p:ph idx="10" type="dt"/>
+            <p:ph type="dt" idx="10"/>
           </p:nvPr>
         </p:nvSpPr>
         <p:spPr>
@@ -9315,7 +9580,7 @@
           </a:ln>
         </p:spPr>
         <p:txBody>
-          <a:bodyPr anchorCtr="0" anchor="ctr" bIns="34275" lIns="68575" spcFirstLastPara="1" rIns="68575" wrap="square" tIns="34275">
+          <a:bodyPr spcFirstLastPara="1" wrap="square" lIns="68575" tIns="34275" rIns="68575" bIns="34275" anchor="ctr" anchorCtr="0">
             <a:noAutofit/>
           </a:bodyPr>
           <a:lstStyle>
@@ -9419,15 +9684,19 @@
               <a:defRPr/>
             </a:lvl9pPr>
           </a:lstStyle>
-          <a:p/>
+          <a:p>
+            <a:endParaRPr/>
+          </a:p>
         </p:txBody>
       </p:sp>
       <p:sp>
         <p:nvSpPr>
           <p:cNvPr id="68" name="Google Shape;68;p9"/>
-          <p:cNvSpPr txBox="1"/>
+          <p:cNvSpPr txBox="1">
+            <a:spLocks noGrp="1"/>
+          </p:cNvSpPr>
           <p:nvPr>
-            <p:ph idx="11" type="ftr"/>
+            <p:ph type="ftr" idx="11"/>
           </p:nvPr>
         </p:nvSpPr>
         <p:spPr>
@@ -9444,7 +9713,7 @@
           </a:ln>
         </p:spPr>
         <p:txBody>
-          <a:bodyPr anchorCtr="0" anchor="ctr" bIns="34275" lIns="68575" spcFirstLastPara="1" rIns="68575" wrap="square" tIns="34275">
+          <a:bodyPr spcFirstLastPara="1" wrap="square" lIns="68575" tIns="34275" rIns="68575" bIns="34275" anchor="ctr" anchorCtr="0">
             <a:noAutofit/>
           </a:bodyPr>
           <a:lstStyle>
@@ -9548,15 +9817,19 @@
               <a:defRPr/>
             </a:lvl9pPr>
           </a:lstStyle>
-          <a:p/>
+          <a:p>
+            <a:endParaRPr/>
+          </a:p>
         </p:txBody>
       </p:sp>
       <p:sp>
         <p:nvSpPr>
           <p:cNvPr id="69" name="Google Shape;69;p9"/>
-          <p:cNvSpPr txBox="1"/>
+          <p:cNvSpPr txBox="1">
+            <a:spLocks noGrp="1"/>
+          </p:cNvSpPr>
           <p:nvPr>
-            <p:ph idx="12" type="sldNum"/>
+            <p:ph type="sldNum" idx="12"/>
           </p:nvPr>
         </p:nvSpPr>
         <p:spPr>
@@ -9573,67 +9846,67 @@
           </a:ln>
         </p:spPr>
         <p:txBody>
-          <a:bodyPr anchorCtr="0" anchor="t" bIns="34275" lIns="68575" spcFirstLastPara="1" rIns="68575" wrap="square" tIns="34275">
+          <a:bodyPr spcFirstLastPara="1" wrap="square" lIns="68575" tIns="34275" rIns="68575" bIns="34275" anchor="t" anchorCtr="0">
             <a:noAutofit/>
           </a:bodyPr>
           <a:lstStyle>
-            <a:lvl1pPr indent="0" lvl="0" marL="0" algn="r">
+            <a:lvl1pPr marL="0" lvl="0" indent="0" algn="r">
               <a:spcBef>
                 <a:spcPts val="0"/>
               </a:spcBef>
               <a:buNone/>
               <a:defRPr/>
             </a:lvl1pPr>
-            <a:lvl2pPr indent="0" lvl="1" marL="0" algn="r">
+            <a:lvl2pPr marL="0" lvl="1" indent="0" algn="r">
               <a:spcBef>
                 <a:spcPts val="0"/>
               </a:spcBef>
               <a:buNone/>
               <a:defRPr/>
             </a:lvl2pPr>
-            <a:lvl3pPr indent="0" lvl="2" marL="0" algn="r">
+            <a:lvl3pPr marL="0" lvl="2" indent="0" algn="r">
               <a:spcBef>
                 <a:spcPts val="0"/>
               </a:spcBef>
               <a:buNone/>
               <a:defRPr/>
             </a:lvl3pPr>
-            <a:lvl4pPr indent="0" lvl="3" marL="0" algn="r">
+            <a:lvl4pPr marL="0" lvl="3" indent="0" algn="r">
               <a:spcBef>
                 <a:spcPts val="0"/>
               </a:spcBef>
               <a:buNone/>
               <a:defRPr/>
             </a:lvl4pPr>
-            <a:lvl5pPr indent="0" lvl="4" marL="0" algn="r">
+            <a:lvl5pPr marL="0" lvl="4" indent="0" algn="r">
               <a:spcBef>
                 <a:spcPts val="0"/>
               </a:spcBef>
               <a:buNone/>
               <a:defRPr/>
             </a:lvl5pPr>
-            <a:lvl6pPr indent="0" lvl="5" marL="0" algn="r">
+            <a:lvl6pPr marL="0" lvl="5" indent="0" algn="r">
               <a:spcBef>
                 <a:spcPts val="0"/>
               </a:spcBef>
               <a:buNone/>
               <a:defRPr/>
             </a:lvl6pPr>
-            <a:lvl7pPr indent="0" lvl="6" marL="0" algn="r">
+            <a:lvl7pPr marL="0" lvl="6" indent="0" algn="r">
               <a:spcBef>
                 <a:spcPts val="0"/>
               </a:spcBef>
               <a:buNone/>
               <a:defRPr/>
             </a:lvl7pPr>
-            <a:lvl8pPr indent="0" lvl="7" marL="0" algn="r">
+            <a:lvl8pPr marL="0" lvl="7" indent="0" algn="r">
               <a:spcBef>
                 <a:spcPts val="0"/>
               </a:spcBef>
               <a:buNone/>
               <a:defRPr/>
             </a:lvl8pPr>
-            <a:lvl9pPr indent="0" lvl="8" marL="0" algn="r">
+            <a:lvl9pPr marL="0" lvl="8" indent="0" algn="r">
               <a:spcBef>
                 <a:spcPts val="0"/>
               </a:spcBef>
@@ -9642,7 +9915,7 @@
             </a:lvl9pPr>
           </a:lstStyle>
           <a:p>
-            <a:pPr indent="0" lvl="0" marL="0" rtl="0" algn="r">
+            <a:pPr marL="0" lvl="0" indent="0" algn="r" rtl="0">
               <a:spcBef>
                 <a:spcPts val="0"/>
               </a:spcBef>
@@ -9661,7 +9934,7 @@
       </p:sp>
       <p:pic>
         <p:nvPicPr>
-          <p:cNvPr descr="RedHashing.emf" id="70" name="Google Shape;70;p9"/>
+          <p:cNvPr id="70" name="Google Shape;70;p9" descr="RedHashing.emf"/>
           <p:cNvPicPr preferRelativeResize="0"/>
           <p:nvPr/>
         </p:nvPicPr>
@@ -9669,7 +9942,7 @@
           <a:blip r:embed="rId2">
             <a:alphaModFix/>
           </a:blip>
-          <a:srcRect b="36435" l="-115" r="15827" t="0"/>
+          <a:srcRect l="-115" r="15827" b="36435"/>
           <a:stretch/>
         </p:blipFill>
         <p:spPr>
@@ -9695,11 +9968,11 @@
 </file>
 
 <file path=ppt/slideLayouts/slideLayout9.xml><?xml version="1.0" encoding="utf-8"?>
-<p:sldLayout xmlns:a="http://schemas.openxmlformats.org/drawingml/2006/main" xmlns:r="http://schemas.openxmlformats.org/officeDocument/2006/relationships" xmlns:mc="http://schemas.openxmlformats.org/markup-compatibility/2006" xmlns:mv="urn:schemas-microsoft-com:mac:vml" xmlns:p="http://schemas.openxmlformats.org/presentationml/2006/main" xmlns:c="http://schemas.openxmlformats.org/drawingml/2006/chart" xmlns:dgm="http://schemas.openxmlformats.org/drawingml/2006/diagram" xmlns:o="urn:schemas-microsoft-com:office:office" xmlns:v="urn:schemas-microsoft-com:vml" xmlns:pvml="urn:schemas-microsoft-com:office:powerpoint" xmlns:com="http://schemas.openxmlformats.org/drawingml/2006/compatibility" xmlns:p14="http://schemas.microsoft.com/office/powerpoint/2010/main" xmlns:p15="http://schemas.microsoft.com/office/powerpoint/2012/main" matchingName="Picture with Caption" type="picTx">
+<p:sldLayout xmlns:a="http://schemas.openxmlformats.org/drawingml/2006/main" xmlns:r="http://schemas.openxmlformats.org/officeDocument/2006/relationships" xmlns:p="http://schemas.openxmlformats.org/presentationml/2006/main" matchingName="Picture with Caption" type="picTx">
   <p:cSld name="PICTURE_WITH_CAPTION_TEXT">
     <p:spTree>
       <p:nvGrpSpPr>
-        <p:cNvPr id="71" name="Shape 71"/>
+        <p:cNvPr id="1" name="Shape 71"/>
         <p:cNvGrpSpPr/>
         <p:nvPr/>
       </p:nvGrpSpPr>
@@ -9754,7 +10027,7 @@
               <a:noFill/>
             </a:ln>
             <a:effectLst>
-              <a:outerShdw blurRad="127000" sx="98000" rotWithShape="0" algn="tl" dir="4740000" dist="228600" sy="98000">
+              <a:outerShdw blurRad="127000" dist="228600" dir="4740000" sx="98000" sy="98000" algn="tl" rotWithShape="0">
                 <a:srgbClr val="000000">
                   <a:alpha val="33725"/>
                 </a:srgbClr>
@@ -9762,12 +10035,12 @@
             </a:effectLst>
           </p:spPr>
           <p:txBody>
-            <a:bodyPr anchorCtr="0" anchor="ctr" bIns="68575" lIns="68575" spcFirstLastPara="1" rIns="68575" wrap="square" tIns="68575">
+            <a:bodyPr spcFirstLastPara="1" wrap="square" lIns="68575" tIns="68575" rIns="68575" bIns="68575" anchor="ctr" anchorCtr="0">
               <a:noAutofit/>
             </a:bodyPr>
             <a:lstStyle/>
             <a:p>
-              <a:pPr indent="0" lvl="0" marL="0" rtl="0" algn="l">
+              <a:pPr marL="0" lvl="0" indent="0" algn="l" rtl="0">
                 <a:spcBef>
                   <a:spcPts val="0"/>
                 </a:spcBef>
@@ -9776,9 +10049,6 @@
                 </a:spcAft>
                 <a:buNone/>
               </a:pPr>
-              <a:r>
-                <a:t/>
-              </a:r>
               <a:endParaRPr/>
             </a:p>
           </p:txBody>
@@ -9808,23 +10078,23 @@
               </a:gsLst>
               <a:lin ang="16200000" scaled="0"/>
             </a:gradFill>
-            <a:ln cap="flat" cmpd="sng" w="50800">
+            <a:ln w="50800" cap="flat" cmpd="sng">
               <a:solidFill>
                 <a:srgbClr val="191919"/>
               </a:solidFill>
               <a:prstDash val="solid"/>
               <a:miter lim="800000"/>
-              <a:headEnd len="sm" w="sm" type="none"/>
-              <a:tailEnd len="sm" w="sm" type="none"/>
+              <a:headEnd type="none" w="sm" len="sm"/>
+              <a:tailEnd type="none" w="sm" len="sm"/>
             </a:ln>
           </p:spPr>
           <p:txBody>
-            <a:bodyPr anchorCtr="0" anchor="ctr" bIns="68575" lIns="68575" spcFirstLastPara="1" rIns="68575" wrap="square" tIns="68575">
+            <a:bodyPr spcFirstLastPara="1" wrap="square" lIns="68575" tIns="68575" rIns="68575" bIns="68575" anchor="ctr" anchorCtr="0">
               <a:noAutofit/>
             </a:bodyPr>
             <a:lstStyle/>
             <a:p>
-              <a:pPr indent="0" lvl="0" marL="0" rtl="0" algn="l">
+              <a:pPr marL="0" lvl="0" indent="0" algn="l" rtl="0">
                 <a:spcBef>
                   <a:spcPts val="0"/>
                 </a:spcBef>
@@ -9833,9 +10103,6 @@
                 </a:spcAft>
                 <a:buNone/>
               </a:pPr>
-              <a:r>
-                <a:t/>
-              </a:r>
               <a:endParaRPr/>
             </a:p>
           </p:txBody>
@@ -9844,7 +10111,9 @@
       <p:sp>
         <p:nvSpPr>
           <p:cNvPr id="75" name="Google Shape;75;p10"/>
-          <p:cNvSpPr txBox="1"/>
+          <p:cNvSpPr txBox="1">
+            <a:spLocks noGrp="1"/>
+          </p:cNvSpPr>
           <p:nvPr>
             <p:ph type="title"/>
           </p:nvPr>
@@ -9863,7 +10132,7 @@
           </a:ln>
         </p:spPr>
         <p:txBody>
-          <a:bodyPr anchorCtr="0" anchor="b" bIns="34275" lIns="68575" spcFirstLastPara="1" rIns="68575" wrap="square" tIns="34275">
+          <a:bodyPr spcFirstLastPara="1" wrap="square" lIns="68575" tIns="34275" rIns="68575" bIns="34275" anchor="b" anchorCtr="0">
             <a:noAutofit/>
           </a:bodyPr>
           <a:lstStyle>
@@ -9974,15 +10243,19 @@
               <a:defRPr/>
             </a:lvl9pPr>
           </a:lstStyle>
-          <a:p/>
+          <a:p>
+            <a:endParaRPr/>
+          </a:p>
         </p:txBody>
       </p:sp>
       <p:sp>
         <p:nvSpPr>
           <p:cNvPr id="76" name="Google Shape;76;p10"/>
-          <p:cNvSpPr/>
+          <p:cNvSpPr>
+            <a:spLocks noGrp="1"/>
+          </p:cNvSpPr>
           <p:nvPr>
-            <p:ph idx="2" type="pic"/>
+            <p:ph type="pic" idx="2"/>
           </p:nvPr>
         </p:nvSpPr>
         <p:spPr>
@@ -10001,11 +10274,11 @@
           </a:ln>
         </p:spPr>
         <p:txBody>
-          <a:bodyPr anchorCtr="0" anchor="t" bIns="34275" lIns="68575" spcFirstLastPara="1" rIns="68575" wrap="square" tIns="34275">
+          <a:bodyPr spcFirstLastPara="1" wrap="square" lIns="68575" tIns="34275" rIns="68575" bIns="34275" anchor="t" anchorCtr="0">
             <a:noAutofit/>
           </a:bodyPr>
           <a:lstStyle>
-            <a:lvl1pPr lvl="0" marR="0" rtl="0" algn="ctr">
+            <a:lvl1pPr marR="0" lvl="0" algn="ctr" rtl="0">
               <a:lnSpc>
                 <a:spcPct val="120000"/>
               </a:lnSpc>
@@ -10021,7 +10294,7 @@
               <a:buSzPts val="2400"/>
               <a:buFont typeface="Arial"/>
               <a:buNone/>
-              <a:defRPr b="0" i="0" sz="2400" u="none" cap="none" strike="noStrike">
+              <a:defRPr sz="2400" b="0" i="0" u="none" strike="noStrike" cap="none">
                 <a:solidFill>
                   <a:schemeClr val="dk1"/>
                 </a:solidFill>
@@ -10031,7 +10304,7 @@
                 <a:sym typeface="Century Gothic"/>
               </a:defRPr>
             </a:lvl1pPr>
-            <a:lvl2pPr lvl="1" marR="0" rtl="0" algn="l">
+            <a:lvl2pPr marR="0" lvl="1" algn="l" rtl="0">
               <a:lnSpc>
                 <a:spcPct val="120000"/>
               </a:lnSpc>
@@ -10047,7 +10320,7 @@
               <a:buSzPts val="2100"/>
               <a:buFont typeface="Arial"/>
               <a:buNone/>
-              <a:defRPr b="0" i="0" sz="2100" u="none" cap="none" strike="noStrike">
+              <a:defRPr sz="2100" b="0" i="0" u="none" strike="noStrike" cap="none">
                 <a:solidFill>
                   <a:schemeClr val="dk1"/>
                 </a:solidFill>
@@ -10057,7 +10330,7 @@
                 <a:sym typeface="Century Gothic"/>
               </a:defRPr>
             </a:lvl2pPr>
-            <a:lvl3pPr lvl="2" marR="0" rtl="0" algn="l">
+            <a:lvl3pPr marR="0" lvl="2" algn="l" rtl="0">
               <a:lnSpc>
                 <a:spcPct val="120000"/>
               </a:lnSpc>
@@ -10073,7 +10346,7 @@
               <a:buSzPts val="1800"/>
               <a:buFont typeface="Arial"/>
               <a:buNone/>
-              <a:defRPr b="0" i="0" sz="1800" u="none" cap="none" strike="noStrike">
+              <a:defRPr sz="1800" b="0" i="0" u="none" strike="noStrike" cap="none">
                 <a:solidFill>
                   <a:schemeClr val="dk1"/>
                 </a:solidFill>
@@ -10083,7 +10356,7 @@
                 <a:sym typeface="Century Gothic"/>
               </a:defRPr>
             </a:lvl3pPr>
-            <a:lvl4pPr lvl="3" marR="0" rtl="0" algn="l">
+            <a:lvl4pPr marR="0" lvl="3" algn="l" rtl="0">
               <a:lnSpc>
                 <a:spcPct val="120000"/>
               </a:lnSpc>
@@ -10099,7 +10372,7 @@
               <a:buSzPts val="1500"/>
               <a:buFont typeface="Arial"/>
               <a:buNone/>
-              <a:defRPr b="0" i="0" sz="1500" u="none" cap="none" strike="noStrike">
+              <a:defRPr sz="1500" b="0" i="0" u="none" strike="noStrike" cap="none">
                 <a:solidFill>
                   <a:schemeClr val="dk1"/>
                 </a:solidFill>
@@ -10109,7 +10382,7 @@
                 <a:sym typeface="Century Gothic"/>
               </a:defRPr>
             </a:lvl4pPr>
-            <a:lvl5pPr lvl="4" marR="0" rtl="0" algn="l">
+            <a:lvl5pPr marR="0" lvl="4" algn="l" rtl="0">
               <a:lnSpc>
                 <a:spcPct val="120000"/>
               </a:lnSpc>
@@ -10125,7 +10398,7 @@
               <a:buSzPts val="1500"/>
               <a:buFont typeface="Arial"/>
               <a:buNone/>
-              <a:defRPr b="0" i="0" sz="1500" u="none" cap="none" strike="noStrike">
+              <a:defRPr sz="1500" b="0" i="0" u="none" strike="noStrike" cap="none">
                 <a:solidFill>
                   <a:schemeClr val="dk1"/>
                 </a:solidFill>
@@ -10135,7 +10408,7 @@
                 <a:sym typeface="Century Gothic"/>
               </a:defRPr>
             </a:lvl5pPr>
-            <a:lvl6pPr lvl="5" marR="0" rtl="0" algn="l">
+            <a:lvl6pPr marR="0" lvl="5" algn="l" rtl="0">
               <a:lnSpc>
                 <a:spcPct val="120000"/>
               </a:lnSpc>
@@ -10151,7 +10424,7 @@
               <a:buSzPts val="1500"/>
               <a:buFont typeface="Arial"/>
               <a:buNone/>
-              <a:defRPr b="0" i="0" sz="1500" u="none" cap="none" strike="noStrike">
+              <a:defRPr sz="1500" b="0" i="0" u="none" strike="noStrike" cap="none">
                 <a:solidFill>
                   <a:schemeClr val="dk1"/>
                 </a:solidFill>
@@ -10161,7 +10434,7 @@
                 <a:sym typeface="Century Gothic"/>
               </a:defRPr>
             </a:lvl6pPr>
-            <a:lvl7pPr lvl="6" marR="0" rtl="0" algn="l">
+            <a:lvl7pPr marR="0" lvl="6" algn="l" rtl="0">
               <a:lnSpc>
                 <a:spcPct val="120000"/>
               </a:lnSpc>
@@ -10177,7 +10450,7 @@
               <a:buSzPts val="1500"/>
               <a:buFont typeface="Arial"/>
               <a:buNone/>
-              <a:defRPr b="0" i="0" sz="1500" u="none" cap="none" strike="noStrike">
+              <a:defRPr sz="1500" b="0" i="0" u="none" strike="noStrike" cap="none">
                 <a:solidFill>
                   <a:schemeClr val="dk1"/>
                 </a:solidFill>
@@ -10187,7 +10460,7 @@
                 <a:sym typeface="Century Gothic"/>
               </a:defRPr>
             </a:lvl7pPr>
-            <a:lvl8pPr lvl="7" marR="0" rtl="0" algn="l">
+            <a:lvl8pPr marR="0" lvl="7" algn="l" rtl="0">
               <a:lnSpc>
                 <a:spcPct val="120000"/>
               </a:lnSpc>
@@ -10203,7 +10476,7 @@
               <a:buSzPts val="1500"/>
               <a:buFont typeface="Arial"/>
               <a:buNone/>
-              <a:defRPr b="0" i="0" sz="1500" u="none" cap="none" strike="noStrike">
+              <a:defRPr sz="1500" b="0" i="0" u="none" strike="noStrike" cap="none">
                 <a:solidFill>
                   <a:schemeClr val="dk1"/>
                 </a:solidFill>
@@ -10213,7 +10486,7 @@
                 <a:sym typeface="Century Gothic"/>
               </a:defRPr>
             </a:lvl8pPr>
-            <a:lvl9pPr lvl="8" marR="0" rtl="0" algn="l">
+            <a:lvl9pPr marR="0" lvl="8" algn="l" rtl="0">
               <a:lnSpc>
                 <a:spcPct val="120000"/>
               </a:lnSpc>
@@ -10229,7 +10502,7 @@
               <a:buSzPts val="1500"/>
               <a:buFont typeface="Arial"/>
               <a:buNone/>
-              <a:defRPr b="0" i="0" sz="1500" u="none" cap="none" strike="noStrike">
+              <a:defRPr sz="1500" b="0" i="0" u="none" strike="noStrike" cap="none">
                 <a:solidFill>
                   <a:schemeClr val="dk1"/>
                 </a:solidFill>
@@ -10240,15 +10513,19 @@
               </a:defRPr>
             </a:lvl9pPr>
           </a:lstStyle>
-          <a:p/>
+          <a:p>
+            <a:endParaRPr/>
+          </a:p>
         </p:txBody>
       </p:sp>
       <p:sp>
         <p:nvSpPr>
           <p:cNvPr id="77" name="Google Shape;77;p10"/>
-          <p:cNvSpPr txBox="1"/>
+          <p:cNvSpPr txBox="1">
+            <a:spLocks noGrp="1"/>
+          </p:cNvSpPr>
           <p:nvPr>
-            <p:ph idx="1" type="body"/>
+            <p:ph type="body" idx="1"/>
           </p:nvPr>
         </p:nvSpPr>
         <p:spPr>
@@ -10265,11 +10542,11 @@
           </a:ln>
         </p:spPr>
         <p:txBody>
-          <a:bodyPr anchorCtr="0" anchor="t" bIns="34275" lIns="68575" spcFirstLastPara="1" rIns="68575" wrap="square" tIns="34275">
+          <a:bodyPr spcFirstLastPara="1" wrap="square" lIns="68575" tIns="34275" rIns="68575" bIns="34275" anchor="t" anchorCtr="0">
             <a:noAutofit/>
           </a:bodyPr>
           <a:lstStyle>
-            <a:lvl1pPr indent="-228600" lvl="0" marL="457200" algn="l">
+            <a:lvl1pPr marL="457200" lvl="0" indent="-228600" algn="l">
               <a:lnSpc>
                 <a:spcPct val="120000"/>
               </a:lnSpc>
@@ -10283,7 +10560,7 @@
               <a:buNone/>
               <a:defRPr sz="1400"/>
             </a:lvl1pPr>
-            <a:lvl2pPr indent="-228600" lvl="1" marL="914400" algn="l">
+            <a:lvl2pPr marL="914400" lvl="1" indent="-228600" algn="l">
               <a:lnSpc>
                 <a:spcPct val="120000"/>
               </a:lnSpc>
@@ -10297,7 +10574,7 @@
               <a:buNone/>
               <a:defRPr sz="1100"/>
             </a:lvl2pPr>
-            <a:lvl3pPr indent="-228600" lvl="2" marL="1371600" algn="l">
+            <a:lvl3pPr marL="1371600" lvl="2" indent="-228600" algn="l">
               <a:lnSpc>
                 <a:spcPct val="120000"/>
               </a:lnSpc>
@@ -10311,7 +10588,7 @@
               <a:buNone/>
               <a:defRPr sz="900"/>
             </a:lvl3pPr>
-            <a:lvl4pPr indent="-228600" lvl="3" marL="1828800" algn="l">
+            <a:lvl4pPr marL="1828800" lvl="3" indent="-228600" algn="l">
               <a:lnSpc>
                 <a:spcPct val="120000"/>
               </a:lnSpc>
@@ -10325,7 +10602,7 @@
               <a:buNone/>
               <a:defRPr sz="800"/>
             </a:lvl4pPr>
-            <a:lvl5pPr indent="-228600" lvl="4" marL="2286000" algn="l">
+            <a:lvl5pPr marL="2286000" lvl="4" indent="-228600" algn="l">
               <a:lnSpc>
                 <a:spcPct val="120000"/>
               </a:lnSpc>
@@ -10339,7 +10616,7 @@
               <a:buNone/>
               <a:defRPr sz="800"/>
             </a:lvl5pPr>
-            <a:lvl6pPr indent="-228600" lvl="5" marL="2743200" algn="l">
+            <a:lvl6pPr marL="2743200" lvl="5" indent="-228600" algn="l">
               <a:lnSpc>
                 <a:spcPct val="120000"/>
               </a:lnSpc>
@@ -10353,7 +10630,7 @@
               <a:buNone/>
               <a:defRPr sz="800"/>
             </a:lvl6pPr>
-            <a:lvl7pPr indent="-228600" lvl="6" marL="3200400" algn="l">
+            <a:lvl7pPr marL="3200400" lvl="6" indent="-228600" algn="l">
               <a:lnSpc>
                 <a:spcPct val="120000"/>
               </a:lnSpc>
@@ -10367,7 +10644,7 @@
               <a:buNone/>
               <a:defRPr sz="800"/>
             </a:lvl7pPr>
-            <a:lvl8pPr indent="-228600" lvl="7" marL="3657600" algn="l">
+            <a:lvl8pPr marL="3657600" lvl="7" indent="-228600" algn="l">
               <a:lnSpc>
                 <a:spcPct val="120000"/>
               </a:lnSpc>
@@ -10381,7 +10658,7 @@
               <a:buNone/>
               <a:defRPr sz="800"/>
             </a:lvl8pPr>
-            <a:lvl9pPr indent="-228600" lvl="8" marL="4114800" algn="l">
+            <a:lvl9pPr marL="4114800" lvl="8" indent="-228600" algn="l">
               <a:lnSpc>
                 <a:spcPct val="120000"/>
               </a:lnSpc>
@@ -10396,15 +10673,19 @@
               <a:defRPr sz="800"/>
             </a:lvl9pPr>
           </a:lstStyle>
-          <a:p/>
+          <a:p>
+            <a:endParaRPr/>
+          </a:p>
         </p:txBody>
       </p:sp>
       <p:sp>
         <p:nvSpPr>
           <p:cNvPr id="78" name="Google Shape;78;p10"/>
-          <p:cNvSpPr txBox="1"/>
+          <p:cNvSpPr txBox="1">
+            <a:spLocks noGrp="1"/>
+          </p:cNvSpPr>
           <p:nvPr>
-            <p:ph idx="10" type="dt"/>
+            <p:ph type="dt" idx="10"/>
           </p:nvPr>
         </p:nvSpPr>
         <p:spPr>
@@ -10421,7 +10702,7 @@
           </a:ln>
         </p:spPr>
         <p:txBody>
-          <a:bodyPr anchorCtr="0" anchor="ctr" bIns="34275" lIns="68575" spcFirstLastPara="1" rIns="68575" wrap="square" tIns="34275">
+          <a:bodyPr spcFirstLastPara="1" wrap="square" lIns="68575" tIns="34275" rIns="68575" bIns="34275" anchor="ctr" anchorCtr="0">
             <a:noAutofit/>
           </a:bodyPr>
           <a:lstStyle>
@@ -10525,15 +10806,19 @@
               <a:defRPr/>
             </a:lvl9pPr>
           </a:lstStyle>
-          <a:p/>
+          <a:p>
+            <a:endParaRPr/>
+          </a:p>
         </p:txBody>
       </p:sp>
       <p:sp>
         <p:nvSpPr>
           <p:cNvPr id="79" name="Google Shape;79;p10"/>
-          <p:cNvSpPr txBox="1"/>
+          <p:cNvSpPr txBox="1">
+            <a:spLocks noGrp="1"/>
+          </p:cNvSpPr>
           <p:nvPr>
-            <p:ph idx="11" type="ftr"/>
+            <p:ph type="ftr" idx="11"/>
           </p:nvPr>
         </p:nvSpPr>
         <p:spPr>
@@ -10550,7 +10835,7 @@
           </a:ln>
         </p:spPr>
         <p:txBody>
-          <a:bodyPr anchorCtr="0" anchor="ctr" bIns="34275" lIns="68575" spcFirstLastPara="1" rIns="68575" wrap="square" tIns="34275">
+          <a:bodyPr spcFirstLastPara="1" wrap="square" lIns="68575" tIns="34275" rIns="68575" bIns="34275" anchor="ctr" anchorCtr="0">
             <a:noAutofit/>
           </a:bodyPr>
           <a:lstStyle>
@@ -10654,15 +10939,19 @@
               <a:defRPr/>
             </a:lvl9pPr>
           </a:lstStyle>
-          <a:p/>
+          <a:p>
+            <a:endParaRPr/>
+          </a:p>
         </p:txBody>
       </p:sp>
       <p:sp>
         <p:nvSpPr>
           <p:cNvPr id="80" name="Google Shape;80;p10"/>
-          <p:cNvSpPr txBox="1"/>
+          <p:cNvSpPr txBox="1">
+            <a:spLocks noGrp="1"/>
+          </p:cNvSpPr>
           <p:nvPr>
-            <p:ph idx="12" type="sldNum"/>
+            <p:ph type="sldNum" idx="12"/>
           </p:nvPr>
         </p:nvSpPr>
         <p:spPr>
@@ -10679,67 +10968,67 @@
           </a:ln>
         </p:spPr>
         <p:txBody>
-          <a:bodyPr anchorCtr="0" anchor="t" bIns="34275" lIns="68575" spcFirstLastPara="1" rIns="68575" wrap="square" tIns="34275">
+          <a:bodyPr spcFirstLastPara="1" wrap="square" lIns="68575" tIns="34275" rIns="68575" bIns="34275" anchor="t" anchorCtr="0">
             <a:noAutofit/>
           </a:bodyPr>
           <a:lstStyle>
-            <a:lvl1pPr indent="0" lvl="0" marL="0" algn="r">
+            <a:lvl1pPr marL="0" lvl="0" indent="0" algn="r">
               <a:spcBef>
                 <a:spcPts val="0"/>
               </a:spcBef>
               <a:buNone/>
               <a:defRPr/>
             </a:lvl1pPr>
-            <a:lvl2pPr indent="0" lvl="1" marL="0" algn="r">
+            <a:lvl2pPr marL="0" lvl="1" indent="0" algn="r">
               <a:spcBef>
                 <a:spcPts val="0"/>
               </a:spcBef>
               <a:buNone/>
               <a:defRPr/>
             </a:lvl2pPr>
-            <a:lvl3pPr indent="0" lvl="2" marL="0" algn="r">
+            <a:lvl3pPr marL="0" lvl="2" indent="0" algn="r">
               <a:spcBef>
                 <a:spcPts val="0"/>
               </a:spcBef>
               <a:buNone/>
               <a:defRPr/>
             </a:lvl3pPr>
-            <a:lvl4pPr indent="0" lvl="3" marL="0" algn="r">
+            <a:lvl4pPr marL="0" lvl="3" indent="0" algn="r">
               <a:spcBef>
                 <a:spcPts val="0"/>
               </a:spcBef>
               <a:buNone/>
               <a:defRPr/>
             </a:lvl4pPr>
-            <a:lvl5pPr indent="0" lvl="4" marL="0" algn="r">
+            <a:lvl5pPr marL="0" lvl="4" indent="0" algn="r">
               <a:spcBef>
                 <a:spcPts val="0"/>
               </a:spcBef>
               <a:buNone/>
               <a:defRPr/>
             </a:lvl5pPr>
-            <a:lvl6pPr indent="0" lvl="5" marL="0" algn="r">
+            <a:lvl6pPr marL="0" lvl="5" indent="0" algn="r">
               <a:spcBef>
                 <a:spcPts val="0"/>
               </a:spcBef>
               <a:buNone/>
               <a:defRPr/>
             </a:lvl6pPr>
-            <a:lvl7pPr indent="0" lvl="6" marL="0" algn="r">
+            <a:lvl7pPr marL="0" lvl="6" indent="0" algn="r">
               <a:spcBef>
                 <a:spcPts val="0"/>
               </a:spcBef>
               <a:buNone/>
               <a:defRPr/>
             </a:lvl7pPr>
-            <a:lvl8pPr indent="0" lvl="7" marL="0" algn="r">
+            <a:lvl8pPr marL="0" lvl="7" indent="0" algn="r">
               <a:spcBef>
                 <a:spcPts val="0"/>
               </a:spcBef>
               <a:buNone/>
               <a:defRPr/>
             </a:lvl8pPr>
-            <a:lvl9pPr indent="0" lvl="8" marL="0" algn="r">
+            <a:lvl9pPr marL="0" lvl="8" indent="0" algn="r">
               <a:spcBef>
                 <a:spcPts val="0"/>
               </a:spcBef>
@@ -10748,7 +11037,7 @@
             </a:lvl9pPr>
           </a:lstStyle>
           <a:p>
-            <a:pPr indent="0" lvl="0" marL="0" rtl="0" algn="r">
+            <a:pPr marL="0" lvl="0" indent="0" algn="r" rtl="0">
               <a:spcBef>
                 <a:spcPts val="0"/>
               </a:spcBef>
@@ -10767,7 +11056,7 @@
       </p:sp>
       <p:pic>
         <p:nvPicPr>
-          <p:cNvPr descr="RedHashing.emf" id="81" name="Google Shape;81;p10"/>
+          <p:cNvPr id="81" name="Google Shape;81;p10" descr="RedHashing.emf"/>
           <p:cNvPicPr preferRelativeResize="0"/>
           <p:nvPr/>
         </p:nvPicPr>
@@ -10775,7 +11064,7 @@
           <a:blip r:embed="rId2">
             <a:alphaModFix/>
           </a:blip>
-          <a:srcRect b="36564" l="-115" r="48548" t="474"/>
+          <a:srcRect l="-115" t="474" r="48548" b="36564"/>
           <a:stretch/>
         </p:blipFill>
         <p:spPr>
@@ -10801,7 +11090,7 @@
 </file>
 
 <file path=ppt/slideMasters/slideMaster1.xml><?xml version="1.0" encoding="utf-8"?>
-<p:sldMaster xmlns:a="http://schemas.openxmlformats.org/drawingml/2006/main" xmlns:r="http://schemas.openxmlformats.org/officeDocument/2006/relationships" xmlns:mc="http://schemas.openxmlformats.org/markup-compatibility/2006" xmlns:mv="urn:schemas-microsoft-com:mac:vml" xmlns:p="http://schemas.openxmlformats.org/presentationml/2006/main" xmlns:c="http://schemas.openxmlformats.org/drawingml/2006/chart" xmlns:dgm="http://schemas.openxmlformats.org/drawingml/2006/diagram" xmlns:o="urn:schemas-microsoft-com:office:office" xmlns:v="urn:schemas-microsoft-com:vml" xmlns:pvml="urn:schemas-microsoft-com:office:powerpoint" xmlns:com="http://schemas.openxmlformats.org/drawingml/2006/compatibility" xmlns:p14="http://schemas.microsoft.com/office/powerpoint/2010/main" xmlns:p15="http://schemas.microsoft.com/office/powerpoint/2012/main">
+<p:sldMaster xmlns:a="http://schemas.openxmlformats.org/drawingml/2006/main" xmlns:r="http://schemas.openxmlformats.org/officeDocument/2006/relationships" xmlns:p="http://schemas.openxmlformats.org/presentationml/2006/main">
   <p:cSld>
     <p:bg>
       <p:bgPr>
@@ -10815,15 +11104,16 @@
             </a:gs>
           </a:gsLst>
           <a:path path="circle">
-            <a:fillToRect b="50%" l="50%" r="50%" t="50%"/>
+            <a:fillToRect l="50000" t="50000" r="50000" b="50000"/>
           </a:path>
           <a:tileRect/>
         </a:gradFill>
+        <a:effectLst/>
       </p:bgPr>
     </p:bg>
     <p:spTree>
       <p:nvGrpSpPr>
-        <p:cNvPr id="5" name="Shape 5"/>
+        <p:cNvPr id="1" name="Shape 5"/>
         <p:cNvGrpSpPr/>
         <p:nvPr/>
       </p:nvGrpSpPr>
@@ -10842,10 +11132,10 @@
           <p:nvPr/>
         </p:nvPicPr>
         <p:blipFill rotWithShape="1">
-          <a:blip r:embed="rId1">
+          <a:blip r:embed="rId14">
             <a:alphaModFix/>
           </a:blip>
-          <a:srcRect b="-1538" l="0" r="0" t="1538"/>
+          <a:srcRect t="1538" b="-1538"/>
           <a:stretch/>
         </p:blipFill>
         <p:spPr>
@@ -10894,12 +11184,12 @@
           </a:ln>
         </p:spPr>
         <p:txBody>
-          <a:bodyPr anchorCtr="0" anchor="ctr" bIns="68575" lIns="68575" spcFirstLastPara="1" rIns="68575" wrap="square" tIns="68575">
+          <a:bodyPr spcFirstLastPara="1" wrap="square" lIns="68575" tIns="68575" rIns="68575" bIns="68575" anchor="ctr" anchorCtr="0">
             <a:noAutofit/>
           </a:bodyPr>
           <a:lstStyle/>
           <a:p>
-            <a:pPr indent="0" lvl="0" marL="0" rtl="0" algn="l">
+            <a:pPr marL="0" lvl="0" indent="0" algn="l" rtl="0">
               <a:spcBef>
                 <a:spcPts val="0"/>
               </a:spcBef>
@@ -10908,9 +11198,6 @@
               </a:spcAft>
               <a:buNone/>
             </a:pPr>
-            <a:r>
-              <a:t/>
-            </a:r>
             <a:endParaRPr/>
           </a:p>
         </p:txBody>
@@ -10930,7 +11217,7 @@
             <a:avLst/>
           </a:prstGeom>
           <a:noFill/>
-          <a:ln cap="flat" cmpd="sng" w="12700">
+          <a:ln w="12700" cap="flat" cmpd="sng">
             <a:solidFill>
               <a:srgbClr val="000001">
                 <a:alpha val="20000"/>
@@ -10938,15 +11225,17 @@
             </a:solidFill>
             <a:prstDash val="solid"/>
             <a:round/>
-            <a:headEnd len="sm" w="sm" type="none"/>
-            <a:tailEnd len="sm" w="sm" type="none"/>
+            <a:headEnd type="none" w="sm" len="sm"/>
+            <a:tailEnd type="none" w="sm" len="sm"/>
           </a:ln>
         </p:spPr>
       </p:cxnSp>
       <p:sp>
         <p:nvSpPr>
           <p:cNvPr id="9" name="Google Shape;9;p1"/>
-          <p:cNvSpPr txBox="1"/>
+          <p:cNvSpPr txBox="1">
+            <a:spLocks noGrp="1"/>
+          </p:cNvSpPr>
           <p:nvPr>
             <p:ph type="title"/>
           </p:nvPr>
@@ -10965,11 +11254,11 @@
           </a:ln>
         </p:spPr>
         <p:txBody>
-          <a:bodyPr anchorCtr="0" anchor="t" bIns="34275" lIns="68575" spcFirstLastPara="1" rIns="68575" wrap="square" tIns="34275">
+          <a:bodyPr spcFirstLastPara="1" wrap="square" lIns="68575" tIns="34275" rIns="68575" bIns="34275" anchor="t" anchorCtr="0">
             <a:noAutofit/>
           </a:bodyPr>
           <a:lstStyle>
-            <a:lvl1pPr lvl="0" marR="0" rtl="0" algn="l">
+            <a:lvl1pPr marR="0" lvl="0" algn="l" rtl="0">
               <a:lnSpc>
                 <a:spcPct val="90000"/>
               </a:lnSpc>
@@ -10985,7 +11274,7 @@
               <a:buSzPts val="2400"/>
               <a:buFont typeface="Century Gothic"/>
               <a:buNone/>
-              <a:defRPr b="0" i="0" sz="2400" u="none" cap="none" strike="noStrike">
+              <a:defRPr sz="2400" b="0" i="0" u="none" strike="noStrike" cap="none">
                 <a:solidFill>
                   <a:schemeClr val="dk1"/>
                 </a:solidFill>
@@ -11084,15 +11373,19 @@
               <a:defRPr sz="1400"/>
             </a:lvl9pPr>
           </a:lstStyle>
-          <a:p/>
+          <a:p>
+            <a:endParaRPr/>
+          </a:p>
         </p:txBody>
       </p:sp>
       <p:sp>
         <p:nvSpPr>
           <p:cNvPr id="10" name="Google Shape;10;p1"/>
-          <p:cNvSpPr txBox="1"/>
+          <p:cNvSpPr txBox="1">
+            <a:spLocks noGrp="1"/>
+          </p:cNvSpPr>
           <p:nvPr>
-            <p:ph idx="1" type="body"/>
+            <p:ph type="body" idx="1"/>
           </p:nvPr>
         </p:nvSpPr>
         <p:spPr>
@@ -11109,11 +11402,11 @@
           </a:ln>
         </p:spPr>
         <p:txBody>
-          <a:bodyPr anchorCtr="0" anchor="t" bIns="34275" lIns="68575" spcFirstLastPara="1" rIns="68575" wrap="square" tIns="34275">
+          <a:bodyPr spcFirstLastPara="1" wrap="square" lIns="68575" tIns="34275" rIns="68575" bIns="34275" anchor="t" anchorCtr="0">
             <a:noAutofit/>
           </a:bodyPr>
           <a:lstStyle>
-            <a:lvl1pPr indent="-323850" lvl="0" marL="457200" marR="0" rtl="0" algn="l">
+            <a:lvl1pPr marL="457200" marR="0" lvl="0" indent="-323850" algn="l" rtl="0">
               <a:lnSpc>
                 <a:spcPct val="120000"/>
               </a:lnSpc>
@@ -11129,7 +11422,7 @@
               <a:buSzPts val="1500"/>
               <a:buFont typeface="Arial"/>
               <a:buChar char="•"/>
-              <a:defRPr b="0" i="0" sz="1500" u="none" cap="none" strike="noStrike">
+              <a:defRPr sz="1500" b="0" i="0" u="none" strike="noStrike" cap="none">
                 <a:solidFill>
                   <a:schemeClr val="dk1"/>
                 </a:solidFill>
@@ -11139,7 +11432,7 @@
                 <a:sym typeface="Century Gothic"/>
               </a:defRPr>
             </a:lvl1pPr>
-            <a:lvl2pPr indent="-317500" lvl="1" marL="914400" marR="0" rtl="0" algn="l">
+            <a:lvl2pPr marL="914400" marR="0" lvl="1" indent="-317500" algn="l" rtl="0">
               <a:lnSpc>
                 <a:spcPct val="120000"/>
               </a:lnSpc>
@@ -11155,7 +11448,7 @@
               <a:buSzPts val="1400"/>
               <a:buFont typeface="Arial"/>
               <a:buChar char="•"/>
-              <a:defRPr b="0" i="0" sz="1400" u="none" cap="none" strike="noStrike">
+              <a:defRPr sz="1400" b="0" i="0" u="none" strike="noStrike" cap="none">
                 <a:solidFill>
                   <a:schemeClr val="dk1"/>
                 </a:solidFill>
@@ -11165,7 +11458,7 @@
                 <a:sym typeface="Century Gothic"/>
               </a:defRPr>
             </a:lvl2pPr>
-            <a:lvl3pPr indent="-304800" lvl="2" marL="1371600" marR="0" rtl="0" algn="l">
+            <a:lvl3pPr marL="1371600" marR="0" lvl="2" indent="-304800" algn="l" rtl="0">
               <a:lnSpc>
                 <a:spcPct val="120000"/>
               </a:lnSpc>
@@ -11181,7 +11474,7 @@
               <a:buSzPts val="1200"/>
               <a:buFont typeface="Arial"/>
               <a:buChar char="•"/>
-              <a:defRPr b="0" i="0" sz="1200" u="none" cap="none" strike="noStrike">
+              <a:defRPr sz="1200" b="0" i="0" u="none" strike="noStrike" cap="none">
                 <a:solidFill>
                   <a:schemeClr val="dk1"/>
                 </a:solidFill>
@@ -11191,7 +11484,7 @@
                 <a:sym typeface="Century Gothic"/>
               </a:defRPr>
             </a:lvl3pPr>
-            <a:lvl4pPr indent="-298450" lvl="3" marL="1828800" marR="0" rtl="0" algn="l">
+            <a:lvl4pPr marL="1828800" marR="0" lvl="3" indent="-298450" algn="l" rtl="0">
               <a:lnSpc>
                 <a:spcPct val="120000"/>
               </a:lnSpc>
@@ -11207,7 +11500,7 @@
               <a:buSzPts val="1100"/>
               <a:buFont typeface="Arial"/>
               <a:buChar char="•"/>
-              <a:defRPr b="0" i="0" sz="1100" u="none" cap="none" strike="noStrike">
+              <a:defRPr sz="1100" b="0" i="0" u="none" strike="noStrike" cap="none">
                 <a:solidFill>
                   <a:schemeClr val="dk1"/>
                 </a:solidFill>
@@ -11217,7 +11510,7 @@
                 <a:sym typeface="Century Gothic"/>
               </a:defRPr>
             </a:lvl4pPr>
-            <a:lvl5pPr indent="-285750" lvl="4" marL="2286000" marR="0" rtl="0" algn="l">
+            <a:lvl5pPr marL="2286000" marR="0" lvl="4" indent="-285750" algn="l" rtl="0">
               <a:lnSpc>
                 <a:spcPct val="120000"/>
               </a:lnSpc>
@@ -11233,7 +11526,7 @@
               <a:buSzPts val="900"/>
               <a:buFont typeface="Arial"/>
               <a:buChar char="•"/>
-              <a:defRPr b="0" i="0" sz="900" u="none" cap="none" strike="noStrike">
+              <a:defRPr sz="900" b="0" i="0" u="none" strike="noStrike" cap="none">
                 <a:solidFill>
                   <a:schemeClr val="dk1"/>
                 </a:solidFill>
@@ -11243,7 +11536,7 @@
                 <a:sym typeface="Century Gothic"/>
               </a:defRPr>
             </a:lvl5pPr>
-            <a:lvl6pPr indent="-285750" lvl="5" marL="2743200" marR="0" rtl="0" algn="l">
+            <a:lvl6pPr marL="2743200" marR="0" lvl="5" indent="-285750" algn="l" rtl="0">
               <a:lnSpc>
                 <a:spcPct val="120000"/>
               </a:lnSpc>
@@ -11259,7 +11552,7 @@
               <a:buSzPts val="900"/>
               <a:buFont typeface="Arial"/>
               <a:buChar char="•"/>
-              <a:defRPr b="0" i="0" sz="900" u="none" cap="none" strike="noStrike">
+              <a:defRPr sz="900" b="0" i="0" u="none" strike="noStrike" cap="none">
                 <a:solidFill>
                   <a:schemeClr val="dk1"/>
                 </a:solidFill>
@@ -11269,7 +11562,7 @@
                 <a:sym typeface="Century Gothic"/>
               </a:defRPr>
             </a:lvl6pPr>
-            <a:lvl7pPr indent="-285750" lvl="6" marL="3200400" marR="0" rtl="0" algn="l">
+            <a:lvl7pPr marL="3200400" marR="0" lvl="6" indent="-285750" algn="l" rtl="0">
               <a:lnSpc>
                 <a:spcPct val="120000"/>
               </a:lnSpc>
@@ -11285,7 +11578,7 @@
               <a:buSzPts val="900"/>
               <a:buFont typeface="Arial"/>
               <a:buChar char="•"/>
-              <a:defRPr b="0" i="0" sz="900" u="none" cap="none" strike="noStrike">
+              <a:defRPr sz="900" b="0" i="0" u="none" strike="noStrike" cap="none">
                 <a:solidFill>
                   <a:schemeClr val="dk1"/>
                 </a:solidFill>
@@ -11295,7 +11588,7 @@
                 <a:sym typeface="Century Gothic"/>
               </a:defRPr>
             </a:lvl7pPr>
-            <a:lvl8pPr indent="-285750" lvl="7" marL="3657600" marR="0" rtl="0" algn="l">
+            <a:lvl8pPr marL="3657600" marR="0" lvl="7" indent="-285750" algn="l" rtl="0">
               <a:lnSpc>
                 <a:spcPct val="120000"/>
               </a:lnSpc>
@@ -11311,7 +11604,7 @@
               <a:buSzPts val="900"/>
               <a:buFont typeface="Arial"/>
               <a:buChar char="•"/>
-              <a:defRPr b="0" i="0" sz="900" u="none" cap="none" strike="noStrike">
+              <a:defRPr sz="900" b="0" i="0" u="none" strike="noStrike" cap="none">
                 <a:solidFill>
                   <a:schemeClr val="dk1"/>
                 </a:solidFill>
@@ -11321,7 +11614,7 @@
                 <a:sym typeface="Century Gothic"/>
               </a:defRPr>
             </a:lvl8pPr>
-            <a:lvl9pPr indent="-285750" lvl="8" marL="4114800" marR="0" rtl="0" algn="l">
+            <a:lvl9pPr marL="4114800" marR="0" lvl="8" indent="-285750" algn="l" rtl="0">
               <a:lnSpc>
                 <a:spcPct val="120000"/>
               </a:lnSpc>
@@ -11337,7 +11630,7 @@
               <a:buSzPts val="900"/>
               <a:buFont typeface="Arial"/>
               <a:buChar char="•"/>
-              <a:defRPr b="0" i="0" sz="900" u="none" cap="none" strike="noStrike">
+              <a:defRPr sz="900" b="0" i="0" u="none" strike="noStrike" cap="none">
                 <a:solidFill>
                   <a:schemeClr val="dk1"/>
                 </a:solidFill>
@@ -11348,15 +11641,19 @@
               </a:defRPr>
             </a:lvl9pPr>
           </a:lstStyle>
-          <a:p/>
+          <a:p>
+            <a:endParaRPr/>
+          </a:p>
         </p:txBody>
       </p:sp>
       <p:sp>
         <p:nvSpPr>
           <p:cNvPr id="11" name="Google Shape;11;p1"/>
-          <p:cNvSpPr txBox="1"/>
+          <p:cNvSpPr txBox="1">
+            <a:spLocks noGrp="1"/>
+          </p:cNvSpPr>
           <p:nvPr>
-            <p:ph idx="10" type="dt"/>
+            <p:ph type="dt" idx="10"/>
           </p:nvPr>
         </p:nvSpPr>
         <p:spPr>
@@ -11373,20 +11670,20 @@
           </a:ln>
         </p:spPr>
         <p:txBody>
-          <a:bodyPr anchorCtr="0" anchor="ctr" bIns="34275" lIns="68575" spcFirstLastPara="1" rIns="68575" wrap="square" tIns="34275">
+          <a:bodyPr spcFirstLastPara="1" wrap="square" lIns="68575" tIns="34275" rIns="68575" bIns="34275" anchor="ctr" anchorCtr="0">
             <a:noAutofit/>
           </a:bodyPr>
           <a:lstStyle>
-            <a:lvl1pPr lvl="0" marR="0" rtl="0" algn="r">
-              <a:spcBef>
-                <a:spcPts val="0"/>
-              </a:spcBef>
-              <a:spcAft>
-                <a:spcPts val="0"/>
-              </a:spcAft>
-              <a:buSzPts val="1100"/>
-              <a:buNone/>
-              <a:defRPr b="0" i="0" sz="800" u="none" cap="none" strike="noStrike">
+            <a:lvl1pPr marR="0" lvl="0" algn="r" rtl="0">
+              <a:spcBef>
+                <a:spcPts val="0"/>
+              </a:spcBef>
+              <a:spcAft>
+                <a:spcPts val="0"/>
+              </a:spcAft>
+              <a:buSzPts val="1100"/>
+              <a:buNone/>
+              <a:defRPr sz="800" b="0" i="0" u="none" strike="noStrike" cap="none">
                 <a:solidFill>
                   <a:srgbClr val="888888"/>
                 </a:solidFill>
@@ -11396,16 +11693,16 @@
                 <a:sym typeface="Century Gothic"/>
               </a:defRPr>
             </a:lvl1pPr>
-            <a:lvl2pPr lvl="1" marR="0" rtl="0" algn="l">
-              <a:spcBef>
-                <a:spcPts val="0"/>
-              </a:spcBef>
-              <a:spcAft>
-                <a:spcPts val="0"/>
-              </a:spcAft>
-              <a:buSzPts val="1100"/>
-              <a:buNone/>
-              <a:defRPr b="0" i="0" sz="1400" u="none" cap="none" strike="noStrike">
+            <a:lvl2pPr marR="0" lvl="1" algn="l" rtl="0">
+              <a:spcBef>
+                <a:spcPts val="0"/>
+              </a:spcBef>
+              <a:spcAft>
+                <a:spcPts val="0"/>
+              </a:spcAft>
+              <a:buSzPts val="1100"/>
+              <a:buNone/>
+              <a:defRPr sz="1400" b="0" i="0" u="none" strike="noStrike" cap="none">
                 <a:solidFill>
                   <a:schemeClr val="dk1"/>
                 </a:solidFill>
@@ -11415,16 +11712,16 @@
                 <a:sym typeface="Century Gothic"/>
               </a:defRPr>
             </a:lvl2pPr>
-            <a:lvl3pPr lvl="2" marR="0" rtl="0" algn="l">
-              <a:spcBef>
-                <a:spcPts val="0"/>
-              </a:spcBef>
-              <a:spcAft>
-                <a:spcPts val="0"/>
-              </a:spcAft>
-              <a:buSzPts val="1100"/>
-              <a:buNone/>
-              <a:defRPr b="0" i="0" sz="1400" u="none" cap="none" strike="noStrike">
+            <a:lvl3pPr marR="0" lvl="2" algn="l" rtl="0">
+              <a:spcBef>
+                <a:spcPts val="0"/>
+              </a:spcBef>
+              <a:spcAft>
+                <a:spcPts val="0"/>
+              </a:spcAft>
+              <a:buSzPts val="1100"/>
+              <a:buNone/>
+              <a:defRPr sz="1400" b="0" i="0" u="none" strike="noStrike" cap="none">
                 <a:solidFill>
                   <a:schemeClr val="dk1"/>
                 </a:solidFill>
@@ -11434,16 +11731,16 @@
                 <a:sym typeface="Century Gothic"/>
               </a:defRPr>
             </a:lvl3pPr>
-            <a:lvl4pPr lvl="3" marR="0" rtl="0" algn="l">
-              <a:spcBef>
-                <a:spcPts val="0"/>
-              </a:spcBef>
-              <a:spcAft>
-                <a:spcPts val="0"/>
-              </a:spcAft>
-              <a:buSzPts val="1100"/>
-              <a:buNone/>
-              <a:defRPr b="0" i="0" sz="1400" u="none" cap="none" strike="noStrike">
+            <a:lvl4pPr marR="0" lvl="3" algn="l" rtl="0">
+              <a:spcBef>
+                <a:spcPts val="0"/>
+              </a:spcBef>
+              <a:spcAft>
+                <a:spcPts val="0"/>
+              </a:spcAft>
+              <a:buSzPts val="1100"/>
+              <a:buNone/>
+              <a:defRPr sz="1400" b="0" i="0" u="none" strike="noStrike" cap="none">
                 <a:solidFill>
                   <a:schemeClr val="dk1"/>
                 </a:solidFill>
@@ -11453,16 +11750,16 @@
                 <a:sym typeface="Century Gothic"/>
               </a:defRPr>
             </a:lvl4pPr>
-            <a:lvl5pPr lvl="4" marR="0" rtl="0" algn="l">
-              <a:spcBef>
-                <a:spcPts val="0"/>
-              </a:spcBef>
-              <a:spcAft>
-                <a:spcPts val="0"/>
-              </a:spcAft>
-              <a:buSzPts val="1100"/>
-              <a:buNone/>
-              <a:defRPr b="0" i="0" sz="1400" u="none" cap="none" strike="noStrike">
+            <a:lvl5pPr marR="0" lvl="4" algn="l" rtl="0">
+              <a:spcBef>
+                <a:spcPts val="0"/>
+              </a:spcBef>
+              <a:spcAft>
+                <a:spcPts val="0"/>
+              </a:spcAft>
+              <a:buSzPts val="1100"/>
+              <a:buNone/>
+              <a:defRPr sz="1400" b="0" i="0" u="none" strike="noStrike" cap="none">
                 <a:solidFill>
                   <a:schemeClr val="dk1"/>
                 </a:solidFill>
@@ -11472,16 +11769,16 @@
                 <a:sym typeface="Century Gothic"/>
               </a:defRPr>
             </a:lvl5pPr>
-            <a:lvl6pPr lvl="5" marR="0" rtl="0" algn="l">
-              <a:spcBef>
-                <a:spcPts val="0"/>
-              </a:spcBef>
-              <a:spcAft>
-                <a:spcPts val="0"/>
-              </a:spcAft>
-              <a:buSzPts val="1100"/>
-              <a:buNone/>
-              <a:defRPr b="0" i="0" sz="1400" u="none" cap="none" strike="noStrike">
+            <a:lvl6pPr marR="0" lvl="5" algn="l" rtl="0">
+              <a:spcBef>
+                <a:spcPts val="0"/>
+              </a:spcBef>
+              <a:spcAft>
+                <a:spcPts val="0"/>
+              </a:spcAft>
+              <a:buSzPts val="1100"/>
+              <a:buNone/>
+              <a:defRPr sz="1400" b="0" i="0" u="none" strike="noStrike" cap="none">
                 <a:solidFill>
                   <a:schemeClr val="dk1"/>
                 </a:solidFill>
@@ -11491,16 +11788,16 @@
                 <a:sym typeface="Century Gothic"/>
               </a:defRPr>
             </a:lvl6pPr>
-            <a:lvl7pPr lvl="6" marR="0" rtl="0" algn="l">
-              <a:spcBef>
-                <a:spcPts val="0"/>
-              </a:spcBef>
-              <a:spcAft>
-                <a:spcPts val="0"/>
-              </a:spcAft>
-              <a:buSzPts val="1100"/>
-              <a:buNone/>
-              <a:defRPr b="0" i="0" sz="1400" u="none" cap="none" strike="noStrike">
+            <a:lvl7pPr marR="0" lvl="6" algn="l" rtl="0">
+              <a:spcBef>
+                <a:spcPts val="0"/>
+              </a:spcBef>
+              <a:spcAft>
+                <a:spcPts val="0"/>
+              </a:spcAft>
+              <a:buSzPts val="1100"/>
+              <a:buNone/>
+              <a:defRPr sz="1400" b="0" i="0" u="none" strike="noStrike" cap="none">
                 <a:solidFill>
                   <a:schemeClr val="dk1"/>
                 </a:solidFill>
@@ -11510,16 +11807,16 @@
                 <a:sym typeface="Century Gothic"/>
               </a:defRPr>
             </a:lvl7pPr>
-            <a:lvl8pPr lvl="7" marR="0" rtl="0" algn="l">
-              <a:spcBef>
-                <a:spcPts val="0"/>
-              </a:spcBef>
-              <a:spcAft>
-                <a:spcPts val="0"/>
-              </a:spcAft>
-              <a:buSzPts val="1100"/>
-              <a:buNone/>
-              <a:defRPr b="0" i="0" sz="1400" u="none" cap="none" strike="noStrike">
+            <a:lvl8pPr marR="0" lvl="7" algn="l" rtl="0">
+              <a:spcBef>
+                <a:spcPts val="0"/>
+              </a:spcBef>
+              <a:spcAft>
+                <a:spcPts val="0"/>
+              </a:spcAft>
+              <a:buSzPts val="1100"/>
+              <a:buNone/>
+              <a:defRPr sz="1400" b="0" i="0" u="none" strike="noStrike" cap="none">
                 <a:solidFill>
                   <a:schemeClr val="dk1"/>
                 </a:solidFill>
@@ -11529,16 +11826,16 @@
                 <a:sym typeface="Century Gothic"/>
               </a:defRPr>
             </a:lvl8pPr>
-            <a:lvl9pPr lvl="8" marR="0" rtl="0" algn="l">
-              <a:spcBef>
-                <a:spcPts val="0"/>
-              </a:spcBef>
-              <a:spcAft>
-                <a:spcPts val="0"/>
-              </a:spcAft>
-              <a:buSzPts val="1100"/>
-              <a:buNone/>
-              <a:defRPr b="0" i="0" sz="1400" u="none" cap="none" strike="noStrike">
+            <a:lvl9pPr marR="0" lvl="8" algn="l" rtl="0">
+              <a:spcBef>
+                <a:spcPts val="0"/>
+              </a:spcBef>
+              <a:spcAft>
+                <a:spcPts val="0"/>
+              </a:spcAft>
+              <a:buSzPts val="1100"/>
+              <a:buNone/>
+              <a:defRPr sz="1400" b="0" i="0" u="none" strike="noStrike" cap="none">
                 <a:solidFill>
                   <a:schemeClr val="dk1"/>
                 </a:solidFill>
@@ -11549,15 +11846,19 @@
               </a:defRPr>
             </a:lvl9pPr>
           </a:lstStyle>
-          <a:p/>
+          <a:p>
+            <a:endParaRPr/>
+          </a:p>
         </p:txBody>
       </p:sp>
       <p:sp>
         <p:nvSpPr>
           <p:cNvPr id="12" name="Google Shape;12;p1"/>
-          <p:cNvSpPr txBox="1"/>
+          <p:cNvSpPr txBox="1">
+            <a:spLocks noGrp="1"/>
+          </p:cNvSpPr>
           <p:nvPr>
-            <p:ph idx="11" type="ftr"/>
+            <p:ph type="ftr" idx="11"/>
           </p:nvPr>
         </p:nvSpPr>
         <p:spPr>
@@ -11574,20 +11875,20 @@
           </a:ln>
         </p:spPr>
         <p:txBody>
-          <a:bodyPr anchorCtr="0" anchor="ctr" bIns="34275" lIns="68575" spcFirstLastPara="1" rIns="68575" wrap="square" tIns="34275">
+          <a:bodyPr spcFirstLastPara="1" wrap="square" lIns="68575" tIns="34275" rIns="68575" bIns="34275" anchor="ctr" anchorCtr="0">
             <a:noAutofit/>
           </a:bodyPr>
           <a:lstStyle>
-            <a:lvl1pPr lvl="0" marR="0" rtl="0" algn="l">
-              <a:spcBef>
-                <a:spcPts val="0"/>
-              </a:spcBef>
-              <a:spcAft>
-                <a:spcPts val="0"/>
-              </a:spcAft>
-              <a:buSzPts val="1100"/>
-              <a:buNone/>
-              <a:defRPr b="0" i="0" sz="800" u="none" cap="none" strike="noStrike">
+            <a:lvl1pPr marR="0" lvl="0" algn="l" rtl="0">
+              <a:spcBef>
+                <a:spcPts val="0"/>
+              </a:spcBef>
+              <a:spcAft>
+                <a:spcPts val="0"/>
+              </a:spcAft>
+              <a:buSzPts val="1100"/>
+              <a:buNone/>
+              <a:defRPr sz="800" b="0" i="0" u="none" strike="noStrike" cap="none">
                 <a:solidFill>
                   <a:srgbClr val="888888"/>
                 </a:solidFill>
@@ -11597,16 +11898,16 @@
                 <a:sym typeface="Century Gothic"/>
               </a:defRPr>
             </a:lvl1pPr>
-            <a:lvl2pPr lvl="1" marR="0" rtl="0" algn="l">
-              <a:spcBef>
-                <a:spcPts val="0"/>
-              </a:spcBef>
-              <a:spcAft>
-                <a:spcPts val="0"/>
-              </a:spcAft>
-              <a:buSzPts val="1100"/>
-              <a:buNone/>
-              <a:defRPr b="0" i="0" sz="1400" u="none" cap="none" strike="noStrike">
+            <a:lvl2pPr marR="0" lvl="1" algn="l" rtl="0">
+              <a:spcBef>
+                <a:spcPts val="0"/>
+              </a:spcBef>
+              <a:spcAft>
+                <a:spcPts val="0"/>
+              </a:spcAft>
+              <a:buSzPts val="1100"/>
+              <a:buNone/>
+              <a:defRPr sz="1400" b="0" i="0" u="none" strike="noStrike" cap="none">
                 <a:solidFill>
                   <a:schemeClr val="dk1"/>
                 </a:solidFill>
@@ -11616,16 +11917,16 @@
                 <a:sym typeface="Century Gothic"/>
               </a:defRPr>
             </a:lvl2pPr>
-            <a:lvl3pPr lvl="2" marR="0" rtl="0" algn="l">
-              <a:spcBef>
-                <a:spcPts val="0"/>
-              </a:spcBef>
-              <a:spcAft>
-                <a:spcPts val="0"/>
-              </a:spcAft>
-              <a:buSzPts val="1100"/>
-              <a:buNone/>
-              <a:defRPr b="0" i="0" sz="1400" u="none" cap="none" strike="noStrike">
+            <a:lvl3pPr marR="0" lvl="2" algn="l" rtl="0">
+              <a:spcBef>
+                <a:spcPts val="0"/>
+              </a:spcBef>
+              <a:spcAft>
+                <a:spcPts val="0"/>
+              </a:spcAft>
+              <a:buSzPts val="1100"/>
+              <a:buNone/>
+              <a:defRPr sz="1400" b="0" i="0" u="none" strike="noStrike" cap="none">
                 <a:solidFill>
                   <a:schemeClr val="dk1"/>
                 </a:solidFill>
@@ -11635,16 +11936,16 @@
                 <a:sym typeface="Century Gothic"/>
               </a:defRPr>
             </a:lvl3pPr>
-            <a:lvl4pPr lvl="3" marR="0" rtl="0" algn="l">
-              <a:spcBef>
-                <a:spcPts val="0"/>
-              </a:spcBef>
-              <a:spcAft>
-                <a:spcPts val="0"/>
-              </a:spcAft>
-              <a:buSzPts val="1100"/>
-              <a:buNone/>
-              <a:defRPr b="0" i="0" sz="1400" u="none" cap="none" strike="noStrike">
+            <a:lvl4pPr marR="0" lvl="3" algn="l" rtl="0">
+              <a:spcBef>
+                <a:spcPts val="0"/>
+              </a:spcBef>
+              <a:spcAft>
+                <a:spcPts val="0"/>
+              </a:spcAft>
+              <a:buSzPts val="1100"/>
+              <a:buNone/>
+              <a:defRPr sz="1400" b="0" i="0" u="none" strike="noStrike" cap="none">
                 <a:solidFill>
                   <a:schemeClr val="dk1"/>
                 </a:solidFill>
@@ -11654,16 +11955,16 @@
                 <a:sym typeface="Century Gothic"/>
               </a:defRPr>
             </a:lvl4pPr>
-            <a:lvl5pPr lvl="4" marR="0" rtl="0" algn="l">
-              <a:spcBef>
-                <a:spcPts val="0"/>
-              </a:spcBef>
-              <a:spcAft>
-                <a:spcPts val="0"/>
-              </a:spcAft>
-              <a:buSzPts val="1100"/>
-              <a:buNone/>
-              <a:defRPr b="0" i="0" sz="1400" u="none" cap="none" strike="noStrike">
+            <a:lvl5pPr marR="0" lvl="4" algn="l" rtl="0">
+              <a:spcBef>
+                <a:spcPts val="0"/>
+              </a:spcBef>
+              <a:spcAft>
+                <a:spcPts val="0"/>
+              </a:spcAft>
+              <a:buSzPts val="1100"/>
+              <a:buNone/>
+              <a:defRPr sz="1400" b="0" i="0" u="none" strike="noStrike" cap="none">
                 <a:solidFill>
                   <a:schemeClr val="dk1"/>
                 </a:solidFill>
@@ -11673,16 +11974,16 @@
                 <a:sym typeface="Century Gothic"/>
               </a:defRPr>
             </a:lvl5pPr>
-            <a:lvl6pPr lvl="5" marR="0" rtl="0" algn="l">
-              <a:spcBef>
-                <a:spcPts val="0"/>
-              </a:spcBef>
-              <a:spcAft>
-                <a:spcPts val="0"/>
-              </a:spcAft>
-              <a:buSzPts val="1100"/>
-              <a:buNone/>
-              <a:defRPr b="0" i="0" sz="1400" u="none" cap="none" strike="noStrike">
+            <a:lvl6pPr marR="0" lvl="5" algn="l" rtl="0">
+              <a:spcBef>
+                <a:spcPts val="0"/>
+              </a:spcBef>
+              <a:spcAft>
+                <a:spcPts val="0"/>
+              </a:spcAft>
+              <a:buSzPts val="1100"/>
+              <a:buNone/>
+              <a:defRPr sz="1400" b="0" i="0" u="none" strike="noStrike" cap="none">
                 <a:solidFill>
                   <a:schemeClr val="dk1"/>
                 </a:solidFill>
@@ -11692,16 +11993,16 @@
                 <a:sym typeface="Century Gothic"/>
               </a:defRPr>
             </a:lvl6pPr>
-            <a:lvl7pPr lvl="6" marR="0" rtl="0" algn="l">
-              <a:spcBef>
-                <a:spcPts val="0"/>
-              </a:spcBef>
-              <a:spcAft>
-                <a:spcPts val="0"/>
-              </a:spcAft>
-              <a:buSzPts val="1100"/>
-              <a:buNone/>
-              <a:defRPr b="0" i="0" sz="1400" u="none" cap="none" strike="noStrike">
+            <a:lvl7pPr marR="0" lvl="6" algn="l" rtl="0">
+              <a:spcBef>
+                <a:spcPts val="0"/>
+              </a:spcBef>
+              <a:spcAft>
+                <a:spcPts val="0"/>
+              </a:spcAft>
+              <a:buSzPts val="1100"/>
+              <a:buNone/>
+              <a:defRPr sz="1400" b="0" i="0" u="none" strike="noStrike" cap="none">
                 <a:solidFill>
                   <a:schemeClr val="dk1"/>
                 </a:solidFill>
@@ -11711,16 +12012,16 @@
                 <a:sym typeface="Century Gothic"/>
               </a:defRPr>
             </a:lvl7pPr>
-            <a:lvl8pPr lvl="7" marR="0" rtl="0" algn="l">
-              <a:spcBef>
-                <a:spcPts val="0"/>
-              </a:spcBef>
-              <a:spcAft>
-                <a:spcPts val="0"/>
-              </a:spcAft>
-              <a:buSzPts val="1100"/>
-              <a:buNone/>
-              <a:defRPr b="0" i="0" sz="1400" u="none" cap="none" strike="noStrike">
+            <a:lvl8pPr marR="0" lvl="7" algn="l" rtl="0">
+              <a:spcBef>
+                <a:spcPts val="0"/>
+              </a:spcBef>
+              <a:spcAft>
+                <a:spcPts val="0"/>
+              </a:spcAft>
+              <a:buSzPts val="1100"/>
+              <a:buNone/>
+              <a:defRPr sz="1400" b="0" i="0" u="none" strike="noStrike" cap="none">
                 <a:solidFill>
                   <a:schemeClr val="dk1"/>
                 </a:solidFill>
@@ -11730,16 +12031,16 @@
                 <a:sym typeface="Century Gothic"/>
               </a:defRPr>
             </a:lvl8pPr>
-            <a:lvl9pPr lvl="8" marR="0" rtl="0" algn="l">
-              <a:spcBef>
-                <a:spcPts val="0"/>
-              </a:spcBef>
-              <a:spcAft>
-                <a:spcPts val="0"/>
-              </a:spcAft>
-              <a:buSzPts val="1100"/>
-              <a:buNone/>
-              <a:defRPr b="0" i="0" sz="1400" u="none" cap="none" strike="noStrike">
+            <a:lvl9pPr marR="0" lvl="8" algn="l" rtl="0">
+              <a:spcBef>
+                <a:spcPts val="0"/>
+              </a:spcBef>
+              <a:spcAft>
+                <a:spcPts val="0"/>
+              </a:spcAft>
+              <a:buSzPts val="1100"/>
+              <a:buNone/>
+              <a:defRPr sz="1400" b="0" i="0" u="none" strike="noStrike" cap="none">
                 <a:solidFill>
                   <a:schemeClr val="dk1"/>
                 </a:solidFill>
@@ -11750,15 +12051,19 @@
               </a:defRPr>
             </a:lvl9pPr>
           </a:lstStyle>
-          <a:p/>
+          <a:p>
+            <a:endParaRPr/>
+          </a:p>
         </p:txBody>
       </p:sp>
       <p:sp>
         <p:nvSpPr>
           <p:cNvPr id="13" name="Google Shape;13;p1"/>
-          <p:cNvSpPr txBox="1"/>
+          <p:cNvSpPr txBox="1">
+            <a:spLocks noGrp="1"/>
+          </p:cNvSpPr>
           <p:nvPr>
-            <p:ph idx="12" type="sldNum"/>
+            <p:ph type="sldNum" idx="12"/>
           </p:nvPr>
         </p:nvSpPr>
         <p:spPr>
@@ -11775,16 +12080,16 @@
           </a:ln>
         </p:spPr>
         <p:txBody>
-          <a:bodyPr anchorCtr="0" anchor="t" bIns="34275" lIns="68575" spcFirstLastPara="1" rIns="68575" wrap="square" tIns="34275">
+          <a:bodyPr spcFirstLastPara="1" wrap="square" lIns="68575" tIns="34275" rIns="68575" bIns="34275" anchor="t" anchorCtr="0">
             <a:noAutofit/>
           </a:bodyPr>
           <a:lstStyle>
-            <a:lvl1pPr indent="0" lvl="0" marL="0" marR="0" rtl="0" algn="r">
-              <a:spcBef>
-                <a:spcPts val="0"/>
-              </a:spcBef>
-              <a:buNone/>
-              <a:defRPr b="0" i="0" sz="2100" u="none" cap="none" strike="noStrike">
+            <a:lvl1pPr marL="0" marR="0" lvl="0" indent="0" algn="r" rtl="0">
+              <a:spcBef>
+                <a:spcPts val="0"/>
+              </a:spcBef>
+              <a:buNone/>
+              <a:defRPr sz="2100" b="0" i="0" u="none" strike="noStrike" cap="none">
                 <a:solidFill>
                   <a:schemeClr val="accent1"/>
                 </a:solidFill>
@@ -11794,12 +12099,12 @@
                 <a:sym typeface="Century Gothic"/>
               </a:defRPr>
             </a:lvl1pPr>
-            <a:lvl2pPr indent="0" lvl="1" marL="0" marR="0" rtl="0" algn="r">
-              <a:spcBef>
-                <a:spcPts val="0"/>
-              </a:spcBef>
-              <a:buNone/>
-              <a:defRPr b="0" i="0" sz="2100" u="none" cap="none" strike="noStrike">
+            <a:lvl2pPr marL="0" marR="0" lvl="1" indent="0" algn="r" rtl="0">
+              <a:spcBef>
+                <a:spcPts val="0"/>
+              </a:spcBef>
+              <a:buNone/>
+              <a:defRPr sz="2100" b="0" i="0" u="none" strike="noStrike" cap="none">
                 <a:solidFill>
                   <a:schemeClr val="accent1"/>
                 </a:solidFill>
@@ -11809,12 +12114,12 @@
                 <a:sym typeface="Century Gothic"/>
               </a:defRPr>
             </a:lvl2pPr>
-            <a:lvl3pPr indent="0" lvl="2" marL="0" marR="0" rtl="0" algn="r">
-              <a:spcBef>
-                <a:spcPts val="0"/>
-              </a:spcBef>
-              <a:buNone/>
-              <a:defRPr b="0" i="0" sz="2100" u="none" cap="none" strike="noStrike">
+            <a:lvl3pPr marL="0" marR="0" lvl="2" indent="0" algn="r" rtl="0">
+              <a:spcBef>
+                <a:spcPts val="0"/>
+              </a:spcBef>
+              <a:buNone/>
+              <a:defRPr sz="2100" b="0" i="0" u="none" strike="noStrike" cap="none">
                 <a:solidFill>
                   <a:schemeClr val="accent1"/>
                 </a:solidFill>
@@ -11824,12 +12129,12 @@
                 <a:sym typeface="Century Gothic"/>
               </a:defRPr>
             </a:lvl3pPr>
-            <a:lvl4pPr indent="0" lvl="3" marL="0" marR="0" rtl="0" algn="r">
-              <a:spcBef>
-                <a:spcPts val="0"/>
-              </a:spcBef>
-              <a:buNone/>
-              <a:defRPr b="0" i="0" sz="2100" u="none" cap="none" strike="noStrike">
+            <a:lvl4pPr marL="0" marR="0" lvl="3" indent="0" algn="r" rtl="0">
+              <a:spcBef>
+                <a:spcPts val="0"/>
+              </a:spcBef>
+              <a:buNone/>
+              <a:defRPr sz="2100" b="0" i="0" u="none" strike="noStrike" cap="none">
                 <a:solidFill>
                   <a:schemeClr val="accent1"/>
                 </a:solidFill>
@@ -11839,12 +12144,12 @@
                 <a:sym typeface="Century Gothic"/>
               </a:defRPr>
             </a:lvl4pPr>
-            <a:lvl5pPr indent="0" lvl="4" marL="0" marR="0" rtl="0" algn="r">
-              <a:spcBef>
-                <a:spcPts val="0"/>
-              </a:spcBef>
-              <a:buNone/>
-              <a:defRPr b="0" i="0" sz="2100" u="none" cap="none" strike="noStrike">
+            <a:lvl5pPr marL="0" marR="0" lvl="4" indent="0" algn="r" rtl="0">
+              <a:spcBef>
+                <a:spcPts val="0"/>
+              </a:spcBef>
+              <a:buNone/>
+              <a:defRPr sz="2100" b="0" i="0" u="none" strike="noStrike" cap="none">
                 <a:solidFill>
                   <a:schemeClr val="accent1"/>
                 </a:solidFill>
@@ -11854,12 +12159,12 @@
                 <a:sym typeface="Century Gothic"/>
               </a:defRPr>
             </a:lvl5pPr>
-            <a:lvl6pPr indent="0" lvl="5" marL="0" marR="0" rtl="0" algn="r">
-              <a:spcBef>
-                <a:spcPts val="0"/>
-              </a:spcBef>
-              <a:buNone/>
-              <a:defRPr b="0" i="0" sz="2100" u="none" cap="none" strike="noStrike">
+            <a:lvl6pPr marL="0" marR="0" lvl="5" indent="0" algn="r" rtl="0">
+              <a:spcBef>
+                <a:spcPts val="0"/>
+              </a:spcBef>
+              <a:buNone/>
+              <a:defRPr sz="2100" b="0" i="0" u="none" strike="noStrike" cap="none">
                 <a:solidFill>
                   <a:schemeClr val="accent1"/>
                 </a:solidFill>
@@ -11869,12 +12174,12 @@
                 <a:sym typeface="Century Gothic"/>
               </a:defRPr>
             </a:lvl6pPr>
-            <a:lvl7pPr indent="0" lvl="6" marL="0" marR="0" rtl="0" algn="r">
-              <a:spcBef>
-                <a:spcPts val="0"/>
-              </a:spcBef>
-              <a:buNone/>
-              <a:defRPr b="0" i="0" sz="2100" u="none" cap="none" strike="noStrike">
+            <a:lvl7pPr marL="0" marR="0" lvl="6" indent="0" algn="r" rtl="0">
+              <a:spcBef>
+                <a:spcPts val="0"/>
+              </a:spcBef>
+              <a:buNone/>
+              <a:defRPr sz="2100" b="0" i="0" u="none" strike="noStrike" cap="none">
                 <a:solidFill>
                   <a:schemeClr val="accent1"/>
                 </a:solidFill>
@@ -11884,12 +12189,12 @@
                 <a:sym typeface="Century Gothic"/>
               </a:defRPr>
             </a:lvl7pPr>
-            <a:lvl8pPr indent="0" lvl="7" marL="0" marR="0" rtl="0" algn="r">
-              <a:spcBef>
-                <a:spcPts val="0"/>
-              </a:spcBef>
-              <a:buNone/>
-              <a:defRPr b="0" i="0" sz="2100" u="none" cap="none" strike="noStrike">
+            <a:lvl8pPr marL="0" marR="0" lvl="7" indent="0" algn="r" rtl="0">
+              <a:spcBef>
+                <a:spcPts val="0"/>
+              </a:spcBef>
+              <a:buNone/>
+              <a:defRPr sz="2100" b="0" i="0" u="none" strike="noStrike" cap="none">
                 <a:solidFill>
                   <a:schemeClr val="accent1"/>
                 </a:solidFill>
@@ -11899,12 +12204,12 @@
                 <a:sym typeface="Century Gothic"/>
               </a:defRPr>
             </a:lvl8pPr>
-            <a:lvl9pPr indent="0" lvl="8" marL="0" marR="0" rtl="0" algn="r">
-              <a:spcBef>
-                <a:spcPts val="0"/>
-              </a:spcBef>
-              <a:buNone/>
-              <a:defRPr b="0" i="0" sz="2100" u="none" cap="none" strike="noStrike">
+            <a:lvl9pPr marL="0" marR="0" lvl="8" indent="0" algn="r" rtl="0">
+              <a:spcBef>
+                <a:spcPts val="0"/>
+              </a:spcBef>
+              <a:buNone/>
+              <a:defRPr sz="2100" b="0" i="0" u="none" strike="noStrike" cap="none">
                 <a:solidFill>
                   <a:schemeClr val="accent1"/>
                 </a:solidFill>
@@ -11916,7 +12221,7 @@
             </a:lvl9pPr>
           </a:lstStyle>
           <a:p>
-            <a:pPr indent="0" lvl="0" marL="0" rtl="0" algn="r">
+            <a:pPr marL="0" lvl="0" indent="0" algn="r" rtl="0">
               <a:spcBef>
                 <a:spcPts val="0"/>
               </a:spcBef>
@@ -11935,25 +12240,25 @@
       </p:sp>
     </p:spTree>
   </p:cSld>
-  <p:clrMap accent1="accent1" accent2="accent2" accent3="accent3" accent4="accent4" accent5="accent5" accent6="accent6" bg1="lt1" bg2="dk2" tx1="dk1" tx2="lt2" folHlink="folHlink" hlink="hlink"/>
+  <p:clrMap bg1="lt1" tx1="dk1" bg2="dk2" tx2="lt2" accent1="accent1" accent2="accent2" accent3="accent3" accent4="accent4" accent5="accent5" accent6="accent6" hlink="hlink" folHlink="folHlink"/>
   <p:sldLayoutIdLst>
-    <p:sldLayoutId id="2147483648" r:id="rId2"/>
-    <p:sldLayoutId id="2147483649" r:id="rId3"/>
-    <p:sldLayoutId id="2147483650" r:id="rId4"/>
-    <p:sldLayoutId id="2147483651" r:id="rId5"/>
-    <p:sldLayoutId id="2147483652" r:id="rId6"/>
-    <p:sldLayoutId id="2147483653" r:id="rId7"/>
-    <p:sldLayoutId id="2147483654" r:id="rId8"/>
-    <p:sldLayoutId id="2147483655" r:id="rId9"/>
-    <p:sldLayoutId id="2147483656" r:id="rId10"/>
-    <p:sldLayoutId id="2147483657" r:id="rId11"/>
-    <p:sldLayoutId id="2147483658" r:id="rId12"/>
-    <p:sldLayoutId id="2147483659" r:id="rId13"/>
+    <p:sldLayoutId id="2147483648" r:id="rId1"/>
+    <p:sldLayoutId id="2147483649" r:id="rId2"/>
+    <p:sldLayoutId id="2147483650" r:id="rId3"/>
+    <p:sldLayoutId id="2147483651" r:id="rId4"/>
+    <p:sldLayoutId id="2147483652" r:id="rId5"/>
+    <p:sldLayoutId id="2147483653" r:id="rId6"/>
+    <p:sldLayoutId id="2147483654" r:id="rId7"/>
+    <p:sldLayoutId id="2147483655" r:id="rId8"/>
+    <p:sldLayoutId id="2147483656" r:id="rId9"/>
+    <p:sldLayoutId id="2147483657" r:id="rId10"/>
+    <p:sldLayoutId id="2147483658" r:id="rId11"/>
+    <p:sldLayoutId id="2147483659" r:id="rId12"/>
   </p:sldLayoutIdLst>
-  <p:hf dt="0" ftr="0" hdr="0" sldNum="0"/>
+  <p:hf sldNum="0" hdr="0" ftr="0" dt="0"/>
   <p:txStyles>
     <p:titleStyle>
-      <a:defPPr lvl="0" marR="0" rtl="0" algn="l">
+      <a:defPPr marR="0" lvl="0" algn="l" rtl="0">
         <a:lnSpc>
           <a:spcPct val="100000"/>
         </a:lnSpc>
@@ -11964,7 +12269,7 @@
           <a:spcPts val="0"/>
         </a:spcAft>
       </a:defPPr>
-      <a:lvl1pPr lvl="0" marR="0" rtl="0" algn="l">
+      <a:lvl1pPr marR="0" lvl="0" algn="l" rtl="0">
         <a:lnSpc>
           <a:spcPct val="100000"/>
         </a:lnSpc>
@@ -11978,7 +12283,7 @@
           <a:srgbClr val="000000"/>
         </a:buClr>
         <a:buFont typeface="Arial"/>
-        <a:defRPr b="0" i="0" sz="1400" u="none" cap="none" strike="noStrike">
+        <a:defRPr sz="1400" b="0" i="0" u="none" strike="noStrike" cap="none">
           <a:solidFill>
             <a:srgbClr val="000000"/>
           </a:solidFill>
@@ -11988,7 +12293,7 @@
           <a:sym typeface="Arial"/>
         </a:defRPr>
       </a:lvl1pPr>
-      <a:lvl2pPr lvl="1" marR="0" rtl="0" algn="l">
+      <a:lvl2pPr marR="0" lvl="1" algn="l" rtl="0">
         <a:lnSpc>
           <a:spcPct val="100000"/>
         </a:lnSpc>
@@ -12002,7 +12307,7 @@
           <a:srgbClr val="000000"/>
         </a:buClr>
         <a:buFont typeface="Arial"/>
-        <a:defRPr b="0" i="0" sz="1400" u="none" cap="none" strike="noStrike">
+        <a:defRPr sz="1400" b="0" i="0" u="none" strike="noStrike" cap="none">
           <a:solidFill>
             <a:srgbClr val="000000"/>
           </a:solidFill>
@@ -12012,7 +12317,7 @@
           <a:sym typeface="Arial"/>
         </a:defRPr>
       </a:lvl2pPr>
-      <a:lvl3pPr lvl="2" marR="0" rtl="0" algn="l">
+      <a:lvl3pPr marR="0" lvl="2" algn="l" rtl="0">
         <a:lnSpc>
           <a:spcPct val="100000"/>
         </a:lnSpc>
@@ -12026,7 +12331,7 @@
           <a:srgbClr val="000000"/>
         </a:buClr>
         <a:buFont typeface="Arial"/>
-        <a:defRPr b="0" i="0" sz="1400" u="none" cap="none" strike="noStrike">
+        <a:defRPr sz="1400" b="0" i="0" u="none" strike="noStrike" cap="none">
           <a:solidFill>
             <a:srgbClr val="000000"/>
           </a:solidFill>
@@ -12036,7 +12341,7 @@
           <a:sym typeface="Arial"/>
         </a:defRPr>
       </a:lvl3pPr>
-      <a:lvl4pPr lvl="3" marR="0" rtl="0" algn="l">
+      <a:lvl4pPr marR="0" lvl="3" algn="l" rtl="0">
         <a:lnSpc>
           <a:spcPct val="100000"/>
         </a:lnSpc>
@@ -12050,7 +12355,7 @@
           <a:srgbClr val="000000"/>
         </a:buClr>
         <a:buFont typeface="Arial"/>
-        <a:defRPr b="0" i="0" sz="1400" u="none" cap="none" strike="noStrike">
+        <a:defRPr sz="1400" b="0" i="0" u="none" strike="noStrike" cap="none">
           <a:solidFill>
             <a:srgbClr val="000000"/>
           </a:solidFill>
@@ -12060,7 +12365,7 @@
           <a:sym typeface="Arial"/>
         </a:defRPr>
       </a:lvl4pPr>
-      <a:lvl5pPr lvl="4" marR="0" rtl="0" algn="l">
+      <a:lvl5pPr marR="0" lvl="4" algn="l" rtl="0">
         <a:lnSpc>
           <a:spcPct val="100000"/>
         </a:lnSpc>
@@ -12074,7 +12379,7 @@
           <a:srgbClr val="000000"/>
         </a:buClr>
         <a:buFont typeface="Arial"/>
-        <a:defRPr b="0" i="0" sz="1400" u="none" cap="none" strike="noStrike">
+        <a:defRPr sz="1400" b="0" i="0" u="none" strike="noStrike" cap="none">
           <a:solidFill>
             <a:srgbClr val="000000"/>
           </a:solidFill>
@@ -12084,7 +12389,7 @@
           <a:sym typeface="Arial"/>
         </a:defRPr>
       </a:lvl5pPr>
-      <a:lvl6pPr lvl="5" marR="0" rtl="0" algn="l">
+      <a:lvl6pPr marR="0" lvl="5" algn="l" rtl="0">
         <a:lnSpc>
           <a:spcPct val="100000"/>
         </a:lnSpc>
@@ -12098,7 +12403,7 @@
           <a:srgbClr val="000000"/>
         </a:buClr>
         <a:buFont typeface="Arial"/>
-        <a:defRPr b="0" i="0" sz="1400" u="none" cap="none" strike="noStrike">
+        <a:defRPr sz="1400" b="0" i="0" u="none" strike="noStrike" cap="none">
           <a:solidFill>
             <a:srgbClr val="000000"/>
           </a:solidFill>
@@ -12108,7 +12413,7 @@
           <a:sym typeface="Arial"/>
         </a:defRPr>
       </a:lvl6pPr>
-      <a:lvl7pPr lvl="6" marR="0" rtl="0" algn="l">
+      <a:lvl7pPr marR="0" lvl="6" algn="l" rtl="0">
         <a:lnSpc>
           <a:spcPct val="100000"/>
         </a:lnSpc>
@@ -12122,7 +12427,7 @@
           <a:srgbClr val="000000"/>
         </a:buClr>
         <a:buFont typeface="Arial"/>
-        <a:defRPr b="0" i="0" sz="1400" u="none" cap="none" strike="noStrike">
+        <a:defRPr sz="1400" b="0" i="0" u="none" strike="noStrike" cap="none">
           <a:solidFill>
             <a:srgbClr val="000000"/>
           </a:solidFill>
@@ -12132,7 +12437,7 @@
           <a:sym typeface="Arial"/>
         </a:defRPr>
       </a:lvl7pPr>
-      <a:lvl8pPr lvl="7" marR="0" rtl="0" algn="l">
+      <a:lvl8pPr marR="0" lvl="7" algn="l" rtl="0">
         <a:lnSpc>
           <a:spcPct val="100000"/>
         </a:lnSpc>
@@ -12146,7 +12451,7 @@
           <a:srgbClr val="000000"/>
         </a:buClr>
         <a:buFont typeface="Arial"/>
-        <a:defRPr b="0" i="0" sz="1400" u="none" cap="none" strike="noStrike">
+        <a:defRPr sz="1400" b="0" i="0" u="none" strike="noStrike" cap="none">
           <a:solidFill>
             <a:srgbClr val="000000"/>
           </a:solidFill>
@@ -12156,7 +12461,7 @@
           <a:sym typeface="Arial"/>
         </a:defRPr>
       </a:lvl8pPr>
-      <a:lvl9pPr lvl="8" marR="0" rtl="0" algn="l">
+      <a:lvl9pPr marR="0" lvl="8" algn="l" rtl="0">
         <a:lnSpc>
           <a:spcPct val="100000"/>
         </a:lnSpc>
@@ -12170,7 +12475,7 @@
           <a:srgbClr val="000000"/>
         </a:buClr>
         <a:buFont typeface="Arial"/>
-        <a:defRPr b="0" i="0" sz="1400" u="none" cap="none" strike="noStrike">
+        <a:defRPr sz="1400" b="0" i="0" u="none" strike="noStrike" cap="none">
           <a:solidFill>
             <a:srgbClr val="000000"/>
           </a:solidFill>
@@ -12182,7 +12487,7 @@
       </a:lvl9pPr>
     </p:titleStyle>
     <p:bodyStyle>
-      <a:defPPr lvl="0" marR="0" rtl="0" algn="l">
+      <a:defPPr marR="0" lvl="0" algn="l" rtl="0">
         <a:lnSpc>
           <a:spcPct val="100000"/>
         </a:lnSpc>
@@ -12193,7 +12498,7 @@
           <a:spcPts val="0"/>
         </a:spcAft>
       </a:defPPr>
-      <a:lvl1pPr lvl="0" marR="0" rtl="0" algn="l">
+      <a:lvl1pPr marR="0" lvl="0" algn="l" rtl="0">
         <a:lnSpc>
           <a:spcPct val="100000"/>
         </a:lnSpc>
@@ -12207,7 +12512,7 @@
           <a:srgbClr val="000000"/>
         </a:buClr>
         <a:buFont typeface="Arial"/>
-        <a:defRPr b="0" i="0" sz="1400" u="none" cap="none" strike="noStrike">
+        <a:defRPr sz="1400" b="0" i="0" u="none" strike="noStrike" cap="none">
           <a:solidFill>
             <a:srgbClr val="000000"/>
           </a:solidFill>
@@ -12217,7 +12522,7 @@
           <a:sym typeface="Arial"/>
         </a:defRPr>
       </a:lvl1pPr>
-      <a:lvl2pPr lvl="1" marR="0" rtl="0" algn="l">
+      <a:lvl2pPr marR="0" lvl="1" algn="l" rtl="0">
         <a:lnSpc>
           <a:spcPct val="100000"/>
         </a:lnSpc>
@@ -12231,7 +12536,7 @@
           <a:srgbClr val="000000"/>
         </a:buClr>
         <a:buFont typeface="Arial"/>
-        <a:defRPr b="0" i="0" sz="1400" u="none" cap="none" strike="noStrike">
+        <a:defRPr sz="1400" b="0" i="0" u="none" strike="noStrike" cap="none">
           <a:solidFill>
             <a:srgbClr val="000000"/>
           </a:solidFill>
@@ -12241,7 +12546,7 @@
           <a:sym typeface="Arial"/>
         </a:defRPr>
       </a:lvl2pPr>
-      <a:lvl3pPr lvl="2" marR="0" rtl="0" algn="l">
+      <a:lvl3pPr marR="0" lvl="2" algn="l" rtl="0">
         <a:lnSpc>
           <a:spcPct val="100000"/>
         </a:lnSpc>
@@ -12255,7 +12560,7 @@
           <a:srgbClr val="000000"/>
         </a:buClr>
         <a:buFont typeface="Arial"/>
-        <a:defRPr b="0" i="0" sz="1400" u="none" cap="none" strike="noStrike">
+        <a:defRPr sz="1400" b="0" i="0" u="none" strike="noStrike" cap="none">
           <a:solidFill>
             <a:srgbClr val="000000"/>
           </a:solidFill>
@@ -12265,7 +12570,7 @@
           <a:sym typeface="Arial"/>
         </a:defRPr>
       </a:lvl3pPr>
-      <a:lvl4pPr lvl="3" marR="0" rtl="0" algn="l">
+      <a:lvl4pPr marR="0" lvl="3" algn="l" rtl="0">
         <a:lnSpc>
           <a:spcPct val="100000"/>
         </a:lnSpc>
@@ -12279,7 +12584,7 @@
           <a:srgbClr val="000000"/>
         </a:buClr>
         <a:buFont typeface="Arial"/>
-        <a:defRPr b="0" i="0" sz="1400" u="none" cap="none" strike="noStrike">
+        <a:defRPr sz="1400" b="0" i="0" u="none" strike="noStrike" cap="none">
           <a:solidFill>
             <a:srgbClr val="000000"/>
           </a:solidFill>
@@ -12289,7 +12594,7 @@
           <a:sym typeface="Arial"/>
         </a:defRPr>
       </a:lvl4pPr>
-      <a:lvl5pPr lvl="4" marR="0" rtl="0" algn="l">
+      <a:lvl5pPr marR="0" lvl="4" algn="l" rtl="0">
         <a:lnSpc>
           <a:spcPct val="100000"/>
         </a:lnSpc>
@@ -12303,7 +12608,7 @@
           <a:srgbClr val="000000"/>
         </a:buClr>
         <a:buFont typeface="Arial"/>
-        <a:defRPr b="0" i="0" sz="1400" u="none" cap="none" strike="noStrike">
+        <a:defRPr sz="1400" b="0" i="0" u="none" strike="noStrike" cap="none">
           <a:solidFill>
             <a:srgbClr val="000000"/>
           </a:solidFill>
@@ -12313,7 +12618,7 @@
           <a:sym typeface="Arial"/>
         </a:defRPr>
       </a:lvl5pPr>
-      <a:lvl6pPr lvl="5" marR="0" rtl="0" algn="l">
+      <a:lvl6pPr marR="0" lvl="5" algn="l" rtl="0">
         <a:lnSpc>
           <a:spcPct val="100000"/>
         </a:lnSpc>
@@ -12327,7 +12632,7 @@
           <a:srgbClr val="000000"/>
         </a:buClr>
         <a:buFont typeface="Arial"/>
-        <a:defRPr b="0" i="0" sz="1400" u="none" cap="none" strike="noStrike">
+        <a:defRPr sz="1400" b="0" i="0" u="none" strike="noStrike" cap="none">
           <a:solidFill>
             <a:srgbClr val="000000"/>
           </a:solidFill>
@@ -12337,7 +12642,7 @@
           <a:sym typeface="Arial"/>
         </a:defRPr>
       </a:lvl6pPr>
-      <a:lvl7pPr lvl="6" marR="0" rtl="0" algn="l">
+      <a:lvl7pPr marR="0" lvl="6" algn="l" rtl="0">
         <a:lnSpc>
           <a:spcPct val="100000"/>
         </a:lnSpc>
@@ -12351,7 +12656,7 @@
           <a:srgbClr val="000000"/>
         </a:buClr>
         <a:buFont typeface="Arial"/>
-        <a:defRPr b="0" i="0" sz="1400" u="none" cap="none" strike="noStrike">
+        <a:defRPr sz="1400" b="0" i="0" u="none" strike="noStrike" cap="none">
           <a:solidFill>
             <a:srgbClr val="000000"/>
           </a:solidFill>
@@ -12361,7 +12666,7 @@
           <a:sym typeface="Arial"/>
         </a:defRPr>
       </a:lvl7pPr>
-      <a:lvl8pPr lvl="7" marR="0" rtl="0" algn="l">
+      <a:lvl8pPr marR="0" lvl="7" algn="l" rtl="0">
         <a:lnSpc>
           <a:spcPct val="100000"/>
         </a:lnSpc>
@@ -12375,7 +12680,7 @@
           <a:srgbClr val="000000"/>
         </a:buClr>
         <a:buFont typeface="Arial"/>
-        <a:defRPr b="0" i="0" sz="1400" u="none" cap="none" strike="noStrike">
+        <a:defRPr sz="1400" b="0" i="0" u="none" strike="noStrike" cap="none">
           <a:solidFill>
             <a:srgbClr val="000000"/>
           </a:solidFill>
@@ -12385,7 +12690,7 @@
           <a:sym typeface="Arial"/>
         </a:defRPr>
       </a:lvl8pPr>
-      <a:lvl9pPr lvl="8" marR="0" rtl="0" algn="l">
+      <a:lvl9pPr marR="0" lvl="8" algn="l" rtl="0">
         <a:lnSpc>
           <a:spcPct val="100000"/>
         </a:lnSpc>
@@ -12399,7 +12704,7 @@
           <a:srgbClr val="000000"/>
         </a:buClr>
         <a:buFont typeface="Arial"/>
-        <a:defRPr b="0" i="0" sz="1400" u="none" cap="none" strike="noStrike">
+        <a:defRPr sz="1400" b="0" i="0" u="none" strike="noStrike" cap="none">
           <a:solidFill>
             <a:srgbClr val="000000"/>
           </a:solidFill>
@@ -12411,7 +12716,7 @@
       </a:lvl9pPr>
     </p:bodyStyle>
     <p:otherStyle>
-      <a:defPPr lvl="0" marR="0" rtl="0" algn="l">
+      <a:defPPr marR="0" lvl="0" algn="l" rtl="0">
         <a:lnSpc>
           <a:spcPct val="100000"/>
         </a:lnSpc>
@@ -12422,7 +12727,7 @@
           <a:spcPts val="0"/>
         </a:spcAft>
       </a:defPPr>
-      <a:lvl1pPr lvl="0" marR="0" rtl="0" algn="l">
+      <a:lvl1pPr marR="0" lvl="0" algn="l" rtl="0">
         <a:lnSpc>
           <a:spcPct val="100000"/>
         </a:lnSpc>
@@ -12436,7 +12741,7 @@
           <a:srgbClr val="000000"/>
         </a:buClr>
         <a:buFont typeface="Arial"/>
-        <a:defRPr b="0" i="0" sz="1400" u="none" cap="none" strike="noStrike">
+        <a:defRPr sz="1400" b="0" i="0" u="none" strike="noStrike" cap="none">
           <a:solidFill>
             <a:srgbClr val="000000"/>
           </a:solidFill>
@@ -12446,7 +12751,7 @@
           <a:sym typeface="Arial"/>
         </a:defRPr>
       </a:lvl1pPr>
-      <a:lvl2pPr lvl="1" marR="0" rtl="0" algn="l">
+      <a:lvl2pPr marR="0" lvl="1" algn="l" rtl="0">
         <a:lnSpc>
           <a:spcPct val="100000"/>
         </a:lnSpc>
@@ -12460,7 +12765,7 @@
           <a:srgbClr val="000000"/>
         </a:buClr>
         <a:buFont typeface="Arial"/>
-        <a:defRPr b="0" i="0" sz="1400" u="none" cap="none" strike="noStrike">
+        <a:defRPr sz="1400" b="0" i="0" u="none" strike="noStrike" cap="none">
           <a:solidFill>
             <a:srgbClr val="000000"/>
           </a:solidFill>
@@ -12470,7 +12775,7 @@
           <a:sym typeface="Arial"/>
         </a:defRPr>
       </a:lvl2pPr>
-      <a:lvl3pPr lvl="2" marR="0" rtl="0" algn="l">
+      <a:lvl3pPr marR="0" lvl="2" algn="l" rtl="0">
         <a:lnSpc>
           <a:spcPct val="100000"/>
         </a:lnSpc>
@@ -12484,7 +12789,7 @@
           <a:srgbClr val="000000"/>
         </a:buClr>
         <a:buFont typeface="Arial"/>
-        <a:defRPr b="0" i="0" sz="1400" u="none" cap="none" strike="noStrike">
+        <a:defRPr sz="1400" b="0" i="0" u="none" strike="noStrike" cap="none">
           <a:solidFill>
             <a:srgbClr val="000000"/>
           </a:solidFill>
@@ -12494,7 +12799,7 @@
           <a:sym typeface="Arial"/>
         </a:defRPr>
       </a:lvl3pPr>
-      <a:lvl4pPr lvl="3" marR="0" rtl="0" algn="l">
+      <a:lvl4pPr marR="0" lvl="3" algn="l" rtl="0">
         <a:lnSpc>
           <a:spcPct val="100000"/>
         </a:lnSpc>
@@ -12508,7 +12813,7 @@
           <a:srgbClr val="000000"/>
         </a:buClr>
         <a:buFont typeface="Arial"/>
-        <a:defRPr b="0" i="0" sz="1400" u="none" cap="none" strike="noStrike">
+        <a:defRPr sz="1400" b="0" i="0" u="none" strike="noStrike" cap="none">
           <a:solidFill>
             <a:srgbClr val="000000"/>
           </a:solidFill>
@@ -12518,7 +12823,7 @@
           <a:sym typeface="Arial"/>
         </a:defRPr>
       </a:lvl4pPr>
-      <a:lvl5pPr lvl="4" marR="0" rtl="0" algn="l">
+      <a:lvl5pPr marR="0" lvl="4" algn="l" rtl="0">
         <a:lnSpc>
           <a:spcPct val="100000"/>
         </a:lnSpc>
@@ -12532,7 +12837,7 @@
           <a:srgbClr val="000000"/>
         </a:buClr>
         <a:buFont typeface="Arial"/>
-        <a:defRPr b="0" i="0" sz="1400" u="none" cap="none" strike="noStrike">
+        <a:defRPr sz="1400" b="0" i="0" u="none" strike="noStrike" cap="none">
           <a:solidFill>
             <a:srgbClr val="000000"/>
           </a:solidFill>
@@ -12542,7 +12847,7 @@
           <a:sym typeface="Arial"/>
         </a:defRPr>
       </a:lvl5pPr>
-      <a:lvl6pPr lvl="5" marR="0" rtl="0" algn="l">
+      <a:lvl6pPr marR="0" lvl="5" algn="l" rtl="0">
         <a:lnSpc>
           <a:spcPct val="100000"/>
         </a:lnSpc>
@@ -12556,7 +12861,7 @@
           <a:srgbClr val="000000"/>
         </a:buClr>
         <a:buFont typeface="Arial"/>
-        <a:defRPr b="0" i="0" sz="1400" u="none" cap="none" strike="noStrike">
+        <a:defRPr sz="1400" b="0" i="0" u="none" strike="noStrike" cap="none">
           <a:solidFill>
             <a:srgbClr val="000000"/>
           </a:solidFill>
@@ -12566,7 +12871,7 @@
           <a:sym typeface="Arial"/>
         </a:defRPr>
       </a:lvl6pPr>
-      <a:lvl7pPr lvl="6" marR="0" rtl="0" algn="l">
+      <a:lvl7pPr marR="0" lvl="6" algn="l" rtl="0">
         <a:lnSpc>
           <a:spcPct val="100000"/>
         </a:lnSpc>
@@ -12580,7 +12885,7 @@
           <a:srgbClr val="000000"/>
         </a:buClr>
         <a:buFont typeface="Arial"/>
-        <a:defRPr b="0" i="0" sz="1400" u="none" cap="none" strike="noStrike">
+        <a:defRPr sz="1400" b="0" i="0" u="none" strike="noStrike" cap="none">
           <a:solidFill>
             <a:srgbClr val="000000"/>
           </a:solidFill>
@@ -12590,7 +12895,7 @@
           <a:sym typeface="Arial"/>
         </a:defRPr>
       </a:lvl7pPr>
-      <a:lvl8pPr lvl="7" marR="0" rtl="0" algn="l">
+      <a:lvl8pPr marR="0" lvl="7" algn="l" rtl="0">
         <a:lnSpc>
           <a:spcPct val="100000"/>
         </a:lnSpc>
@@ -12604,7 +12909,7 @@
           <a:srgbClr val="000000"/>
         </a:buClr>
         <a:buFont typeface="Arial"/>
-        <a:defRPr b="0" i="0" sz="1400" u="none" cap="none" strike="noStrike">
+        <a:defRPr sz="1400" b="0" i="0" u="none" strike="noStrike" cap="none">
           <a:solidFill>
             <a:srgbClr val="000000"/>
           </a:solidFill>
@@ -12614,7 +12919,7 @@
           <a:sym typeface="Arial"/>
         </a:defRPr>
       </a:lvl8pPr>
-      <a:lvl9pPr lvl="8" marR="0" rtl="0" algn="l">
+      <a:lvl9pPr marR="0" lvl="8" algn="l" rtl="0">
         <a:lnSpc>
           <a:spcPct val="100000"/>
         </a:lnSpc>
@@ -12628,7 +12933,7 @@
           <a:srgbClr val="000000"/>
         </a:buClr>
         <a:buFont typeface="Arial"/>
-        <a:defRPr b="0" i="0" sz="1400" u="none" cap="none" strike="noStrike">
+        <a:defRPr sz="1400" b="0" i="0" u="none" strike="noStrike" cap="none">
           <a:solidFill>
             <a:srgbClr val="000000"/>
           </a:solidFill>
@@ -12644,11 +12949,11 @@
 </file>
 
 <file path=ppt/slides/slide1.xml><?xml version="1.0" encoding="utf-8"?>
-<p:sld xmlns:a="http://schemas.openxmlformats.org/drawingml/2006/main" xmlns:r="http://schemas.openxmlformats.org/officeDocument/2006/relationships" xmlns:mc="http://schemas.openxmlformats.org/markup-compatibility/2006" xmlns:mv="urn:schemas-microsoft-com:mac:vml" xmlns:p="http://schemas.openxmlformats.org/presentationml/2006/main" xmlns:c="http://schemas.openxmlformats.org/drawingml/2006/chart" xmlns:dgm="http://schemas.openxmlformats.org/drawingml/2006/diagram" xmlns:o="urn:schemas-microsoft-com:office:office" xmlns:v="urn:schemas-microsoft-com:vml" xmlns:pvml="urn:schemas-microsoft-com:office:powerpoint" xmlns:com="http://schemas.openxmlformats.org/drawingml/2006/compatibility" xmlns:p14="http://schemas.microsoft.com/office/powerpoint/2010/main" xmlns:p15="http://schemas.microsoft.com/office/powerpoint/2012/main">
+<p:sld xmlns:a="http://schemas.openxmlformats.org/drawingml/2006/main" xmlns:r="http://schemas.openxmlformats.org/officeDocument/2006/relationships" xmlns:p="http://schemas.openxmlformats.org/presentationml/2006/main">
   <p:cSld>
     <p:spTree>
       <p:nvGrpSpPr>
-        <p:cNvPr id="103" name="Shape 103"/>
+        <p:cNvPr id="1" name="Shape 103"/>
         <p:cNvGrpSpPr/>
         <p:nvPr/>
       </p:nvGrpSpPr>
@@ -12663,7 +12968,9 @@
       <p:sp>
         <p:nvSpPr>
           <p:cNvPr id="104" name="Google Shape;104;p14"/>
-          <p:cNvSpPr txBox="1"/>
+          <p:cNvSpPr txBox="1">
+            <a:spLocks noGrp="1"/>
+          </p:cNvSpPr>
           <p:nvPr>
             <p:ph type="ctrTitle"/>
           </p:nvPr>
@@ -12678,12 +12985,12 @@
           </a:prstGeom>
         </p:spPr>
         <p:txBody>
-          <a:bodyPr anchorCtr="0" anchor="ctr" bIns="0" lIns="68575" spcFirstLastPara="1" rIns="68575" wrap="square" tIns="34275">
+          <a:bodyPr spcFirstLastPara="1" wrap="square" lIns="68575" tIns="34275" rIns="68575" bIns="0" anchor="ctr" anchorCtr="0">
             <a:noAutofit/>
           </a:bodyPr>
           <a:lstStyle/>
           <a:p>
-            <a:pPr indent="0" lvl="0" marL="0" rtl="0" algn="ctr">
+            <a:pPr marL="0" lvl="0" indent="0" algn="ctr" rtl="0">
               <a:spcBef>
                 <a:spcPts val="0"/>
               </a:spcBef>
@@ -12693,7 +13000,7 @@
               <a:buNone/>
             </a:pPr>
             <a:r>
-              <a:rPr b="1" lang="en" sz="6000"/>
+              <a:rPr lang="en" sz="6000" b="1"/>
               <a:t>2018 Kansas City Crime Analysis</a:t>
             </a:r>
             <a:endParaRPr b="1"/>
@@ -12703,9 +13010,11 @@
       <p:sp>
         <p:nvSpPr>
           <p:cNvPr id="105" name="Google Shape;105;p14"/>
-          <p:cNvSpPr txBox="1"/>
+          <p:cNvSpPr txBox="1">
+            <a:spLocks noGrp="1"/>
+          </p:cNvSpPr>
           <p:nvPr>
-            <p:ph idx="1" type="subTitle"/>
+            <p:ph type="subTitle" idx="1"/>
           </p:nvPr>
         </p:nvSpPr>
         <p:spPr>
@@ -12718,12 +13027,12 @@
           </a:prstGeom>
         </p:spPr>
         <p:txBody>
-          <a:bodyPr anchorCtr="0" anchor="t" bIns="68575" lIns="68575" spcFirstLastPara="1" rIns="68575" wrap="square" tIns="68575">
+          <a:bodyPr spcFirstLastPara="1" wrap="square" lIns="68575" tIns="68575" rIns="68575" bIns="68575" anchor="t" anchorCtr="0">
             <a:noAutofit/>
           </a:bodyPr>
           <a:lstStyle/>
           <a:p>
-            <a:pPr indent="0" lvl="0" marL="0" rtl="0" algn="l">
+            <a:pPr marL="0" lvl="0" indent="0" algn="l" rtl="0">
               <a:lnSpc>
                 <a:spcPct val="120000"/>
               </a:lnSpc>
@@ -12741,21 +13050,21 @@
               <a:buNone/>
             </a:pPr>
             <a:r>
-              <a:rPr b="1" lang="en" sz="2000">
+              <a:rPr lang="en" sz="2000" b="1">
                 <a:solidFill>
                   <a:schemeClr val="dk1"/>
                 </a:solidFill>
               </a:rPr>
               <a:t>Amber Vasser, Laylaa Tariq, Vamsi Navuluri, John McBride</a:t>
             </a:r>
-            <a:endParaRPr b="1" sz="2000">
+            <a:endParaRPr sz="2000" b="1">
               <a:solidFill>
                 <a:schemeClr val="dk1"/>
               </a:solidFill>
             </a:endParaRPr>
           </a:p>
           <a:p>
-            <a:pPr indent="0" lvl="0" marL="0" rtl="0" algn="l">
+            <a:pPr marL="0" lvl="0" indent="0" algn="l" rtl="0">
               <a:spcBef>
                 <a:spcPts val="800"/>
               </a:spcBef>
@@ -12764,9 +13073,6 @@
               </a:spcAft>
               <a:buNone/>
             </a:pPr>
-            <a:r>
-              <a:t/>
-            </a:r>
             <a:endParaRPr/>
           </a:p>
         </p:txBody>
@@ -12780,11 +13086,11 @@
 </file>
 
 <file path=ppt/slides/slide10.xml><?xml version="1.0" encoding="utf-8"?>
-<p:sld xmlns:a="http://schemas.openxmlformats.org/drawingml/2006/main" xmlns:r="http://schemas.openxmlformats.org/officeDocument/2006/relationships" xmlns:mc="http://schemas.openxmlformats.org/markup-compatibility/2006" xmlns:mv="urn:schemas-microsoft-com:mac:vml" xmlns:p="http://schemas.openxmlformats.org/presentationml/2006/main" xmlns:c="http://schemas.openxmlformats.org/drawingml/2006/chart" xmlns:dgm="http://schemas.openxmlformats.org/drawingml/2006/diagram" xmlns:o="urn:schemas-microsoft-com:office:office" xmlns:v="urn:schemas-microsoft-com:vml" xmlns:pvml="urn:schemas-microsoft-com:office:powerpoint" xmlns:com="http://schemas.openxmlformats.org/drawingml/2006/compatibility" xmlns:p14="http://schemas.microsoft.com/office/powerpoint/2010/main" xmlns:p15="http://schemas.microsoft.com/office/powerpoint/2012/main">
+<p:sld xmlns:a="http://schemas.openxmlformats.org/drawingml/2006/main" xmlns:r="http://schemas.openxmlformats.org/officeDocument/2006/relationships" xmlns:p="http://schemas.openxmlformats.org/presentationml/2006/main">
   <p:cSld>
     <p:spTree>
       <p:nvGrpSpPr>
-        <p:cNvPr id="169" name="Shape 169"/>
+        <p:cNvPr id="1" name="Shape 169"/>
         <p:cNvGrpSpPr/>
         <p:nvPr/>
       </p:nvGrpSpPr>
@@ -12799,7 +13105,9 @@
       <p:sp>
         <p:nvSpPr>
           <p:cNvPr id="170" name="Google Shape;170;p23"/>
-          <p:cNvSpPr txBox="1"/>
+          <p:cNvSpPr txBox="1">
+            <a:spLocks noGrp="1"/>
+          </p:cNvSpPr>
           <p:nvPr>
             <p:ph type="title"/>
           </p:nvPr>
@@ -12814,12 +13122,12 @@
           </a:prstGeom>
         </p:spPr>
         <p:txBody>
-          <a:bodyPr anchorCtr="0" anchor="t" bIns="34275" lIns="68575" spcFirstLastPara="1" rIns="68575" wrap="square" tIns="34275">
+          <a:bodyPr spcFirstLastPara="1" wrap="square" lIns="68575" tIns="34275" rIns="68575" bIns="34275" anchor="t" anchorCtr="0">
             <a:noAutofit/>
           </a:bodyPr>
           <a:lstStyle/>
           <a:p>
-            <a:pPr indent="0" lvl="0" marL="0" rtl="0" algn="ctr">
+            <a:pPr marL="0" lvl="0" indent="0" algn="ctr" rtl="0">
               <a:spcBef>
                 <a:spcPts val="0"/>
               </a:spcBef>
@@ -12844,9 +13152,11 @@
       <p:sp>
         <p:nvSpPr>
           <p:cNvPr id="171" name="Google Shape;171;p23"/>
-          <p:cNvSpPr txBox="1"/>
+          <p:cNvSpPr txBox="1">
+            <a:spLocks noGrp="1"/>
+          </p:cNvSpPr>
           <p:nvPr>
-            <p:ph idx="1" type="body"/>
+            <p:ph type="body" idx="1"/>
           </p:nvPr>
         </p:nvSpPr>
         <p:spPr>
@@ -12859,12 +13169,12 @@
           </a:prstGeom>
         </p:spPr>
         <p:txBody>
-          <a:bodyPr anchorCtr="0" anchor="t" bIns="34275" lIns="68575" spcFirstLastPara="1" rIns="68575" wrap="square" tIns="34275">
+          <a:bodyPr spcFirstLastPara="1" wrap="square" lIns="68575" tIns="34275" rIns="68575" bIns="34275" anchor="t" anchorCtr="0">
             <a:noAutofit/>
           </a:bodyPr>
           <a:lstStyle/>
           <a:p>
-            <a:pPr indent="0" lvl="0" marL="0" rtl="0" algn="l">
+            <a:pPr marL="0" lvl="0" indent="0" algn="l" rtl="0">
               <a:spcBef>
                 <a:spcPts val="800"/>
               </a:spcBef>
@@ -12929,12 +13239,12 @@
           </a:ln>
         </p:spPr>
         <p:txBody>
-          <a:bodyPr anchorCtr="0" anchor="t" bIns="91425" lIns="91425" spcFirstLastPara="1" rIns="91425" wrap="square" tIns="91425">
+          <a:bodyPr spcFirstLastPara="1" wrap="square" lIns="91425" tIns="91425" rIns="91425" bIns="91425" anchor="t" anchorCtr="0">
             <a:noAutofit/>
           </a:bodyPr>
           <a:lstStyle/>
           <a:p>
-            <a:pPr indent="0" lvl="0" marL="0" rtl="0" algn="l">
+            <a:pPr marL="0" lvl="0" indent="0" algn="l" rtl="0">
               <a:lnSpc>
                 <a:spcPct val="115000"/>
               </a:lnSpc>
@@ -12946,9 +13256,6 @@
               </a:spcAft>
               <a:buNone/>
             </a:pPr>
-            <a:r>
-              <a:t/>
-            </a:r>
             <a:endParaRPr sz="1100">
               <a:solidFill>
                 <a:schemeClr val="dk1"/>
@@ -12956,7 +13263,7 @@
             </a:endParaRPr>
           </a:p>
           <a:p>
-            <a:pPr indent="0" lvl="0" marL="914400" rtl="0" algn="l">
+            <a:pPr marL="914400" lvl="0" indent="0" algn="l" rtl="0">
               <a:lnSpc>
                 <a:spcPct val="115000"/>
               </a:lnSpc>
@@ -13007,7 +13314,7 @@
             </a:endParaRPr>
           </a:p>
           <a:p>
-            <a:pPr indent="0" lvl="0" marL="914400" rtl="0" algn="l">
+            <a:pPr marL="914400" lvl="0" indent="0" algn="l" rtl="0">
               <a:lnSpc>
                 <a:spcPct val="115000"/>
               </a:lnSpc>
@@ -13058,7 +13365,7 @@
             </a:endParaRPr>
           </a:p>
           <a:p>
-            <a:pPr indent="0" lvl="0" marL="914400" rtl="0" algn="l">
+            <a:pPr marL="914400" lvl="0" indent="0" algn="l" rtl="0">
               <a:lnSpc>
                 <a:spcPct val="115000"/>
               </a:lnSpc>
@@ -13109,7 +13416,7 @@
             </a:endParaRPr>
           </a:p>
           <a:p>
-            <a:pPr indent="0" lvl="0" marL="914400" rtl="0" algn="l">
+            <a:pPr marL="914400" lvl="0" indent="0" algn="l" rtl="0">
               <a:lnSpc>
                 <a:spcPct val="115000"/>
               </a:lnSpc>
@@ -13160,7 +13467,7 @@
             </a:endParaRPr>
           </a:p>
           <a:p>
-            <a:pPr indent="0" lvl="0" marL="914400" rtl="0" algn="l">
+            <a:pPr marL="914400" lvl="0" indent="0" algn="l" rtl="0">
               <a:lnSpc>
                 <a:spcPct val="115000"/>
               </a:lnSpc>
@@ -13211,7 +13518,7 @@
             </a:endParaRPr>
           </a:p>
           <a:p>
-            <a:pPr indent="0" lvl="0" marL="914400" rtl="0" algn="l">
+            <a:pPr marL="914400" lvl="0" indent="0" algn="l" rtl="0">
               <a:lnSpc>
                 <a:spcPct val="115000"/>
               </a:lnSpc>
@@ -13262,7 +13569,7 @@
             </a:endParaRPr>
           </a:p>
           <a:p>
-            <a:pPr indent="0" lvl="0" marL="914400" rtl="0" algn="l">
+            <a:pPr marL="914400" lvl="0" indent="0" algn="l" rtl="0">
               <a:lnSpc>
                 <a:spcPct val="115000"/>
               </a:lnSpc>
@@ -13313,7 +13620,7 @@
             </a:endParaRPr>
           </a:p>
           <a:p>
-            <a:pPr indent="0" lvl="0" marL="914400" rtl="0" algn="l">
+            <a:pPr marL="914400" lvl="0" indent="0" algn="l" rtl="0">
               <a:lnSpc>
                 <a:spcPct val="115000"/>
               </a:lnSpc>
@@ -13364,7 +13671,7 @@
             </a:endParaRPr>
           </a:p>
           <a:p>
-            <a:pPr indent="0" lvl="0" marL="0" rtl="0" algn="l">
+            <a:pPr marL="0" lvl="0" indent="0" algn="l" rtl="0">
               <a:spcBef>
                 <a:spcPts val="0"/>
               </a:spcBef>
@@ -13373,9 +13680,6 @@
               </a:spcAft>
               <a:buNone/>
             </a:pPr>
-            <a:r>
-              <a:t/>
-            </a:r>
             <a:endParaRPr>
               <a:latin typeface="Century Gothic"/>
               <a:ea typeface="Century Gothic"/>
@@ -13405,12 +13709,12 @@
           </a:ln>
         </p:spPr>
         <p:txBody>
-          <a:bodyPr anchorCtr="0" anchor="t" bIns="91425" lIns="91425" spcFirstLastPara="1" rIns="91425" wrap="square" tIns="91425">
+          <a:bodyPr spcFirstLastPara="1" wrap="square" lIns="91425" tIns="91425" rIns="91425" bIns="91425" anchor="t" anchorCtr="0">
             <a:noAutofit/>
           </a:bodyPr>
           <a:lstStyle/>
           <a:p>
-            <a:pPr indent="0" lvl="0" marL="0" rtl="0" algn="l">
+            <a:pPr marL="0" lvl="0" indent="0" algn="l" rtl="0">
               <a:spcBef>
                 <a:spcPts val="0"/>
               </a:spcBef>
@@ -13436,7 +13740,7 @@
             </a:endParaRPr>
           </a:p>
           <a:p>
-            <a:pPr indent="0" lvl="0" marL="0" rtl="0" algn="l">
+            <a:pPr marL="0" lvl="0" indent="0" algn="l" rtl="0">
               <a:spcBef>
                 <a:spcPts val="0"/>
               </a:spcBef>
@@ -13460,19 +13764,7 @@
                 <a:cs typeface="Century Gothic"/>
                 <a:sym typeface="Century Gothic"/>
               </a:rPr>
-              <a:t>S</a:t>
-            </a:r>
-            <a:r>
-              <a:rPr lang="en">
-                <a:solidFill>
-                  <a:schemeClr val="dk1"/>
-                </a:solidFill>
-                <a:latin typeface="Century Gothic"/>
-                <a:ea typeface="Century Gothic"/>
-                <a:cs typeface="Century Gothic"/>
-                <a:sym typeface="Century Gothic"/>
-              </a:rPr>
-              <a:t>PD- 155 Lowest number of total active crime (Rural/Suburban)</a:t>
+              <a:t>SPD- 155 Lowest number of total active crime (Rural/Suburban)</a:t>
             </a:r>
             <a:endParaRPr>
               <a:latin typeface="Century Gothic"/>
@@ -13492,11 +13784,11 @@
 </file>
 
 <file path=ppt/slides/slide11.xml><?xml version="1.0" encoding="utf-8"?>
-<p:sld xmlns:a="http://schemas.openxmlformats.org/drawingml/2006/main" xmlns:r="http://schemas.openxmlformats.org/officeDocument/2006/relationships" xmlns:mc="http://schemas.openxmlformats.org/markup-compatibility/2006" xmlns:mv="urn:schemas-microsoft-com:mac:vml" xmlns:p="http://schemas.openxmlformats.org/presentationml/2006/main" xmlns:c="http://schemas.openxmlformats.org/drawingml/2006/chart" xmlns:dgm="http://schemas.openxmlformats.org/drawingml/2006/diagram" xmlns:o="urn:schemas-microsoft-com:office:office" xmlns:v="urn:schemas-microsoft-com:vml" xmlns:pvml="urn:schemas-microsoft-com:office:powerpoint" xmlns:com="http://schemas.openxmlformats.org/drawingml/2006/compatibility" xmlns:p14="http://schemas.microsoft.com/office/powerpoint/2010/main" xmlns:p15="http://schemas.microsoft.com/office/powerpoint/2012/main">
+<p:sld xmlns:a="http://schemas.openxmlformats.org/drawingml/2006/main" xmlns:r="http://schemas.openxmlformats.org/officeDocument/2006/relationships" xmlns:p="http://schemas.openxmlformats.org/presentationml/2006/main">
   <p:cSld>
     <p:spTree>
       <p:nvGrpSpPr>
-        <p:cNvPr id="178" name="Shape 178"/>
+        <p:cNvPr id="1" name="Shape 178"/>
         <p:cNvGrpSpPr/>
         <p:nvPr/>
       </p:nvGrpSpPr>
@@ -13511,7 +13803,9 @@
       <p:sp>
         <p:nvSpPr>
           <p:cNvPr id="179" name="Google Shape;179;p24"/>
-          <p:cNvSpPr txBox="1"/>
+          <p:cNvSpPr txBox="1">
+            <a:spLocks noGrp="1"/>
+          </p:cNvSpPr>
           <p:nvPr>
             <p:ph type="title"/>
           </p:nvPr>
@@ -13526,12 +13820,12 @@
           </a:prstGeom>
         </p:spPr>
         <p:txBody>
-          <a:bodyPr anchorCtr="0" anchor="t" bIns="34275" lIns="68575" spcFirstLastPara="1" rIns="68575" wrap="square" tIns="34275">
+          <a:bodyPr spcFirstLastPara="1" wrap="square" lIns="68575" tIns="34275" rIns="68575" bIns="34275" anchor="t" anchorCtr="0">
             <a:noAutofit/>
           </a:bodyPr>
           <a:lstStyle/>
           <a:p>
-            <a:pPr indent="0" lvl="0" marL="0" rtl="0" algn="l">
+            <a:pPr marL="0" lvl="0" indent="0" algn="l" rtl="0">
               <a:spcBef>
                 <a:spcPts val="0"/>
               </a:spcBef>
@@ -13546,7 +13840,7 @@
               <a:buNone/>
             </a:pPr>
             <a:r>
-              <a:rPr b="1" lang="en"/>
+              <a:rPr lang="en" b="1"/>
               <a:t>Future Considerations</a:t>
             </a:r>
             <a:endParaRPr/>
@@ -13556,9 +13850,11 @@
       <p:sp>
         <p:nvSpPr>
           <p:cNvPr id="180" name="Google Shape;180;p24"/>
-          <p:cNvSpPr txBox="1"/>
+          <p:cNvSpPr txBox="1">
+            <a:spLocks noGrp="1"/>
+          </p:cNvSpPr>
           <p:nvPr>
-            <p:ph idx="1" type="body"/>
+            <p:ph type="body" idx="1"/>
           </p:nvPr>
         </p:nvSpPr>
         <p:spPr>
@@ -13571,12 +13867,12 @@
           </a:prstGeom>
         </p:spPr>
         <p:txBody>
-          <a:bodyPr anchorCtr="0" anchor="t" bIns="34275" lIns="68575" spcFirstLastPara="1" rIns="68575" wrap="square" tIns="34275">
+          <a:bodyPr spcFirstLastPara="1" wrap="square" lIns="68575" tIns="34275" rIns="68575" bIns="34275" anchor="t" anchorCtr="0">
             <a:noAutofit/>
           </a:bodyPr>
           <a:lstStyle/>
           <a:p>
-            <a:pPr indent="0" lvl="0" marL="0" rtl="0" algn="l">
+            <a:pPr marL="0" lvl="0" indent="0" algn="l" rtl="0">
               <a:spcBef>
                 <a:spcPts val="800"/>
               </a:spcBef>
@@ -13585,13 +13881,10 @@
               </a:spcAft>
               <a:buNone/>
             </a:pPr>
-            <a:r>
-              <a:t/>
-            </a:r>
-            <a:endParaRPr/>
+            <a:endParaRPr dirty="0"/>
           </a:p>
           <a:p>
-            <a:pPr indent="-323850" lvl="0" marL="457200" rtl="0" algn="l">
+            <a:pPr marL="457200" lvl="0" indent="-323850" algn="l" rtl="0">
               <a:spcBef>
                 <a:spcPts val="800"/>
               </a:spcBef>
@@ -13602,15 +13895,14 @@
               <a:buChar char="●"/>
             </a:pPr>
             <a:r>
-              <a:rPr lang="en"/>
+              <a:rPr lang="en" dirty="0"/>
               <a:t>Would the police be able to use this data to determine where the best location would be for planning any future  hot spot policing, camera locations  and  or future police stations in the Kansas City Metro to have the greatest impact on high crime areas?</a:t>
             </a:r>
-            <a:endParaRPr/>
           </a:p>
           <a:p>
-            <a:pPr indent="-323850" lvl="0" marL="457200" rtl="0" algn="l">
-              <a:spcBef>
-                <a:spcPts val="0"/>
+            <a:pPr marL="457200" lvl="0" indent="-323850" algn="l" rtl="0">
+              <a:spcBef>
+                <a:spcPts val="800"/>
               </a:spcBef>
               <a:spcAft>
                 <a:spcPts val="0"/>
@@ -13619,13 +13911,38 @@
               <a:buChar char="●"/>
             </a:pPr>
             <a:r>
-              <a:rPr lang="en"/>
+              <a:rPr lang="en" dirty="0"/>
+              <a:t>What factors correlate to the rise in crime? Time of the day? Weather?Look at the pattern over year</a:t>
+            </a:r>
+            <a:r>
+              <a:rPr lang="en-US" dirty="0"/>
+              <a:t>s</a:t>
+            </a:r>
+            <a:r>
+              <a:rPr lang="en" dirty="0"/>
+              <a:t>?</a:t>
+            </a:r>
+            <a:endParaRPr dirty="0"/>
+          </a:p>
+          <a:p>
+            <a:pPr marL="457200" lvl="0" indent="-323850" algn="l" rtl="0">
+              <a:spcBef>
+                <a:spcPts val="0"/>
+              </a:spcBef>
+              <a:spcAft>
+                <a:spcPts val="0"/>
+              </a:spcAft>
+              <a:buSzPts val="1500"/>
+              <a:buChar char="●"/>
+            </a:pPr>
+            <a:r>
+              <a:rPr lang="en" dirty="0"/>
               <a:t>How do patterns in the urban areas and poverty rates play a role in determining the crime rate of particular areas in  Kansas City, MO?</a:t>
             </a:r>
-            <a:endParaRPr/>
+            <a:endParaRPr dirty="0"/>
           </a:p>
           <a:p>
-            <a:pPr indent="0" lvl="0" marL="457200" rtl="0" algn="l">
+            <a:pPr marL="457200" lvl="0" indent="0" algn="l" rtl="0">
               <a:spcBef>
                 <a:spcPts val="800"/>
               </a:spcBef>
@@ -13634,10 +13951,7 @@
               </a:spcAft>
               <a:buNone/>
             </a:pPr>
-            <a:r>
-              <a:t/>
-            </a:r>
-            <a:endParaRPr/>
+            <a:endParaRPr dirty="0"/>
           </a:p>
         </p:txBody>
       </p:sp>
@@ -13650,11 +13964,11 @@
 </file>
 
 <file path=ppt/slides/slide12.xml><?xml version="1.0" encoding="utf-8"?>
-<p:sld xmlns:a="http://schemas.openxmlformats.org/drawingml/2006/main" xmlns:r="http://schemas.openxmlformats.org/officeDocument/2006/relationships" xmlns:mc="http://schemas.openxmlformats.org/markup-compatibility/2006" xmlns:mv="urn:schemas-microsoft-com:mac:vml" xmlns:p="http://schemas.openxmlformats.org/presentationml/2006/main" xmlns:c="http://schemas.openxmlformats.org/drawingml/2006/chart" xmlns:dgm="http://schemas.openxmlformats.org/drawingml/2006/diagram" xmlns:o="urn:schemas-microsoft-com:office:office" xmlns:v="urn:schemas-microsoft-com:vml" xmlns:pvml="urn:schemas-microsoft-com:office:powerpoint" xmlns:com="http://schemas.openxmlformats.org/drawingml/2006/compatibility" xmlns:p14="http://schemas.microsoft.com/office/powerpoint/2010/main" xmlns:p15="http://schemas.microsoft.com/office/powerpoint/2012/main">
+<p:sld xmlns:a="http://schemas.openxmlformats.org/drawingml/2006/main" xmlns:r="http://schemas.openxmlformats.org/officeDocument/2006/relationships" xmlns:p="http://schemas.openxmlformats.org/presentationml/2006/main">
   <p:cSld>
     <p:spTree>
       <p:nvGrpSpPr>
-        <p:cNvPr id="184" name="Shape 184"/>
+        <p:cNvPr id="1" name="Shape 184"/>
         <p:cNvGrpSpPr/>
         <p:nvPr/>
       </p:nvGrpSpPr>
@@ -13669,7 +13983,9 @@
       <p:sp>
         <p:nvSpPr>
           <p:cNvPr id="185" name="Google Shape;185;p25"/>
-          <p:cNvSpPr txBox="1"/>
+          <p:cNvSpPr txBox="1">
+            <a:spLocks noGrp="1"/>
+          </p:cNvSpPr>
           <p:nvPr>
             <p:ph type="title"/>
           </p:nvPr>
@@ -13684,12 +14000,12 @@
           </a:prstGeom>
         </p:spPr>
         <p:txBody>
-          <a:bodyPr anchorCtr="0" anchor="t" bIns="34275" lIns="68575" spcFirstLastPara="1" rIns="68575" wrap="square" tIns="34275">
+          <a:bodyPr spcFirstLastPara="1" wrap="square" lIns="68575" tIns="34275" rIns="68575" bIns="34275" anchor="t" anchorCtr="0">
             <a:noAutofit/>
           </a:bodyPr>
           <a:lstStyle/>
           <a:p>
-            <a:pPr indent="0" lvl="0" marL="0" rtl="0" algn="l">
+            <a:pPr marL="0" lvl="0" indent="0" algn="l" rtl="0">
               <a:spcBef>
                 <a:spcPts val="0"/>
               </a:spcBef>
@@ -13704,7 +14020,7 @@
               <a:buNone/>
             </a:pPr>
             <a:r>
-              <a:rPr b="1" lang="en"/>
+              <a:rPr lang="en" b="1"/>
               <a:t>Conclusions</a:t>
             </a:r>
             <a:endParaRPr/>
@@ -13714,9 +14030,11 @@
       <p:sp>
         <p:nvSpPr>
           <p:cNvPr id="186" name="Google Shape;186;p25"/>
-          <p:cNvSpPr txBox="1"/>
+          <p:cNvSpPr txBox="1">
+            <a:spLocks noGrp="1"/>
+          </p:cNvSpPr>
           <p:nvPr>
-            <p:ph idx="1" type="body"/>
+            <p:ph type="body" idx="1"/>
           </p:nvPr>
         </p:nvSpPr>
         <p:spPr>
@@ -13729,12 +14047,12 @@
           </a:prstGeom>
         </p:spPr>
         <p:txBody>
-          <a:bodyPr anchorCtr="0" anchor="t" bIns="34275" lIns="68575" spcFirstLastPara="1" rIns="68575" wrap="square" tIns="34275">
+          <a:bodyPr spcFirstLastPara="1" wrap="square" lIns="68575" tIns="34275" rIns="68575" bIns="34275" anchor="t" anchorCtr="0">
             <a:noAutofit/>
           </a:bodyPr>
           <a:lstStyle/>
           <a:p>
-            <a:pPr indent="-323850" lvl="0" marL="457200" rtl="0" algn="l">
+            <a:pPr marL="457200" lvl="0" indent="-323850" algn="l" rtl="0">
               <a:spcBef>
                 <a:spcPts val="1000"/>
               </a:spcBef>
@@ -13751,7 +14069,7 @@
             <a:endParaRPr sz="1800"/>
           </a:p>
           <a:p>
-            <a:pPr indent="-342900" lvl="0" marL="457200" rtl="0" algn="l">
+            <a:pPr marL="457200" lvl="0" indent="-342900" algn="l" rtl="0">
               <a:spcBef>
                 <a:spcPts val="0"/>
               </a:spcBef>
@@ -13768,7 +14086,7 @@
             <a:endParaRPr sz="1800"/>
           </a:p>
           <a:p>
-            <a:pPr indent="-342900" lvl="0" marL="457200" rtl="0" algn="l">
+            <a:pPr marL="457200" lvl="0" indent="-342900" algn="l" rtl="0">
               <a:spcBef>
                 <a:spcPts val="0"/>
               </a:spcBef>
@@ -13795,11 +14113,11 @@
 </file>
 
 <file path=ppt/slides/slide2.xml><?xml version="1.0" encoding="utf-8"?>
-<p:sld xmlns:a="http://schemas.openxmlformats.org/drawingml/2006/main" xmlns:r="http://schemas.openxmlformats.org/officeDocument/2006/relationships" xmlns:mc="http://schemas.openxmlformats.org/markup-compatibility/2006" xmlns:mv="urn:schemas-microsoft-com:mac:vml" xmlns:p="http://schemas.openxmlformats.org/presentationml/2006/main" xmlns:c="http://schemas.openxmlformats.org/drawingml/2006/chart" xmlns:dgm="http://schemas.openxmlformats.org/drawingml/2006/diagram" xmlns:o="urn:schemas-microsoft-com:office:office" xmlns:v="urn:schemas-microsoft-com:vml" xmlns:pvml="urn:schemas-microsoft-com:office:powerpoint" xmlns:com="http://schemas.openxmlformats.org/drawingml/2006/compatibility" xmlns:p14="http://schemas.microsoft.com/office/powerpoint/2010/main" xmlns:p15="http://schemas.microsoft.com/office/powerpoint/2012/main">
+<p:sld xmlns:a="http://schemas.openxmlformats.org/drawingml/2006/main" xmlns:r="http://schemas.openxmlformats.org/officeDocument/2006/relationships" xmlns:p="http://schemas.openxmlformats.org/presentationml/2006/main">
   <p:cSld>
     <p:spTree>
       <p:nvGrpSpPr>
-        <p:cNvPr id="109" name="Shape 109"/>
+        <p:cNvPr id="1" name="Shape 109"/>
         <p:cNvGrpSpPr/>
         <p:nvPr/>
       </p:nvGrpSpPr>
@@ -13814,7 +14132,9 @@
       <p:sp>
         <p:nvSpPr>
           <p:cNvPr id="110" name="Google Shape;110;p15"/>
-          <p:cNvSpPr txBox="1"/>
+          <p:cNvSpPr txBox="1">
+            <a:spLocks noGrp="1"/>
+          </p:cNvSpPr>
           <p:nvPr>
             <p:ph type="title"/>
           </p:nvPr>
@@ -13829,12 +14149,12 @@
           </a:prstGeom>
         </p:spPr>
         <p:txBody>
-          <a:bodyPr anchorCtr="0" anchor="t" bIns="34275" lIns="68575" spcFirstLastPara="1" rIns="68575" wrap="square" tIns="34275">
+          <a:bodyPr spcFirstLastPara="1" wrap="square" lIns="68575" tIns="34275" rIns="68575" bIns="34275" anchor="t" anchorCtr="0">
             <a:noAutofit/>
           </a:bodyPr>
           <a:lstStyle/>
           <a:p>
-            <a:pPr indent="0" lvl="0" marL="0" rtl="0" algn="l">
+            <a:pPr marL="0" lvl="0" indent="0" algn="l" rtl="0">
               <a:spcBef>
                 <a:spcPts val="0"/>
               </a:spcBef>
@@ -13844,19 +14164,21 @@
               <a:buNone/>
             </a:pPr>
             <a:r>
-              <a:rPr b="1" lang="en" sz="3000"/>
+              <a:rPr lang="en" sz="3000" b="1"/>
               <a:t>Outline</a:t>
             </a:r>
-            <a:endParaRPr b="1" sz="3000"/>
+            <a:endParaRPr sz="3000" b="1"/>
           </a:p>
         </p:txBody>
       </p:sp>
       <p:sp>
         <p:nvSpPr>
           <p:cNvPr id="111" name="Google Shape;111;p15"/>
-          <p:cNvSpPr txBox="1"/>
+          <p:cNvSpPr txBox="1">
+            <a:spLocks noGrp="1"/>
+          </p:cNvSpPr>
           <p:nvPr>
-            <p:ph idx="1" type="body"/>
+            <p:ph type="body" idx="1"/>
           </p:nvPr>
         </p:nvSpPr>
         <p:spPr>
@@ -13869,12 +14191,12 @@
           </a:prstGeom>
         </p:spPr>
         <p:txBody>
-          <a:bodyPr anchorCtr="0" anchor="t" bIns="34275" lIns="68575" spcFirstLastPara="1" rIns="68575" wrap="square" tIns="34275">
+          <a:bodyPr spcFirstLastPara="1" wrap="square" lIns="68575" tIns="34275" rIns="68575" bIns="34275" anchor="t" anchorCtr="0">
             <a:noAutofit/>
           </a:bodyPr>
           <a:lstStyle/>
           <a:p>
-            <a:pPr indent="0" lvl="0" marL="0" rtl="0" algn="l">
+            <a:pPr marL="0" lvl="0" indent="0" algn="l" rtl="0">
               <a:spcBef>
                 <a:spcPts val="1000"/>
               </a:spcBef>
@@ -13899,7 +14221,7 @@
             </a:endParaRPr>
           </a:p>
           <a:p>
-            <a:pPr indent="0" lvl="0" marL="0" rtl="0" algn="l">
+            <a:pPr marL="0" lvl="0" indent="0" algn="l" rtl="0">
               <a:lnSpc>
                 <a:spcPct val="120000"/>
               </a:lnSpc>
@@ -13931,7 +14253,7 @@
             </a:endParaRPr>
           </a:p>
           <a:p>
-            <a:pPr indent="0" lvl="0" marL="0" rtl="0" algn="l">
+            <a:pPr marL="0" lvl="0" indent="0" algn="l" rtl="0">
               <a:lnSpc>
                 <a:spcPct val="120000"/>
               </a:lnSpc>
@@ -13963,7 +14285,7 @@
             </a:endParaRPr>
           </a:p>
           <a:p>
-            <a:pPr indent="0" lvl="0" marL="0" rtl="0" algn="l">
+            <a:pPr marL="0" lvl="0" indent="0" algn="l" rtl="0">
               <a:lnSpc>
                 <a:spcPct val="120000"/>
               </a:lnSpc>
@@ -13994,7 +14316,7 @@
             <a:endParaRPr sz="1800"/>
           </a:p>
           <a:p>
-            <a:pPr indent="-342900" lvl="0" marL="457200" rtl="0" algn="l">
+            <a:pPr marL="457200" lvl="0" indent="-342900" algn="l" rtl="0">
               <a:spcBef>
                 <a:spcPts val="1000"/>
               </a:spcBef>
@@ -14011,7 +14333,7 @@
             <a:endParaRPr sz="1800"/>
           </a:p>
           <a:p>
-            <a:pPr indent="-342900" lvl="0" marL="457200" rtl="0" algn="l">
+            <a:pPr marL="457200" lvl="0" indent="-342900" algn="l" rtl="0">
               <a:lnSpc>
                 <a:spcPct val="120000"/>
               </a:lnSpc>
@@ -14026,20 +14348,12 @@
             </a:pPr>
             <a:r>
               <a:rPr lang="en" sz="1800"/>
-              <a:t>Total/</a:t>
-            </a:r>
-            <a:r>
-              <a:rPr lang="en" sz="1800"/>
-              <a:t>Types</a:t>
-            </a:r>
-            <a:r>
-              <a:rPr lang="en" sz="1800"/>
-              <a:t> of crime by Month in 2018</a:t>
+              <a:t>Total/Types of crime by Month in 2018</a:t>
             </a:r>
             <a:endParaRPr sz="1800"/>
           </a:p>
           <a:p>
-            <a:pPr indent="-342900" lvl="0" marL="457200" rtl="0" algn="l">
+            <a:pPr marL="457200" lvl="0" indent="-342900" algn="l" rtl="0">
               <a:lnSpc>
                 <a:spcPct val="120000"/>
               </a:lnSpc>
@@ -14059,7 +14373,7 @@
             <a:endParaRPr sz="1800"/>
           </a:p>
           <a:p>
-            <a:pPr indent="-342900" lvl="0" marL="457200" rtl="0" algn="l">
+            <a:pPr marL="457200" lvl="0" indent="-342900" algn="l" rtl="0">
               <a:lnSpc>
                 <a:spcPct val="120000"/>
               </a:lnSpc>
@@ -14074,20 +14388,12 @@
             </a:pPr>
             <a:r>
               <a:rPr lang="en" sz="1800"/>
-              <a:t>Police Divisions locations of crime </a:t>
-            </a:r>
-            <a:r>
-              <a:rPr lang="en" sz="1800"/>
-              <a:t>occurrences</a:t>
-            </a:r>
-            <a:r>
-              <a:rPr lang="en" sz="1800"/>
-              <a:t> </a:t>
+              <a:t>Police Divisions locations of crime occurrences </a:t>
             </a:r>
             <a:endParaRPr sz="1800"/>
           </a:p>
           <a:p>
-            <a:pPr indent="0" lvl="0" marL="0" rtl="0" algn="l">
+            <a:pPr marL="0" lvl="0" indent="0" algn="l" rtl="0">
               <a:lnSpc>
                 <a:spcPct val="120000"/>
               </a:lnSpc>
@@ -14123,7 +14429,7 @@
             <a:endParaRPr sz="1800"/>
           </a:p>
           <a:p>
-            <a:pPr indent="0" lvl="0" marL="0" rtl="0" algn="l">
+            <a:pPr marL="0" lvl="0" indent="0" algn="l" rtl="0">
               <a:lnSpc>
                 <a:spcPct val="120000"/>
               </a:lnSpc>
@@ -14159,7 +14465,7 @@
             <a:endParaRPr sz="1800"/>
           </a:p>
           <a:p>
-            <a:pPr indent="0" lvl="0" marL="0" rtl="0" algn="l">
+            <a:pPr marL="0" lvl="0" indent="0" algn="l" rtl="0">
               <a:spcBef>
                 <a:spcPts val="800"/>
               </a:spcBef>
@@ -14168,9 +14474,6 @@
               </a:spcAft>
               <a:buNone/>
             </a:pPr>
-            <a:r>
-              <a:t/>
-            </a:r>
             <a:endParaRPr/>
           </a:p>
         </p:txBody>
@@ -14184,11 +14487,11 @@
 </file>
 
 <file path=ppt/slides/slide3.xml><?xml version="1.0" encoding="utf-8"?>
-<p:sld xmlns:a="http://schemas.openxmlformats.org/drawingml/2006/main" xmlns:r="http://schemas.openxmlformats.org/officeDocument/2006/relationships" xmlns:mc="http://schemas.openxmlformats.org/markup-compatibility/2006" xmlns:mv="urn:schemas-microsoft-com:mac:vml" xmlns:p="http://schemas.openxmlformats.org/presentationml/2006/main" xmlns:c="http://schemas.openxmlformats.org/drawingml/2006/chart" xmlns:dgm="http://schemas.openxmlformats.org/drawingml/2006/diagram" xmlns:o="urn:schemas-microsoft-com:office:office" xmlns:v="urn:schemas-microsoft-com:vml" xmlns:pvml="urn:schemas-microsoft-com:office:powerpoint" xmlns:com="http://schemas.openxmlformats.org/drawingml/2006/compatibility" xmlns:p14="http://schemas.microsoft.com/office/powerpoint/2010/main" xmlns:p15="http://schemas.microsoft.com/office/powerpoint/2012/main">
+<p:sld xmlns:a="http://schemas.openxmlformats.org/drawingml/2006/main" xmlns:r="http://schemas.openxmlformats.org/officeDocument/2006/relationships" xmlns:p="http://schemas.openxmlformats.org/presentationml/2006/main">
   <p:cSld>
     <p:spTree>
       <p:nvGrpSpPr>
-        <p:cNvPr id="115" name="Shape 115"/>
+        <p:cNvPr id="1" name="Shape 115"/>
         <p:cNvGrpSpPr/>
         <p:nvPr/>
       </p:nvGrpSpPr>
@@ -14203,7 +14506,9 @@
       <p:sp>
         <p:nvSpPr>
           <p:cNvPr id="116" name="Google Shape;116;p16"/>
-          <p:cNvSpPr txBox="1"/>
+          <p:cNvSpPr txBox="1">
+            <a:spLocks noGrp="1"/>
+          </p:cNvSpPr>
           <p:nvPr>
             <p:ph type="title"/>
           </p:nvPr>
@@ -14218,12 +14523,12 @@
           </a:prstGeom>
         </p:spPr>
         <p:txBody>
-          <a:bodyPr anchorCtr="0" anchor="t" bIns="34275" lIns="68575" spcFirstLastPara="1" rIns="68575" wrap="square" tIns="34275">
+          <a:bodyPr spcFirstLastPara="1" wrap="square" lIns="68575" tIns="34275" rIns="68575" bIns="34275" anchor="t" anchorCtr="0">
             <a:noAutofit/>
           </a:bodyPr>
           <a:lstStyle/>
           <a:p>
-            <a:pPr indent="0" lvl="0" marL="0" rtl="0" algn="l">
+            <a:pPr marL="0" lvl="0" indent="0" algn="l" rtl="0">
               <a:spcBef>
                 <a:spcPts val="0"/>
               </a:spcBef>
@@ -14233,7 +14538,7 @@
               <a:buNone/>
             </a:pPr>
             <a:r>
-              <a:rPr b="1" lang="en"/>
+              <a:rPr lang="en" b="1"/>
               <a:t>Assumption</a:t>
             </a:r>
             <a:endParaRPr b="1"/>
@@ -14243,9 +14548,11 @@
       <p:sp>
         <p:nvSpPr>
           <p:cNvPr id="117" name="Google Shape;117;p16"/>
-          <p:cNvSpPr txBox="1"/>
+          <p:cNvSpPr txBox="1">
+            <a:spLocks noGrp="1"/>
+          </p:cNvSpPr>
           <p:nvPr>
-            <p:ph idx="1" type="body"/>
+            <p:ph type="body" idx="1"/>
           </p:nvPr>
         </p:nvSpPr>
         <p:spPr>
@@ -14258,12 +14565,12 @@
           </a:prstGeom>
         </p:spPr>
         <p:txBody>
-          <a:bodyPr anchorCtr="0" anchor="t" bIns="34275" lIns="68575" spcFirstLastPara="1" rIns="68575" wrap="square" tIns="34275">
+          <a:bodyPr spcFirstLastPara="1" wrap="square" lIns="68575" tIns="34275" rIns="68575" bIns="34275" anchor="t" anchorCtr="0">
             <a:noAutofit/>
           </a:bodyPr>
           <a:lstStyle/>
           <a:p>
-            <a:pPr indent="0" lvl="0" marL="0" rtl="0" algn="l">
+            <a:pPr marL="0" lvl="0" indent="0" algn="l" rtl="0">
               <a:spcBef>
                 <a:spcPts val="1000"/>
               </a:spcBef>
@@ -14294,11 +14601,11 @@
 </file>
 
 <file path=ppt/slides/slide4.xml><?xml version="1.0" encoding="utf-8"?>
-<p:sld xmlns:a="http://schemas.openxmlformats.org/drawingml/2006/main" xmlns:r="http://schemas.openxmlformats.org/officeDocument/2006/relationships" xmlns:mc="http://schemas.openxmlformats.org/markup-compatibility/2006" xmlns:mv="urn:schemas-microsoft-com:mac:vml" xmlns:p="http://schemas.openxmlformats.org/presentationml/2006/main" xmlns:c="http://schemas.openxmlformats.org/drawingml/2006/chart" xmlns:dgm="http://schemas.openxmlformats.org/drawingml/2006/diagram" xmlns:o="urn:schemas-microsoft-com:office:office" xmlns:v="urn:schemas-microsoft-com:vml" xmlns:pvml="urn:schemas-microsoft-com:office:powerpoint" xmlns:com="http://schemas.openxmlformats.org/drawingml/2006/compatibility" xmlns:p14="http://schemas.microsoft.com/office/powerpoint/2010/main" xmlns:p15="http://schemas.microsoft.com/office/powerpoint/2012/main">
+<p:sld xmlns:a="http://schemas.openxmlformats.org/drawingml/2006/main" xmlns:r="http://schemas.openxmlformats.org/officeDocument/2006/relationships" xmlns:p="http://schemas.openxmlformats.org/presentationml/2006/main">
   <p:cSld>
     <p:spTree>
       <p:nvGrpSpPr>
-        <p:cNvPr id="121" name="Shape 121"/>
+        <p:cNvPr id="1" name="Shape 121"/>
         <p:cNvGrpSpPr/>
         <p:nvPr/>
       </p:nvGrpSpPr>
@@ -14313,7 +14620,9 @@
       <p:sp>
         <p:nvSpPr>
           <p:cNvPr id="122" name="Google Shape;122;p17"/>
-          <p:cNvSpPr txBox="1"/>
+          <p:cNvSpPr txBox="1">
+            <a:spLocks noGrp="1"/>
+          </p:cNvSpPr>
           <p:nvPr>
             <p:ph type="title"/>
           </p:nvPr>
@@ -14328,12 +14637,12 @@
           </a:prstGeom>
         </p:spPr>
         <p:txBody>
-          <a:bodyPr anchorCtr="0" anchor="t" bIns="34275" lIns="68575" spcFirstLastPara="1" rIns="68575" wrap="square" tIns="34275">
+          <a:bodyPr spcFirstLastPara="1" wrap="square" lIns="68575" tIns="34275" rIns="68575" bIns="34275" anchor="t" anchorCtr="0">
             <a:noAutofit/>
           </a:bodyPr>
           <a:lstStyle/>
           <a:p>
-            <a:pPr indent="0" lvl="0" marL="0" rtl="0" algn="l">
+            <a:pPr marL="0" lvl="0" indent="0" algn="l" rtl="0">
               <a:spcBef>
                 <a:spcPts val="0"/>
               </a:spcBef>
@@ -14343,7 +14652,7 @@
               <a:buNone/>
             </a:pPr>
             <a:r>
-              <a:rPr b="1" lang="en"/>
+              <a:rPr lang="en" b="1"/>
               <a:t>Objectives</a:t>
             </a:r>
             <a:endParaRPr b="1"/>
@@ -14353,9 +14662,11 @@
       <p:sp>
         <p:nvSpPr>
           <p:cNvPr id="123" name="Google Shape;123;p17"/>
-          <p:cNvSpPr txBox="1"/>
+          <p:cNvSpPr txBox="1">
+            <a:spLocks noGrp="1"/>
+          </p:cNvSpPr>
           <p:nvPr>
-            <p:ph idx="1" type="body"/>
+            <p:ph type="body" idx="1"/>
           </p:nvPr>
         </p:nvSpPr>
         <p:spPr>
@@ -14368,12 +14679,12 @@
           </a:prstGeom>
         </p:spPr>
         <p:txBody>
-          <a:bodyPr anchorCtr="0" anchor="t" bIns="34275" lIns="68575" spcFirstLastPara="1" rIns="68575" wrap="square" tIns="34275">
+          <a:bodyPr spcFirstLastPara="1" wrap="square" lIns="68575" tIns="34275" rIns="68575" bIns="34275" anchor="t" anchorCtr="0">
             <a:noAutofit/>
           </a:bodyPr>
           <a:lstStyle/>
           <a:p>
-            <a:pPr indent="0" lvl="0" marL="0" rtl="0" algn="l">
+            <a:pPr marL="0" lvl="0" indent="0" algn="l" rtl="0">
               <a:lnSpc>
                 <a:spcPct val="120000"/>
               </a:lnSpc>
@@ -14400,7 +14711,7 @@
             </a:endParaRPr>
           </a:p>
           <a:p>
-            <a:pPr indent="-323850" lvl="0" marL="457200" rtl="0" algn="l">
+            <a:pPr marL="457200" lvl="0" indent="-323850" algn="l" rtl="0">
               <a:lnSpc>
                 <a:spcPct val="120000"/>
               </a:lnSpc>
@@ -14432,7 +14743,7 @@
             </a:endParaRPr>
           </a:p>
           <a:p>
-            <a:pPr indent="-323850" lvl="0" marL="457200" rtl="0" algn="l">
+            <a:pPr marL="457200" lvl="0" indent="-323850" algn="l" rtl="0">
               <a:lnSpc>
                 <a:spcPct val="120000"/>
               </a:lnSpc>
@@ -14455,15 +14766,7 @@
                   <a:srgbClr val="000000"/>
                 </a:solidFill>
               </a:rPr>
-              <a:t>Do different times of the year affect the number or types of crimes committed</a:t>
-            </a:r>
-            <a:r>
-              <a:rPr lang="en" sz="1800">
-                <a:solidFill>
-                  <a:srgbClr val="000000"/>
-                </a:solidFill>
-              </a:rPr>
-              <a:t>? Crimes by Month in 2018?</a:t>
+              <a:t>Do different times of the year affect the number or types of crimes committed? Crimes by Month in 2018?</a:t>
             </a:r>
             <a:endParaRPr sz="1800">
               <a:solidFill>
@@ -14472,7 +14775,7 @@
             </a:endParaRPr>
           </a:p>
           <a:p>
-            <a:pPr indent="-342900" lvl="0" marL="457200" rtl="0" algn="l">
+            <a:pPr marL="457200" lvl="0" indent="-342900" algn="l" rtl="0">
               <a:lnSpc>
                 <a:spcPct val="120000"/>
               </a:lnSpc>
@@ -14504,7 +14807,7 @@
             </a:endParaRPr>
           </a:p>
           <a:p>
-            <a:pPr indent="-342900" lvl="0" marL="457200" rtl="0" algn="l">
+            <a:pPr marL="457200" lvl="0" indent="-342900" algn="l" rtl="0">
               <a:lnSpc>
                 <a:spcPct val="120000"/>
               </a:lnSpc>
@@ -14546,11 +14849,11 @@
 </file>
 
 <file path=ppt/slides/slide5.xml><?xml version="1.0" encoding="utf-8"?>
-<p:sld xmlns:a="http://schemas.openxmlformats.org/drawingml/2006/main" xmlns:r="http://schemas.openxmlformats.org/officeDocument/2006/relationships" xmlns:mc="http://schemas.openxmlformats.org/markup-compatibility/2006" xmlns:mv="urn:schemas-microsoft-com:mac:vml" xmlns:p="http://schemas.openxmlformats.org/presentationml/2006/main" xmlns:c="http://schemas.openxmlformats.org/drawingml/2006/chart" xmlns:dgm="http://schemas.openxmlformats.org/drawingml/2006/diagram" xmlns:o="urn:schemas-microsoft-com:office:office" xmlns:v="urn:schemas-microsoft-com:vml" xmlns:pvml="urn:schemas-microsoft-com:office:powerpoint" xmlns:com="http://schemas.openxmlformats.org/drawingml/2006/compatibility" xmlns:p14="http://schemas.microsoft.com/office/powerpoint/2010/main" xmlns:p15="http://schemas.microsoft.com/office/powerpoint/2012/main">
+<p:sld xmlns:a="http://schemas.openxmlformats.org/drawingml/2006/main" xmlns:r="http://schemas.openxmlformats.org/officeDocument/2006/relationships" xmlns:p="http://schemas.openxmlformats.org/presentationml/2006/main">
   <p:cSld>
     <p:spTree>
       <p:nvGrpSpPr>
-        <p:cNvPr id="127" name="Shape 127"/>
+        <p:cNvPr id="1" name="Shape 127"/>
         <p:cNvGrpSpPr/>
         <p:nvPr/>
       </p:nvGrpSpPr>
@@ -14565,7 +14868,9 @@
       <p:sp>
         <p:nvSpPr>
           <p:cNvPr id="128" name="Google Shape;128;p18"/>
-          <p:cNvSpPr txBox="1"/>
+          <p:cNvSpPr txBox="1">
+            <a:spLocks noGrp="1"/>
+          </p:cNvSpPr>
           <p:nvPr>
             <p:ph type="title"/>
           </p:nvPr>
@@ -14580,12 +14885,12 @@
           </a:prstGeom>
         </p:spPr>
         <p:txBody>
-          <a:bodyPr anchorCtr="0" anchor="t" bIns="34275" lIns="68575" spcFirstLastPara="1" rIns="68575" wrap="square" tIns="34275">
+          <a:bodyPr spcFirstLastPara="1" wrap="square" lIns="68575" tIns="34275" rIns="68575" bIns="34275" anchor="t" anchorCtr="0">
             <a:noAutofit/>
           </a:bodyPr>
           <a:lstStyle/>
           <a:p>
-            <a:pPr indent="0" lvl="0" marL="0" rtl="0" algn="l">
+            <a:pPr marL="0" lvl="0" indent="0" algn="l" rtl="0">
               <a:spcBef>
                 <a:spcPts val="0"/>
               </a:spcBef>
@@ -14595,7 +14900,7 @@
               <a:buNone/>
             </a:pPr>
             <a:r>
-              <a:rPr b="1" lang="en"/>
+              <a:rPr lang="en" b="1"/>
               <a:t>Data Sources</a:t>
             </a:r>
             <a:endParaRPr b="1"/>
@@ -14605,9 +14910,11 @@
       <p:sp>
         <p:nvSpPr>
           <p:cNvPr id="129" name="Google Shape;129;p18"/>
-          <p:cNvSpPr txBox="1"/>
+          <p:cNvSpPr txBox="1">
+            <a:spLocks noGrp="1"/>
+          </p:cNvSpPr>
           <p:nvPr>
-            <p:ph idx="1" type="body"/>
+            <p:ph type="body" idx="1"/>
           </p:nvPr>
         </p:nvSpPr>
         <p:spPr>
@@ -14620,12 +14927,12 @@
           </a:prstGeom>
         </p:spPr>
         <p:txBody>
-          <a:bodyPr anchorCtr="0" anchor="t" bIns="34275" lIns="68575" spcFirstLastPara="1" rIns="68575" wrap="square" tIns="34275">
+          <a:bodyPr spcFirstLastPara="1" wrap="square" lIns="68575" tIns="34275" rIns="68575" bIns="34275" anchor="t" anchorCtr="0">
             <a:noAutofit/>
           </a:bodyPr>
           <a:lstStyle/>
           <a:p>
-            <a:pPr indent="-342900" lvl="0" marL="457200" rtl="0" algn="l">
+            <a:pPr marL="457200" lvl="0" indent="-342900" algn="l" rtl="0">
               <a:lnSpc>
                 <a:spcPct val="120000"/>
               </a:lnSpc>
@@ -14652,7 +14959,7 @@
             </a:endParaRPr>
           </a:p>
           <a:p>
-            <a:pPr indent="-342900" lvl="1" marL="914400" rtl="0" algn="l">
+            <a:pPr marL="914400" lvl="1" indent="-342900" algn="l" rtl="0">
               <a:lnSpc>
                 <a:spcPct val="120000"/>
               </a:lnSpc>
@@ -14683,7 +14990,7 @@
             </a:endParaRPr>
           </a:p>
           <a:p>
-            <a:pPr indent="-342900" lvl="1" marL="914400" rtl="0" algn="l">
+            <a:pPr marL="914400" lvl="1" indent="-342900" algn="l" rtl="0">
               <a:spcBef>
                 <a:spcPts val="0"/>
               </a:spcBef>
@@ -14707,7 +15014,7 @@
             </a:endParaRPr>
           </a:p>
           <a:p>
-            <a:pPr indent="-342900" lvl="1" marL="914400" rtl="0" algn="l">
+            <a:pPr marL="914400" lvl="1" indent="-342900" algn="l" rtl="0">
               <a:lnSpc>
                 <a:spcPct val="120000"/>
               </a:lnSpc>
@@ -14738,7 +15045,7 @@
             </a:endParaRPr>
           </a:p>
           <a:p>
-            <a:pPr indent="-342900" lvl="1" marL="914400" rtl="0" algn="l">
+            <a:pPr marL="914400" lvl="1" indent="-342900" algn="l" rtl="0">
               <a:lnSpc>
                 <a:spcPct val="120000"/>
               </a:lnSpc>
@@ -14769,7 +15076,7 @@
             </a:endParaRPr>
           </a:p>
           <a:p>
-            <a:pPr indent="-342900" lvl="1" marL="914400" rtl="0" algn="l">
+            <a:pPr marL="914400" lvl="1" indent="-342900" algn="l" rtl="0">
               <a:spcBef>
                 <a:spcPts val="0"/>
               </a:spcBef>
@@ -14810,7 +15117,7 @@
             </a:endParaRPr>
           </a:p>
           <a:p>
-            <a:pPr indent="-342900" lvl="0" marL="457200" rtl="0" algn="l">
+            <a:pPr marL="457200" lvl="0" indent="-342900" algn="l" rtl="0">
               <a:lnSpc>
                 <a:spcPct val="120000"/>
               </a:lnSpc>
@@ -14841,7 +15148,7 @@
             </a:endParaRPr>
           </a:p>
           <a:p>
-            <a:pPr indent="-342900" lvl="1" marL="914400" rtl="0" algn="l">
+            <a:pPr marL="914400" lvl="1" indent="-342900" algn="l" rtl="0">
               <a:lnSpc>
                 <a:spcPct val="120000"/>
               </a:lnSpc>
@@ -14872,7 +15179,7 @@
             </a:endParaRPr>
           </a:p>
           <a:p>
-            <a:pPr indent="-342900" lvl="0" marL="457200" rtl="0" algn="l">
+            <a:pPr marL="457200" lvl="0" indent="-342900" algn="l" rtl="0">
               <a:lnSpc>
                 <a:spcPct val="120000"/>
               </a:lnSpc>
@@ -14934,11 +15241,11 @@
 </file>
 
 <file path=ppt/slides/slide6.xml><?xml version="1.0" encoding="utf-8"?>
-<p:sld xmlns:a="http://schemas.openxmlformats.org/drawingml/2006/main" xmlns:r="http://schemas.openxmlformats.org/officeDocument/2006/relationships" xmlns:mc="http://schemas.openxmlformats.org/markup-compatibility/2006" xmlns:mv="urn:schemas-microsoft-com:mac:vml" xmlns:p="http://schemas.openxmlformats.org/presentationml/2006/main" xmlns:c="http://schemas.openxmlformats.org/drawingml/2006/chart" xmlns:dgm="http://schemas.openxmlformats.org/drawingml/2006/diagram" xmlns:o="urn:schemas-microsoft-com:office:office" xmlns:v="urn:schemas-microsoft-com:vml" xmlns:pvml="urn:schemas-microsoft-com:office:powerpoint" xmlns:com="http://schemas.openxmlformats.org/drawingml/2006/compatibility" xmlns:p14="http://schemas.microsoft.com/office/powerpoint/2010/main" xmlns:p15="http://schemas.microsoft.com/office/powerpoint/2012/main">
+<p:sld xmlns:a="http://schemas.openxmlformats.org/drawingml/2006/main" xmlns:r="http://schemas.openxmlformats.org/officeDocument/2006/relationships" xmlns:p="http://schemas.openxmlformats.org/presentationml/2006/main">
   <p:cSld>
     <p:spTree>
       <p:nvGrpSpPr>
-        <p:cNvPr id="133" name="Shape 133"/>
+        <p:cNvPr id="1" name="Shape 133"/>
         <p:cNvGrpSpPr/>
         <p:nvPr/>
       </p:nvGrpSpPr>
@@ -14953,7 +15260,9 @@
       <p:sp>
         <p:nvSpPr>
           <p:cNvPr id="134" name="Google Shape;134;p19"/>
-          <p:cNvSpPr txBox="1"/>
+          <p:cNvSpPr txBox="1">
+            <a:spLocks noGrp="1"/>
+          </p:cNvSpPr>
           <p:nvPr>
             <p:ph type="title"/>
           </p:nvPr>
@@ -14968,12 +15277,12 @@
           </a:prstGeom>
         </p:spPr>
         <p:txBody>
-          <a:bodyPr anchorCtr="0" anchor="t" bIns="34275" lIns="68575" spcFirstLastPara="1" rIns="68575" wrap="square" tIns="34275">
+          <a:bodyPr spcFirstLastPara="1" wrap="square" lIns="68575" tIns="34275" rIns="68575" bIns="34275" anchor="t" anchorCtr="0">
             <a:noAutofit/>
           </a:bodyPr>
           <a:lstStyle/>
           <a:p>
-            <a:pPr indent="0" lvl="0" marL="0" rtl="0" algn="l">
+            <a:pPr marL="0" lvl="0" indent="0" algn="l" rtl="0">
               <a:spcBef>
                 <a:spcPts val="0"/>
               </a:spcBef>
@@ -14993,9 +15302,11 @@
       <p:sp>
         <p:nvSpPr>
           <p:cNvPr id="135" name="Google Shape;135;p19"/>
-          <p:cNvSpPr txBox="1"/>
+          <p:cNvSpPr txBox="1">
+            <a:spLocks noGrp="1"/>
+          </p:cNvSpPr>
           <p:nvPr>
-            <p:ph idx="1" type="body"/>
+            <p:ph type="body" idx="1"/>
           </p:nvPr>
         </p:nvSpPr>
         <p:spPr>
@@ -15008,12 +15319,12 @@
           </a:prstGeom>
         </p:spPr>
         <p:txBody>
-          <a:bodyPr anchorCtr="0" anchor="t" bIns="34275" lIns="68575" spcFirstLastPara="1" rIns="68575" wrap="square" tIns="34275">
+          <a:bodyPr spcFirstLastPara="1" wrap="square" lIns="68575" tIns="34275" rIns="68575" bIns="34275" anchor="t" anchorCtr="0">
             <a:noAutofit/>
           </a:bodyPr>
           <a:lstStyle/>
           <a:p>
-            <a:pPr indent="0" lvl="0" marL="0" rtl="0" algn="l">
+            <a:pPr marL="0" lvl="0" indent="0" algn="l" rtl="0">
               <a:spcBef>
                 <a:spcPts val="800"/>
               </a:spcBef>
@@ -15024,20 +15335,12 @@
             </a:pPr>
             <a:r>
               <a:rPr lang="en"/>
-              <a:t>Initial</a:t>
-            </a:r>
-            <a:r>
-              <a:rPr lang="en"/>
-              <a:t> </a:t>
-            </a:r>
-            <a:r>
-              <a:rPr lang="en"/>
-              <a:t>assumption was that theft would be major contributor to crime rate.</a:t>
+              <a:t>Initial assumption was that theft would be major contributor to crime rate.</a:t>
             </a:r>
             <a:endParaRPr/>
           </a:p>
           <a:p>
-            <a:pPr indent="0" lvl="0" marL="0" rtl="0" algn="l">
+            <a:pPr marL="0" lvl="0" indent="0" algn="l" rtl="0">
               <a:spcBef>
                 <a:spcPts val="800"/>
               </a:spcBef>
@@ -15064,7 +15367,7 @@
           <a:blip r:embed="rId3">
             <a:alphaModFix/>
           </a:blip>
-          <a:srcRect b="5864" l="0" r="14368" t="9144"/>
+          <a:srcRect t="9144" r="14368" b="5864"/>
           <a:stretch/>
         </p:blipFill>
         <p:spPr>
@@ -15090,11 +15393,11 @@
 </file>
 
 <file path=ppt/slides/slide7.xml><?xml version="1.0" encoding="utf-8"?>
-<p:sld xmlns:a="http://schemas.openxmlformats.org/drawingml/2006/main" xmlns:r="http://schemas.openxmlformats.org/officeDocument/2006/relationships" xmlns:mc="http://schemas.openxmlformats.org/markup-compatibility/2006" xmlns:mv="urn:schemas-microsoft-com:mac:vml" xmlns:p="http://schemas.openxmlformats.org/presentationml/2006/main" xmlns:c="http://schemas.openxmlformats.org/drawingml/2006/chart" xmlns:dgm="http://schemas.openxmlformats.org/drawingml/2006/diagram" xmlns:o="urn:schemas-microsoft-com:office:office" xmlns:v="urn:schemas-microsoft-com:vml" xmlns:pvml="urn:schemas-microsoft-com:office:powerpoint" xmlns:com="http://schemas.openxmlformats.org/drawingml/2006/compatibility" xmlns:p14="http://schemas.microsoft.com/office/powerpoint/2010/main" xmlns:p15="http://schemas.microsoft.com/office/powerpoint/2012/main">
+<p:sld xmlns:a="http://schemas.openxmlformats.org/drawingml/2006/main" xmlns:r="http://schemas.openxmlformats.org/officeDocument/2006/relationships" xmlns:p="http://schemas.openxmlformats.org/presentationml/2006/main">
   <p:cSld>
     <p:spTree>
       <p:nvGrpSpPr>
-        <p:cNvPr id="140" name="Shape 140"/>
+        <p:cNvPr id="1" name="Shape 140"/>
         <p:cNvGrpSpPr/>
         <p:nvPr/>
       </p:nvGrpSpPr>
@@ -15109,7 +15412,9 @@
       <p:sp>
         <p:nvSpPr>
           <p:cNvPr id="141" name="Google Shape;141;p20"/>
-          <p:cNvSpPr txBox="1"/>
+          <p:cNvSpPr txBox="1">
+            <a:spLocks noGrp="1"/>
+          </p:cNvSpPr>
           <p:nvPr>
             <p:ph type="title"/>
           </p:nvPr>
@@ -15124,12 +15429,12 @@
           </a:prstGeom>
         </p:spPr>
         <p:txBody>
-          <a:bodyPr anchorCtr="0" anchor="t" bIns="34275" lIns="68575" spcFirstLastPara="1" rIns="68575" wrap="square" tIns="34275">
+          <a:bodyPr spcFirstLastPara="1" wrap="square" lIns="68575" tIns="34275" rIns="68575" bIns="34275" anchor="t" anchorCtr="0">
             <a:noAutofit/>
           </a:bodyPr>
           <a:lstStyle/>
           <a:p>
-            <a:pPr indent="0" lvl="0" marL="0" rtl="0" algn="l">
+            <a:pPr marL="0" lvl="0" indent="0" algn="l" rtl="0">
               <a:lnSpc>
                 <a:spcPct val="120000"/>
               </a:lnSpc>
@@ -15142,13 +15447,13 @@
               <a:buNone/>
             </a:pPr>
             <a:r>
-              <a:rPr b="1" lang="en" sz="1800"/>
+              <a:rPr lang="en" sz="1800" b="1"/>
               <a:t>Total Number of crimes In Kansas City by Month in 2018</a:t>
             </a:r>
-            <a:endParaRPr b="1" sz="1800"/>
+            <a:endParaRPr sz="1800" b="1"/>
           </a:p>
           <a:p>
-            <a:pPr indent="0" lvl="0" marL="0" rtl="0" algn="l">
+            <a:pPr marL="0" lvl="0" indent="0" algn="l" rtl="0">
               <a:spcBef>
                 <a:spcPts val="0"/>
               </a:spcBef>
@@ -15157,9 +15462,6 @@
               </a:spcAft>
               <a:buNone/>
             </a:pPr>
-            <a:r>
-              <a:t/>
-            </a:r>
             <a:endParaRPr/>
           </a:p>
         </p:txBody>
@@ -15167,9 +15469,11 @@
       <p:sp>
         <p:nvSpPr>
           <p:cNvPr id="142" name="Google Shape;142;p20"/>
-          <p:cNvSpPr txBox="1"/>
+          <p:cNvSpPr txBox="1">
+            <a:spLocks noGrp="1"/>
+          </p:cNvSpPr>
           <p:nvPr>
-            <p:ph idx="1" type="body"/>
+            <p:ph type="body" idx="1"/>
           </p:nvPr>
         </p:nvSpPr>
         <p:spPr>
@@ -15182,12 +15486,12 @@
           </a:prstGeom>
         </p:spPr>
         <p:txBody>
-          <a:bodyPr anchorCtr="0" anchor="t" bIns="34275" lIns="68575" spcFirstLastPara="1" rIns="68575" wrap="square" tIns="34275">
+          <a:bodyPr spcFirstLastPara="1" wrap="square" lIns="68575" tIns="34275" rIns="68575" bIns="34275" anchor="t" anchorCtr="0">
             <a:noAutofit/>
           </a:bodyPr>
           <a:lstStyle/>
           <a:p>
-            <a:pPr indent="-298450" lvl="0" marL="457200" rtl="0" algn="l">
+            <a:pPr marL="457200" lvl="0" indent="-298450" algn="l" rtl="0">
               <a:spcBef>
                 <a:spcPts val="800"/>
               </a:spcBef>
@@ -15199,16 +15503,12 @@
             </a:pPr>
             <a:r>
               <a:rPr lang="en" sz="1100"/>
-              <a:t>In the initial assumption we</a:t>
-            </a:r>
-            <a:r>
-              <a:rPr lang="en" sz="1100"/>
-              <a:t> considered winter to be the season with highest number of crimes</a:t>
+              <a:t>In the initial assumption we considered winter to be the season with highest number of crimes</a:t>
             </a:r>
             <a:endParaRPr sz="1100"/>
           </a:p>
           <a:p>
-            <a:pPr indent="-298450" lvl="0" marL="457200" rtl="0" algn="l">
+            <a:pPr marL="457200" lvl="0" indent="-298450" algn="l" rtl="0">
               <a:spcBef>
                 <a:spcPts val="0"/>
               </a:spcBef>
@@ -15220,16 +15520,12 @@
             </a:pPr>
             <a:r>
               <a:rPr lang="en" sz="1100"/>
-              <a:t>First plot shows the n</a:t>
-            </a:r>
-            <a:r>
-              <a:rPr lang="en" sz="1100"/>
-              <a:t>umber of crimes over the course of the month keeps fluctuating, does not tell us whether winter has a higher rate</a:t>
+              <a:t>First plot shows the number of crimes over the course of the month keeps fluctuating, does not tell us whether winter has a higher rate</a:t>
             </a:r>
             <a:endParaRPr sz="1100"/>
           </a:p>
           <a:p>
-            <a:pPr indent="-298450" lvl="0" marL="457200" rtl="0" algn="l">
+            <a:pPr marL="457200" lvl="0" indent="-298450" algn="l" rtl="0">
               <a:spcBef>
                 <a:spcPts val="0"/>
               </a:spcBef>
@@ -15246,7 +15542,7 @@
             <a:endParaRPr sz="1100"/>
           </a:p>
           <a:p>
-            <a:pPr indent="-298450" lvl="0" marL="457200" rtl="0" algn="l">
+            <a:pPr marL="457200" lvl="0" indent="-298450" algn="l" rtl="0">
               <a:spcBef>
                 <a:spcPts val="0"/>
               </a:spcBef>
@@ -15263,7 +15559,7 @@
             <a:endParaRPr sz="1100"/>
           </a:p>
           <a:p>
-            <a:pPr indent="-298450" lvl="0" marL="457200" rtl="0" algn="l">
+            <a:pPr marL="457200" lvl="0" indent="-298450" algn="l" rtl="0">
               <a:spcBef>
                 <a:spcPts val="0"/>
               </a:spcBef>
@@ -15275,16 +15571,12 @@
             </a:pPr>
             <a:r>
               <a:rPr lang="en" sz="1100"/>
-              <a:t>Difference in winter and summer, but is the difference </a:t>
-            </a:r>
-            <a:r>
-              <a:rPr lang="en" sz="1100"/>
-              <a:t>significant?</a:t>
+              <a:t>Difference in winter and summer, but is the difference significant?</a:t>
             </a:r>
             <a:endParaRPr sz="1100"/>
           </a:p>
           <a:p>
-            <a:pPr indent="-298450" lvl="0" marL="457200" rtl="0" algn="l">
+            <a:pPr marL="457200" lvl="0" indent="-298450" algn="l" rtl="0">
               <a:spcBef>
                 <a:spcPts val="0"/>
               </a:spcBef>
@@ -15301,7 +15593,7 @@
             <a:endParaRPr sz="1100"/>
           </a:p>
           <a:p>
-            <a:pPr indent="-298450" lvl="1" marL="914400" rtl="0" algn="l">
+            <a:pPr marL="914400" lvl="1" indent="-298450" algn="l" rtl="0">
               <a:spcBef>
                 <a:spcPts val="0"/>
               </a:spcBef>
@@ -15318,7 +15610,7 @@
             <a:endParaRPr sz="1100"/>
           </a:p>
           <a:p>
-            <a:pPr indent="-298450" lvl="1" marL="914400" rtl="0" algn="l">
+            <a:pPr marL="914400" lvl="1" indent="-298450" algn="l" rtl="0">
               <a:spcBef>
                 <a:spcPts val="0"/>
               </a:spcBef>
@@ -15335,7 +15627,7 @@
             <a:endParaRPr sz="1100"/>
           </a:p>
           <a:p>
-            <a:pPr indent="-298450" lvl="0" marL="457200" rtl="0" algn="l">
+            <a:pPr marL="457200" lvl="0" indent="-298450" algn="l" rtl="0">
               <a:spcBef>
                 <a:spcPts val="0"/>
               </a:spcBef>
@@ -15347,20 +15639,12 @@
             </a:pPr>
             <a:r>
               <a:rPr lang="en" sz="1100"/>
-              <a:t>Curious if the change in months </a:t>
-            </a:r>
-            <a:r>
-              <a:rPr lang="en" sz="1100"/>
-              <a:t>affect</a:t>
-            </a:r>
-            <a:r>
-              <a:rPr lang="en" sz="1100"/>
-              <a:t> the crime rate</a:t>
+              <a:t>Curious if the change in months affect the crime rate</a:t>
             </a:r>
             <a:endParaRPr sz="1100"/>
           </a:p>
           <a:p>
-            <a:pPr indent="-298450" lvl="0" marL="457200" rtl="0" algn="l">
+            <a:pPr marL="457200" lvl="0" indent="-298450" algn="l" rtl="0">
               <a:spcBef>
                 <a:spcPts val="0"/>
               </a:spcBef>
@@ -15377,7 +15661,7 @@
             <a:endParaRPr sz="1100"/>
           </a:p>
           <a:p>
-            <a:pPr indent="-298450" lvl="1" marL="914400" rtl="0" algn="l">
+            <a:pPr marL="914400" lvl="1" indent="-298450" algn="l" rtl="0">
               <a:spcBef>
                 <a:spcPts val="0"/>
               </a:spcBef>
@@ -15394,7 +15678,7 @@
             <a:endParaRPr sz="1100"/>
           </a:p>
           <a:p>
-            <a:pPr indent="-298450" lvl="1" marL="914400" rtl="0" algn="l">
+            <a:pPr marL="914400" lvl="1" indent="-298450" algn="l" rtl="0">
               <a:spcBef>
                 <a:spcPts val="0"/>
               </a:spcBef>
@@ -15477,11 +15761,11 @@
 </file>
 
 <file path=ppt/slides/slide8.xml><?xml version="1.0" encoding="utf-8"?>
-<p:sld xmlns:a="http://schemas.openxmlformats.org/drawingml/2006/main" xmlns:r="http://schemas.openxmlformats.org/officeDocument/2006/relationships" xmlns:mc="http://schemas.openxmlformats.org/markup-compatibility/2006" xmlns:mv="urn:schemas-microsoft-com:mac:vml" xmlns:p="http://schemas.openxmlformats.org/presentationml/2006/main" xmlns:c="http://schemas.openxmlformats.org/drawingml/2006/chart" xmlns:dgm="http://schemas.openxmlformats.org/drawingml/2006/diagram" xmlns:o="urn:schemas-microsoft-com:office:office" xmlns:v="urn:schemas-microsoft-com:vml" xmlns:pvml="urn:schemas-microsoft-com:office:powerpoint" xmlns:com="http://schemas.openxmlformats.org/drawingml/2006/compatibility" xmlns:p14="http://schemas.microsoft.com/office/powerpoint/2010/main" xmlns:p15="http://schemas.microsoft.com/office/powerpoint/2012/main">
+<p:sld xmlns:a="http://schemas.openxmlformats.org/drawingml/2006/main" xmlns:r="http://schemas.openxmlformats.org/officeDocument/2006/relationships" xmlns:p="http://schemas.openxmlformats.org/presentationml/2006/main">
   <p:cSld>
     <p:spTree>
       <p:nvGrpSpPr>
-        <p:cNvPr id="148" name="Shape 148"/>
+        <p:cNvPr id="1" name="Shape 148"/>
         <p:cNvGrpSpPr/>
         <p:nvPr/>
       </p:nvGrpSpPr>
@@ -15496,7 +15780,9 @@
       <p:sp>
         <p:nvSpPr>
           <p:cNvPr id="149" name="Google Shape;149;p21"/>
-          <p:cNvSpPr txBox="1"/>
+          <p:cNvSpPr txBox="1">
+            <a:spLocks noGrp="1"/>
+          </p:cNvSpPr>
           <p:nvPr>
             <p:ph type="title"/>
           </p:nvPr>
@@ -15511,12 +15797,12 @@
           </a:prstGeom>
         </p:spPr>
         <p:txBody>
-          <a:bodyPr anchorCtr="0" anchor="t" bIns="34275" lIns="68575" spcFirstLastPara="1" rIns="68575" wrap="square" tIns="34275">
+          <a:bodyPr spcFirstLastPara="1" wrap="square" lIns="68575" tIns="34275" rIns="68575" bIns="34275" anchor="t" anchorCtr="0">
             <a:noAutofit/>
           </a:bodyPr>
           <a:lstStyle/>
           <a:p>
-            <a:pPr indent="0" lvl="0" marL="0" rtl="0" algn="ctr">
+            <a:pPr marL="0" lvl="0" indent="0" algn="ctr" rtl="0">
               <a:spcBef>
                 <a:spcPts val="0"/>
               </a:spcBef>
@@ -15526,7 +15812,7 @@
               <a:buNone/>
             </a:pPr>
             <a:r>
-              <a:rPr b="1" lang="en"/>
+              <a:rPr lang="en" b="1"/>
               <a:t>Total Number of Crimes by Categories by Month</a:t>
             </a:r>
             <a:endParaRPr b="1"/>
@@ -15536,9 +15822,11 @@
       <p:sp>
         <p:nvSpPr>
           <p:cNvPr id="150" name="Google Shape;150;p21"/>
-          <p:cNvSpPr txBox="1"/>
+          <p:cNvSpPr txBox="1">
+            <a:spLocks noGrp="1"/>
+          </p:cNvSpPr>
           <p:nvPr>
-            <p:ph idx="1" type="body"/>
+            <p:ph type="body" idx="1"/>
           </p:nvPr>
         </p:nvSpPr>
         <p:spPr>
@@ -15551,12 +15839,12 @@
           </a:prstGeom>
         </p:spPr>
         <p:txBody>
-          <a:bodyPr anchorCtr="0" anchor="t" bIns="34275" lIns="68575" spcFirstLastPara="1" rIns="68575" wrap="square" tIns="34275">
+          <a:bodyPr spcFirstLastPara="1" wrap="square" lIns="68575" tIns="34275" rIns="68575" bIns="34275" anchor="t" anchorCtr="0">
             <a:noAutofit/>
           </a:bodyPr>
           <a:lstStyle/>
           <a:p>
-            <a:pPr indent="-298450" lvl="0" marL="457200" rtl="0" algn="l">
+            <a:pPr marL="457200" lvl="0" indent="-298450" algn="l" rtl="0">
               <a:spcBef>
                 <a:spcPts val="800"/>
               </a:spcBef>
@@ -15573,7 +15861,7 @@
             <a:endParaRPr sz="1100"/>
           </a:p>
           <a:p>
-            <a:pPr indent="-298450" lvl="0" marL="457200" rtl="0" algn="l">
+            <a:pPr marL="457200" lvl="0" indent="-298450" algn="l" rtl="0">
               <a:spcBef>
                 <a:spcPts val="0"/>
               </a:spcBef>
@@ -15590,7 +15878,7 @@
             <a:endParaRPr sz="1100"/>
           </a:p>
           <a:p>
-            <a:pPr indent="-298450" lvl="0" marL="457200" rtl="0" algn="l">
+            <a:pPr marL="457200" lvl="0" indent="-298450" algn="l" rtl="0">
               <a:spcBef>
                 <a:spcPts val="0"/>
               </a:spcBef>
@@ -15607,7 +15895,7 @@
             <a:endParaRPr sz="1100"/>
           </a:p>
           <a:p>
-            <a:pPr indent="-298450" lvl="0" marL="457200" rtl="0" algn="l">
+            <a:pPr marL="457200" lvl="0" indent="-298450" algn="l" rtl="0">
               <a:spcBef>
                 <a:spcPts val="0"/>
               </a:spcBef>
@@ -15624,7 +15912,7 @@
             <a:endParaRPr sz="1100"/>
           </a:p>
           <a:p>
-            <a:pPr indent="-298450" lvl="0" marL="457200" rtl="0" algn="l">
+            <a:pPr marL="457200" lvl="0" indent="-298450" algn="l" rtl="0">
               <a:spcBef>
                 <a:spcPts val="0"/>
               </a:spcBef>
@@ -15641,7 +15929,7 @@
             <a:endParaRPr sz="1100"/>
           </a:p>
           <a:p>
-            <a:pPr indent="-298450" lvl="0" marL="457200" rtl="0" algn="l">
+            <a:pPr marL="457200" lvl="0" indent="-298450" algn="l" rtl="0">
               <a:spcBef>
                 <a:spcPts val="0"/>
               </a:spcBef>
@@ -15658,7 +15946,7 @@
             <a:endParaRPr sz="1100"/>
           </a:p>
           <a:p>
-            <a:pPr indent="-298450" lvl="0" marL="457200" rtl="0" algn="l">
+            <a:pPr marL="457200" lvl="0" indent="-298450" algn="l" rtl="0">
               <a:spcBef>
                 <a:spcPts val="0"/>
               </a:spcBef>
@@ -15675,7 +15963,7 @@
             <a:endParaRPr sz="1100"/>
           </a:p>
           <a:p>
-            <a:pPr indent="-298450" lvl="0" marL="457200" rtl="0" algn="l">
+            <a:pPr marL="457200" lvl="0" indent="-298450" algn="l" rtl="0">
               <a:spcBef>
                 <a:spcPts val="0"/>
               </a:spcBef>
@@ -15692,7 +15980,7 @@
             <a:endParaRPr sz="1100"/>
           </a:p>
           <a:p>
-            <a:pPr indent="-298450" lvl="0" marL="457200" rtl="0" algn="l">
+            <a:pPr marL="457200" lvl="0" indent="-298450" algn="l" rtl="0">
               <a:spcBef>
                 <a:spcPts val="0"/>
               </a:spcBef>
@@ -15887,11 +16175,11 @@
 </file>
 
 <file path=ppt/slides/slide9.xml><?xml version="1.0" encoding="utf-8"?>
-<p:sld xmlns:a="http://schemas.openxmlformats.org/drawingml/2006/main" xmlns:r="http://schemas.openxmlformats.org/officeDocument/2006/relationships" xmlns:mc="http://schemas.openxmlformats.org/markup-compatibility/2006" xmlns:mv="urn:schemas-microsoft-com:mac:vml" xmlns:p="http://schemas.openxmlformats.org/presentationml/2006/main" xmlns:c="http://schemas.openxmlformats.org/drawingml/2006/chart" xmlns:dgm="http://schemas.openxmlformats.org/drawingml/2006/diagram" xmlns:o="urn:schemas-microsoft-com:office:office" xmlns:v="urn:schemas-microsoft-com:vml" xmlns:pvml="urn:schemas-microsoft-com:office:powerpoint" xmlns:com="http://schemas.openxmlformats.org/drawingml/2006/compatibility" xmlns:p14="http://schemas.microsoft.com/office/powerpoint/2010/main" xmlns:p15="http://schemas.microsoft.com/office/powerpoint/2012/main">
+<p:sld xmlns:a="http://schemas.openxmlformats.org/drawingml/2006/main" xmlns:r="http://schemas.openxmlformats.org/officeDocument/2006/relationships" xmlns:p="http://schemas.openxmlformats.org/presentationml/2006/main">
   <p:cSld>
     <p:spTree>
       <p:nvGrpSpPr>
-        <p:cNvPr id="160" name="Shape 160"/>
+        <p:cNvPr id="1" name="Shape 160"/>
         <p:cNvGrpSpPr/>
         <p:nvPr/>
       </p:nvGrpSpPr>
@@ -15906,7 +16194,9 @@
       <p:sp>
         <p:nvSpPr>
           <p:cNvPr id="161" name="Google Shape;161;p22"/>
-          <p:cNvSpPr txBox="1"/>
+          <p:cNvSpPr txBox="1">
+            <a:spLocks noGrp="1"/>
+          </p:cNvSpPr>
           <p:nvPr>
             <p:ph type="title"/>
           </p:nvPr>
@@ -15921,12 +16211,12 @@
           </a:prstGeom>
         </p:spPr>
         <p:txBody>
-          <a:bodyPr anchorCtr="0" anchor="t" bIns="34275" lIns="68575" spcFirstLastPara="1" rIns="68575" wrap="square" tIns="34275">
+          <a:bodyPr spcFirstLastPara="1" wrap="square" lIns="68575" tIns="34275" rIns="68575" bIns="34275" anchor="t" anchorCtr="0">
             <a:noAutofit/>
           </a:bodyPr>
           <a:lstStyle/>
           <a:p>
-            <a:pPr indent="0" lvl="0" marL="0" rtl="0" algn="ctr">
+            <a:pPr marL="0" lvl="0" indent="0" algn="ctr" rtl="0">
               <a:spcBef>
                 <a:spcPts val="0"/>
               </a:spcBef>
@@ -15936,7 +16226,7 @@
               <a:buNone/>
             </a:pPr>
             <a:r>
-              <a:rPr b="1" lang="en"/>
+              <a:rPr lang="en" b="1"/>
               <a:t>Crime outcomes determined by Gender/Age</a:t>
             </a:r>
             <a:endParaRPr b="1"/>
@@ -15946,9 +16236,11 @@
       <p:sp>
         <p:nvSpPr>
           <p:cNvPr id="162" name="Google Shape;162;p22"/>
-          <p:cNvSpPr txBox="1"/>
+          <p:cNvSpPr txBox="1">
+            <a:spLocks noGrp="1"/>
+          </p:cNvSpPr>
           <p:nvPr>
-            <p:ph idx="1" type="body"/>
+            <p:ph type="body" idx="1"/>
           </p:nvPr>
         </p:nvSpPr>
         <p:spPr>
@@ -15961,12 +16253,12 @@
           </a:prstGeom>
         </p:spPr>
         <p:txBody>
-          <a:bodyPr anchorCtr="0" anchor="t" bIns="34275" lIns="68575" spcFirstLastPara="1" rIns="68575" wrap="square" tIns="34275">
+          <a:bodyPr spcFirstLastPara="1" wrap="square" lIns="68575" tIns="34275" rIns="68575" bIns="34275" anchor="t" anchorCtr="0">
             <a:noAutofit/>
           </a:bodyPr>
           <a:lstStyle/>
           <a:p>
-            <a:pPr indent="0" lvl="0" marL="0" rtl="0" algn="l">
+            <a:pPr marL="0" lvl="0" indent="0" algn="l" rtl="0">
               <a:spcBef>
                 <a:spcPts val="800"/>
               </a:spcBef>
@@ -15975,9 +16267,6 @@
               </a:spcAft>
               <a:buNone/>
             </a:pPr>
-            <a:r>
-              <a:t/>
-            </a:r>
             <a:endParaRPr/>
           </a:p>
         </p:txBody>
@@ -16058,12 +16347,12 @@
           </a:ln>
         </p:spPr>
         <p:txBody>
-          <a:bodyPr anchorCtr="0" anchor="t" bIns="91425" lIns="91425" spcFirstLastPara="1" rIns="91425" wrap="square" tIns="91425">
+          <a:bodyPr spcFirstLastPara="1" wrap="square" lIns="91425" tIns="91425" rIns="91425" bIns="91425" anchor="t" anchorCtr="0">
             <a:noAutofit/>
           </a:bodyPr>
           <a:lstStyle/>
           <a:p>
-            <a:pPr indent="-317500" lvl="0" marL="457200" rtl="0" algn="l">
+            <a:pPr marL="457200" lvl="0" indent="-317500" algn="l" rtl="0">
               <a:spcBef>
                 <a:spcPts val="0"/>
               </a:spcBef>
@@ -16091,7 +16380,7 @@
             </a:endParaRPr>
           </a:p>
           <a:p>
-            <a:pPr indent="-317500" lvl="0" marL="457200" rtl="0" algn="l">
+            <a:pPr marL="457200" lvl="0" indent="-317500" algn="l" rtl="0">
               <a:spcBef>
                 <a:spcPts val="0"/>
               </a:spcBef>
@@ -16129,7 +16418,7 @@
 </file>
 
 <file path=ppt/theme/theme1.xml><?xml version="1.0" encoding="utf-8"?>
-<a:theme xmlns:a="http://schemas.openxmlformats.org/drawingml/2006/main" xmlns:r="http://schemas.openxmlformats.org/officeDocument/2006/relationships" name="Gallery">
+<a:theme xmlns:a="http://schemas.openxmlformats.org/drawingml/2006/main" name="Gallery">
   <a:themeElements>
     <a:clrScheme name="Gallery">
       <a:dk1>
@@ -16404,11 +16693,13 @@
       </a:bgFillStyleLst>
     </a:fmtScheme>
   </a:themeElements>
+  <a:objectDefaults/>
+  <a:extraClrSchemeLst/>
 </a:theme>
 </file>
 
 <file path=ppt/theme/theme2.xml><?xml version="1.0" encoding="utf-8"?>
-<a:theme xmlns:a="http://schemas.openxmlformats.org/drawingml/2006/main" xmlns:r="http://schemas.openxmlformats.org/officeDocument/2006/relationships">
+<a:theme xmlns:a="http://schemas.openxmlformats.org/drawingml/2006/main">
   <a:themeElements>
     <a:clrScheme name="Default">
       <a:dk1>
@@ -16683,5 +16974,7 @@
       </a:bgFillStyleLst>
     </a:fmtScheme>
   </a:themeElements>
+  <a:objectDefaults/>
+  <a:extraClrSchemeLst/>
 </a:theme>
 </file>